--- a/_ss/Define_Integration_Hub_Lib_Concept_20231204.pptx
+++ b/_ss/Define_Integration_Hub_Lib_Concept_20231204.pptx
@@ -9414,14 +9414,17 @@
                 </a:solidFill>
                 <a:latin typeface="SamsungOneKorean 700"/>
               </a:rPr>
-              <a:t>논리 아키텍처</a:t>
-            </a:r>
-            <a:endParaRPr lang="en-US" altLang="ko-KR" sz="2200" b="1" dirty="0">
-              <a:solidFill>
-                <a:srgbClr val="7F7F7F"/>
-              </a:solidFill>
-              <a:latin typeface="SamsungOneKorean 700"/>
-            </a:endParaRPr>
+              <a:t>개념 설명 </a:t>
+            </a:r>
+            <a:r>
+              <a:rPr lang="en-US" altLang="ko-KR" sz="2200" b="1" dirty="0">
+                <a:solidFill>
+                  <a:srgbClr val="7F7F7F"/>
+                </a:solidFill>
+                <a:latin typeface="SamsungOneKorean 700"/>
+              </a:rPr>
+              <a:t>#1</a:t>
+            </a:r>
           </a:p>
         </p:txBody>
       </p:sp>
@@ -10381,7 +10384,7 @@
         </p:nvCxnSpPr>
         <p:spPr bwMode="auto">
           <a:xfrm>
-            <a:off x="4400473" y="1449607"/>
+            <a:off x="3948650" y="1449607"/>
             <a:ext cx="0" cy="198889"/>
           </a:xfrm>
           <a:prstGeom prst="line">
@@ -10421,7 +10424,7 @@
         </p:nvCxnSpPr>
         <p:spPr bwMode="auto">
           <a:xfrm>
-            <a:off x="5318503" y="1449607"/>
+            <a:off x="4866680" y="1449607"/>
             <a:ext cx="0" cy="198889"/>
           </a:xfrm>
           <a:prstGeom prst="line">
@@ -10520,7 +10523,7 @@
         </p:nvSpPr>
         <p:spPr>
           <a:xfrm>
-            <a:off x="4631541" y="1362280"/>
+            <a:off x="4179718" y="1362280"/>
             <a:ext cx="393056" cy="200055"/>
           </a:xfrm>
           <a:prstGeom prst="rect">
@@ -10627,7 +10630,7 @@
         </p:nvCxnSpPr>
         <p:spPr>
           <a:xfrm>
-            <a:off x="4399701" y="1621229"/>
+            <a:off x="3947878" y="1621229"/>
             <a:ext cx="0" cy="3600000"/>
           </a:xfrm>
           <a:prstGeom prst="straightConnector1">
@@ -10673,7 +10676,7 @@
         </p:nvCxnSpPr>
         <p:spPr>
           <a:xfrm>
-            <a:off x="5318503" y="1621229"/>
+            <a:off x="4866680" y="1621229"/>
             <a:ext cx="0" cy="3600000"/>
           </a:xfrm>
           <a:prstGeom prst="straightConnector1">
@@ -10719,8 +10722,8 @@
         </p:nvSpPr>
         <p:spPr>
           <a:xfrm>
-            <a:off x="6542816" y="3264331"/>
-            <a:ext cx="2151199" cy="371396"/>
+            <a:off x="5857940" y="3059935"/>
+            <a:ext cx="3049391" cy="371396"/>
           </a:xfrm>
           <a:prstGeom prst="rect">
             <a:avLst/>
@@ -10829,8 +10832,8 @@
         </p:nvSpPr>
         <p:spPr>
           <a:xfrm>
-            <a:off x="6547018" y="3635727"/>
-            <a:ext cx="2146999" cy="677986"/>
+            <a:off x="5871817" y="3435979"/>
+            <a:ext cx="3029433" cy="877734"/>
           </a:xfrm>
           <a:prstGeom prst="rect">
             <a:avLst/>
@@ -10891,8 +10894,8 @@
         </p:nvSpPr>
         <p:spPr>
           <a:xfrm>
-            <a:off x="6674161" y="3731484"/>
-            <a:ext cx="1310417" cy="459883"/>
+            <a:off x="6034307" y="3574025"/>
+            <a:ext cx="2205071" cy="612012"/>
           </a:xfrm>
           <a:prstGeom prst="rect">
             <a:avLst/>
@@ -10934,9 +10937,9 @@
           <a:p>
             <a:pPr algn="ctr"/>
             <a:r>
-              <a:rPr lang="en-US" altLang="ko-KR" sz="1200" dirty="0">
-                <a:solidFill>
-                  <a:schemeClr val="tx1"/>
+              <a:rPr lang="en-US" altLang="ko-KR" b="1" dirty="0">
+                <a:solidFill>
+                  <a:srgbClr val="FF0000"/>
                 </a:solidFill>
                 <a:latin typeface="SamsungOneKorean 700"/>
               </a:rPr>
@@ -10946,17 +10949,17 @@
           <a:p>
             <a:pPr algn="ctr"/>
             <a:r>
-              <a:rPr lang="en-US" altLang="ko-KR" sz="1200" dirty="0">
-                <a:solidFill>
-                  <a:schemeClr val="tx1"/>
+              <a:rPr lang="en-US" altLang="ko-KR" b="1" dirty="0">
+                <a:solidFill>
+                  <a:srgbClr val="FF0000"/>
                 </a:solidFill>
                 <a:latin typeface="SamsungOneKorean 700"/>
               </a:rPr>
               <a:t>Lib.</a:t>
             </a:r>
-            <a:endParaRPr lang="ko-KR" altLang="en-US" sz="1200" dirty="0">
+            <a:endParaRPr lang="ko-KR" altLang="en-US" b="1" dirty="0">
               <a:solidFill>
-                <a:schemeClr val="tx1"/>
+                <a:srgbClr val="FF0000"/>
               </a:solidFill>
               <a:latin typeface="SamsungOneKorean 700"/>
             </a:endParaRPr>
@@ -10981,12 +10984,12 @@
         </p:nvCxnSpPr>
         <p:spPr>
           <a:xfrm flipV="1">
-            <a:off x="5084754" y="2908414"/>
-            <a:ext cx="4189333" cy="568294"/>
+            <a:off x="4632931" y="2908414"/>
+            <a:ext cx="4641156" cy="568294"/>
           </a:xfrm>
           <a:prstGeom prst="bentConnector3">
             <a:avLst>
-              <a:gd name="adj1" fmla="val 28355"/>
+              <a:gd name="adj1" fmla="val 21258"/>
             </a:avLst>
           </a:prstGeom>
           <a:ln w="38100">
@@ -11028,7 +11031,7 @@
         </p:nvSpPr>
         <p:spPr>
           <a:xfrm>
-            <a:off x="5285460" y="3974348"/>
+            <a:off x="4802113" y="3897789"/>
             <a:ext cx="1229824" cy="246221"/>
           </a:xfrm>
           <a:prstGeom prst="rect">
@@ -11070,7 +11073,7 @@
         </p:nvSpPr>
         <p:spPr>
           <a:xfrm>
-            <a:off x="4631541" y="2157196"/>
+            <a:off x="4179718" y="2157196"/>
             <a:ext cx="439951" cy="2746499"/>
           </a:xfrm>
           <a:prstGeom prst="rect">
@@ -11164,7 +11167,7 @@
         </p:nvSpPr>
         <p:spPr>
           <a:xfrm>
-            <a:off x="6775619" y="1858754"/>
+            <a:off x="6280766" y="1858754"/>
             <a:ext cx="1321209" cy="371396"/>
           </a:xfrm>
           <a:prstGeom prst="rect">
@@ -11238,7 +11241,7 @@
         </p:nvSpPr>
         <p:spPr>
           <a:xfrm>
-            <a:off x="6779820" y="2377738"/>
+            <a:off x="6284967" y="2377738"/>
             <a:ext cx="1321209" cy="371396"/>
           </a:xfrm>
           <a:prstGeom prst="rect">
@@ -11312,7 +11315,7 @@
         </p:nvSpPr>
         <p:spPr bwMode="auto">
           <a:xfrm>
-            <a:off x="5044750" y="3121008"/>
+            <a:off x="4592927" y="3121008"/>
             <a:ext cx="45719" cy="45719"/>
           </a:xfrm>
           <a:prstGeom prst="ellipse">
@@ -11372,12 +11375,12 @@
         </p:nvCxnSpPr>
         <p:spPr>
           <a:xfrm rot="10800000" flipV="1">
-            <a:off x="5090469" y="2044452"/>
-            <a:ext cx="1685150" cy="1099416"/>
+            <a:off x="4638646" y="2044452"/>
+            <a:ext cx="1642120" cy="1099416"/>
           </a:xfrm>
           <a:prstGeom prst="bentConnector3">
             <a:avLst>
-              <a:gd name="adj1" fmla="val 50000"/>
+              <a:gd name="adj1" fmla="val 59827"/>
             </a:avLst>
           </a:prstGeom>
           <a:ln w="38100">
@@ -11419,7 +11422,7 @@
         </p:nvSpPr>
         <p:spPr bwMode="auto">
           <a:xfrm>
-            <a:off x="5039035" y="3288648"/>
+            <a:off x="4587212" y="3288648"/>
             <a:ext cx="45719" cy="45719"/>
           </a:xfrm>
           <a:prstGeom prst="ellipse">
@@ -11479,12 +11482,12 @@
         </p:nvCxnSpPr>
         <p:spPr>
           <a:xfrm rot="10800000" flipV="1">
-            <a:off x="5084754" y="2563436"/>
-            <a:ext cx="1695066" cy="748072"/>
+            <a:off x="4632931" y="2563436"/>
+            <a:ext cx="1652036" cy="748072"/>
           </a:xfrm>
           <a:prstGeom prst="bentConnector3">
             <a:avLst>
-              <a:gd name="adj1" fmla="val 39661"/>
+              <a:gd name="adj1" fmla="val 50000"/>
             </a:avLst>
           </a:prstGeom>
           <a:ln w="38100">
@@ -12070,7 +12073,7 @@
         </p:nvSpPr>
         <p:spPr>
           <a:xfrm>
-            <a:off x="3649246" y="2157196"/>
+            <a:off x="3197423" y="2157196"/>
             <a:ext cx="439951" cy="2746499"/>
           </a:xfrm>
           <a:prstGeom prst="rect">
@@ -12232,7 +12235,7 @@
         </p:nvSpPr>
         <p:spPr bwMode="auto">
           <a:xfrm>
-            <a:off x="5039035" y="3453848"/>
+            <a:off x="4587212" y="3453848"/>
             <a:ext cx="45719" cy="45719"/>
           </a:xfrm>
           <a:prstGeom prst="ellipse">
@@ -12288,7 +12291,7 @@
         </p:nvSpPr>
         <p:spPr bwMode="auto">
           <a:xfrm>
-            <a:off x="5039035" y="3660722"/>
+            <a:off x="4587212" y="3660722"/>
             <a:ext cx="45719" cy="45719"/>
           </a:xfrm>
           <a:prstGeom prst="ellipse">
@@ -12348,8 +12351,8 @@
         </p:nvCxnSpPr>
         <p:spPr>
           <a:xfrm>
-            <a:off x="5084754" y="3683582"/>
-            <a:ext cx="1589407" cy="277844"/>
+            <a:off x="4632931" y="3683582"/>
+            <a:ext cx="1401376" cy="196449"/>
           </a:xfrm>
           <a:prstGeom prst="bentConnector3">
             <a:avLst>
@@ -12455,8 +12458,8 @@
         </p:nvCxnSpPr>
         <p:spPr>
           <a:xfrm rot="10800000">
-            <a:off x="2724818" y="3070186"/>
-            <a:ext cx="924428" cy="460261"/>
+            <a:off x="2724819" y="3070186"/>
+            <a:ext cx="472605" cy="460261"/>
           </a:xfrm>
           <a:prstGeom prst="bentConnector3">
             <a:avLst>
@@ -12506,7 +12509,7 @@
         </p:nvCxnSpPr>
         <p:spPr>
           <a:xfrm flipH="1">
-            <a:off x="4089197" y="3530446"/>
+            <a:off x="3637374" y="3530446"/>
             <a:ext cx="542344" cy="0"/>
           </a:xfrm>
           <a:prstGeom prst="straightConnector1">
@@ -12551,7 +12554,7 @@
         </p:nvSpPr>
         <p:spPr>
           <a:xfrm>
-            <a:off x="6425025" y="4671083"/>
+            <a:off x="5930172" y="4671083"/>
             <a:ext cx="1357681" cy="459883"/>
           </a:xfrm>
           <a:prstGeom prst="roundRect">
@@ -13450,7 +13453,7 @@
         </p:nvSpPr>
         <p:spPr>
           <a:xfrm>
-            <a:off x="6352793" y="4576229"/>
+            <a:off x="5857940" y="4576229"/>
             <a:ext cx="1484984" cy="658711"/>
           </a:xfrm>
           <a:prstGeom prst="roundRect">
@@ -13598,12 +13601,12 @@
         </p:nvCxnSpPr>
         <p:spPr>
           <a:xfrm>
-            <a:off x="7969339" y="3825064"/>
-            <a:ext cx="1205688" cy="182881"/>
+            <a:off x="8227523" y="3760517"/>
+            <a:ext cx="947504" cy="247428"/>
           </a:xfrm>
           <a:prstGeom prst="bentConnector3">
             <a:avLst>
-              <a:gd name="adj1" fmla="val 53792"/>
+              <a:gd name="adj1" fmla="val 57948"/>
             </a:avLst>
           </a:prstGeom>
           <a:ln w="38100">
@@ -13649,8 +13652,8 @@
         </p:nvCxnSpPr>
         <p:spPr>
           <a:xfrm>
-            <a:off x="7969929" y="3956095"/>
-            <a:ext cx="1082607" cy="895792"/>
+            <a:off x="8228113" y="3891548"/>
+            <a:ext cx="824423" cy="960339"/>
           </a:xfrm>
           <a:prstGeom prst="bentConnector3">
             <a:avLst>
@@ -13700,13 +13703,13 @@
         </p:nvCxnSpPr>
         <p:spPr>
           <a:xfrm flipH="1">
-            <a:off x="7095285" y="4084507"/>
-            <a:ext cx="872032" cy="491722"/>
+            <a:off x="6600432" y="4019960"/>
+            <a:ext cx="1625069" cy="556269"/>
           </a:xfrm>
           <a:prstGeom prst="bentConnector4">
             <a:avLst>
-              <a:gd name="adj1" fmla="val -44565"/>
-              <a:gd name="adj2" fmla="val 66271"/>
+              <a:gd name="adj1" fmla="val -16715"/>
+              <a:gd name="adj2" fmla="val 63658"/>
             </a:avLst>
           </a:prstGeom>
           <a:ln w="38100">
@@ -13748,7 +13751,7 @@
         </p:nvSpPr>
         <p:spPr bwMode="auto">
           <a:xfrm>
-            <a:off x="7923620" y="3802204"/>
+            <a:off x="8181804" y="3737657"/>
             <a:ext cx="45719" cy="45719"/>
           </a:xfrm>
           <a:prstGeom prst="ellipse">
@@ -13804,7 +13807,7 @@
         </p:nvSpPr>
         <p:spPr bwMode="auto">
           <a:xfrm>
-            <a:off x="7924210" y="3933235"/>
+            <a:off x="8182394" y="3868688"/>
             <a:ext cx="45719" cy="45719"/>
           </a:xfrm>
           <a:prstGeom prst="ellipse">
@@ -13860,7 +13863,7 @@
         </p:nvSpPr>
         <p:spPr bwMode="auto">
           <a:xfrm>
-            <a:off x="7924210" y="4107960"/>
+            <a:off x="8182394" y="4043413"/>
             <a:ext cx="45719" cy="45719"/>
           </a:xfrm>
           <a:prstGeom prst="ellipse">
@@ -13916,7 +13919,7 @@
         </p:nvSpPr>
         <p:spPr bwMode="auto">
           <a:xfrm>
-            <a:off x="7921598" y="4061647"/>
+            <a:off x="8179782" y="3997100"/>
             <a:ext cx="45719" cy="45719"/>
           </a:xfrm>
           <a:prstGeom prst="ellipse">
@@ -17054,14 +17057,17 @@
                 </a:solidFill>
                 <a:latin typeface="SamsungOneKorean 700"/>
               </a:rPr>
-              <a:t>연계 아키텍처</a:t>
-            </a:r>
-            <a:endParaRPr lang="en-US" altLang="ko-KR" sz="2200" b="1" dirty="0">
-              <a:solidFill>
-                <a:srgbClr val="7F7F7F"/>
-              </a:solidFill>
-              <a:latin typeface="SamsungOneKorean 700"/>
-            </a:endParaRPr>
+              <a:t>개념 설명 </a:t>
+            </a:r>
+            <a:r>
+              <a:rPr lang="en-US" altLang="ko-KR" sz="2200" b="1" dirty="0">
+                <a:solidFill>
+                  <a:srgbClr val="7F7F7F"/>
+                </a:solidFill>
+                <a:latin typeface="SamsungOneKorean 700"/>
+              </a:rPr>
+              <a:t>#2</a:t>
+            </a:r>
           </a:p>
         </p:txBody>
       </p:sp>
@@ -18082,7 +18088,7 @@
                 </a:solidFill>
                 <a:latin typeface="SamsungOneKorean 700"/>
               </a:rPr>
-              <a:t>. Integration </a:t>
+              <a:t>. Integration hub</a:t>
             </a:r>
             <a:r>
               <a:rPr lang="ko-KR" altLang="en-US" sz="2200" b="1" dirty="0">
@@ -18091,7 +18097,7 @@
                 </a:solidFill>
                 <a:latin typeface="SamsungOneKorean 700"/>
               </a:rPr>
-              <a:t>모델링</a:t>
+              <a:t> 모델링</a:t>
             </a:r>
             <a:r>
               <a:rPr lang="ko-KR" altLang="en-US" dirty="0">
@@ -18100,7 +18106,7 @@
                 </a:solidFill>
                 <a:latin typeface="SamsungOneKorean 700"/>
               </a:rPr>
-              <a:t> 및 사용 예시</a:t>
+              <a:t> 및 처리 예시</a:t>
             </a:r>
             <a:endParaRPr lang="en-US" altLang="ko-KR" dirty="0">
               <a:solidFill>

--- a/_ss/Define_Integration_Hub_Lib_Concept_20231204.pptx
+++ b/_ss/Define_Integration_Hub_Lib_Concept_20231204.pptx
@@ -9,9 +9,9 @@
     <p:notesMasterId r:id="rId9"/>
   </p:notesMasterIdLst>
   <p:sldIdLst>
-    <p:sldId id="264" r:id="rId3"/>
-    <p:sldId id="2147477931" r:id="rId4"/>
-    <p:sldId id="2147477930" r:id="rId5"/>
+    <p:sldId id="2147477930" r:id="rId3"/>
+    <p:sldId id="2147477933" r:id="rId4"/>
+    <p:sldId id="2147477932" r:id="rId5"/>
     <p:sldId id="2147477927" r:id="rId6"/>
     <p:sldId id="2147477866" r:id="rId7"/>
     <p:sldId id="2147477867" r:id="rId8"/>
@@ -118,9 +118,9 @@
       <p14:sectionLst xmlns:p14="http://schemas.microsoft.com/office/powerpoint/2010/main">
         <p14:section name="Hub_Concept" id="{F628BA9B-5235-472E-BEE1-90C167113559}">
           <p14:sldIdLst>
-            <p14:sldId id="264"/>
-            <p14:sldId id="2147477931"/>
             <p14:sldId id="2147477930"/>
+            <p14:sldId id="2147477933"/>
+            <p14:sldId id="2147477932"/>
             <p14:sldId id="2147477927"/>
           </p14:sldIdLst>
         </p14:section>
@@ -507,174 +507,6 @@
       </p:grpSpPr>
       <p:sp>
         <p:nvSpPr>
-          <p:cNvPr id="2" name="Slide Image Placeholder 1"/>
-          <p:cNvSpPr>
-            <a:spLocks noGrp="1" noRot="1" noChangeAspect="1"/>
-          </p:cNvSpPr>
-          <p:nvPr>
-            <p:ph type="sldImg"/>
-          </p:nvPr>
-        </p:nvSpPr>
-        <p:spPr/>
-      </p:sp>
-      <p:sp>
-        <p:nvSpPr>
-          <p:cNvPr id="3" name="Notes Placeholder 2"/>
-          <p:cNvSpPr>
-            <a:spLocks noGrp="1"/>
-          </p:cNvSpPr>
-          <p:nvPr>
-            <p:ph type="body" idx="1"/>
-          </p:nvPr>
-        </p:nvSpPr>
-        <p:spPr/>
-        <p:txBody>
-          <a:bodyPr/>
-          <a:lstStyle/>
-          <a:p>
-            <a:endParaRPr lang="en-US" dirty="0"/>
-          </a:p>
-        </p:txBody>
-      </p:sp>
-      <p:sp>
-        <p:nvSpPr>
-          <p:cNvPr id="4" name="Slide Number Placeholder 3"/>
-          <p:cNvSpPr>
-            <a:spLocks noGrp="1"/>
-          </p:cNvSpPr>
-          <p:nvPr>
-            <p:ph type="sldNum" sz="quarter" idx="5"/>
-          </p:nvPr>
-        </p:nvSpPr>
-        <p:spPr/>
-        <p:txBody>
-          <a:bodyPr/>
-          <a:lstStyle/>
-          <a:p>
-            <a:fld id="{5CA44714-2328-4841-8514-7BDA4D4D41A1}" type="slidenum">
-              <a:rPr lang="en-US" smtClean="0"/>
-              <a:t>1</a:t>
-            </a:fld>
-            <a:endParaRPr lang="en-US"/>
-          </a:p>
-        </p:txBody>
-      </p:sp>
-    </p:spTree>
-    <p:extLst>
-      <p:ext uri="{BB962C8B-B14F-4D97-AF65-F5344CB8AC3E}">
-        <p14:creationId xmlns:p14="http://schemas.microsoft.com/office/powerpoint/2010/main" val="1540854264"/>
-      </p:ext>
-    </p:extLst>
-  </p:cSld>
-  <p:clrMapOvr>
-    <a:masterClrMapping/>
-  </p:clrMapOvr>
-</p:notes>
-</file>
-
-<file path=ppt/notesSlides/notesSlide2.xml><?xml version="1.0" encoding="utf-8"?>
-<p:notes xmlns:a="http://schemas.openxmlformats.org/drawingml/2006/main" xmlns:r="http://schemas.openxmlformats.org/officeDocument/2006/relationships" xmlns:p="http://schemas.openxmlformats.org/presentationml/2006/main">
-  <p:cSld>
-    <p:spTree>
-      <p:nvGrpSpPr>
-        <p:cNvPr id="1" name=""/>
-        <p:cNvGrpSpPr/>
-        <p:nvPr/>
-      </p:nvGrpSpPr>
-      <p:grpSpPr>
-        <a:xfrm>
-          <a:off x="0" y="0"/>
-          <a:ext cx="0" cy="0"/>
-          <a:chOff x="0" y="0"/>
-          <a:chExt cx="0" cy="0"/>
-        </a:xfrm>
-      </p:grpSpPr>
-      <p:sp>
-        <p:nvSpPr>
-          <p:cNvPr id="2" name="Slide Image Placeholder 1"/>
-          <p:cNvSpPr>
-            <a:spLocks noGrp="1" noRot="1" noChangeAspect="1"/>
-          </p:cNvSpPr>
-          <p:nvPr>
-            <p:ph type="sldImg"/>
-          </p:nvPr>
-        </p:nvSpPr>
-        <p:spPr/>
-      </p:sp>
-      <p:sp>
-        <p:nvSpPr>
-          <p:cNvPr id="3" name="Notes Placeholder 2"/>
-          <p:cNvSpPr>
-            <a:spLocks noGrp="1"/>
-          </p:cNvSpPr>
-          <p:nvPr>
-            <p:ph type="body" idx="1"/>
-          </p:nvPr>
-        </p:nvSpPr>
-        <p:spPr/>
-        <p:txBody>
-          <a:bodyPr/>
-          <a:lstStyle/>
-          <a:p>
-            <a:endParaRPr lang="en-US" dirty="0"/>
-          </a:p>
-        </p:txBody>
-      </p:sp>
-      <p:sp>
-        <p:nvSpPr>
-          <p:cNvPr id="4" name="Slide Number Placeholder 3"/>
-          <p:cNvSpPr>
-            <a:spLocks noGrp="1"/>
-          </p:cNvSpPr>
-          <p:nvPr>
-            <p:ph type="sldNum" sz="quarter" idx="5"/>
-          </p:nvPr>
-        </p:nvSpPr>
-        <p:spPr/>
-        <p:txBody>
-          <a:bodyPr/>
-          <a:lstStyle/>
-          <a:p>
-            <a:fld id="{5CA44714-2328-4841-8514-7BDA4D4D41A1}" type="slidenum">
-              <a:rPr lang="en-US" smtClean="0"/>
-              <a:t>2</a:t>
-            </a:fld>
-            <a:endParaRPr lang="en-US"/>
-          </a:p>
-        </p:txBody>
-      </p:sp>
-    </p:spTree>
-    <p:extLst>
-      <p:ext uri="{BB962C8B-B14F-4D97-AF65-F5344CB8AC3E}">
-        <p14:creationId xmlns:p14="http://schemas.microsoft.com/office/powerpoint/2010/main" val="3949972795"/>
-      </p:ext>
-    </p:extLst>
-  </p:cSld>
-  <p:clrMapOvr>
-    <a:masterClrMapping/>
-  </p:clrMapOvr>
-</p:notes>
-</file>
-
-<file path=ppt/notesSlides/notesSlide3.xml><?xml version="1.0" encoding="utf-8"?>
-<p:notes xmlns:a="http://schemas.openxmlformats.org/drawingml/2006/main" xmlns:r="http://schemas.openxmlformats.org/officeDocument/2006/relationships" xmlns:p="http://schemas.openxmlformats.org/presentationml/2006/main">
-  <p:cSld>
-    <p:spTree>
-      <p:nvGrpSpPr>
-        <p:cNvPr id="1" name=""/>
-        <p:cNvGrpSpPr/>
-        <p:nvPr/>
-      </p:nvGrpSpPr>
-      <p:grpSpPr>
-        <a:xfrm>
-          <a:off x="0" y="0"/>
-          <a:ext cx="0" cy="0"/>
-          <a:chOff x="0" y="0"/>
-          <a:chExt cx="0" cy="0"/>
-        </a:xfrm>
-      </p:grpSpPr>
-      <p:sp>
-        <p:nvSpPr>
           <p:cNvPr id="2" name="슬라이드 이미지 개체 틀 1"/>
           <p:cNvSpPr>
             <a:spLocks noGrp="1" noRot="1" noChangeAspect="1"/>
@@ -1213,44 +1045,6 @@
 </file>
 
 <file path=ppt/slideLayouts/slideLayout10.xml><?xml version="1.0" encoding="utf-8"?>
-<p:sldLayout xmlns:a="http://schemas.openxmlformats.org/drawingml/2006/main" xmlns:r="http://schemas.openxmlformats.org/officeDocument/2006/relationships" xmlns:p="http://schemas.openxmlformats.org/presentationml/2006/main">
-  <p:cSld name="Black">
-    <p:bg>
-      <p:bgPr>
-        <a:solidFill>
-          <a:srgbClr val="000000"/>
-        </a:solidFill>
-        <a:effectLst/>
-      </p:bgPr>
-    </p:bg>
-    <p:spTree>
-      <p:nvGrpSpPr>
-        <p:cNvPr id="1" name="Shape 165"/>
-        <p:cNvGrpSpPr/>
-        <p:nvPr/>
-      </p:nvGrpSpPr>
-      <p:grpSpPr>
-        <a:xfrm>
-          <a:off x="0" y="0"/>
-          <a:ext cx="0" cy="0"/>
-          <a:chOff x="0" y="0"/>
-          <a:chExt cx="0" cy="0"/>
-        </a:xfrm>
-      </p:grpSpPr>
-    </p:spTree>
-    <p:extLst>
-      <p:ext uri="{BB962C8B-B14F-4D97-AF65-F5344CB8AC3E}">
-        <p14:creationId xmlns:p14="http://schemas.microsoft.com/office/powerpoint/2010/main" val="3953806466"/>
-      </p:ext>
-    </p:extLst>
-  </p:cSld>
-  <p:clrMapOvr>
-    <a:masterClrMapping/>
-  </p:clrMapOvr>
-</p:sldLayout>
-</file>
-
-<file path=ppt/slideLayouts/slideLayout11.xml><?xml version="1.0" encoding="utf-8"?>
 <p:sldLayout xmlns:a="http://schemas.openxmlformats.org/drawingml/2006/main" xmlns:r="http://schemas.openxmlformats.org/officeDocument/2006/relationships" xmlns:p="http://schemas.openxmlformats.org/presentationml/2006/main" type="title" preserve="1">
   <p:cSld name="제목 슬라이드">
     <p:spTree>
@@ -1590,7 +1384,7 @@
 </p:sldLayout>
 </file>
 
-<file path=ppt/slideLayouts/slideLayout12.xml><?xml version="1.0" encoding="utf-8"?>
+<file path=ppt/slideLayouts/slideLayout11.xml><?xml version="1.0" encoding="utf-8"?>
 <p:sldLayout xmlns:a="http://schemas.openxmlformats.org/drawingml/2006/main" xmlns:r="http://schemas.openxmlformats.org/officeDocument/2006/relationships" xmlns:p="http://schemas.openxmlformats.org/presentationml/2006/main" type="obj" preserve="1">
   <p:cSld name="제목 및 내용">
     <p:spTree>
@@ -1788,7 +1582,7 @@
 </p:sldLayout>
 </file>
 
-<file path=ppt/slideLayouts/slideLayout13.xml><?xml version="1.0" encoding="utf-8"?>
+<file path=ppt/slideLayouts/slideLayout12.xml><?xml version="1.0" encoding="utf-8"?>
 <p:sldLayout xmlns:a="http://schemas.openxmlformats.org/drawingml/2006/main" xmlns:r="http://schemas.openxmlformats.org/officeDocument/2006/relationships" xmlns:p="http://schemas.openxmlformats.org/presentationml/2006/main" type="secHead" preserve="1">
   <p:cSld name="구역 머리글">
     <p:spTree>
@@ -2063,7 +1857,7 @@
 </p:sldLayout>
 </file>
 
-<file path=ppt/slideLayouts/slideLayout14.xml><?xml version="1.0" encoding="utf-8"?>
+<file path=ppt/slideLayouts/slideLayout13.xml><?xml version="1.0" encoding="utf-8"?>
 <p:sldLayout xmlns:a="http://schemas.openxmlformats.org/drawingml/2006/main" xmlns:r="http://schemas.openxmlformats.org/officeDocument/2006/relationships" xmlns:p="http://schemas.openxmlformats.org/presentationml/2006/main" type="twoObj" preserve="1">
   <p:cSld name="콘텐츠 2개">
     <p:spTree>
@@ -2328,7 +2122,7 @@
 </p:sldLayout>
 </file>
 
-<file path=ppt/slideLayouts/slideLayout15.xml><?xml version="1.0" encoding="utf-8"?>
+<file path=ppt/slideLayouts/slideLayout14.xml><?xml version="1.0" encoding="utf-8"?>
 <p:sldLayout xmlns:a="http://schemas.openxmlformats.org/drawingml/2006/main" xmlns:r="http://schemas.openxmlformats.org/officeDocument/2006/relationships" xmlns:p="http://schemas.openxmlformats.org/presentationml/2006/main" type="twoTxTwoObj" preserve="1">
   <p:cSld name="비교">
     <p:spTree>
@@ -2740,7 +2534,7 @@
 </p:sldLayout>
 </file>
 
-<file path=ppt/slideLayouts/slideLayout16.xml><?xml version="1.0" encoding="utf-8"?>
+<file path=ppt/slideLayouts/slideLayout15.xml><?xml version="1.0" encoding="utf-8"?>
 <p:sldLayout xmlns:a="http://schemas.openxmlformats.org/drawingml/2006/main" xmlns:r="http://schemas.openxmlformats.org/officeDocument/2006/relationships" xmlns:p="http://schemas.openxmlformats.org/presentationml/2006/main" type="titleOnly" preserve="1">
   <p:cSld name="제목만">
     <p:spTree>
@@ -2881,7 +2675,7 @@
 </p:sldLayout>
 </file>
 
-<file path=ppt/slideLayouts/slideLayout17.xml><?xml version="1.0" encoding="utf-8"?>
+<file path=ppt/slideLayouts/slideLayout16.xml><?xml version="1.0" encoding="utf-8"?>
 <p:sldLayout xmlns:a="http://schemas.openxmlformats.org/drawingml/2006/main" xmlns:r="http://schemas.openxmlformats.org/officeDocument/2006/relationships" xmlns:p="http://schemas.openxmlformats.org/presentationml/2006/main" type="blank" preserve="1">
   <p:cSld name="빈 화면">
     <p:spTree>
@@ -3010,7 +2804,7 @@
 </p:sldLayout>
 </file>
 
-<file path=ppt/slideLayouts/slideLayout18.xml><?xml version="1.0" encoding="utf-8"?>
+<file path=ppt/slideLayouts/slideLayout17.xml><?xml version="1.0" encoding="utf-8"?>
 <p:sldLayout xmlns:a="http://schemas.openxmlformats.org/drawingml/2006/main" xmlns:r="http://schemas.openxmlformats.org/officeDocument/2006/relationships" xmlns:p="http://schemas.openxmlformats.org/presentationml/2006/main" type="objTx" preserve="1">
   <p:cSld name="캡션 있는 콘텐츠">
     <p:spTree>
@@ -3321,7 +3115,7 @@
 </p:sldLayout>
 </file>
 
-<file path=ppt/slideLayouts/slideLayout19.xml><?xml version="1.0" encoding="utf-8"?>
+<file path=ppt/slideLayouts/slideLayout18.xml><?xml version="1.0" encoding="utf-8"?>
 <p:sldLayout xmlns:a="http://schemas.openxmlformats.org/drawingml/2006/main" xmlns:r="http://schemas.openxmlformats.org/officeDocument/2006/relationships" xmlns:p="http://schemas.openxmlformats.org/presentationml/2006/main" type="picTx" preserve="1">
   <p:cSld name="캡션 있는 그림">
     <p:spTree>
@@ -3600,6 +3394,204 @@
     <p:extLst>
       <p:ext uri="{BB962C8B-B14F-4D97-AF65-F5344CB8AC3E}">
         <p14:creationId xmlns:p14="http://schemas.microsoft.com/office/powerpoint/2010/main" val="207753921"/>
+      </p:ext>
+    </p:extLst>
+  </p:cSld>
+  <p:clrMapOvr>
+    <a:masterClrMapping/>
+  </p:clrMapOvr>
+</p:sldLayout>
+</file>
+
+<file path=ppt/slideLayouts/slideLayout19.xml><?xml version="1.0" encoding="utf-8"?>
+<p:sldLayout xmlns:a="http://schemas.openxmlformats.org/drawingml/2006/main" xmlns:r="http://schemas.openxmlformats.org/officeDocument/2006/relationships" xmlns:p="http://schemas.openxmlformats.org/presentationml/2006/main" type="vertTx" preserve="1">
+  <p:cSld name="제목 및 세로 텍스트">
+    <p:spTree>
+      <p:nvGrpSpPr>
+        <p:cNvPr id="1" name=""/>
+        <p:cNvGrpSpPr/>
+        <p:nvPr/>
+      </p:nvGrpSpPr>
+      <p:grpSpPr>
+        <a:xfrm>
+          <a:off x="0" y="0"/>
+          <a:ext cx="0" cy="0"/>
+          <a:chOff x="0" y="0"/>
+          <a:chExt cx="0" cy="0"/>
+        </a:xfrm>
+      </p:grpSpPr>
+      <p:sp>
+        <p:nvSpPr>
+          <p:cNvPr id="2" name="제목 1">
+            <a:extLst>
+              <a:ext uri="{FF2B5EF4-FFF2-40B4-BE49-F238E27FC236}">
+                <a16:creationId xmlns:a16="http://schemas.microsoft.com/office/drawing/2014/main" id="{AFC6D899-0932-13AA-45E7-331FC17A0762}"/>
+              </a:ext>
+            </a:extLst>
+          </p:cNvPr>
+          <p:cNvSpPr>
+            <a:spLocks noGrp="1"/>
+          </p:cNvSpPr>
+          <p:nvPr>
+            <p:ph type="title"/>
+          </p:nvPr>
+        </p:nvSpPr>
+        <p:spPr/>
+        <p:txBody>
+          <a:bodyPr/>
+          <a:lstStyle/>
+          <a:p>
+            <a:r>
+              <a:rPr lang="ko-KR" altLang="en-US"/>
+              <a:t>마스터 제목 스타일 편집</a:t>
+            </a:r>
+          </a:p>
+        </p:txBody>
+      </p:sp>
+      <p:sp>
+        <p:nvSpPr>
+          <p:cNvPr id="3" name="세로 텍스트 개체 틀 2">
+            <a:extLst>
+              <a:ext uri="{FF2B5EF4-FFF2-40B4-BE49-F238E27FC236}">
+                <a16:creationId xmlns:a16="http://schemas.microsoft.com/office/drawing/2014/main" id="{3A8A5298-5FEB-FC84-6DF5-86BDE420CE46}"/>
+              </a:ext>
+            </a:extLst>
+          </p:cNvPr>
+          <p:cNvSpPr>
+            <a:spLocks noGrp="1"/>
+          </p:cNvSpPr>
+          <p:nvPr>
+            <p:ph type="body" orient="vert" idx="1"/>
+          </p:nvPr>
+        </p:nvSpPr>
+        <p:spPr/>
+        <p:txBody>
+          <a:bodyPr vert="eaVert"/>
+          <a:lstStyle/>
+          <a:p>
+            <a:pPr lvl="0"/>
+            <a:r>
+              <a:rPr lang="ko-KR" altLang="en-US"/>
+              <a:t>마스터 텍스트 스타일을 편집하려면 클릭</a:t>
+            </a:r>
+          </a:p>
+          <a:p>
+            <a:pPr lvl="1"/>
+            <a:r>
+              <a:rPr lang="ko-KR" altLang="en-US"/>
+              <a:t>두 번째 수준</a:t>
+            </a:r>
+          </a:p>
+          <a:p>
+            <a:pPr lvl="2"/>
+            <a:r>
+              <a:rPr lang="ko-KR" altLang="en-US"/>
+              <a:t>세 번째 수준</a:t>
+            </a:r>
+          </a:p>
+          <a:p>
+            <a:pPr lvl="3"/>
+            <a:r>
+              <a:rPr lang="ko-KR" altLang="en-US"/>
+              <a:t>네 번째 수준</a:t>
+            </a:r>
+          </a:p>
+          <a:p>
+            <a:pPr lvl="4"/>
+            <a:r>
+              <a:rPr lang="ko-KR" altLang="en-US"/>
+              <a:t>다섯 번째 수준</a:t>
+            </a:r>
+          </a:p>
+        </p:txBody>
+      </p:sp>
+      <p:sp>
+        <p:nvSpPr>
+          <p:cNvPr id="4" name="날짜 개체 틀 3">
+            <a:extLst>
+              <a:ext uri="{FF2B5EF4-FFF2-40B4-BE49-F238E27FC236}">
+                <a16:creationId xmlns:a16="http://schemas.microsoft.com/office/drawing/2014/main" id="{C0F8ED7A-B4F0-2B7A-A727-15EBC5F270F8}"/>
+              </a:ext>
+            </a:extLst>
+          </p:cNvPr>
+          <p:cNvSpPr>
+            <a:spLocks noGrp="1"/>
+          </p:cNvSpPr>
+          <p:nvPr>
+            <p:ph type="dt" sz="half" idx="10"/>
+          </p:nvPr>
+        </p:nvSpPr>
+        <p:spPr/>
+        <p:txBody>
+          <a:bodyPr/>
+          <a:lstStyle/>
+          <a:p>
+            <a:fld id="{9AC5F068-BF11-49BE-9914-1D4E5FA33D10}" type="datetimeFigureOut">
+              <a:rPr lang="ko-KR" altLang="en-US" smtClean="0"/>
+              <a:t>2023-12-04</a:t>
+            </a:fld>
+            <a:endParaRPr lang="ko-KR" altLang="en-US"/>
+          </a:p>
+        </p:txBody>
+      </p:sp>
+      <p:sp>
+        <p:nvSpPr>
+          <p:cNvPr id="5" name="바닥글 개체 틀 4">
+            <a:extLst>
+              <a:ext uri="{FF2B5EF4-FFF2-40B4-BE49-F238E27FC236}">
+                <a16:creationId xmlns:a16="http://schemas.microsoft.com/office/drawing/2014/main" id="{988F50A2-61AB-233A-127E-7CD9BCFC25C2}"/>
+              </a:ext>
+            </a:extLst>
+          </p:cNvPr>
+          <p:cNvSpPr>
+            <a:spLocks noGrp="1"/>
+          </p:cNvSpPr>
+          <p:nvPr>
+            <p:ph type="ftr" sz="quarter" idx="11"/>
+          </p:nvPr>
+        </p:nvSpPr>
+        <p:spPr/>
+        <p:txBody>
+          <a:bodyPr/>
+          <a:lstStyle/>
+          <a:p>
+            <a:endParaRPr lang="ko-KR" altLang="en-US"/>
+          </a:p>
+        </p:txBody>
+      </p:sp>
+      <p:sp>
+        <p:nvSpPr>
+          <p:cNvPr id="6" name="슬라이드 번호 개체 틀 5">
+            <a:extLst>
+              <a:ext uri="{FF2B5EF4-FFF2-40B4-BE49-F238E27FC236}">
+                <a16:creationId xmlns:a16="http://schemas.microsoft.com/office/drawing/2014/main" id="{262FD4B0-B6A4-9D51-FE13-D547F6EA1871}"/>
+              </a:ext>
+            </a:extLst>
+          </p:cNvPr>
+          <p:cNvSpPr>
+            <a:spLocks noGrp="1"/>
+          </p:cNvSpPr>
+          <p:nvPr>
+            <p:ph type="sldNum" sz="quarter" idx="12"/>
+          </p:nvPr>
+        </p:nvSpPr>
+        <p:spPr/>
+        <p:txBody>
+          <a:bodyPr/>
+          <a:lstStyle/>
+          <a:p>
+            <a:fld id="{5FBBCE1D-41C8-49A9-8DC3-405F2D239381}" type="slidenum">
+              <a:rPr lang="ko-KR" altLang="en-US" smtClean="0"/>
+              <a:t>‹#›</a:t>
+            </a:fld>
+            <a:endParaRPr lang="ko-KR" altLang="en-US"/>
+          </a:p>
+        </p:txBody>
+      </p:sp>
+    </p:spTree>
+    <p:extLst>
+      <p:ext uri="{BB962C8B-B14F-4D97-AF65-F5344CB8AC3E}">
+        <p14:creationId xmlns:p14="http://schemas.microsoft.com/office/powerpoint/2010/main" val="222598559"/>
       </p:ext>
     </p:extLst>
   </p:cSld>
@@ -3775,204 +3767,6 @@
 </file>
 
 <file path=ppt/slideLayouts/slideLayout20.xml><?xml version="1.0" encoding="utf-8"?>
-<p:sldLayout xmlns:a="http://schemas.openxmlformats.org/drawingml/2006/main" xmlns:r="http://schemas.openxmlformats.org/officeDocument/2006/relationships" xmlns:p="http://schemas.openxmlformats.org/presentationml/2006/main" type="vertTx" preserve="1">
-  <p:cSld name="제목 및 세로 텍스트">
-    <p:spTree>
-      <p:nvGrpSpPr>
-        <p:cNvPr id="1" name=""/>
-        <p:cNvGrpSpPr/>
-        <p:nvPr/>
-      </p:nvGrpSpPr>
-      <p:grpSpPr>
-        <a:xfrm>
-          <a:off x="0" y="0"/>
-          <a:ext cx="0" cy="0"/>
-          <a:chOff x="0" y="0"/>
-          <a:chExt cx="0" cy="0"/>
-        </a:xfrm>
-      </p:grpSpPr>
-      <p:sp>
-        <p:nvSpPr>
-          <p:cNvPr id="2" name="제목 1">
-            <a:extLst>
-              <a:ext uri="{FF2B5EF4-FFF2-40B4-BE49-F238E27FC236}">
-                <a16:creationId xmlns:a16="http://schemas.microsoft.com/office/drawing/2014/main" id="{AFC6D899-0932-13AA-45E7-331FC17A0762}"/>
-              </a:ext>
-            </a:extLst>
-          </p:cNvPr>
-          <p:cNvSpPr>
-            <a:spLocks noGrp="1"/>
-          </p:cNvSpPr>
-          <p:nvPr>
-            <p:ph type="title"/>
-          </p:nvPr>
-        </p:nvSpPr>
-        <p:spPr/>
-        <p:txBody>
-          <a:bodyPr/>
-          <a:lstStyle/>
-          <a:p>
-            <a:r>
-              <a:rPr lang="ko-KR" altLang="en-US"/>
-              <a:t>마스터 제목 스타일 편집</a:t>
-            </a:r>
-          </a:p>
-        </p:txBody>
-      </p:sp>
-      <p:sp>
-        <p:nvSpPr>
-          <p:cNvPr id="3" name="세로 텍스트 개체 틀 2">
-            <a:extLst>
-              <a:ext uri="{FF2B5EF4-FFF2-40B4-BE49-F238E27FC236}">
-                <a16:creationId xmlns:a16="http://schemas.microsoft.com/office/drawing/2014/main" id="{3A8A5298-5FEB-FC84-6DF5-86BDE420CE46}"/>
-              </a:ext>
-            </a:extLst>
-          </p:cNvPr>
-          <p:cNvSpPr>
-            <a:spLocks noGrp="1"/>
-          </p:cNvSpPr>
-          <p:nvPr>
-            <p:ph type="body" orient="vert" idx="1"/>
-          </p:nvPr>
-        </p:nvSpPr>
-        <p:spPr/>
-        <p:txBody>
-          <a:bodyPr vert="eaVert"/>
-          <a:lstStyle/>
-          <a:p>
-            <a:pPr lvl="0"/>
-            <a:r>
-              <a:rPr lang="ko-KR" altLang="en-US"/>
-              <a:t>마스터 텍스트 스타일을 편집하려면 클릭</a:t>
-            </a:r>
-          </a:p>
-          <a:p>
-            <a:pPr lvl="1"/>
-            <a:r>
-              <a:rPr lang="ko-KR" altLang="en-US"/>
-              <a:t>두 번째 수준</a:t>
-            </a:r>
-          </a:p>
-          <a:p>
-            <a:pPr lvl="2"/>
-            <a:r>
-              <a:rPr lang="ko-KR" altLang="en-US"/>
-              <a:t>세 번째 수준</a:t>
-            </a:r>
-          </a:p>
-          <a:p>
-            <a:pPr lvl="3"/>
-            <a:r>
-              <a:rPr lang="ko-KR" altLang="en-US"/>
-              <a:t>네 번째 수준</a:t>
-            </a:r>
-          </a:p>
-          <a:p>
-            <a:pPr lvl="4"/>
-            <a:r>
-              <a:rPr lang="ko-KR" altLang="en-US"/>
-              <a:t>다섯 번째 수준</a:t>
-            </a:r>
-          </a:p>
-        </p:txBody>
-      </p:sp>
-      <p:sp>
-        <p:nvSpPr>
-          <p:cNvPr id="4" name="날짜 개체 틀 3">
-            <a:extLst>
-              <a:ext uri="{FF2B5EF4-FFF2-40B4-BE49-F238E27FC236}">
-                <a16:creationId xmlns:a16="http://schemas.microsoft.com/office/drawing/2014/main" id="{C0F8ED7A-B4F0-2B7A-A727-15EBC5F270F8}"/>
-              </a:ext>
-            </a:extLst>
-          </p:cNvPr>
-          <p:cNvSpPr>
-            <a:spLocks noGrp="1"/>
-          </p:cNvSpPr>
-          <p:nvPr>
-            <p:ph type="dt" sz="half" idx="10"/>
-          </p:nvPr>
-        </p:nvSpPr>
-        <p:spPr/>
-        <p:txBody>
-          <a:bodyPr/>
-          <a:lstStyle/>
-          <a:p>
-            <a:fld id="{9AC5F068-BF11-49BE-9914-1D4E5FA33D10}" type="datetimeFigureOut">
-              <a:rPr lang="ko-KR" altLang="en-US" smtClean="0"/>
-              <a:t>2023-12-04</a:t>
-            </a:fld>
-            <a:endParaRPr lang="ko-KR" altLang="en-US"/>
-          </a:p>
-        </p:txBody>
-      </p:sp>
-      <p:sp>
-        <p:nvSpPr>
-          <p:cNvPr id="5" name="바닥글 개체 틀 4">
-            <a:extLst>
-              <a:ext uri="{FF2B5EF4-FFF2-40B4-BE49-F238E27FC236}">
-                <a16:creationId xmlns:a16="http://schemas.microsoft.com/office/drawing/2014/main" id="{988F50A2-61AB-233A-127E-7CD9BCFC25C2}"/>
-              </a:ext>
-            </a:extLst>
-          </p:cNvPr>
-          <p:cNvSpPr>
-            <a:spLocks noGrp="1"/>
-          </p:cNvSpPr>
-          <p:nvPr>
-            <p:ph type="ftr" sz="quarter" idx="11"/>
-          </p:nvPr>
-        </p:nvSpPr>
-        <p:spPr/>
-        <p:txBody>
-          <a:bodyPr/>
-          <a:lstStyle/>
-          <a:p>
-            <a:endParaRPr lang="ko-KR" altLang="en-US"/>
-          </a:p>
-        </p:txBody>
-      </p:sp>
-      <p:sp>
-        <p:nvSpPr>
-          <p:cNvPr id="6" name="슬라이드 번호 개체 틀 5">
-            <a:extLst>
-              <a:ext uri="{FF2B5EF4-FFF2-40B4-BE49-F238E27FC236}">
-                <a16:creationId xmlns:a16="http://schemas.microsoft.com/office/drawing/2014/main" id="{262FD4B0-B6A4-9D51-FE13-D547F6EA1871}"/>
-              </a:ext>
-            </a:extLst>
-          </p:cNvPr>
-          <p:cNvSpPr>
-            <a:spLocks noGrp="1"/>
-          </p:cNvSpPr>
-          <p:nvPr>
-            <p:ph type="sldNum" sz="quarter" idx="12"/>
-          </p:nvPr>
-        </p:nvSpPr>
-        <p:spPr/>
-        <p:txBody>
-          <a:bodyPr/>
-          <a:lstStyle/>
-          <a:p>
-            <a:fld id="{5FBBCE1D-41C8-49A9-8DC3-405F2D239381}" type="slidenum">
-              <a:rPr lang="ko-KR" altLang="en-US" smtClean="0"/>
-              <a:t>‹#›</a:t>
-            </a:fld>
-            <a:endParaRPr lang="ko-KR" altLang="en-US"/>
-          </a:p>
-        </p:txBody>
-      </p:sp>
-    </p:spTree>
-    <p:extLst>
-      <p:ext uri="{BB962C8B-B14F-4D97-AF65-F5344CB8AC3E}">
-        <p14:creationId xmlns:p14="http://schemas.microsoft.com/office/powerpoint/2010/main" val="222598559"/>
-      </p:ext>
-    </p:extLst>
-  </p:cSld>
-  <p:clrMapOvr>
-    <a:masterClrMapping/>
-  </p:clrMapOvr>
-</p:sldLayout>
-</file>
-
-<file path=ppt/slideLayouts/slideLayout21.xml><?xml version="1.0" encoding="utf-8"?>
 <p:sldLayout xmlns:a="http://schemas.openxmlformats.org/drawingml/2006/main" xmlns:r="http://schemas.openxmlformats.org/officeDocument/2006/relationships" xmlns:p="http://schemas.openxmlformats.org/presentationml/2006/main" type="vertTitleAndTx" preserve="1">
   <p:cSld name="세로 제목 및 텍스트">
     <p:spTree>
@@ -4180,7 +3974,7 @@
 </p:sldLayout>
 </file>
 
-<file path=ppt/slideLayouts/slideLayout22.xml><?xml version="1.0" encoding="utf-8"?>
+<file path=ppt/slideLayouts/slideLayout21.xml><?xml version="1.0" encoding="utf-8"?>
 <p:sldLayout xmlns:a="http://schemas.openxmlformats.org/drawingml/2006/main" xmlns:r="http://schemas.openxmlformats.org/officeDocument/2006/relationships" xmlns:p="http://schemas.openxmlformats.org/presentationml/2006/main" userDrawn="1">
   <p:cSld name="타이틀/헤드라인-grey">
     <p:bg>
@@ -6690,82 +6484,6 @@
 </file>
 
 <file path=ppt/slideLayouts/slideLayout6.xml><?xml version="1.0" encoding="utf-8"?>
-<p:sldLayout xmlns:a="http://schemas.openxmlformats.org/drawingml/2006/main" xmlns:r="http://schemas.openxmlformats.org/officeDocument/2006/relationships" xmlns:p="http://schemas.openxmlformats.org/presentationml/2006/main" type="blank">
-  <p:cSld name="빈 화면">
-    <p:spTree>
-      <p:nvGrpSpPr>
-        <p:cNvPr id="1" name=""/>
-        <p:cNvGrpSpPr/>
-        <p:nvPr/>
-      </p:nvGrpSpPr>
-      <p:grpSpPr>
-        <a:xfrm>
-          <a:off x="0" y="0"/>
-          <a:ext cx="0" cy="0"/>
-          <a:chOff x="0" y="0"/>
-          <a:chExt cx="0" cy="0"/>
-        </a:xfrm>
-      </p:grpSpPr>
-      <p:sp>
-        <p:nvSpPr>
-          <p:cNvPr id="2" name="슬라이드 번호 개체 틀 5">
-            <a:extLst>
-              <a:ext uri="{FF2B5EF4-FFF2-40B4-BE49-F238E27FC236}">
-                <a16:creationId xmlns:a16="http://schemas.microsoft.com/office/drawing/2014/main" id="{C9D81FBA-048B-4414-80A4-33E51ECF24A6}"/>
-              </a:ext>
-            </a:extLst>
-          </p:cNvPr>
-          <p:cNvSpPr>
-            <a:spLocks noGrp="1"/>
-          </p:cNvSpPr>
-          <p:nvPr>
-            <p:ph type="sldNum" sz="quarter" idx="12"/>
-          </p:nvPr>
-        </p:nvSpPr>
-        <p:spPr>
-          <a:xfrm>
-            <a:off x="5619750" y="6543675"/>
-            <a:ext cx="952500" cy="314325"/>
-          </a:xfrm>
-          <a:prstGeom prst="rect">
-            <a:avLst/>
-          </a:prstGeom>
-        </p:spPr>
-        <p:txBody>
-          <a:bodyPr/>
-          <a:lstStyle>
-            <a:lvl1pPr algn="ctr">
-              <a:defRPr sz="1000">
-                <a:solidFill>
-                  <a:schemeClr val="tx1"/>
-                </a:solidFill>
-              </a:defRPr>
-            </a:lvl1pPr>
-          </a:lstStyle>
-          <a:p>
-            <a:fld id="{78729366-9D87-4A00-8312-48D8F23C9225}" type="slidenum">
-              <a:rPr lang="ko-KR" altLang="en-US" smtClean="0"/>
-              <a:pPr/>
-              <a:t>‹#›</a:t>
-            </a:fld>
-            <a:endParaRPr lang="ko-KR" altLang="en-US" dirty="0"/>
-          </a:p>
-        </p:txBody>
-      </p:sp>
-    </p:spTree>
-    <p:extLst>
-      <p:ext uri="{BB962C8B-B14F-4D97-AF65-F5344CB8AC3E}">
-        <p14:creationId xmlns:p14="http://schemas.microsoft.com/office/powerpoint/2010/main" val="4078805774"/>
-      </p:ext>
-    </p:extLst>
-  </p:cSld>
-  <p:clrMapOvr>
-    <a:masterClrMapping/>
-  </p:clrMapOvr>
-</p:sldLayout>
-</file>
-
-<file path=ppt/slideLayouts/slideLayout7.xml><?xml version="1.0" encoding="utf-8"?>
 <p:sldLayout xmlns:a="http://schemas.openxmlformats.org/drawingml/2006/main" xmlns:r="http://schemas.openxmlformats.org/officeDocument/2006/relationships" xmlns:p="http://schemas.openxmlformats.org/presentationml/2006/main" userDrawn="1">
   <p:cSld name="제목 슬라이드_Chap1">
     <p:spTree>
@@ -7059,7 +6777,7 @@
 </p:sldLayout>
 </file>
 
-<file path=ppt/slideLayouts/slideLayout8.xml><?xml version="1.0" encoding="utf-8"?>
+<file path=ppt/slideLayouts/slideLayout7.xml><?xml version="1.0" encoding="utf-8"?>
 <p:sldLayout xmlns:a="http://schemas.openxmlformats.org/drawingml/2006/main" xmlns:r="http://schemas.openxmlformats.org/officeDocument/2006/relationships" xmlns:p="http://schemas.openxmlformats.org/presentationml/2006/main" userDrawn="1">
   <p:cSld name="empty">
     <p:spTree>
@@ -7740,7 +7458,7 @@
 </p:sldLayout>
 </file>
 
-<file path=ppt/slideLayouts/slideLayout9.xml><?xml version="1.0" encoding="utf-8"?>
+<file path=ppt/slideLayouts/slideLayout8.xml><?xml version="1.0" encoding="utf-8"?>
 <p:sldLayout xmlns:a="http://schemas.openxmlformats.org/drawingml/2006/main" xmlns:r="http://schemas.openxmlformats.org/officeDocument/2006/relationships" xmlns:p="http://schemas.openxmlformats.org/presentationml/2006/main" type="title">
   <p:cSld name="제목 슬라이드">
     <p:bg>
@@ -7968,6 +7686,44 @@
 </p:sldLayout>
 </file>
 
+<file path=ppt/slideLayouts/slideLayout9.xml><?xml version="1.0" encoding="utf-8"?>
+<p:sldLayout xmlns:a="http://schemas.openxmlformats.org/drawingml/2006/main" xmlns:r="http://schemas.openxmlformats.org/officeDocument/2006/relationships" xmlns:p="http://schemas.openxmlformats.org/presentationml/2006/main">
+  <p:cSld name="Black">
+    <p:bg>
+      <p:bgPr>
+        <a:solidFill>
+          <a:srgbClr val="000000"/>
+        </a:solidFill>
+        <a:effectLst/>
+      </p:bgPr>
+    </p:bg>
+    <p:spTree>
+      <p:nvGrpSpPr>
+        <p:cNvPr id="1" name="Shape 165"/>
+        <p:cNvGrpSpPr/>
+        <p:nvPr/>
+      </p:nvGrpSpPr>
+      <p:grpSpPr>
+        <a:xfrm>
+          <a:off x="0" y="0"/>
+          <a:ext cx="0" cy="0"/>
+          <a:chOff x="0" y="0"/>
+          <a:chExt cx="0" cy="0"/>
+        </a:xfrm>
+      </p:grpSpPr>
+    </p:spTree>
+    <p:extLst>
+      <p:ext uri="{BB962C8B-B14F-4D97-AF65-F5344CB8AC3E}">
+        <p14:creationId xmlns:p14="http://schemas.microsoft.com/office/powerpoint/2010/main" val="3953806466"/>
+      </p:ext>
+    </p:extLst>
+  </p:cSld>
+  <p:clrMapOvr>
+    <a:masterClrMapping/>
+  </p:clrMapOvr>
+</p:sldLayout>
+</file>
+
 <file path=ppt/slideMasters/slideMaster1.xml><?xml version="1.0" encoding="utf-8"?>
 <p:sldMaster xmlns:a="http://schemas.openxmlformats.org/drawingml/2006/main" xmlns:r="http://schemas.openxmlformats.org/officeDocument/2006/relationships" xmlns:p="http://schemas.openxmlformats.org/presentationml/2006/main">
   <p:cSld>
@@ -8254,11 +8010,10 @@
     <p:sldLayoutId id="2147483663" r:id="rId3"/>
     <p:sldLayoutId id="2147483664" r:id="rId4"/>
     <p:sldLayoutId id="2147483665" r:id="rId5"/>
-    <p:sldLayoutId id="2147483666" r:id="rId6"/>
-    <p:sldLayoutId id="2147483667" r:id="rId7"/>
-    <p:sldLayoutId id="2147483668" r:id="rId8"/>
-    <p:sldLayoutId id="2147483669" r:id="rId9"/>
-    <p:sldLayoutId id="2147483670" r:id="rId10"/>
+    <p:sldLayoutId id="2147483667" r:id="rId6"/>
+    <p:sldLayoutId id="2147483668" r:id="rId7"/>
+    <p:sldLayoutId id="2147483669" r:id="rId8"/>
+    <p:sldLayoutId id="2147483670" r:id="rId9"/>
   </p:sldLayoutIdLst>
   <p:txStyles>
     <p:titleStyle>
@@ -9193,10 +8948,39 @@
       </p:grpSpPr>
       <p:sp>
         <p:nvSpPr>
-          <p:cNvPr id="1108" name="Rounded Rectangle 53">
+          <p:cNvPr id="169" name="부제목 168">
             <a:extLst>
               <a:ext uri="{FF2B5EF4-FFF2-40B4-BE49-F238E27FC236}">
-                <a16:creationId xmlns:a16="http://schemas.microsoft.com/office/drawing/2014/main" id="{17EDDF15-A328-0AA0-EB21-712A2E04CFEC}"/>
+                <a16:creationId xmlns:a16="http://schemas.microsoft.com/office/drawing/2014/main" id="{7525FBDD-A459-C79E-9063-9C887F0F5318}"/>
+              </a:ext>
+            </a:extLst>
+          </p:cNvPr>
+          <p:cNvSpPr>
+            <a:spLocks noGrp="1"/>
+          </p:cNvSpPr>
+          <p:nvPr>
+            <p:ph type="subTitle" idx="1"/>
+          </p:nvPr>
+        </p:nvSpPr>
+        <p:spPr/>
+        <p:txBody>
+          <a:bodyPr/>
+          <a:lstStyle/>
+          <a:p>
+            <a:r>
+              <a:rPr lang="en-US" altLang="ko-KR" dirty="0"/>
+              <a:t> </a:t>
+            </a:r>
+            <a:endParaRPr lang="ko-KR" altLang="en-US" dirty="0"/>
+          </a:p>
+        </p:txBody>
+      </p:sp>
+      <p:sp>
+        <p:nvSpPr>
+          <p:cNvPr id="170" name="Rounded Rectangle 53">
+            <a:extLst>
+              <a:ext uri="{FF2B5EF4-FFF2-40B4-BE49-F238E27FC236}">
+                <a16:creationId xmlns:a16="http://schemas.microsoft.com/office/drawing/2014/main" id="{FB34952E-4A57-18E6-4430-621DAA9960CA}"/>
               </a:ext>
             </a:extLst>
           </p:cNvPr>
@@ -9337,10 +9121,10 @@
       </p:sp>
       <p:sp>
         <p:nvSpPr>
-          <p:cNvPr id="40" name="제목 1">
+          <p:cNvPr id="171" name="제목 1">
             <a:extLst>
               <a:ext uri="{FF2B5EF4-FFF2-40B4-BE49-F238E27FC236}">
-                <a16:creationId xmlns:a16="http://schemas.microsoft.com/office/drawing/2014/main" id="{87852417-8F90-C106-991F-BE2825B85788}"/>
+                <a16:creationId xmlns:a16="http://schemas.microsoft.com/office/drawing/2014/main" id="{B392D28C-0378-8418-8A02-D7AE411E1FF2}"/>
               </a:ext>
             </a:extLst>
           </p:cNvPr>
@@ -9430,10 +9214,10 @@
       </p:sp>
       <p:sp>
         <p:nvSpPr>
-          <p:cNvPr id="56" name="부제목 1">
+          <p:cNvPr id="172" name="부제목 1">
             <a:extLst>
               <a:ext uri="{FF2B5EF4-FFF2-40B4-BE49-F238E27FC236}">
-                <a16:creationId xmlns:a16="http://schemas.microsoft.com/office/drawing/2014/main" id="{816BFFAD-6AC0-C277-CC38-5E7FCBF48E4F}"/>
+                <a16:creationId xmlns:a16="http://schemas.microsoft.com/office/drawing/2014/main" id="{9DBDCC1E-1A46-991C-6608-FC30B681A784}"/>
               </a:ext>
             </a:extLst>
           </p:cNvPr>
@@ -9695,10 +9479,10 @@
       </p:sp>
       <p:sp>
         <p:nvSpPr>
-          <p:cNvPr id="59" name="Rectangle 169">
+          <p:cNvPr id="185" name="Rectangle 169">
             <a:extLst>
               <a:ext uri="{FF2B5EF4-FFF2-40B4-BE49-F238E27FC236}">
-                <a16:creationId xmlns:a16="http://schemas.microsoft.com/office/drawing/2014/main" id="{2308F9B4-2BAA-6EF9-8DB2-32DD14E2B210}"/>
+                <a16:creationId xmlns:a16="http://schemas.microsoft.com/office/drawing/2014/main" id="{87E9771D-A821-9458-1658-0C1C5818DC10}"/>
               </a:ext>
             </a:extLst>
           </p:cNvPr>
@@ -9884,10 +9668,10 @@
       </p:sp>
       <p:sp>
         <p:nvSpPr>
-          <p:cNvPr id="64" name="직사각형 63">
+          <p:cNvPr id="186" name="직사각형 185">
             <a:extLst>
               <a:ext uri="{FF2B5EF4-FFF2-40B4-BE49-F238E27FC236}">
-                <a16:creationId xmlns:a16="http://schemas.microsoft.com/office/drawing/2014/main" id="{3A2E08E8-12E7-99A2-3720-C062A5748335}"/>
+                <a16:creationId xmlns:a16="http://schemas.microsoft.com/office/drawing/2014/main" id="{ABE33E1F-0AE6-B3D7-004D-2B799A3FD620}"/>
               </a:ext>
             </a:extLst>
           </p:cNvPr>
@@ -10063,10 +9847,10 @@
       </p:sp>
       <p:sp>
         <p:nvSpPr>
-          <p:cNvPr id="65" name="직사각형 64">
+          <p:cNvPr id="187" name="직사각형 186">
             <a:extLst>
               <a:ext uri="{FF2B5EF4-FFF2-40B4-BE49-F238E27FC236}">
-                <a16:creationId xmlns:a16="http://schemas.microsoft.com/office/drawing/2014/main" id="{41D54044-DBD2-06FE-D734-C4182154847C}"/>
+                <a16:creationId xmlns:a16="http://schemas.microsoft.com/office/drawing/2014/main" id="{E891B447-737F-52D7-EFE3-B286E7B6F8D8}"/>
               </a:ext>
             </a:extLst>
           </p:cNvPr>
@@ -10167,10 +9951,10 @@
       </p:sp>
       <p:sp>
         <p:nvSpPr>
-          <p:cNvPr id="68" name="직사각형 57">
+          <p:cNvPr id="189" name="직사각형 57">
             <a:extLst>
               <a:ext uri="{FF2B5EF4-FFF2-40B4-BE49-F238E27FC236}">
-                <a16:creationId xmlns:a16="http://schemas.microsoft.com/office/drawing/2014/main" id="{DC6F43AF-2B8B-30F0-E919-46C46A7D5338}"/>
+                <a16:creationId xmlns:a16="http://schemas.microsoft.com/office/drawing/2014/main" id="{8E535D26-F0C9-7522-B693-15BF97A0FF92}"/>
               </a:ext>
             </a:extLst>
           </p:cNvPr>
@@ -10256,10 +10040,10 @@
       </p:sp>
       <p:cxnSp>
         <p:nvCxnSpPr>
-          <p:cNvPr id="71" name="직선 연결선 58">
+          <p:cNvPr id="190" name="직선 연결선 58">
             <a:extLst>
               <a:ext uri="{FF2B5EF4-FFF2-40B4-BE49-F238E27FC236}">
-                <a16:creationId xmlns:a16="http://schemas.microsoft.com/office/drawing/2014/main" id="{0253CDC9-D166-9B64-F0D8-72EDB2CF25E4}"/>
+                <a16:creationId xmlns:a16="http://schemas.microsoft.com/office/drawing/2014/main" id="{020CF62E-4E7A-A944-D033-187762B45D99}"/>
               </a:ext>
             </a:extLst>
           </p:cNvPr>
@@ -10290,10 +10074,10 @@
       </p:cxnSp>
       <p:cxnSp>
         <p:nvCxnSpPr>
-          <p:cNvPr id="18" name="직선 연결선 278">
+          <p:cNvPr id="191" name="직선 연결선 278">
             <a:extLst>
               <a:ext uri="{FF2B5EF4-FFF2-40B4-BE49-F238E27FC236}">
-                <a16:creationId xmlns:a16="http://schemas.microsoft.com/office/drawing/2014/main" id="{CDB44AD3-650E-FC0E-E1A7-8FBA5616EAE9}"/>
+                <a16:creationId xmlns:a16="http://schemas.microsoft.com/office/drawing/2014/main" id="{1AEF7B26-9D84-AB19-9D88-252A77710ADB}"/>
               </a:ext>
             </a:extLst>
           </p:cNvPr>
@@ -10330,10 +10114,10 @@
       </p:cxnSp>
       <p:cxnSp>
         <p:nvCxnSpPr>
-          <p:cNvPr id="20" name="직선 연결선 278">
+          <p:cNvPr id="193" name="직선 연결선 278">
             <a:extLst>
               <a:ext uri="{FF2B5EF4-FFF2-40B4-BE49-F238E27FC236}">
-                <a16:creationId xmlns:a16="http://schemas.microsoft.com/office/drawing/2014/main" id="{6CBD4731-764D-D872-DD4E-EE336704F7D4}"/>
+                <a16:creationId xmlns:a16="http://schemas.microsoft.com/office/drawing/2014/main" id="{C55F6B6C-C72B-5D64-6BB0-70DDED815624}"/>
               </a:ext>
             </a:extLst>
           </p:cNvPr>
@@ -10370,10 +10154,10 @@
       </p:cxnSp>
       <p:cxnSp>
         <p:nvCxnSpPr>
-          <p:cNvPr id="21" name="직선 연결선 278">
+          <p:cNvPr id="194" name="직선 연결선 278">
             <a:extLst>
               <a:ext uri="{FF2B5EF4-FFF2-40B4-BE49-F238E27FC236}">
-                <a16:creationId xmlns:a16="http://schemas.microsoft.com/office/drawing/2014/main" id="{6C8E00AF-945B-8A36-1515-24E2E56A4FF5}"/>
+                <a16:creationId xmlns:a16="http://schemas.microsoft.com/office/drawing/2014/main" id="{E91D5EBA-E915-793D-9BA5-FC1009361A67}"/>
               </a:ext>
             </a:extLst>
           </p:cNvPr>
@@ -10410,10 +10194,10 @@
       </p:cxnSp>
       <p:cxnSp>
         <p:nvCxnSpPr>
-          <p:cNvPr id="22" name="직선 연결선 278">
+          <p:cNvPr id="195" name="직선 연결선 278">
             <a:extLst>
               <a:ext uri="{FF2B5EF4-FFF2-40B4-BE49-F238E27FC236}">
-                <a16:creationId xmlns:a16="http://schemas.microsoft.com/office/drawing/2014/main" id="{4B5722BF-2075-B456-4161-4D6996DBC17B}"/>
+                <a16:creationId xmlns:a16="http://schemas.microsoft.com/office/drawing/2014/main" id="{DFE2CEDC-E376-A58A-5879-8D5E1A4234AD}"/>
               </a:ext>
             </a:extLst>
           </p:cNvPr>
@@ -10450,10 +10234,10 @@
       </p:cxnSp>
       <p:sp>
         <p:nvSpPr>
-          <p:cNvPr id="30" name="직사각형 29">
+          <p:cNvPr id="196" name="직사각형 195">
             <a:extLst>
               <a:ext uri="{FF2B5EF4-FFF2-40B4-BE49-F238E27FC236}">
-                <a16:creationId xmlns:a16="http://schemas.microsoft.com/office/drawing/2014/main" id="{8B3C311F-E706-5CD3-97DE-1E586627D859}"/>
+                <a16:creationId xmlns:a16="http://schemas.microsoft.com/office/drawing/2014/main" id="{D72CCD96-DE34-8747-AC3A-CECEF9830E7A}"/>
               </a:ext>
             </a:extLst>
           </p:cNvPr>
@@ -10511,10 +10295,10 @@
       </p:sp>
       <p:sp>
         <p:nvSpPr>
-          <p:cNvPr id="32" name="직사각형 31">
+          <p:cNvPr id="198" name="직사각형 197">
             <a:extLst>
               <a:ext uri="{FF2B5EF4-FFF2-40B4-BE49-F238E27FC236}">
-                <a16:creationId xmlns:a16="http://schemas.microsoft.com/office/drawing/2014/main" id="{D18D42D4-C2C2-09DB-F51C-04F74CE90F5F}"/>
+                <a16:creationId xmlns:a16="http://schemas.microsoft.com/office/drawing/2014/main" id="{24121436-D50B-EC02-F632-F778C6CFD404}"/>
               </a:ext>
             </a:extLst>
           </p:cNvPr>
@@ -10557,10 +10341,10 @@
       </p:sp>
       <p:sp>
         <p:nvSpPr>
-          <p:cNvPr id="35" name="직사각형 34">
+          <p:cNvPr id="199" name="직사각형 198">
             <a:extLst>
               <a:ext uri="{FF2B5EF4-FFF2-40B4-BE49-F238E27FC236}">
-                <a16:creationId xmlns:a16="http://schemas.microsoft.com/office/drawing/2014/main" id="{10C61416-9A58-C845-6778-758DE52754C6}"/>
+                <a16:creationId xmlns:a16="http://schemas.microsoft.com/office/drawing/2014/main" id="{E4BE92F0-6027-BFEF-579B-1955B81C0F08}"/>
               </a:ext>
             </a:extLst>
           </p:cNvPr>
@@ -10618,10 +10402,10 @@
       </p:sp>
       <p:cxnSp>
         <p:nvCxnSpPr>
-          <p:cNvPr id="81" name="직선 화살표 연결선 80">
+          <p:cNvPr id="200" name="직선 화살표 연결선 199">
             <a:extLst>
               <a:ext uri="{FF2B5EF4-FFF2-40B4-BE49-F238E27FC236}">
-                <a16:creationId xmlns:a16="http://schemas.microsoft.com/office/drawing/2014/main" id="{7E7C8F4F-FC06-AC1F-AAC7-53B338E2DDF0}"/>
+                <a16:creationId xmlns:a16="http://schemas.microsoft.com/office/drawing/2014/main" id="{CB258306-32F4-B0BD-C615-3A8D8A5D4A5E}"/>
               </a:ext>
             </a:extLst>
           </p:cNvPr>
@@ -10664,10 +10448,10 @@
       </p:cxnSp>
       <p:cxnSp>
         <p:nvCxnSpPr>
-          <p:cNvPr id="84" name="직선 화살표 연결선 83">
+          <p:cNvPr id="201" name="직선 화살표 연결선 200">
             <a:extLst>
               <a:ext uri="{FF2B5EF4-FFF2-40B4-BE49-F238E27FC236}">
-                <a16:creationId xmlns:a16="http://schemas.microsoft.com/office/drawing/2014/main" id="{539D9757-79AF-53BF-29A0-B66D89716F7E}"/>
+                <a16:creationId xmlns:a16="http://schemas.microsoft.com/office/drawing/2014/main" id="{6B5DF3C4-EC51-E765-C839-B82885B5245C}"/>
               </a:ext>
             </a:extLst>
           </p:cNvPr>
@@ -10710,10 +10494,10 @@
       </p:cxnSp>
       <p:sp>
         <p:nvSpPr>
-          <p:cNvPr id="86" name="직사각형 85">
+          <p:cNvPr id="203" name="직사각형 202">
             <a:extLst>
               <a:ext uri="{FF2B5EF4-FFF2-40B4-BE49-F238E27FC236}">
-                <a16:creationId xmlns:a16="http://schemas.microsoft.com/office/drawing/2014/main" id="{C896BB82-D92B-78C1-8985-BE6A1E6873B5}"/>
+                <a16:creationId xmlns:a16="http://schemas.microsoft.com/office/drawing/2014/main" id="{6AB93DC0-4026-1AE6-3867-9719F7A00739}"/>
               </a:ext>
             </a:extLst>
           </p:cNvPr>
@@ -10820,10 +10604,10 @@
       </p:sp>
       <p:sp>
         <p:nvSpPr>
-          <p:cNvPr id="88" name="직사각형 87">
+          <p:cNvPr id="204" name="직사각형 203">
             <a:extLst>
               <a:ext uri="{FF2B5EF4-FFF2-40B4-BE49-F238E27FC236}">
-                <a16:creationId xmlns:a16="http://schemas.microsoft.com/office/drawing/2014/main" id="{12C35C0E-A58D-A5EC-83A8-FFDB764162E9}"/>
+                <a16:creationId xmlns:a16="http://schemas.microsoft.com/office/drawing/2014/main" id="{4224C625-C9B9-B41F-D3A4-096D69EB83EB}"/>
               </a:ext>
             </a:extLst>
           </p:cNvPr>
@@ -10882,10 +10666,10 @@
       </p:sp>
       <p:sp>
         <p:nvSpPr>
-          <p:cNvPr id="96" name="직사각형 95">
+          <p:cNvPr id="205" name="직사각형 204">
             <a:extLst>
               <a:ext uri="{FF2B5EF4-FFF2-40B4-BE49-F238E27FC236}">
-                <a16:creationId xmlns:a16="http://schemas.microsoft.com/office/drawing/2014/main" id="{FD52225D-2AD2-5EAD-0806-D37B9D0261C5}"/>
+                <a16:creationId xmlns:a16="http://schemas.microsoft.com/office/drawing/2014/main" id="{60866B61-C519-5874-566C-0D8CAB876CAC}"/>
               </a:ext>
             </a:extLst>
           </p:cNvPr>
@@ -10968,17 +10752,17 @@
       </p:sp>
       <p:cxnSp>
         <p:nvCxnSpPr>
-          <p:cNvPr id="113" name="직선 화살표 연결선 112">
+          <p:cNvPr id="206" name="직선 화살표 연결선 112">
             <a:extLst>
               <a:ext uri="{FF2B5EF4-FFF2-40B4-BE49-F238E27FC236}">
-                <a16:creationId xmlns:a16="http://schemas.microsoft.com/office/drawing/2014/main" id="{F4493107-D123-AB90-392E-14327AB5BE25}"/>
+                <a16:creationId xmlns:a16="http://schemas.microsoft.com/office/drawing/2014/main" id="{4B5D2149-46F9-4095-C20E-CF972A269FA1}"/>
               </a:ext>
             </a:extLst>
           </p:cNvPr>
           <p:cNvCxnSpPr>
             <a:cxnSpLocks/>
-            <a:stCxn id="1080" idx="6"/>
-            <a:endCxn id="1088" idx="2"/>
+            <a:stCxn id="226" idx="6"/>
+            <a:endCxn id="229" idx="2"/>
           </p:cNvCxnSpPr>
           <p:nvPr/>
         </p:nvCxnSpPr>
@@ -11019,10 +10803,10 @@
       </p:cxnSp>
       <p:sp>
         <p:nvSpPr>
-          <p:cNvPr id="126" name="직사각형 125">
+          <p:cNvPr id="208" name="직사각형 207">
             <a:extLst>
               <a:ext uri="{FF2B5EF4-FFF2-40B4-BE49-F238E27FC236}">
-                <a16:creationId xmlns:a16="http://schemas.microsoft.com/office/drawing/2014/main" id="{4ED75094-5307-4786-95F0-BB8854A9C410}"/>
+                <a16:creationId xmlns:a16="http://schemas.microsoft.com/office/drawing/2014/main" id="{940B2D65-48C5-C847-1F92-81C03B3D322A}"/>
               </a:ext>
             </a:extLst>
           </p:cNvPr>
@@ -11061,10 +10845,10 @@
       </p:sp>
       <p:sp>
         <p:nvSpPr>
-          <p:cNvPr id="1049" name="Rectangle 9">
+          <p:cNvPr id="209" name="Rectangle 9">
             <a:extLst>
               <a:ext uri="{FF2B5EF4-FFF2-40B4-BE49-F238E27FC236}">
-                <a16:creationId xmlns:a16="http://schemas.microsoft.com/office/drawing/2014/main" id="{75045F80-AD44-0976-9386-3311F59F6B79}"/>
+                <a16:creationId xmlns:a16="http://schemas.microsoft.com/office/drawing/2014/main" id="{F77CCB0E-E4D0-1751-2CBD-6E3D5C93827B}"/>
               </a:ext>
             </a:extLst>
           </p:cNvPr>
@@ -11155,10 +10939,10 @@
       </p:sp>
       <p:sp>
         <p:nvSpPr>
-          <p:cNvPr id="1050" name="직사각형 1049">
+          <p:cNvPr id="210" name="직사각형 209">
             <a:extLst>
               <a:ext uri="{FF2B5EF4-FFF2-40B4-BE49-F238E27FC236}">
-                <a16:creationId xmlns:a16="http://schemas.microsoft.com/office/drawing/2014/main" id="{B47C619A-AE29-CD2B-02BF-6703B7EEF256}"/>
+                <a16:creationId xmlns:a16="http://schemas.microsoft.com/office/drawing/2014/main" id="{9CBB77FA-AAF8-D05D-97E1-1F6CB002BBC6}"/>
               </a:ext>
             </a:extLst>
           </p:cNvPr>
@@ -11229,10 +11013,10 @@
       </p:sp>
       <p:sp>
         <p:nvSpPr>
-          <p:cNvPr id="1051" name="직사각형 1050">
+          <p:cNvPr id="211" name="직사각형 210">
             <a:extLst>
               <a:ext uri="{FF2B5EF4-FFF2-40B4-BE49-F238E27FC236}">
-                <a16:creationId xmlns:a16="http://schemas.microsoft.com/office/drawing/2014/main" id="{78F49C3F-B27F-46EE-4238-88CA7DD7CAB9}"/>
+                <a16:creationId xmlns:a16="http://schemas.microsoft.com/office/drawing/2014/main" id="{F81B6BB9-7F25-ABC2-B240-6FE32DFCC2D9}"/>
               </a:ext>
             </a:extLst>
           </p:cNvPr>
@@ -11303,10 +11087,10 @@
       </p:sp>
       <p:sp>
         <p:nvSpPr>
-          <p:cNvPr id="1055" name="타원 1054">
+          <p:cNvPr id="212" name="타원 211">
             <a:extLst>
               <a:ext uri="{FF2B5EF4-FFF2-40B4-BE49-F238E27FC236}">
-                <a16:creationId xmlns:a16="http://schemas.microsoft.com/office/drawing/2014/main" id="{8903FD6F-1F3D-BEE5-F8C5-B760CB91BD84}"/>
+                <a16:creationId xmlns:a16="http://schemas.microsoft.com/office/drawing/2014/main" id="{81C23DCA-4B69-3872-C94A-D82552E87F42}"/>
               </a:ext>
             </a:extLst>
           </p:cNvPr>
@@ -11359,17 +11143,17 @@
       </p:sp>
       <p:cxnSp>
         <p:nvCxnSpPr>
-          <p:cNvPr id="1056" name="직선 화살표 연결선 1055">
+          <p:cNvPr id="213" name="직선 화살표 연결선 1055">
             <a:extLst>
               <a:ext uri="{FF2B5EF4-FFF2-40B4-BE49-F238E27FC236}">
-                <a16:creationId xmlns:a16="http://schemas.microsoft.com/office/drawing/2014/main" id="{F2AE2AC4-7768-D2E4-C643-CA6275EB13AB}"/>
+                <a16:creationId xmlns:a16="http://schemas.microsoft.com/office/drawing/2014/main" id="{4EFE5781-6118-A7E4-3927-AA2603662895}"/>
               </a:ext>
             </a:extLst>
           </p:cNvPr>
           <p:cNvCxnSpPr>
             <a:cxnSpLocks/>
-            <a:stCxn id="1050" idx="1"/>
-            <a:endCxn id="1055" idx="6"/>
+            <a:stCxn id="210" idx="1"/>
+            <a:endCxn id="212" idx="6"/>
           </p:cNvCxnSpPr>
           <p:nvPr/>
         </p:nvCxnSpPr>
@@ -11410,10 +11194,10 @@
       </p:cxnSp>
       <p:sp>
         <p:nvSpPr>
-          <p:cNvPr id="1061" name="타원 1060">
+          <p:cNvPr id="214" name="타원 213">
             <a:extLst>
               <a:ext uri="{FF2B5EF4-FFF2-40B4-BE49-F238E27FC236}">
-                <a16:creationId xmlns:a16="http://schemas.microsoft.com/office/drawing/2014/main" id="{62A714DA-8BE8-ED79-149A-09E69C6FE8B2}"/>
+                <a16:creationId xmlns:a16="http://schemas.microsoft.com/office/drawing/2014/main" id="{005BA11C-C995-0938-89D1-58FD03B325B6}"/>
               </a:ext>
             </a:extLst>
           </p:cNvPr>
@@ -11466,17 +11250,17 @@
       </p:sp>
       <p:cxnSp>
         <p:nvCxnSpPr>
-          <p:cNvPr id="1062" name="직선 화살표 연결선 1055">
+          <p:cNvPr id="215" name="직선 화살표 연결선 1055">
             <a:extLst>
               <a:ext uri="{FF2B5EF4-FFF2-40B4-BE49-F238E27FC236}">
-                <a16:creationId xmlns:a16="http://schemas.microsoft.com/office/drawing/2014/main" id="{2A319A7C-0E83-D3AC-D243-CED7C9BA5339}"/>
+                <a16:creationId xmlns:a16="http://schemas.microsoft.com/office/drawing/2014/main" id="{A80CC487-DE8E-09D6-B636-87A494C0A0AD}"/>
               </a:ext>
             </a:extLst>
           </p:cNvPr>
           <p:cNvCxnSpPr>
             <a:cxnSpLocks/>
-            <a:stCxn id="1051" idx="1"/>
-            <a:endCxn id="1061" idx="6"/>
+            <a:stCxn id="211" idx="1"/>
+            <a:endCxn id="214" idx="6"/>
           </p:cNvCxnSpPr>
           <p:nvPr/>
         </p:nvCxnSpPr>
@@ -11517,10 +11301,10 @@
       </p:cxnSp>
       <p:sp>
         <p:nvSpPr>
-          <p:cNvPr id="1068" name="직사각형 1067">
+          <p:cNvPr id="216" name="직사각형 215">
             <a:extLst>
               <a:ext uri="{FF2B5EF4-FFF2-40B4-BE49-F238E27FC236}">
-                <a16:creationId xmlns:a16="http://schemas.microsoft.com/office/drawing/2014/main" id="{33ACADD7-8E0C-B7A3-AD41-10C356140965}"/>
+                <a16:creationId xmlns:a16="http://schemas.microsoft.com/office/drawing/2014/main" id="{90A97C6A-6F1B-9F14-6226-4E3B5F06198A}"/>
               </a:ext>
             </a:extLst>
           </p:cNvPr>
@@ -11591,10 +11375,10 @@
       </p:sp>
       <p:sp>
         <p:nvSpPr>
-          <p:cNvPr id="1069" name="직사각형 1068">
+          <p:cNvPr id="217" name="직사각형 216">
             <a:extLst>
               <a:ext uri="{FF2B5EF4-FFF2-40B4-BE49-F238E27FC236}">
-                <a16:creationId xmlns:a16="http://schemas.microsoft.com/office/drawing/2014/main" id="{73E77BC2-5723-900C-9DEF-131FE4278462}"/>
+                <a16:creationId xmlns:a16="http://schemas.microsoft.com/office/drawing/2014/main" id="{FF59A5BD-EA5D-165F-EABA-5BE6191F9956}"/>
               </a:ext>
             </a:extLst>
           </p:cNvPr>
@@ -11653,10 +11437,10 @@
       </p:sp>
       <p:sp>
         <p:nvSpPr>
-          <p:cNvPr id="1070" name="직사각형 1069">
+          <p:cNvPr id="218" name="직사각형 217">
             <a:extLst>
               <a:ext uri="{FF2B5EF4-FFF2-40B4-BE49-F238E27FC236}">
-                <a16:creationId xmlns:a16="http://schemas.microsoft.com/office/drawing/2014/main" id="{37838545-9D78-44B0-FDD9-A25D4881C382}"/>
+                <a16:creationId xmlns:a16="http://schemas.microsoft.com/office/drawing/2014/main" id="{1D6CCDBA-F316-47E8-443B-2791F083A695}"/>
               </a:ext>
             </a:extLst>
           </p:cNvPr>
@@ -11721,10 +11505,10 @@
       </p:sp>
       <p:sp>
         <p:nvSpPr>
-          <p:cNvPr id="1071" name="직사각형 1070">
+          <p:cNvPr id="219" name="직사각형 218">
             <a:extLst>
               <a:ext uri="{FF2B5EF4-FFF2-40B4-BE49-F238E27FC236}">
-                <a16:creationId xmlns:a16="http://schemas.microsoft.com/office/drawing/2014/main" id="{42BE9278-A02D-13B1-A17E-99B42F876B20}"/>
+                <a16:creationId xmlns:a16="http://schemas.microsoft.com/office/drawing/2014/main" id="{A12AA92F-C4DA-9A31-21A3-0790B62560C2}"/>
               </a:ext>
             </a:extLst>
           </p:cNvPr>
@@ -11789,10 +11573,10 @@
       </p:sp>
       <p:sp>
         <p:nvSpPr>
-          <p:cNvPr id="1073" name="직사각형 1072">
+          <p:cNvPr id="220" name="직사각형 219">
             <a:extLst>
               <a:ext uri="{FF2B5EF4-FFF2-40B4-BE49-F238E27FC236}">
-                <a16:creationId xmlns:a16="http://schemas.microsoft.com/office/drawing/2014/main" id="{233C5FB7-1483-D7CE-3B17-4CE66D8C2D03}"/>
+                <a16:creationId xmlns:a16="http://schemas.microsoft.com/office/drawing/2014/main" id="{59F5866A-3509-3D5F-3EB0-089D8F37D2FF}"/>
               </a:ext>
             </a:extLst>
           </p:cNvPr>
@@ -11863,10 +11647,10 @@
       </p:sp>
       <p:sp>
         <p:nvSpPr>
-          <p:cNvPr id="1074" name="직사각형 1073">
+          <p:cNvPr id="221" name="직사각형 220">
             <a:extLst>
               <a:ext uri="{FF2B5EF4-FFF2-40B4-BE49-F238E27FC236}">
-                <a16:creationId xmlns:a16="http://schemas.microsoft.com/office/drawing/2014/main" id="{1A2F2D89-EEE0-ACF5-60ED-683E6C09D97A}"/>
+                <a16:creationId xmlns:a16="http://schemas.microsoft.com/office/drawing/2014/main" id="{CB085671-7FFE-3AD5-F668-2D5E932F5553}"/>
               </a:ext>
             </a:extLst>
           </p:cNvPr>
@@ -11925,10 +11709,10 @@
       </p:sp>
       <p:sp>
         <p:nvSpPr>
-          <p:cNvPr id="1075" name="직사각형 1074">
+          <p:cNvPr id="222" name="직사각형 221">
             <a:extLst>
               <a:ext uri="{FF2B5EF4-FFF2-40B4-BE49-F238E27FC236}">
-                <a16:creationId xmlns:a16="http://schemas.microsoft.com/office/drawing/2014/main" id="{9D5047CE-2F41-3CCB-46B2-C69DAB37D42A}"/>
+                <a16:creationId xmlns:a16="http://schemas.microsoft.com/office/drawing/2014/main" id="{F1A53CCC-5914-E1F5-EB37-00851DA6E4ED}"/>
               </a:ext>
             </a:extLst>
           </p:cNvPr>
@@ -11993,10 +11777,10 @@
       </p:sp>
       <p:sp>
         <p:nvSpPr>
-          <p:cNvPr id="1077" name="직사각형 1076">
+          <p:cNvPr id="223" name="직사각형 222">
             <a:extLst>
               <a:ext uri="{FF2B5EF4-FFF2-40B4-BE49-F238E27FC236}">
-                <a16:creationId xmlns:a16="http://schemas.microsoft.com/office/drawing/2014/main" id="{B1B32C45-A32E-0182-DF34-299093D97579}"/>
+                <a16:creationId xmlns:a16="http://schemas.microsoft.com/office/drawing/2014/main" id="{C32ADA69-C6BE-D085-6492-48FCB985D94E}"/>
               </a:ext>
             </a:extLst>
           </p:cNvPr>
@@ -12061,10 +11845,10 @@
       </p:sp>
       <p:sp>
         <p:nvSpPr>
-          <p:cNvPr id="1078" name="Rectangle 9">
+          <p:cNvPr id="224" name="Rectangle 9">
             <a:extLst>
               <a:ext uri="{FF2B5EF4-FFF2-40B4-BE49-F238E27FC236}">
-                <a16:creationId xmlns:a16="http://schemas.microsoft.com/office/drawing/2014/main" id="{69082873-18DF-C399-3AB2-9C155FC8AF60}"/>
+                <a16:creationId xmlns:a16="http://schemas.microsoft.com/office/drawing/2014/main" id="{9985BA34-5938-6474-70FB-6414382E3EA6}"/>
               </a:ext>
             </a:extLst>
           </p:cNvPr>
@@ -12155,10 +11939,10 @@
       </p:sp>
       <p:sp>
         <p:nvSpPr>
-          <p:cNvPr id="1079" name="직사각형 1078">
+          <p:cNvPr id="225" name="직사각형 224">
             <a:extLst>
               <a:ext uri="{FF2B5EF4-FFF2-40B4-BE49-F238E27FC236}">
-                <a16:creationId xmlns:a16="http://schemas.microsoft.com/office/drawing/2014/main" id="{C636D2B8-F944-F449-5A8C-E8E754F2331E}"/>
+                <a16:creationId xmlns:a16="http://schemas.microsoft.com/office/drawing/2014/main" id="{DEB59831-C639-EEAF-1DC2-3A763BF74FF6}"/>
               </a:ext>
             </a:extLst>
           </p:cNvPr>
@@ -12223,10 +12007,10 @@
       </p:sp>
       <p:sp>
         <p:nvSpPr>
-          <p:cNvPr id="1080" name="타원 1079">
+          <p:cNvPr id="226" name="타원 225">
             <a:extLst>
               <a:ext uri="{FF2B5EF4-FFF2-40B4-BE49-F238E27FC236}">
-                <a16:creationId xmlns:a16="http://schemas.microsoft.com/office/drawing/2014/main" id="{4F8CFD40-1E02-42E5-5194-9FD1FD5B3754}"/>
+                <a16:creationId xmlns:a16="http://schemas.microsoft.com/office/drawing/2014/main" id="{60F87B52-8032-4C5C-02B4-323984D7F26A}"/>
               </a:ext>
             </a:extLst>
           </p:cNvPr>
@@ -12279,10 +12063,10 @@
       </p:sp>
       <p:sp>
         <p:nvSpPr>
-          <p:cNvPr id="1081" name="타원 1080">
+          <p:cNvPr id="227" name="타원 226">
             <a:extLst>
               <a:ext uri="{FF2B5EF4-FFF2-40B4-BE49-F238E27FC236}">
-                <a16:creationId xmlns:a16="http://schemas.microsoft.com/office/drawing/2014/main" id="{FB87D7B6-F53B-3316-2EC6-8F83EFD93CB7}"/>
+                <a16:creationId xmlns:a16="http://schemas.microsoft.com/office/drawing/2014/main" id="{43FAC0B5-673E-E81C-7B98-05C1A8B1D92B}"/>
               </a:ext>
             </a:extLst>
           </p:cNvPr>
@@ -12335,17 +12119,17 @@
       </p:sp>
       <p:cxnSp>
         <p:nvCxnSpPr>
-          <p:cNvPr id="1085" name="직선 화살표 연결선 112">
+          <p:cNvPr id="228" name="직선 화살표 연결선 112">
             <a:extLst>
               <a:ext uri="{FF2B5EF4-FFF2-40B4-BE49-F238E27FC236}">
-                <a16:creationId xmlns:a16="http://schemas.microsoft.com/office/drawing/2014/main" id="{63E17F05-0A18-1CA8-F123-4E80E4685E13}"/>
+                <a16:creationId xmlns:a16="http://schemas.microsoft.com/office/drawing/2014/main" id="{49EE7A8E-8728-9672-D0F6-06E37CC889E0}"/>
               </a:ext>
             </a:extLst>
           </p:cNvPr>
           <p:cNvCxnSpPr>
             <a:cxnSpLocks/>
-            <a:stCxn id="1081" idx="6"/>
-            <a:endCxn id="96" idx="1"/>
+            <a:stCxn id="227" idx="6"/>
+            <a:endCxn id="205" idx="1"/>
           </p:cNvCxnSpPr>
           <p:nvPr/>
         </p:nvCxnSpPr>
@@ -12386,10 +12170,10 @@
       </p:cxnSp>
       <p:sp>
         <p:nvSpPr>
-          <p:cNvPr id="1088" name="타원 1087">
+          <p:cNvPr id="229" name="타원 228">
             <a:extLst>
               <a:ext uri="{FF2B5EF4-FFF2-40B4-BE49-F238E27FC236}">
-                <a16:creationId xmlns:a16="http://schemas.microsoft.com/office/drawing/2014/main" id="{B97A3656-A9B1-D83E-9A0C-D1E499DFBF4C}"/>
+                <a16:creationId xmlns:a16="http://schemas.microsoft.com/office/drawing/2014/main" id="{89EE79E5-B9B4-9B60-5E61-93B4C53EA21B}"/>
               </a:ext>
             </a:extLst>
           </p:cNvPr>
@@ -12442,17 +12226,17 @@
       </p:sp>
       <p:cxnSp>
         <p:nvCxnSpPr>
-          <p:cNvPr id="1093" name="직선 화살표 연결선 1055">
+          <p:cNvPr id="230" name="직선 화살표 연결선 1055">
             <a:extLst>
               <a:ext uri="{FF2B5EF4-FFF2-40B4-BE49-F238E27FC236}">
-                <a16:creationId xmlns:a16="http://schemas.microsoft.com/office/drawing/2014/main" id="{7AB621AD-AB4B-5327-4D04-33C9EDA75626}"/>
+                <a16:creationId xmlns:a16="http://schemas.microsoft.com/office/drawing/2014/main" id="{FA99F7AD-CA73-1BC0-A5D5-420EC1DCF846}"/>
               </a:ext>
             </a:extLst>
           </p:cNvPr>
           <p:cNvCxnSpPr>
             <a:cxnSpLocks/>
-            <a:stCxn id="1078" idx="1"/>
-            <a:endCxn id="1074" idx="3"/>
+            <a:stCxn id="224" idx="1"/>
+            <a:endCxn id="221" idx="3"/>
           </p:cNvCxnSpPr>
           <p:nvPr/>
         </p:nvCxnSpPr>
@@ -12493,17 +12277,17 @@
       </p:cxnSp>
       <p:cxnSp>
         <p:nvCxnSpPr>
-          <p:cNvPr id="1096" name="직선 화살표 연결선 1055">
+          <p:cNvPr id="231" name="직선 화살표 연결선 1055">
             <a:extLst>
               <a:ext uri="{FF2B5EF4-FFF2-40B4-BE49-F238E27FC236}">
-                <a16:creationId xmlns:a16="http://schemas.microsoft.com/office/drawing/2014/main" id="{9D6072BB-3EE7-0185-37D2-A54D964216B6}"/>
+                <a16:creationId xmlns:a16="http://schemas.microsoft.com/office/drawing/2014/main" id="{EBDFAB25-C74B-1721-5FFF-BB31943051CE}"/>
               </a:ext>
             </a:extLst>
           </p:cNvPr>
           <p:cNvCxnSpPr>
             <a:cxnSpLocks/>
-            <a:stCxn id="1049" idx="1"/>
-            <a:endCxn id="1078" idx="3"/>
+            <a:stCxn id="209" idx="1"/>
+            <a:endCxn id="224" idx="3"/>
           </p:cNvCxnSpPr>
           <p:nvPr/>
         </p:nvCxnSpPr>
@@ -12542,10 +12326,10 @@
       </p:cxnSp>
       <p:sp>
         <p:nvSpPr>
-          <p:cNvPr id="1099" name="Rounded Rectangle 26">
+          <p:cNvPr id="233" name="Rounded Rectangle 26">
             <a:extLst>
               <a:ext uri="{FF2B5EF4-FFF2-40B4-BE49-F238E27FC236}">
-                <a16:creationId xmlns:a16="http://schemas.microsoft.com/office/drawing/2014/main" id="{38EB9056-26FF-6B3F-97FD-44A53104FC18}"/>
+                <a16:creationId xmlns:a16="http://schemas.microsoft.com/office/drawing/2014/main" id="{40F36B03-8D30-F773-AE91-ACA4574D8D55}"/>
               </a:ext>
             </a:extLst>
           </p:cNvPr>
@@ -12720,10 +12504,10 @@
       </p:sp>
       <p:grpSp>
         <p:nvGrpSpPr>
-          <p:cNvPr id="1100" name="Group 110">
+          <p:cNvPr id="234" name="Group 110">
             <a:extLst>
               <a:ext uri="{FF2B5EF4-FFF2-40B4-BE49-F238E27FC236}">
-                <a16:creationId xmlns:a16="http://schemas.microsoft.com/office/drawing/2014/main" id="{4C7E8618-B8D9-F542-2B7C-BC83C1938433}"/>
+                <a16:creationId xmlns:a16="http://schemas.microsoft.com/office/drawing/2014/main" id="{AB83FD97-3D2E-528F-4633-5E28CDC39E4D}"/>
               </a:ext>
             </a:extLst>
           </p:cNvPr>
@@ -12746,10 +12530,10 @@
         </p:grpSpPr>
         <p:sp>
           <p:nvSpPr>
-            <p:cNvPr id="1118" name="Rounded Rectangle 56">
+            <p:cNvPr id="235" name="Rounded Rectangle 56">
               <a:extLst>
                 <a:ext uri="{FF2B5EF4-FFF2-40B4-BE49-F238E27FC236}">
-                  <a16:creationId xmlns:a16="http://schemas.microsoft.com/office/drawing/2014/main" id="{7DB213DB-C17A-1CA0-35C1-A4EED0CE8EF1}"/>
+                  <a16:creationId xmlns:a16="http://schemas.microsoft.com/office/drawing/2014/main" id="{078D7132-75B0-9D08-92B7-36E2D3871CA5}"/>
                 </a:ext>
               </a:extLst>
             </p:cNvPr>
@@ -12891,10 +12675,10 @@
         </p:sp>
         <p:pic>
           <p:nvPicPr>
-            <p:cNvPr id="1119" name="Picture 47">
+            <p:cNvPr id="236" name="Picture 47">
               <a:extLst>
                 <a:ext uri="{FF2B5EF4-FFF2-40B4-BE49-F238E27FC236}">
-                  <a16:creationId xmlns:a16="http://schemas.microsoft.com/office/drawing/2014/main" id="{F418F442-65CA-D0CA-CF41-F0030A519C47}"/>
+                  <a16:creationId xmlns:a16="http://schemas.microsoft.com/office/drawing/2014/main" id="{549C2BE6-AC43-24C7-B735-56F7DE94FA49}"/>
                 </a:ext>
               </a:extLst>
             </p:cNvPr>
@@ -12904,7 +12688,7 @@
             <p:nvPr/>
           </p:nvPicPr>
           <p:blipFill>
-            <a:blip r:embed="rId3" cstate="print">
+            <a:blip r:embed="rId2" cstate="print">
               <a:duotone>
                 <a:schemeClr val="accent1">
                   <a:shade val="45000"/>
@@ -12935,10 +12719,10 @@
         </p:pic>
         <p:sp>
           <p:nvSpPr>
-            <p:cNvPr id="1120" name="TextBox 57">
+            <p:cNvPr id="237" name="TextBox 57">
               <a:extLst>
                 <a:ext uri="{FF2B5EF4-FFF2-40B4-BE49-F238E27FC236}">
-                  <a16:creationId xmlns:a16="http://schemas.microsoft.com/office/drawing/2014/main" id="{F7CA8B17-2622-FBA5-0361-E2ACEB315A80}"/>
+                  <a16:creationId xmlns:a16="http://schemas.microsoft.com/office/drawing/2014/main" id="{7A16E604-A0A2-169E-1C41-181320776604}"/>
                 </a:ext>
               </a:extLst>
             </p:cNvPr>
@@ -13072,10 +12856,10 @@
       </p:grpSp>
       <p:grpSp>
         <p:nvGrpSpPr>
-          <p:cNvPr id="1102" name="Group 1046">
+          <p:cNvPr id="238" name="Group 1046">
             <a:extLst>
               <a:ext uri="{FF2B5EF4-FFF2-40B4-BE49-F238E27FC236}">
-                <a16:creationId xmlns:a16="http://schemas.microsoft.com/office/drawing/2014/main" id="{61C52A89-F193-B205-42EE-BBE800AF7DDC}"/>
+                <a16:creationId xmlns:a16="http://schemas.microsoft.com/office/drawing/2014/main" id="{91FC9E5C-D8EE-0EED-DD60-B9D9EC2AF125}"/>
               </a:ext>
             </a:extLst>
           </p:cNvPr>
@@ -13098,10 +12882,10 @@
         </p:grpSpPr>
         <p:sp>
           <p:nvSpPr>
-            <p:cNvPr id="1112" name="Rounded Rectangle 1040">
+            <p:cNvPr id="239" name="Rounded Rectangle 1040">
               <a:extLst>
                 <a:ext uri="{FF2B5EF4-FFF2-40B4-BE49-F238E27FC236}">
-                  <a16:creationId xmlns:a16="http://schemas.microsoft.com/office/drawing/2014/main" id="{8934ED88-80ED-C572-1E57-52AD3A8260AD}"/>
+                  <a16:creationId xmlns:a16="http://schemas.microsoft.com/office/drawing/2014/main" id="{FB8FFF3D-FE0E-D895-06FF-B05108639B57}"/>
                 </a:ext>
               </a:extLst>
             </p:cNvPr>
@@ -13251,10 +13035,10 @@
         </p:sp>
         <p:pic>
           <p:nvPicPr>
-            <p:cNvPr id="1113" name="Picture 60" descr="Adobe Experience Manager Logo PNG Vector (AI) Free Download">
+            <p:cNvPr id="241" name="Picture 60" descr="Adobe Experience Manager Logo PNG Vector (AI) Free Download">
               <a:extLst>
                 <a:ext uri="{FF2B5EF4-FFF2-40B4-BE49-F238E27FC236}">
-                  <a16:creationId xmlns:a16="http://schemas.microsoft.com/office/drawing/2014/main" id="{CC256271-6D61-BEB5-8BC1-BC3ED0DDFE44}"/>
+                  <a16:creationId xmlns:a16="http://schemas.microsoft.com/office/drawing/2014/main" id="{F4554D8B-DBFE-A922-6CF8-E3244F0A19EA}"/>
                 </a:ext>
               </a:extLst>
             </p:cNvPr>
@@ -13264,7 +13048,7 @@
             <p:nvPr/>
           </p:nvPicPr>
           <p:blipFill>
-            <a:blip r:embed="rId4">
+            <a:blip r:embed="rId3">
               <a:extLst>
                 <a:ext uri="{28A0092B-C50C-407E-A947-70E740481C1C}">
                   <a14:useLocalDpi xmlns:a14="http://schemas.microsoft.com/office/drawing/2010/main" val="0"/>
@@ -13289,10 +13073,10 @@
         </p:pic>
         <p:sp>
           <p:nvSpPr>
-            <p:cNvPr id="1114" name="TextBox 1045">
+            <p:cNvPr id="243" name="TextBox 1045">
               <a:extLst>
                 <a:ext uri="{FF2B5EF4-FFF2-40B4-BE49-F238E27FC236}">
-                  <a16:creationId xmlns:a16="http://schemas.microsoft.com/office/drawing/2014/main" id="{D7F24C5A-5C15-388C-0081-336D3F34542B}"/>
+                  <a16:creationId xmlns:a16="http://schemas.microsoft.com/office/drawing/2014/main" id="{159D2567-7F96-3AE5-DCD4-5F0373B15697}"/>
                 </a:ext>
               </a:extLst>
             </p:cNvPr>
@@ -13441,10 +13225,10 @@
       </p:grpSp>
       <p:sp>
         <p:nvSpPr>
-          <p:cNvPr id="1107" name="Rounded Rectangle 51">
+          <p:cNvPr id="244" name="Rounded Rectangle 51">
             <a:extLst>
               <a:ext uri="{FF2B5EF4-FFF2-40B4-BE49-F238E27FC236}">
-                <a16:creationId xmlns:a16="http://schemas.microsoft.com/office/drawing/2014/main" id="{872FFDA6-552D-0933-EBFE-BC3E53FDFC5F}"/>
+                <a16:creationId xmlns:a16="http://schemas.microsoft.com/office/drawing/2014/main" id="{9D3A9C1B-2A8B-88C2-CCEA-A171CCF3F1A2}"/>
               </a:ext>
             </a:extLst>
           </p:cNvPr>
@@ -13585,17 +13369,17 @@
       </p:sp>
       <p:cxnSp>
         <p:nvCxnSpPr>
-          <p:cNvPr id="1122" name="직선 화살표 연결선 112">
+          <p:cNvPr id="245" name="직선 화살표 연결선 112">
             <a:extLst>
               <a:ext uri="{FF2B5EF4-FFF2-40B4-BE49-F238E27FC236}">
-                <a16:creationId xmlns:a16="http://schemas.microsoft.com/office/drawing/2014/main" id="{65482094-429A-DC09-42FC-0A45573BAC9C}"/>
+                <a16:creationId xmlns:a16="http://schemas.microsoft.com/office/drawing/2014/main" id="{E3C27D6D-BD5C-F0BF-2BB3-7AF33BF63309}"/>
               </a:ext>
             </a:extLst>
           </p:cNvPr>
           <p:cNvCxnSpPr>
             <a:cxnSpLocks/>
-            <a:stCxn id="1131" idx="6"/>
-            <a:endCxn id="1118" idx="1"/>
+            <a:stCxn id="251" idx="6"/>
+            <a:endCxn id="235" idx="1"/>
           </p:cNvCxnSpPr>
           <p:nvPr/>
         </p:nvCxnSpPr>
@@ -13636,17 +13420,17 @@
       </p:cxnSp>
       <p:cxnSp>
         <p:nvCxnSpPr>
-          <p:cNvPr id="1125" name="직선 화살표 연결선 112">
+          <p:cNvPr id="247" name="직선 화살표 연결선 112">
             <a:extLst>
               <a:ext uri="{FF2B5EF4-FFF2-40B4-BE49-F238E27FC236}">
-                <a16:creationId xmlns:a16="http://schemas.microsoft.com/office/drawing/2014/main" id="{00E5DA29-BEE7-0D7E-93E1-C6772730D892}"/>
+                <a16:creationId xmlns:a16="http://schemas.microsoft.com/office/drawing/2014/main" id="{A4F83966-4A17-7D38-8D1C-383C86B9BB66}"/>
               </a:ext>
             </a:extLst>
           </p:cNvPr>
           <p:cNvCxnSpPr>
             <a:cxnSpLocks/>
-            <a:stCxn id="1132" idx="6"/>
-            <a:endCxn id="1108" idx="1"/>
+            <a:stCxn id="260" idx="6"/>
+            <a:endCxn id="170" idx="1"/>
           </p:cNvCxnSpPr>
           <p:nvPr/>
         </p:nvCxnSpPr>
@@ -13687,17 +13471,17 @@
       </p:cxnSp>
       <p:cxnSp>
         <p:nvCxnSpPr>
-          <p:cNvPr id="1128" name="직선 화살표 연결선 112">
+          <p:cNvPr id="250" name="직선 화살표 연결선 112">
             <a:extLst>
               <a:ext uri="{FF2B5EF4-FFF2-40B4-BE49-F238E27FC236}">
-                <a16:creationId xmlns:a16="http://schemas.microsoft.com/office/drawing/2014/main" id="{D9739747-52CD-32D0-F6AA-61F71AA7F464}"/>
+                <a16:creationId xmlns:a16="http://schemas.microsoft.com/office/drawing/2014/main" id="{E15A4B3F-ACDA-8812-DEA7-4E067C80C92B}"/>
               </a:ext>
             </a:extLst>
           </p:cNvPr>
           <p:cNvCxnSpPr>
             <a:cxnSpLocks/>
-            <a:stCxn id="1142" idx="6"/>
-            <a:endCxn id="1107" idx="0"/>
+            <a:stCxn id="262" idx="6"/>
+            <a:endCxn id="244" idx="0"/>
           </p:cNvCxnSpPr>
           <p:nvPr/>
         </p:nvCxnSpPr>
@@ -13739,10 +13523,10 @@
       </p:cxnSp>
       <p:sp>
         <p:nvSpPr>
-          <p:cNvPr id="1131" name="타원 1130">
+          <p:cNvPr id="251" name="타원 250">
             <a:extLst>
               <a:ext uri="{FF2B5EF4-FFF2-40B4-BE49-F238E27FC236}">
-                <a16:creationId xmlns:a16="http://schemas.microsoft.com/office/drawing/2014/main" id="{F4AEACAF-4797-8EAA-0C12-36B71B25510C}"/>
+                <a16:creationId xmlns:a16="http://schemas.microsoft.com/office/drawing/2014/main" id="{909882F2-3251-5461-EA36-73C132B5EA08}"/>
               </a:ext>
             </a:extLst>
           </p:cNvPr>
@@ -13795,10 +13579,10 @@
       </p:sp>
       <p:sp>
         <p:nvSpPr>
-          <p:cNvPr id="1132" name="타원 1131">
+          <p:cNvPr id="260" name="타원 259">
             <a:extLst>
               <a:ext uri="{FF2B5EF4-FFF2-40B4-BE49-F238E27FC236}">
-                <a16:creationId xmlns:a16="http://schemas.microsoft.com/office/drawing/2014/main" id="{7C8F5128-034D-ACBF-9619-1CF5E8EBC227}"/>
+                <a16:creationId xmlns:a16="http://schemas.microsoft.com/office/drawing/2014/main" id="{55C31F31-B878-0C47-7DF5-0E2AAFB4A1DA}"/>
               </a:ext>
             </a:extLst>
           </p:cNvPr>
@@ -13851,10 +13635,10 @@
       </p:sp>
       <p:sp>
         <p:nvSpPr>
-          <p:cNvPr id="1133" name="타원 1132">
+          <p:cNvPr id="261" name="타원 260">
             <a:extLst>
               <a:ext uri="{FF2B5EF4-FFF2-40B4-BE49-F238E27FC236}">
-                <a16:creationId xmlns:a16="http://schemas.microsoft.com/office/drawing/2014/main" id="{71EAFA8B-C0C4-126F-7554-C9DFBEC0DA4C}"/>
+                <a16:creationId xmlns:a16="http://schemas.microsoft.com/office/drawing/2014/main" id="{830C6691-3E76-EB67-EB37-EA9045C302F8}"/>
               </a:ext>
             </a:extLst>
           </p:cNvPr>
@@ -13907,10 +13691,10 @@
       </p:sp>
       <p:sp>
         <p:nvSpPr>
-          <p:cNvPr id="1142" name="타원 1141">
+          <p:cNvPr id="262" name="타원 261">
             <a:extLst>
               <a:ext uri="{FF2B5EF4-FFF2-40B4-BE49-F238E27FC236}">
-                <a16:creationId xmlns:a16="http://schemas.microsoft.com/office/drawing/2014/main" id="{E69FEE17-BCE1-DE5F-7D7E-84DAC9668896}"/>
+                <a16:creationId xmlns:a16="http://schemas.microsoft.com/office/drawing/2014/main" id="{058B4F11-A666-FFCC-6710-31B240BCE4EB}"/>
               </a:ext>
             </a:extLst>
           </p:cNvPr>
@@ -13964,7 +13748,7 @@
     </p:spTree>
     <p:extLst>
       <p:ext uri="{BB962C8B-B14F-4D97-AF65-F5344CB8AC3E}">
-        <p14:creationId xmlns:p14="http://schemas.microsoft.com/office/powerpoint/2010/main" val="1547579609"/>
+        <p14:creationId xmlns:p14="http://schemas.microsoft.com/office/powerpoint/2010/main" val="1171714214"/>
       </p:ext>
     </p:extLst>
   </p:cSld>
@@ -13993,10 +13777,68 @@
       </p:grpSpPr>
       <p:sp>
         <p:nvSpPr>
-          <p:cNvPr id="4" name="Rounded Rectangle 3">
+          <p:cNvPr id="6" name="제목 5">
             <a:extLst>
               <a:ext uri="{FF2B5EF4-FFF2-40B4-BE49-F238E27FC236}">
-                <a16:creationId xmlns:a16="http://schemas.microsoft.com/office/drawing/2014/main" id="{67A35781-7D90-BC6B-C8EF-408F63FD0B72}"/>
+                <a16:creationId xmlns:a16="http://schemas.microsoft.com/office/drawing/2014/main" id="{9BC99C36-C6B9-0440-A9FB-A08FDBE604B3}"/>
+              </a:ext>
+            </a:extLst>
+          </p:cNvPr>
+          <p:cNvSpPr>
+            <a:spLocks noGrp="1"/>
+          </p:cNvSpPr>
+          <p:nvPr>
+            <p:ph type="ctrTitle"/>
+          </p:nvPr>
+        </p:nvSpPr>
+        <p:spPr/>
+        <p:txBody>
+          <a:bodyPr/>
+          <a:lstStyle/>
+          <a:p>
+            <a:r>
+              <a:rPr lang="en-US" altLang="ko-KR" dirty="0"/>
+              <a:t> </a:t>
+            </a:r>
+            <a:endParaRPr lang="ko-KR" altLang="en-US" dirty="0"/>
+          </a:p>
+        </p:txBody>
+      </p:sp>
+      <p:sp>
+        <p:nvSpPr>
+          <p:cNvPr id="11" name="부제목 10">
+            <a:extLst>
+              <a:ext uri="{FF2B5EF4-FFF2-40B4-BE49-F238E27FC236}">
+                <a16:creationId xmlns:a16="http://schemas.microsoft.com/office/drawing/2014/main" id="{57F9BFDA-CDB5-8E8B-EFFF-C8A97BCF32C6}"/>
+              </a:ext>
+            </a:extLst>
+          </p:cNvPr>
+          <p:cNvSpPr>
+            <a:spLocks noGrp="1"/>
+          </p:cNvSpPr>
+          <p:nvPr>
+            <p:ph type="subTitle" idx="1"/>
+          </p:nvPr>
+        </p:nvSpPr>
+        <p:spPr/>
+        <p:txBody>
+          <a:bodyPr/>
+          <a:lstStyle/>
+          <a:p>
+            <a:r>
+              <a:rPr lang="en-US" altLang="ko-KR" dirty="0"/>
+              <a:t> </a:t>
+            </a:r>
+            <a:endParaRPr lang="ko-KR" altLang="en-US" dirty="0"/>
+          </a:p>
+        </p:txBody>
+      </p:sp>
+      <p:sp>
+        <p:nvSpPr>
+          <p:cNvPr id="14" name="Rounded Rectangle 3">
+            <a:extLst>
+              <a:ext uri="{FF2B5EF4-FFF2-40B4-BE49-F238E27FC236}">
+                <a16:creationId xmlns:a16="http://schemas.microsoft.com/office/drawing/2014/main" id="{D609D7DC-4EAF-A005-25BF-65D0A525529B}"/>
               </a:ext>
             </a:extLst>
           </p:cNvPr>
@@ -14065,10 +13907,10 @@
       </p:sp>
       <p:grpSp>
         <p:nvGrpSpPr>
-          <p:cNvPr id="109" name="Group 108">
+          <p:cNvPr id="15" name="Group 108">
             <a:extLst>
               <a:ext uri="{FF2B5EF4-FFF2-40B4-BE49-F238E27FC236}">
-                <a16:creationId xmlns:a16="http://schemas.microsoft.com/office/drawing/2014/main" id="{A626993B-0919-DA46-2497-C65E1F25B5F1}"/>
+                <a16:creationId xmlns:a16="http://schemas.microsoft.com/office/drawing/2014/main" id="{3F648DD2-96FD-C16E-C9D5-EB1D6E2AE7B7}"/>
               </a:ext>
             </a:extLst>
           </p:cNvPr>
@@ -14085,10 +13927,10 @@
         </p:grpSpPr>
         <p:sp>
           <p:nvSpPr>
-            <p:cNvPr id="63" name="Rounded Rectangle 62">
+            <p:cNvPr id="16" name="Rounded Rectangle 62">
               <a:extLst>
                 <a:ext uri="{FF2B5EF4-FFF2-40B4-BE49-F238E27FC236}">
-                  <a16:creationId xmlns:a16="http://schemas.microsoft.com/office/drawing/2014/main" id="{33BBFFA9-922E-188A-7BFE-17C26BF29B65}"/>
+                  <a16:creationId xmlns:a16="http://schemas.microsoft.com/office/drawing/2014/main" id="{217900A2-DA42-45C8-AF36-CD1F718CE08C}"/>
                 </a:ext>
               </a:extLst>
             </p:cNvPr>
@@ -14135,10 +13977,10 @@
         </p:sp>
         <p:sp>
           <p:nvSpPr>
-            <p:cNvPr id="66" name="TextBox 65">
+            <p:cNvPr id="17" name="TextBox 16">
               <a:extLst>
                 <a:ext uri="{FF2B5EF4-FFF2-40B4-BE49-F238E27FC236}">
-                  <a16:creationId xmlns:a16="http://schemas.microsoft.com/office/drawing/2014/main" id="{D87889E6-1ADC-4346-7FED-3551681BC44C}"/>
+                  <a16:creationId xmlns:a16="http://schemas.microsoft.com/office/drawing/2014/main" id="{5FF505B1-41E1-ACE9-E228-4E57665B4782}"/>
                 </a:ext>
               </a:extLst>
             </p:cNvPr>
@@ -14177,10 +14019,10 @@
         </p:sp>
         <p:pic>
           <p:nvPicPr>
-            <p:cNvPr id="45" name="Picture 46" descr="Product development - Free industry icons">
+            <p:cNvPr id="18" name="Picture 46" descr="Product development - Free industry icons">
               <a:extLst>
                 <a:ext uri="{FF2B5EF4-FFF2-40B4-BE49-F238E27FC236}">
-                  <a16:creationId xmlns:a16="http://schemas.microsoft.com/office/drawing/2014/main" id="{FFCA28E7-1EC8-EE8F-74D8-86F88E304B98}"/>
+                  <a16:creationId xmlns:a16="http://schemas.microsoft.com/office/drawing/2014/main" id="{3C3D4520-375F-8F12-A7C4-7AC35DAE296A}"/>
                 </a:ext>
               </a:extLst>
             </p:cNvPr>
@@ -14190,7 +14032,7 @@
             <p:nvPr/>
           </p:nvPicPr>
           <p:blipFill>
-            <a:blip r:embed="rId3">
+            <a:blip r:embed="rId2">
               <a:duotone>
                 <a:schemeClr val="accent1">
                   <a:shade val="45000"/>
@@ -14232,10 +14074,10 @@
       </p:grpSp>
       <p:grpSp>
         <p:nvGrpSpPr>
-          <p:cNvPr id="110" name="Group 109">
+          <p:cNvPr id="19" name="Group 109">
             <a:extLst>
               <a:ext uri="{FF2B5EF4-FFF2-40B4-BE49-F238E27FC236}">
-                <a16:creationId xmlns:a16="http://schemas.microsoft.com/office/drawing/2014/main" id="{46C344E9-5CE2-4550-38C7-18E10554D961}"/>
+                <a16:creationId xmlns:a16="http://schemas.microsoft.com/office/drawing/2014/main" id="{966A659C-26CD-3332-2B04-CDBA33114F9A}"/>
               </a:ext>
             </a:extLst>
           </p:cNvPr>
@@ -14252,10 +14094,10 @@
         </p:grpSpPr>
         <p:sp>
           <p:nvSpPr>
-            <p:cNvPr id="73" name="Rounded Rectangle 72">
+            <p:cNvPr id="20" name="Rounded Rectangle 72">
               <a:extLst>
                 <a:ext uri="{FF2B5EF4-FFF2-40B4-BE49-F238E27FC236}">
-                  <a16:creationId xmlns:a16="http://schemas.microsoft.com/office/drawing/2014/main" id="{AB965E70-5F8D-C1BA-50EE-4E5CE77E1EE1}"/>
+                  <a16:creationId xmlns:a16="http://schemas.microsoft.com/office/drawing/2014/main" id="{35A44600-DB27-5A24-ED41-FFBB6782B2EB}"/>
                 </a:ext>
               </a:extLst>
             </p:cNvPr>
@@ -14302,10 +14144,10 @@
         </p:sp>
         <p:sp>
           <p:nvSpPr>
-            <p:cNvPr id="75" name="TextBox 74">
+            <p:cNvPr id="21" name="TextBox 20">
               <a:extLst>
                 <a:ext uri="{FF2B5EF4-FFF2-40B4-BE49-F238E27FC236}">
-                  <a16:creationId xmlns:a16="http://schemas.microsoft.com/office/drawing/2014/main" id="{E8AAA46A-EA60-D07C-88C5-CD5510B8E629}"/>
+                  <a16:creationId xmlns:a16="http://schemas.microsoft.com/office/drawing/2014/main" id="{BBE83D9C-38CD-D031-0176-458AE9199498}"/>
                 </a:ext>
               </a:extLst>
             </p:cNvPr>
@@ -14344,10 +14186,10 @@
         </p:sp>
         <p:pic>
           <p:nvPicPr>
-            <p:cNvPr id="77" name="Picture 6">
+            <p:cNvPr id="22" name="Picture 6">
               <a:extLst>
                 <a:ext uri="{FF2B5EF4-FFF2-40B4-BE49-F238E27FC236}">
-                  <a16:creationId xmlns:a16="http://schemas.microsoft.com/office/drawing/2014/main" id="{384B9D46-99C1-8E3E-BACC-BD64F827ACC8}"/>
+                  <a16:creationId xmlns:a16="http://schemas.microsoft.com/office/drawing/2014/main" id="{2F715215-3990-771F-5833-5607397B1855}"/>
                 </a:ext>
               </a:extLst>
             </p:cNvPr>
@@ -14357,7 +14199,7 @@
             <p:nvPr/>
           </p:nvPicPr>
           <p:blipFill>
-            <a:blip r:embed="rId4">
+            <a:blip r:embed="rId3">
               <a:duotone>
                 <a:schemeClr val="accent1">
                   <a:shade val="45000"/>
@@ -14368,7 +14210,7 @@
               <a:extLst>
                 <a:ext uri="{BEBA8EAE-BF5A-486C-A8C5-ECC9F3942E4B}">
                   <a14:imgProps xmlns:a14="http://schemas.microsoft.com/office/drawing/2010/main">
-                    <a14:imgLayer r:embed="rId5">
+                    <a14:imgLayer r:embed="rId4">
                       <a14:imgEffect>
                         <a14:saturation sat="33000"/>
                       </a14:imgEffect>
@@ -14408,10 +14250,10 @@
       </p:grpSp>
       <p:grpSp>
         <p:nvGrpSpPr>
-          <p:cNvPr id="103" name="Group 102">
+          <p:cNvPr id="23" name="Group 102">
             <a:extLst>
               <a:ext uri="{FF2B5EF4-FFF2-40B4-BE49-F238E27FC236}">
-                <a16:creationId xmlns:a16="http://schemas.microsoft.com/office/drawing/2014/main" id="{CC8141D1-BF99-2B8D-4FA7-3D91C90469C8}"/>
+                <a16:creationId xmlns:a16="http://schemas.microsoft.com/office/drawing/2014/main" id="{5DE68346-29D9-F5D3-39A9-5A47F2B5EC15}"/>
               </a:ext>
             </a:extLst>
           </p:cNvPr>
@@ -14428,10 +14270,10 @@
         </p:grpSpPr>
         <p:sp>
           <p:nvSpPr>
-            <p:cNvPr id="82" name="Rounded Rectangle 81">
+            <p:cNvPr id="24" name="Rounded Rectangle 81">
               <a:extLst>
                 <a:ext uri="{FF2B5EF4-FFF2-40B4-BE49-F238E27FC236}">
-                  <a16:creationId xmlns:a16="http://schemas.microsoft.com/office/drawing/2014/main" id="{0F051FCB-D41C-85BF-4CB7-C7BDC008FCD7}"/>
+                  <a16:creationId xmlns:a16="http://schemas.microsoft.com/office/drawing/2014/main" id="{514FFF3D-011A-1FB7-02A2-E4A6EA7289AB}"/>
                 </a:ext>
               </a:extLst>
             </p:cNvPr>
@@ -14478,10 +14320,10 @@
         </p:sp>
         <p:pic>
           <p:nvPicPr>
-            <p:cNvPr id="42" name="Picture 44" descr="Email Marketing Icon Email Icon - Email Logo Png Transparent Background (525x462), Png Download">
+            <p:cNvPr id="25" name="Picture 44" descr="Email Marketing Icon Email Icon - Email Logo Png Transparent Background (525x462), Png Download">
               <a:extLst>
                 <a:ext uri="{FF2B5EF4-FFF2-40B4-BE49-F238E27FC236}">
-                  <a16:creationId xmlns:a16="http://schemas.microsoft.com/office/drawing/2014/main" id="{F9EE8FF6-FDDB-59A0-D589-82E38C222D39}"/>
+                  <a16:creationId xmlns:a16="http://schemas.microsoft.com/office/drawing/2014/main" id="{25298E36-2070-EC03-D0A4-DB12FFD25743}"/>
                 </a:ext>
               </a:extLst>
             </p:cNvPr>
@@ -14491,7 +14333,7 @@
             <p:nvPr/>
           </p:nvPicPr>
           <p:blipFill>
-            <a:blip r:embed="rId6">
+            <a:blip r:embed="rId5">
               <a:duotone>
                 <a:schemeClr val="accent1">
                   <a:shade val="45000"/>
@@ -14532,10 +14374,10 @@
         </p:pic>
         <p:sp>
           <p:nvSpPr>
-            <p:cNvPr id="83" name="TextBox 82">
+            <p:cNvPr id="26" name="TextBox 25">
               <a:extLst>
                 <a:ext uri="{FF2B5EF4-FFF2-40B4-BE49-F238E27FC236}">
-                  <a16:creationId xmlns:a16="http://schemas.microsoft.com/office/drawing/2014/main" id="{9E9AE2AF-AA8D-F2F0-341F-BECE08CB9311}"/>
+                  <a16:creationId xmlns:a16="http://schemas.microsoft.com/office/drawing/2014/main" id="{C06D9C94-5D01-8235-EDE1-D6AF2DEDA51E}"/>
                 </a:ext>
               </a:extLst>
             </p:cNvPr>
@@ -14575,10 +14417,10 @@
       </p:grpSp>
       <p:grpSp>
         <p:nvGrpSpPr>
-          <p:cNvPr id="106" name="Group 105">
+          <p:cNvPr id="27" name="Group 105">
             <a:extLst>
               <a:ext uri="{FF2B5EF4-FFF2-40B4-BE49-F238E27FC236}">
-                <a16:creationId xmlns:a16="http://schemas.microsoft.com/office/drawing/2014/main" id="{05D62839-7EDF-84F6-12E8-AEB44D91C613}"/>
+                <a16:creationId xmlns:a16="http://schemas.microsoft.com/office/drawing/2014/main" id="{1A9A54CF-8E17-C576-6D2E-77207D47EB67}"/>
               </a:ext>
             </a:extLst>
           </p:cNvPr>
@@ -14595,10 +14437,10 @@
         </p:grpSpPr>
         <p:sp>
           <p:nvSpPr>
-            <p:cNvPr id="85" name="Rounded Rectangle 84">
+            <p:cNvPr id="28" name="Rounded Rectangle 84">
               <a:extLst>
                 <a:ext uri="{FF2B5EF4-FFF2-40B4-BE49-F238E27FC236}">
-                  <a16:creationId xmlns:a16="http://schemas.microsoft.com/office/drawing/2014/main" id="{53F4C82E-8E17-E644-118E-0F8D5958AA2F}"/>
+                  <a16:creationId xmlns:a16="http://schemas.microsoft.com/office/drawing/2014/main" id="{89F28578-F11A-E30E-2B5D-B1A94F077413}"/>
                 </a:ext>
               </a:extLst>
             </p:cNvPr>
@@ -14645,10 +14487,10 @@
         </p:sp>
         <p:pic>
           <p:nvPicPr>
-            <p:cNvPr id="28" name="Picture 24" descr="Product design - Free computer icons">
+            <p:cNvPr id="29" name="Picture 24" descr="Product design - Free computer icons">
               <a:extLst>
                 <a:ext uri="{FF2B5EF4-FFF2-40B4-BE49-F238E27FC236}">
-                  <a16:creationId xmlns:a16="http://schemas.microsoft.com/office/drawing/2014/main" id="{1513982A-67CD-D75B-F938-8F0708F68A82}"/>
+                  <a16:creationId xmlns:a16="http://schemas.microsoft.com/office/drawing/2014/main" id="{6F791AE6-2195-B2A9-0FC8-B4E547DAB8BA}"/>
                 </a:ext>
               </a:extLst>
             </p:cNvPr>
@@ -14658,7 +14500,7 @@
             <p:nvPr/>
           </p:nvPicPr>
           <p:blipFill>
-            <a:blip r:embed="rId7">
+            <a:blip r:embed="rId6">
               <a:duotone>
                 <a:schemeClr val="accent1">
                   <a:shade val="45000"/>
@@ -14699,10 +14541,10 @@
         </p:pic>
         <p:sp>
           <p:nvSpPr>
-            <p:cNvPr id="87" name="TextBox 86">
+            <p:cNvPr id="30" name="TextBox 29">
               <a:extLst>
                 <a:ext uri="{FF2B5EF4-FFF2-40B4-BE49-F238E27FC236}">
-                  <a16:creationId xmlns:a16="http://schemas.microsoft.com/office/drawing/2014/main" id="{78B10BF6-E7B1-1428-D5F1-C71B6F1462C7}"/>
+                  <a16:creationId xmlns:a16="http://schemas.microsoft.com/office/drawing/2014/main" id="{C2791745-38AF-6FEF-5F27-99FFB9A06CF4}"/>
                 </a:ext>
               </a:extLst>
             </p:cNvPr>
@@ -14742,10 +14584,10 @@
       </p:grpSp>
       <p:grpSp>
         <p:nvGrpSpPr>
-          <p:cNvPr id="105" name="Group 104">
+          <p:cNvPr id="31" name="Group 104">
             <a:extLst>
               <a:ext uri="{FF2B5EF4-FFF2-40B4-BE49-F238E27FC236}">
-                <a16:creationId xmlns:a16="http://schemas.microsoft.com/office/drawing/2014/main" id="{7D0AFBF7-73A7-83DD-9B5D-F6FABEF405F0}"/>
+                <a16:creationId xmlns:a16="http://schemas.microsoft.com/office/drawing/2014/main" id="{FB9ED513-87DE-485D-C49A-7212158FC58F}"/>
               </a:ext>
             </a:extLst>
           </p:cNvPr>
@@ -14762,10 +14604,10 @@
         </p:grpSpPr>
         <p:sp>
           <p:nvSpPr>
-            <p:cNvPr id="90" name="Rounded Rectangle 89">
+            <p:cNvPr id="32" name="Rounded Rectangle 89">
               <a:extLst>
                 <a:ext uri="{FF2B5EF4-FFF2-40B4-BE49-F238E27FC236}">
-                  <a16:creationId xmlns:a16="http://schemas.microsoft.com/office/drawing/2014/main" id="{B64E2444-7A25-3978-B42A-2D1FBE5860EE}"/>
+                  <a16:creationId xmlns:a16="http://schemas.microsoft.com/office/drawing/2014/main" id="{7C7B15E1-7AAB-504F-819D-FFE5366F3D0B}"/>
                 </a:ext>
               </a:extLst>
             </p:cNvPr>
@@ -14812,10 +14654,10 @@
         </p:sp>
         <p:sp>
           <p:nvSpPr>
-            <p:cNvPr id="92" name="TextBox 91">
+            <p:cNvPr id="33" name="TextBox 32">
               <a:extLst>
                 <a:ext uri="{FF2B5EF4-FFF2-40B4-BE49-F238E27FC236}">
-                  <a16:creationId xmlns:a16="http://schemas.microsoft.com/office/drawing/2014/main" id="{550E8B1E-F27C-0B62-9168-5972E3E7A5AD}"/>
+                  <a16:creationId xmlns:a16="http://schemas.microsoft.com/office/drawing/2014/main" id="{F45152DB-FE81-E982-68D9-BA6687415F20}"/>
                 </a:ext>
               </a:extLst>
             </p:cNvPr>
@@ -14854,10 +14696,10 @@
         </p:sp>
         <p:pic>
           <p:nvPicPr>
-            <p:cNvPr id="93" name="Picture 92">
+            <p:cNvPr id="59" name="Picture 92">
               <a:extLst>
                 <a:ext uri="{FF2B5EF4-FFF2-40B4-BE49-F238E27FC236}">
-                  <a16:creationId xmlns:a16="http://schemas.microsoft.com/office/drawing/2014/main" id="{31002043-4363-426D-3BE3-FFAA1A275219}"/>
+                  <a16:creationId xmlns:a16="http://schemas.microsoft.com/office/drawing/2014/main" id="{53CF9991-D9F6-07BC-4E26-9148D2FF0401}"/>
                 </a:ext>
               </a:extLst>
             </p:cNvPr>
@@ -14867,7 +14709,7 @@
             <p:nvPr/>
           </p:nvPicPr>
           <p:blipFill>
-            <a:blip r:embed="rId8">
+            <a:blip r:embed="rId7">
               <a:duotone>
                 <a:schemeClr val="accent1">
                   <a:shade val="45000"/>
@@ -14909,10 +14751,10 @@
       </p:grpSp>
       <p:grpSp>
         <p:nvGrpSpPr>
-          <p:cNvPr id="107" name="Group 106">
+          <p:cNvPr id="60" name="Group 106">
             <a:extLst>
               <a:ext uri="{FF2B5EF4-FFF2-40B4-BE49-F238E27FC236}">
-                <a16:creationId xmlns:a16="http://schemas.microsoft.com/office/drawing/2014/main" id="{781D902C-2F13-9D4F-DFA6-80451A8968D1}"/>
+                <a16:creationId xmlns:a16="http://schemas.microsoft.com/office/drawing/2014/main" id="{4D815AF6-AA92-5FE5-BF0C-7A37A1E43E2A}"/>
               </a:ext>
             </a:extLst>
           </p:cNvPr>
@@ -14929,10 +14771,10 @@
         </p:grpSpPr>
         <p:sp>
           <p:nvSpPr>
-            <p:cNvPr id="94" name="Rounded Rectangle 93">
+            <p:cNvPr id="61" name="Rounded Rectangle 93">
               <a:extLst>
                 <a:ext uri="{FF2B5EF4-FFF2-40B4-BE49-F238E27FC236}">
-                  <a16:creationId xmlns:a16="http://schemas.microsoft.com/office/drawing/2014/main" id="{3CAAF74C-C161-D237-452A-F4E15A355BD2}"/>
+                  <a16:creationId xmlns:a16="http://schemas.microsoft.com/office/drawing/2014/main" id="{B387602E-A489-D427-A9A3-7AAEA6FC800E}"/>
                 </a:ext>
               </a:extLst>
             </p:cNvPr>
@@ -14979,10 +14821,10 @@
         </p:sp>
         <p:sp>
           <p:nvSpPr>
-            <p:cNvPr id="97" name="TextBox 96">
+            <p:cNvPr id="63" name="TextBox 62">
               <a:extLst>
                 <a:ext uri="{FF2B5EF4-FFF2-40B4-BE49-F238E27FC236}">
-                  <a16:creationId xmlns:a16="http://schemas.microsoft.com/office/drawing/2014/main" id="{CFAFA916-920C-AC52-73A1-B28AEA2B5BD3}"/>
+                  <a16:creationId xmlns:a16="http://schemas.microsoft.com/office/drawing/2014/main" id="{FFCA3B6B-5A3A-61F7-ACD3-9FAC6656A8A4}"/>
                 </a:ext>
               </a:extLst>
             </p:cNvPr>
@@ -15021,10 +14863,10 @@
         </p:sp>
         <p:pic>
           <p:nvPicPr>
-            <p:cNvPr id="98" name="Picture 32">
+            <p:cNvPr id="64" name="Picture 32">
               <a:extLst>
                 <a:ext uri="{FF2B5EF4-FFF2-40B4-BE49-F238E27FC236}">
-                  <a16:creationId xmlns:a16="http://schemas.microsoft.com/office/drawing/2014/main" id="{1EE8F76D-44B4-3D40-0B63-3F0CEB7C4205}"/>
+                  <a16:creationId xmlns:a16="http://schemas.microsoft.com/office/drawing/2014/main" id="{71889707-02AA-6CCE-DFB3-E6A8D5E12FE5}"/>
                 </a:ext>
               </a:extLst>
             </p:cNvPr>
@@ -15034,7 +14876,7 @@
             <p:nvPr/>
           </p:nvPicPr>
           <p:blipFill>
-            <a:blip r:embed="rId9">
+            <a:blip r:embed="rId8">
               <a:extLst>
                 <a:ext uri="{28A0092B-C50C-407E-A947-70E740481C1C}">
                   <a14:useLocalDpi xmlns:a14="http://schemas.microsoft.com/office/drawing/2010/main" val="0"/>
@@ -15069,10 +14911,10 @@
       </p:grpSp>
       <p:sp>
         <p:nvSpPr>
-          <p:cNvPr id="10" name="Rectangle 9">
+          <p:cNvPr id="65" name="Rectangle 9">
             <a:extLst>
               <a:ext uri="{FF2B5EF4-FFF2-40B4-BE49-F238E27FC236}">
-                <a16:creationId xmlns:a16="http://schemas.microsoft.com/office/drawing/2014/main" id="{88FA2EDE-3C69-A3BF-9360-84D828A8ED2B}"/>
+                <a16:creationId xmlns:a16="http://schemas.microsoft.com/office/drawing/2014/main" id="{CF46A080-45F0-F385-B352-180A94148EED}"/>
               </a:ext>
             </a:extLst>
           </p:cNvPr>
@@ -15137,10 +14979,10 @@
       </p:sp>
       <p:sp>
         <p:nvSpPr>
-          <p:cNvPr id="14" name="TextBox 13">
+          <p:cNvPr id="66" name="TextBox 65">
             <a:extLst>
               <a:ext uri="{FF2B5EF4-FFF2-40B4-BE49-F238E27FC236}">
-                <a16:creationId xmlns:a16="http://schemas.microsoft.com/office/drawing/2014/main" id="{18CFD79B-43EF-3A83-63B0-32882CF07034}"/>
+                <a16:creationId xmlns:a16="http://schemas.microsoft.com/office/drawing/2014/main" id="{6D7405F7-D060-083C-0752-21D5102E3A0D}"/>
               </a:ext>
             </a:extLst>
           </p:cNvPr>
@@ -15222,10 +15064,10 @@
       </p:sp>
       <p:pic>
         <p:nvPicPr>
-          <p:cNvPr id="1076" name="Picture 1075" descr="A blue and white logo&#10;&#10;Description automatically generated">
+          <p:cNvPr id="67" name="Picture 1075" descr="A blue and white logo&#10;&#10;Description automatically generated">
             <a:extLst>
               <a:ext uri="{FF2B5EF4-FFF2-40B4-BE49-F238E27FC236}">
-                <a16:creationId xmlns:a16="http://schemas.microsoft.com/office/drawing/2014/main" id="{303DEC7A-20EF-91F1-1F27-F3873505C8AD}"/>
+                <a16:creationId xmlns:a16="http://schemas.microsoft.com/office/drawing/2014/main" id="{3E035B28-0100-8CDF-5073-36E1B5AFD496}"/>
               </a:ext>
             </a:extLst>
           </p:cNvPr>
@@ -15235,7 +15077,7 @@
           <p:nvPr/>
         </p:nvPicPr>
         <p:blipFill>
-          <a:blip r:embed="rId10">
+          <a:blip r:embed="rId9">
             <a:lum bright="70000" contrast="-70000"/>
           </a:blip>
           <a:stretch>
@@ -15254,10 +15096,10 @@
       </p:pic>
       <p:sp>
         <p:nvSpPr>
-          <p:cNvPr id="1089" name="Up-down Arrow 1088">
+          <p:cNvPr id="68" name="Up-down Arrow 1088">
             <a:extLst>
               <a:ext uri="{FF2B5EF4-FFF2-40B4-BE49-F238E27FC236}">
-                <a16:creationId xmlns:a16="http://schemas.microsoft.com/office/drawing/2014/main" id="{03A5AAB1-0924-98D5-47BD-6A56795DC29D}"/>
+                <a16:creationId xmlns:a16="http://schemas.microsoft.com/office/drawing/2014/main" id="{01458062-E0DC-5DD8-A376-D929E7D84482}"/>
               </a:ext>
             </a:extLst>
           </p:cNvPr>
@@ -15314,10 +15156,10 @@
       </p:sp>
       <p:sp>
         <p:nvSpPr>
-          <p:cNvPr id="1090" name="Up-down Arrow 1089">
+          <p:cNvPr id="69" name="Up-down Arrow 1089">
             <a:extLst>
               <a:ext uri="{FF2B5EF4-FFF2-40B4-BE49-F238E27FC236}">
-                <a16:creationId xmlns:a16="http://schemas.microsoft.com/office/drawing/2014/main" id="{E441D9D7-2D1B-ED65-6C58-E0A7A1801BDC}"/>
+                <a16:creationId xmlns:a16="http://schemas.microsoft.com/office/drawing/2014/main" id="{C3336DD7-6D4F-161A-5419-B95A7440D3D5}"/>
               </a:ext>
             </a:extLst>
           </p:cNvPr>
@@ -15374,10 +15216,10 @@
       </p:sp>
       <p:sp>
         <p:nvSpPr>
-          <p:cNvPr id="15" name="Up-down Arrow 14">
+          <p:cNvPr id="70" name="Up-down Arrow 14">
             <a:extLst>
               <a:ext uri="{FF2B5EF4-FFF2-40B4-BE49-F238E27FC236}">
-                <a16:creationId xmlns:a16="http://schemas.microsoft.com/office/drawing/2014/main" id="{FA386E3E-7392-BC72-902E-FC1205ED60F9}"/>
+                <a16:creationId xmlns:a16="http://schemas.microsoft.com/office/drawing/2014/main" id="{C1A563C0-3BCC-CA9E-922E-30A4A5B5F43B}"/>
               </a:ext>
             </a:extLst>
           </p:cNvPr>
@@ -15434,10 +15276,10 @@
       </p:sp>
       <p:sp>
         <p:nvSpPr>
-          <p:cNvPr id="3" name="Rounded Rectangle 2">
+          <p:cNvPr id="71" name="Rounded Rectangle 2">
             <a:extLst>
               <a:ext uri="{FF2B5EF4-FFF2-40B4-BE49-F238E27FC236}">
-                <a16:creationId xmlns:a16="http://schemas.microsoft.com/office/drawing/2014/main" id="{E0256836-64C5-50E8-808D-2556C2D07807}"/>
+                <a16:creationId xmlns:a16="http://schemas.microsoft.com/office/drawing/2014/main" id="{9D894328-A83A-DA24-5F82-0A1E3350F847}"/>
               </a:ext>
             </a:extLst>
           </p:cNvPr>
@@ -15484,10 +15326,10 @@
       </p:sp>
       <p:sp>
         <p:nvSpPr>
-          <p:cNvPr id="5" name="TextBox 4">
+          <p:cNvPr id="72" name="TextBox 71">
             <a:extLst>
               <a:ext uri="{FF2B5EF4-FFF2-40B4-BE49-F238E27FC236}">
-                <a16:creationId xmlns:a16="http://schemas.microsoft.com/office/drawing/2014/main" id="{F39FA527-4734-1079-2FBC-964EE25D3A5D}"/>
+                <a16:creationId xmlns:a16="http://schemas.microsoft.com/office/drawing/2014/main" id="{6A7AE68A-1AA0-EDBA-9DBA-1EBE057162F7}"/>
               </a:ext>
             </a:extLst>
           </p:cNvPr>
@@ -15526,10 +15368,10 @@
       </p:sp>
       <p:sp>
         <p:nvSpPr>
-          <p:cNvPr id="9" name="Up-down Arrow 8">
+          <p:cNvPr id="73" name="Up-down Arrow 8">
             <a:extLst>
               <a:ext uri="{FF2B5EF4-FFF2-40B4-BE49-F238E27FC236}">
-                <a16:creationId xmlns:a16="http://schemas.microsoft.com/office/drawing/2014/main" id="{6D0128BC-B6E2-1D84-E580-726210C6A64C}"/>
+                <a16:creationId xmlns:a16="http://schemas.microsoft.com/office/drawing/2014/main" id="{3AE78524-6AF1-8D8A-E786-5F75B8A1B2BA}"/>
               </a:ext>
             </a:extLst>
           </p:cNvPr>
@@ -15586,10 +15428,10 @@
       </p:sp>
       <p:sp>
         <p:nvSpPr>
-          <p:cNvPr id="11" name="Up-down Arrow 10">
+          <p:cNvPr id="76" name="Up-down Arrow 10">
             <a:extLst>
               <a:ext uri="{FF2B5EF4-FFF2-40B4-BE49-F238E27FC236}">
-                <a16:creationId xmlns:a16="http://schemas.microsoft.com/office/drawing/2014/main" id="{B1A2ED3D-A8E0-6837-1F02-323E16D29F60}"/>
+                <a16:creationId xmlns:a16="http://schemas.microsoft.com/office/drawing/2014/main" id="{7E5D05A6-016B-0685-0500-0DCB7AAAF2FD}"/>
               </a:ext>
             </a:extLst>
           </p:cNvPr>
@@ -15646,10 +15488,10 @@
       </p:sp>
       <p:sp>
         <p:nvSpPr>
-          <p:cNvPr id="16" name="Up-down Arrow 15">
+          <p:cNvPr id="77" name="Up-down Arrow 15">
             <a:extLst>
               <a:ext uri="{FF2B5EF4-FFF2-40B4-BE49-F238E27FC236}">
-                <a16:creationId xmlns:a16="http://schemas.microsoft.com/office/drawing/2014/main" id="{E5994583-4156-7963-7F61-CDF1D3906178}"/>
+                <a16:creationId xmlns:a16="http://schemas.microsoft.com/office/drawing/2014/main" id="{F8C822AF-765B-5E5E-FBA9-D005F2D88A16}"/>
               </a:ext>
             </a:extLst>
           </p:cNvPr>
@@ -15706,10 +15548,10 @@
       </p:sp>
       <p:sp>
         <p:nvSpPr>
-          <p:cNvPr id="39" name="Rounded Rectangle 38">
+          <p:cNvPr id="78" name="Rounded Rectangle 38">
             <a:extLst>
               <a:ext uri="{FF2B5EF4-FFF2-40B4-BE49-F238E27FC236}">
-                <a16:creationId xmlns:a16="http://schemas.microsoft.com/office/drawing/2014/main" id="{A0AE5257-BB93-A7DF-7000-BB5AC51D0952}"/>
+                <a16:creationId xmlns:a16="http://schemas.microsoft.com/office/drawing/2014/main" id="{766FE90D-3F8A-6C3D-7727-FD54841FFA25}"/>
               </a:ext>
             </a:extLst>
           </p:cNvPr>
@@ -15756,10 +15598,10 @@
       </p:sp>
       <p:sp>
         <p:nvSpPr>
-          <p:cNvPr id="41" name="TextBox 40">
+          <p:cNvPr id="79" name="TextBox 78">
             <a:extLst>
               <a:ext uri="{FF2B5EF4-FFF2-40B4-BE49-F238E27FC236}">
-                <a16:creationId xmlns:a16="http://schemas.microsoft.com/office/drawing/2014/main" id="{E7894164-FC58-E4A8-1599-203A9170BDD5}"/>
+                <a16:creationId xmlns:a16="http://schemas.microsoft.com/office/drawing/2014/main" id="{458F8325-2A44-3DD1-AC34-344E95A64CBF}"/>
               </a:ext>
             </a:extLst>
           </p:cNvPr>
@@ -15798,10 +15640,10 @@
       </p:sp>
       <p:pic>
         <p:nvPicPr>
-          <p:cNvPr id="43" name="Picture 42">
+          <p:cNvPr id="80" name="Picture 42">
             <a:extLst>
               <a:ext uri="{FF2B5EF4-FFF2-40B4-BE49-F238E27FC236}">
-                <a16:creationId xmlns:a16="http://schemas.microsoft.com/office/drawing/2014/main" id="{C2A5A3C7-DFE9-DD67-86E0-6C827F4B5AA9}"/>
+                <a16:creationId xmlns:a16="http://schemas.microsoft.com/office/drawing/2014/main" id="{34E67623-8102-F85B-FCC0-28438965B7D3}"/>
               </a:ext>
             </a:extLst>
           </p:cNvPr>
@@ -15811,7 +15653,7 @@
           <p:nvPr/>
         </p:nvPicPr>
         <p:blipFill>
-          <a:blip r:embed="rId8">
+          <a:blip r:embed="rId7">
             <a:duotone>
               <a:schemeClr val="accent1">
                 <a:shade val="45000"/>
@@ -15852,10 +15694,10 @@
       </p:pic>
       <p:sp>
         <p:nvSpPr>
-          <p:cNvPr id="44" name="Up-down Arrow 43">
+          <p:cNvPr id="81" name="Up-down Arrow 43">
             <a:extLst>
               <a:ext uri="{FF2B5EF4-FFF2-40B4-BE49-F238E27FC236}">
-                <a16:creationId xmlns:a16="http://schemas.microsoft.com/office/drawing/2014/main" id="{984192B8-D561-9A1C-D1D8-48F69D8A8BCB}"/>
+                <a16:creationId xmlns:a16="http://schemas.microsoft.com/office/drawing/2014/main" id="{3228FE8B-4675-7F63-7CC6-493280119829}"/>
               </a:ext>
             </a:extLst>
           </p:cNvPr>
@@ -15912,10 +15754,10 @@
       </p:sp>
       <p:sp>
         <p:nvSpPr>
-          <p:cNvPr id="46" name="Up-down Arrow 45">
+          <p:cNvPr id="82" name="Up-down Arrow 45">
             <a:extLst>
               <a:ext uri="{FF2B5EF4-FFF2-40B4-BE49-F238E27FC236}">
-                <a16:creationId xmlns:a16="http://schemas.microsoft.com/office/drawing/2014/main" id="{B1DD42EB-A6DF-A829-5E63-41910945E6CF}"/>
+                <a16:creationId xmlns:a16="http://schemas.microsoft.com/office/drawing/2014/main" id="{4671D8FA-20DB-C5AA-151D-6BDD516246F6}"/>
               </a:ext>
             </a:extLst>
           </p:cNvPr>
@@ -15972,10 +15814,10 @@
       </p:sp>
       <p:sp>
         <p:nvSpPr>
-          <p:cNvPr id="47" name="Rounded Rectangle 46">
+          <p:cNvPr id="83" name="Rounded Rectangle 46">
             <a:extLst>
               <a:ext uri="{FF2B5EF4-FFF2-40B4-BE49-F238E27FC236}">
-                <a16:creationId xmlns:a16="http://schemas.microsoft.com/office/drawing/2014/main" id="{3D3782A6-A0C6-AF92-21F6-F5DAE4D0724A}"/>
+                <a16:creationId xmlns:a16="http://schemas.microsoft.com/office/drawing/2014/main" id="{A85E2FE3-BDD3-CCCC-9BC5-E9CC0703E5FE}"/>
               </a:ext>
             </a:extLst>
           </p:cNvPr>
@@ -16027,10 +15869,10 @@
       </p:sp>
       <p:sp>
         <p:nvSpPr>
-          <p:cNvPr id="49" name="Up-down Arrow 48">
+          <p:cNvPr id="84" name="Up-down Arrow 48">
             <a:extLst>
               <a:ext uri="{FF2B5EF4-FFF2-40B4-BE49-F238E27FC236}">
-                <a16:creationId xmlns:a16="http://schemas.microsoft.com/office/drawing/2014/main" id="{9495F3DF-7591-5D04-62EA-8046A2AEC447}"/>
+                <a16:creationId xmlns:a16="http://schemas.microsoft.com/office/drawing/2014/main" id="{B829CDA8-C620-2F11-ACE5-D19EA91F1A69}"/>
               </a:ext>
             </a:extLst>
           </p:cNvPr>
@@ -16087,10 +15929,10 @@
       </p:sp>
       <p:sp>
         <p:nvSpPr>
-          <p:cNvPr id="50" name="TextBox 49">
+          <p:cNvPr id="85" name="TextBox 84">
             <a:extLst>
               <a:ext uri="{FF2B5EF4-FFF2-40B4-BE49-F238E27FC236}">
-                <a16:creationId xmlns:a16="http://schemas.microsoft.com/office/drawing/2014/main" id="{5BE14E8B-88C9-6B83-80D3-0EE1CCE2F3E8}"/>
+                <a16:creationId xmlns:a16="http://schemas.microsoft.com/office/drawing/2014/main" id="{E07E22E7-2AB0-7D27-AAF8-574B092B0ED2}"/>
               </a:ext>
             </a:extLst>
           </p:cNvPr>
@@ -16125,10 +15967,10 @@
       </p:sp>
       <p:sp>
         <p:nvSpPr>
-          <p:cNvPr id="12" name="사각형: 둥근 모서리 11">
+          <p:cNvPr id="86" name="사각형: 둥근 모서리 85">
             <a:extLst>
               <a:ext uri="{FF2B5EF4-FFF2-40B4-BE49-F238E27FC236}">
-                <a16:creationId xmlns:a16="http://schemas.microsoft.com/office/drawing/2014/main" id="{A210A92A-9D73-DDCF-DC44-F22675EA10DC}"/>
+                <a16:creationId xmlns:a16="http://schemas.microsoft.com/office/drawing/2014/main" id="{C0035701-1A99-1A87-0C37-76764E01C7A9}"/>
               </a:ext>
             </a:extLst>
           </p:cNvPr>
@@ -16314,10 +16156,10 @@
       </p:sp>
       <p:sp>
         <p:nvSpPr>
-          <p:cNvPr id="13" name="Up-down Arrow 1088">
+          <p:cNvPr id="89" name="Up-down Arrow 1088">
             <a:extLst>
               <a:ext uri="{FF2B5EF4-FFF2-40B4-BE49-F238E27FC236}">
-                <a16:creationId xmlns:a16="http://schemas.microsoft.com/office/drawing/2014/main" id="{CF1B32F6-9098-2EA5-D26F-5FE1F38C5E2D}"/>
+                <a16:creationId xmlns:a16="http://schemas.microsoft.com/office/drawing/2014/main" id="{73A562C6-F1C8-3047-8BE5-A1B5017DE80C}"/>
               </a:ext>
             </a:extLst>
           </p:cNvPr>
@@ -16374,10 +16216,10 @@
       </p:sp>
       <p:sp>
         <p:nvSpPr>
-          <p:cNvPr id="17" name="Rounded Rectangle 2">
+          <p:cNvPr id="90" name="Rounded Rectangle 2">
             <a:extLst>
               <a:ext uri="{FF2B5EF4-FFF2-40B4-BE49-F238E27FC236}">
-                <a16:creationId xmlns:a16="http://schemas.microsoft.com/office/drawing/2014/main" id="{0859944E-9A47-2DAA-C5E6-3154AE2A7619}"/>
+                <a16:creationId xmlns:a16="http://schemas.microsoft.com/office/drawing/2014/main" id="{B3B5D3C7-3D6B-1F74-18C9-9CEABC3FC12D}"/>
               </a:ext>
             </a:extLst>
           </p:cNvPr>
@@ -16424,10 +16266,10 @@
       </p:sp>
       <p:sp>
         <p:nvSpPr>
-          <p:cNvPr id="19" name="TextBox 18">
+          <p:cNvPr id="91" name="TextBox 90">
             <a:extLst>
               <a:ext uri="{FF2B5EF4-FFF2-40B4-BE49-F238E27FC236}">
-                <a16:creationId xmlns:a16="http://schemas.microsoft.com/office/drawing/2014/main" id="{3AAB19D6-4ABE-DE4E-6682-0D8C0030F38D}"/>
+                <a16:creationId xmlns:a16="http://schemas.microsoft.com/office/drawing/2014/main" id="{B77004B6-24E3-2A57-7C93-0469E4B87E3E}"/>
               </a:ext>
             </a:extLst>
           </p:cNvPr>
@@ -16466,10 +16308,10 @@
       </p:sp>
       <p:sp>
         <p:nvSpPr>
-          <p:cNvPr id="25" name="Rounded Rectangle 2">
+          <p:cNvPr id="92" name="Rounded Rectangle 2">
             <a:extLst>
               <a:ext uri="{FF2B5EF4-FFF2-40B4-BE49-F238E27FC236}">
-                <a16:creationId xmlns:a16="http://schemas.microsoft.com/office/drawing/2014/main" id="{56B6047F-F06D-22CE-D43C-90C2E37E795B}"/>
+                <a16:creationId xmlns:a16="http://schemas.microsoft.com/office/drawing/2014/main" id="{E61D6B40-FEED-183E-54AF-FF6945617131}"/>
               </a:ext>
             </a:extLst>
           </p:cNvPr>
@@ -16516,10 +16358,10 @@
       </p:sp>
       <p:sp>
         <p:nvSpPr>
-          <p:cNvPr id="26" name="TextBox 25">
+          <p:cNvPr id="93" name="TextBox 92">
             <a:extLst>
               <a:ext uri="{FF2B5EF4-FFF2-40B4-BE49-F238E27FC236}">
-                <a16:creationId xmlns:a16="http://schemas.microsoft.com/office/drawing/2014/main" id="{1BC1B706-C3A3-FBD0-4DE7-F8CF198CD4BD}"/>
+                <a16:creationId xmlns:a16="http://schemas.microsoft.com/office/drawing/2014/main" id="{FA90BB8C-0EE1-8891-5F7A-3E74DD53C4DD}"/>
               </a:ext>
             </a:extLst>
           </p:cNvPr>
@@ -16558,10 +16400,10 @@
       </p:sp>
       <p:sp>
         <p:nvSpPr>
-          <p:cNvPr id="29" name="Up-down Arrow 1088">
+          <p:cNvPr id="94" name="Up-down Arrow 1088">
             <a:extLst>
               <a:ext uri="{FF2B5EF4-FFF2-40B4-BE49-F238E27FC236}">
-                <a16:creationId xmlns:a16="http://schemas.microsoft.com/office/drawing/2014/main" id="{F5B47B99-7991-D2A7-F647-4108BE884BF6}"/>
+                <a16:creationId xmlns:a16="http://schemas.microsoft.com/office/drawing/2014/main" id="{B7C3813F-81FB-5949-6FB7-D691DEAC6423}"/>
               </a:ext>
             </a:extLst>
           </p:cNvPr>
@@ -16618,10 +16460,10 @@
       </p:sp>
       <p:sp>
         <p:nvSpPr>
-          <p:cNvPr id="33" name="Up-down Arrow 1088">
+          <p:cNvPr id="97" name="Up-down Arrow 1088">
             <a:extLst>
               <a:ext uri="{FF2B5EF4-FFF2-40B4-BE49-F238E27FC236}">
-                <a16:creationId xmlns:a16="http://schemas.microsoft.com/office/drawing/2014/main" id="{B25836A6-AE80-C4DC-8EBC-220683F53525}"/>
+                <a16:creationId xmlns:a16="http://schemas.microsoft.com/office/drawing/2014/main" id="{17AC77B5-F180-DDE1-6AC9-E15EEF7B6F7B}"/>
               </a:ext>
             </a:extLst>
           </p:cNvPr>
@@ -16678,10 +16520,10 @@
       </p:sp>
       <p:grpSp>
         <p:nvGrpSpPr>
-          <p:cNvPr id="6" name="Group 5">
+          <p:cNvPr id="99" name="Group 5">
             <a:extLst>
               <a:ext uri="{FF2B5EF4-FFF2-40B4-BE49-F238E27FC236}">
-                <a16:creationId xmlns:a16="http://schemas.microsoft.com/office/drawing/2014/main" id="{A5ACCE84-EB62-698B-92C7-1DA2126C4B3C}"/>
+                <a16:creationId xmlns:a16="http://schemas.microsoft.com/office/drawing/2014/main" id="{20EDE499-CCE4-043E-DFC2-CE0E92D69447}"/>
               </a:ext>
             </a:extLst>
           </p:cNvPr>
@@ -16698,10 +16540,10 @@
         </p:grpSpPr>
         <p:pic>
           <p:nvPicPr>
-            <p:cNvPr id="7" name="Picture 6">
+            <p:cNvPr id="100" name="Picture 6">
               <a:extLst>
                 <a:ext uri="{FF2B5EF4-FFF2-40B4-BE49-F238E27FC236}">
-                  <a16:creationId xmlns:a16="http://schemas.microsoft.com/office/drawing/2014/main" id="{F947AB12-3F61-B00A-198F-1FABE10F3E79}"/>
+                  <a16:creationId xmlns:a16="http://schemas.microsoft.com/office/drawing/2014/main" id="{6A2C3FF2-C5E2-BB4E-6A76-F9C888151461}"/>
                 </a:ext>
               </a:extLst>
             </p:cNvPr>
@@ -16711,7 +16553,7 @@
             <p:nvPr/>
           </p:nvPicPr>
           <p:blipFill>
-            <a:blip r:embed="rId11">
+            <a:blip r:embed="rId10">
               <a:extLst>
                 <a:ext uri="{28A0092B-C50C-407E-A947-70E740481C1C}">
                   <a14:useLocalDpi xmlns:a14="http://schemas.microsoft.com/office/drawing/2010/main" val="0"/>
@@ -16745,10 +16587,10 @@
         </p:pic>
         <p:sp>
           <p:nvSpPr>
-            <p:cNvPr id="8" name="TextBox 7">
+            <p:cNvPr id="125" name="TextBox 124">
               <a:extLst>
                 <a:ext uri="{FF2B5EF4-FFF2-40B4-BE49-F238E27FC236}">
-                  <a16:creationId xmlns:a16="http://schemas.microsoft.com/office/drawing/2014/main" id="{8F236F6A-1EA8-94F5-8DBE-8D950297240C}"/>
+                  <a16:creationId xmlns:a16="http://schemas.microsoft.com/office/drawing/2014/main" id="{DEC6146F-E9E1-1D63-4498-A667FF514B87}"/>
                 </a:ext>
               </a:extLst>
             </p:cNvPr>
@@ -16807,10 +16649,10 @@
       </p:grpSp>
       <p:sp>
         <p:nvSpPr>
-          <p:cNvPr id="36" name="사각형: 둥근 모서리 35">
+          <p:cNvPr id="126" name="사각형: 둥근 모서리 125">
             <a:extLst>
               <a:ext uri="{FF2B5EF4-FFF2-40B4-BE49-F238E27FC236}">
-                <a16:creationId xmlns:a16="http://schemas.microsoft.com/office/drawing/2014/main" id="{50ACF72C-A8DD-43C7-4545-0A0F97D14C0C}"/>
+                <a16:creationId xmlns:a16="http://schemas.microsoft.com/office/drawing/2014/main" id="{FBAAA07B-E28D-49FA-58AE-7D99EBF96D49}"/>
               </a:ext>
             </a:extLst>
           </p:cNvPr>
@@ -16980,10 +16822,10 @@
       </p:sp>
       <p:sp>
         <p:nvSpPr>
-          <p:cNvPr id="40" name="제목 1">
+          <p:cNvPr id="129" name="제목 1">
             <a:extLst>
               <a:ext uri="{FF2B5EF4-FFF2-40B4-BE49-F238E27FC236}">
-                <a16:creationId xmlns:a16="http://schemas.microsoft.com/office/drawing/2014/main" id="{87852417-8F90-C106-991F-BE2825B85788}"/>
+                <a16:creationId xmlns:a16="http://schemas.microsoft.com/office/drawing/2014/main" id="{AAD29C49-1A89-EF26-D182-862515E934BB}"/>
               </a:ext>
             </a:extLst>
           </p:cNvPr>
@@ -17073,10 +16915,10 @@
       </p:sp>
       <p:sp>
         <p:nvSpPr>
-          <p:cNvPr id="56" name="부제목 1">
+          <p:cNvPr id="132" name="부제목 1">
             <a:extLst>
               <a:ext uri="{FF2B5EF4-FFF2-40B4-BE49-F238E27FC236}">
-                <a16:creationId xmlns:a16="http://schemas.microsoft.com/office/drawing/2014/main" id="{816BFFAD-6AC0-C277-CC38-5E7FCBF48E4F}"/>
+                <a16:creationId xmlns:a16="http://schemas.microsoft.com/office/drawing/2014/main" id="{9B3DAFE9-59E7-50C7-BED9-35732D5E2332}"/>
               </a:ext>
             </a:extLst>
           </p:cNvPr>
@@ -17320,10 +17162,10 @@
       </p:sp>
       <p:sp>
         <p:nvSpPr>
-          <p:cNvPr id="59" name="Rectangle 169">
+          <p:cNvPr id="133" name="Rectangle 169">
             <a:extLst>
               <a:ext uri="{FF2B5EF4-FFF2-40B4-BE49-F238E27FC236}">
-                <a16:creationId xmlns:a16="http://schemas.microsoft.com/office/drawing/2014/main" id="{2308F9B4-2BAA-6EF9-8DB2-32DD14E2B210}"/>
+                <a16:creationId xmlns:a16="http://schemas.microsoft.com/office/drawing/2014/main" id="{963CDDBB-7DD4-DEC1-6D76-22A3F54F9411}"/>
               </a:ext>
             </a:extLst>
           </p:cNvPr>
@@ -17542,10 +17384,10 @@
       </p:sp>
       <p:sp>
         <p:nvSpPr>
-          <p:cNvPr id="64" name="직사각형 63">
+          <p:cNvPr id="135" name="직사각형 134">
             <a:extLst>
               <a:ext uri="{FF2B5EF4-FFF2-40B4-BE49-F238E27FC236}">
-                <a16:creationId xmlns:a16="http://schemas.microsoft.com/office/drawing/2014/main" id="{3A2E08E8-12E7-99A2-3720-C062A5748335}"/>
+                <a16:creationId xmlns:a16="http://schemas.microsoft.com/office/drawing/2014/main" id="{30F23013-6EA2-1B8F-D4CE-D234A04DEF5B}"/>
               </a:ext>
             </a:extLst>
           </p:cNvPr>
@@ -17734,10 +17576,10 @@
       </p:sp>
       <p:sp>
         <p:nvSpPr>
-          <p:cNvPr id="65" name="직사각형 64">
+          <p:cNvPr id="136" name="직사각형 135">
             <a:extLst>
               <a:ext uri="{FF2B5EF4-FFF2-40B4-BE49-F238E27FC236}">
-                <a16:creationId xmlns:a16="http://schemas.microsoft.com/office/drawing/2014/main" id="{41D54044-DBD2-06FE-D734-C4182154847C}"/>
+                <a16:creationId xmlns:a16="http://schemas.microsoft.com/office/drawing/2014/main" id="{0433DA97-EEFB-1314-9E51-086E5E4F402B}"/>
               </a:ext>
             </a:extLst>
           </p:cNvPr>
@@ -17895,10 +17737,10 @@
       </p:sp>
       <p:sp>
         <p:nvSpPr>
-          <p:cNvPr id="68" name="직사각형 57">
+          <p:cNvPr id="137" name="직사각형 57">
             <a:extLst>
               <a:ext uri="{FF2B5EF4-FFF2-40B4-BE49-F238E27FC236}">
-                <a16:creationId xmlns:a16="http://schemas.microsoft.com/office/drawing/2014/main" id="{DC6F43AF-2B8B-30F0-E919-46C46A7D5338}"/>
+                <a16:creationId xmlns:a16="http://schemas.microsoft.com/office/drawing/2014/main" id="{82F01AA5-5678-AFE4-DFEC-9B646066CC85}"/>
               </a:ext>
             </a:extLst>
           </p:cNvPr>
@@ -17984,10 +17826,10 @@
       </p:sp>
       <p:cxnSp>
         <p:nvCxnSpPr>
-          <p:cNvPr id="71" name="직선 연결선 58">
+          <p:cNvPr id="138" name="직선 연결선 58">
             <a:extLst>
               <a:ext uri="{FF2B5EF4-FFF2-40B4-BE49-F238E27FC236}">
-                <a16:creationId xmlns:a16="http://schemas.microsoft.com/office/drawing/2014/main" id="{0253CDC9-D166-9B64-F0D8-72EDB2CF25E4}"/>
+                <a16:creationId xmlns:a16="http://schemas.microsoft.com/office/drawing/2014/main" id="{DCE84C29-61C3-AE60-737B-A2DD16D61565}"/>
               </a:ext>
             </a:extLst>
           </p:cNvPr>
@@ -18019,7 +17861,7 @@
     </p:spTree>
     <p:extLst>
       <p:ext uri="{BB962C8B-B14F-4D97-AF65-F5344CB8AC3E}">
-        <p14:creationId xmlns:p14="http://schemas.microsoft.com/office/powerpoint/2010/main" val="1896849332"/>
+        <p14:creationId xmlns:p14="http://schemas.microsoft.com/office/powerpoint/2010/main" val="3114294201"/>
       </p:ext>
     </p:extLst>
   </p:cSld>
@@ -25725,7 +25567,7 @@
     </p:spTree>
     <p:extLst>
       <p:ext uri="{BB962C8B-B14F-4D97-AF65-F5344CB8AC3E}">
-        <p14:creationId xmlns:p14="http://schemas.microsoft.com/office/powerpoint/2010/main" val="1171714214"/>
+        <p14:creationId xmlns:p14="http://schemas.microsoft.com/office/powerpoint/2010/main" val="3176258237"/>
       </p:ext>
     </p:extLst>
   </p:cSld>

--- a/_ss/Define_Integration_Hub_Lib_Concept_20231204.pptx
+++ b/_ss/Define_Integration_Hub_Lib_Concept_20231204.pptx
@@ -10549,55 +10549,61 @@
           <a:p>
             <a:pPr algn="ctr"/>
             <a:r>
-              <a:rPr lang="en-US" altLang="ko-KR" sz="1100" b="1" dirty="0">
+              <a:rPr lang="en-US" altLang="ko-KR" sz="1400" b="1" dirty="0">
                 <a:solidFill>
                   <a:schemeClr val="tx1"/>
                 </a:solidFill>
-                <a:latin typeface="SamsungOneKorean 700"/>
+                <a:latin typeface="+mj-ea"/>
+                <a:ea typeface="+mj-ea"/>
               </a:rPr>
               <a:t>SAP</a:t>
             </a:r>
             <a:r>
-              <a:rPr lang="ko-KR" altLang="en-US" sz="1100" b="1" dirty="0">
+              <a:rPr lang="ko-KR" altLang="en-US" sz="1400" b="1" dirty="0">
                 <a:solidFill>
                   <a:schemeClr val="tx1"/>
                 </a:solidFill>
-                <a:latin typeface="SamsungOneKorean 700"/>
+                <a:latin typeface="+mj-ea"/>
+                <a:ea typeface="+mj-ea"/>
               </a:rPr>
               <a:t> </a:t>
             </a:r>
             <a:r>
-              <a:rPr lang="en-US" altLang="ko-KR" sz="1100" b="1" dirty="0">
+              <a:rPr lang="en-US" altLang="ko-KR" sz="1400" b="1" dirty="0">
                 <a:solidFill>
                   <a:schemeClr val="tx1"/>
                 </a:solidFill>
-                <a:latin typeface="SamsungOneKorean 700"/>
+                <a:latin typeface="+mj-ea"/>
+                <a:ea typeface="+mj-ea"/>
               </a:rPr>
               <a:t>Commerce</a:t>
             </a:r>
             <a:r>
-              <a:rPr lang="ko-KR" altLang="en-US" sz="1100" b="1" dirty="0">
+              <a:rPr lang="ko-KR" altLang="en-US" sz="1400" b="1" dirty="0">
                 <a:solidFill>
                   <a:schemeClr val="tx1"/>
                 </a:solidFill>
-                <a:latin typeface="SamsungOneKorean 700"/>
+                <a:latin typeface="+mj-ea"/>
+                <a:ea typeface="+mj-ea"/>
               </a:rPr>
               <a:t> </a:t>
             </a:r>
             <a:r>
-              <a:rPr lang="en-US" altLang="ko-KR" sz="1100" b="1" dirty="0">
+              <a:rPr lang="en-US" altLang="ko-KR" sz="1400" b="1" dirty="0">
                 <a:solidFill>
                   <a:schemeClr val="tx1"/>
                 </a:solidFill>
-                <a:latin typeface="SamsungOneKorean 700"/>
+                <a:latin typeface="+mj-ea"/>
+                <a:ea typeface="+mj-ea"/>
               </a:rPr>
               <a:t>Cloud</a:t>
             </a:r>
-            <a:endParaRPr lang="ko-KR" altLang="en-US" sz="1100" b="1" dirty="0">
+            <a:endParaRPr lang="ko-KR" altLang="en-US" sz="1400" b="1" dirty="0">
               <a:solidFill>
                 <a:schemeClr val="tx1"/>
               </a:solidFill>
-              <a:latin typeface="SamsungOneKorean 700"/>
+              <a:latin typeface="+mj-ea"/>
+              <a:ea typeface="+mj-ea"/>
             </a:endParaRPr>
           </a:p>
         </p:txBody>
@@ -10994,7 +11000,7 @@
           <a:p>
             <a:pPr algn="ctr"/>
             <a:r>
-              <a:rPr lang="en-US" altLang="ko-KR" sz="1100" b="1" dirty="0">
+              <a:rPr lang="en-US" altLang="ko-KR" sz="1400" b="1" dirty="0">
                 <a:solidFill>
                   <a:schemeClr val="tx1"/>
                 </a:solidFill>
@@ -11002,7 +11008,7 @@
               </a:rPr>
               <a:t>CIAM</a:t>
             </a:r>
-            <a:endParaRPr lang="ko-KR" altLang="en-US" sz="1100" b="1" dirty="0">
+            <a:endParaRPr lang="ko-KR" altLang="en-US" sz="1400" b="1" dirty="0">
               <a:solidFill>
                 <a:schemeClr val="tx1"/>
               </a:solidFill>
@@ -11068,7 +11074,7 @@
           <a:p>
             <a:pPr algn="ctr"/>
             <a:r>
-              <a:rPr lang="en-US" altLang="ko-KR" sz="1100" b="1" dirty="0">
+              <a:rPr lang="en-US" altLang="ko-KR" sz="1400" b="1" dirty="0">
                 <a:solidFill>
                   <a:schemeClr val="tx1"/>
                 </a:solidFill>
@@ -11076,7 +11082,7 @@
               </a:rPr>
               <a:t>CMDM</a:t>
             </a:r>
-            <a:endParaRPr lang="ko-KR" altLang="en-US" sz="1100" b="1" dirty="0">
+            <a:endParaRPr lang="ko-KR" altLang="en-US" sz="1400" b="1" dirty="0">
               <a:solidFill>
                 <a:schemeClr val="tx1"/>
               </a:solidFill>
@@ -11356,7 +11362,7 @@
           <a:p>
             <a:pPr algn="ctr"/>
             <a:r>
-              <a:rPr lang="en-US" altLang="ko-KR" sz="1100" b="1" dirty="0">
+              <a:rPr lang="en-US" altLang="ko-KR" sz="1400" b="1" dirty="0">
                 <a:solidFill>
                   <a:schemeClr val="tx1"/>
                 </a:solidFill>
@@ -11364,7 +11370,7 @@
               </a:rPr>
               <a:t>B2B Channel</a:t>
             </a:r>
-            <a:endParaRPr lang="ko-KR" altLang="en-US" sz="1100" b="1" dirty="0">
+            <a:endParaRPr lang="ko-KR" altLang="en-US" sz="1400" b="1" dirty="0">
               <a:solidFill>
                 <a:schemeClr val="tx1"/>
               </a:solidFill>
@@ -11387,8 +11393,8 @@
         </p:nvSpPr>
         <p:spPr>
           <a:xfrm>
-            <a:off x="9278288" y="2164099"/>
-            <a:ext cx="1321210" cy="1271880"/>
+            <a:off x="9278288" y="2164098"/>
+            <a:ext cx="1321210" cy="1472425"/>
           </a:xfrm>
           <a:prstGeom prst="rect">
             <a:avLst/>
@@ -11449,8 +11455,8 @@
         </p:nvSpPr>
         <p:spPr>
           <a:xfrm>
-            <a:off x="9413049" y="2296853"/>
-            <a:ext cx="1051687" cy="251551"/>
+            <a:off x="9413049" y="2228757"/>
+            <a:ext cx="1051687" cy="363821"/>
           </a:xfrm>
           <a:prstGeom prst="rect">
             <a:avLst/>
@@ -11492,7 +11498,7 @@
           <a:p>
             <a:pPr algn="ctr"/>
             <a:r>
-              <a:rPr lang="en-US" altLang="ko-KR" sz="1200" dirty="0">
+              <a:rPr lang="en-US" altLang="ko-KR" sz="1400" b="1" dirty="0">
                 <a:solidFill>
                   <a:schemeClr val="tx1"/>
                 </a:solidFill>
@@ -11517,8 +11523,8 @@
         </p:nvSpPr>
         <p:spPr>
           <a:xfrm>
-            <a:off x="9413048" y="2732450"/>
-            <a:ext cx="1051687" cy="251551"/>
+            <a:off x="9413048" y="2703266"/>
+            <a:ext cx="1051687" cy="363821"/>
           </a:xfrm>
           <a:prstGeom prst="rect">
             <a:avLst/>
@@ -11560,7 +11566,7 @@
           <a:p>
             <a:pPr algn="ctr"/>
             <a:r>
-              <a:rPr lang="en-US" altLang="ko-KR" sz="1200" dirty="0">
+              <a:rPr lang="en-US" altLang="ko-KR" sz="1400" b="1" dirty="0">
                 <a:solidFill>
                   <a:schemeClr val="tx1"/>
                 </a:solidFill>
@@ -11660,7 +11666,7 @@
         <p:spPr>
           <a:xfrm>
             <a:off x="1403608" y="2151890"/>
-            <a:ext cx="1321210" cy="1836589"/>
+            <a:ext cx="1321210" cy="2319299"/>
           </a:xfrm>
           <a:prstGeom prst="rect">
             <a:avLst/>
@@ -11721,8 +11727,8 @@
         </p:nvSpPr>
         <p:spPr>
           <a:xfrm>
-            <a:off x="1538369" y="2383260"/>
-            <a:ext cx="1051687" cy="251551"/>
+            <a:off x="1538369" y="2305436"/>
+            <a:ext cx="1051687" cy="362963"/>
           </a:xfrm>
           <a:prstGeom prst="rect">
             <a:avLst/>
@@ -11764,7 +11770,7 @@
           <a:p>
             <a:pPr algn="ctr"/>
             <a:r>
-              <a:rPr lang="en-US" altLang="ko-KR" sz="1200" dirty="0">
+              <a:rPr lang="en-US" altLang="ko-KR" sz="1400" b="1" dirty="0">
                 <a:solidFill>
                   <a:schemeClr val="tx1"/>
                 </a:solidFill>
@@ -11790,7 +11796,7 @@
         <p:spPr>
           <a:xfrm>
             <a:off x="1538368" y="2818857"/>
-            <a:ext cx="1051687" cy="251551"/>
+            <a:ext cx="1051687" cy="362963"/>
           </a:xfrm>
           <a:prstGeom prst="rect">
             <a:avLst/>
@@ -11832,7 +11838,7 @@
           <a:p>
             <a:pPr algn="ctr"/>
             <a:r>
-              <a:rPr lang="en-US" altLang="ko-KR" sz="1200" dirty="0">
+              <a:rPr lang="en-US" altLang="ko-KR" sz="1400" b="1" dirty="0">
                 <a:solidFill>
                   <a:schemeClr val="tx1"/>
                 </a:solidFill>
@@ -11951,8 +11957,8 @@
         </p:nvSpPr>
         <p:spPr>
           <a:xfrm>
-            <a:off x="1538368" y="3260416"/>
-            <a:ext cx="1051687" cy="251551"/>
+            <a:off x="1538368" y="3347968"/>
+            <a:ext cx="1051687" cy="362963"/>
           </a:xfrm>
           <a:prstGeom prst="rect">
             <a:avLst/>
@@ -11994,7 +12000,7 @@
           <a:p>
             <a:pPr algn="ctr"/>
             <a:r>
-              <a:rPr lang="en-US" altLang="ko-KR" sz="1200" dirty="0">
+              <a:rPr lang="en-US" altLang="ko-KR" sz="1400" b="1" dirty="0">
                 <a:solidFill>
                   <a:schemeClr val="tx1"/>
                 </a:solidFill>
@@ -12242,8 +12248,8 @@
         </p:nvCxnSpPr>
         <p:spPr>
           <a:xfrm rot="10800000">
-            <a:off x="2724819" y="3070186"/>
-            <a:ext cx="472605" cy="460261"/>
+            <a:off x="2724819" y="3311540"/>
+            <a:ext cx="472605" cy="218906"/>
           </a:xfrm>
           <a:prstGeom prst="bentConnector3">
             <a:avLst>
@@ -12516,7 +12522,7 @@
         </p:nvGrpSpPr>
         <p:grpSpPr>
           <a:xfrm>
-            <a:off x="9175027" y="3746708"/>
+            <a:off x="9175027" y="3805076"/>
             <a:ext cx="1455897" cy="522473"/>
             <a:chOff x="10199647" y="5307307"/>
             <a:chExt cx="1455897" cy="584471"/>
@@ -13386,11 +13392,11 @@
         <p:spPr>
           <a:xfrm>
             <a:off x="8227523" y="3760517"/>
-            <a:ext cx="947504" cy="247428"/>
+            <a:ext cx="947504" cy="305796"/>
           </a:xfrm>
           <a:prstGeom prst="bentConnector3">
             <a:avLst>
-              <a:gd name="adj1" fmla="val 57948"/>
+              <a:gd name="adj1" fmla="val 56160"/>
             </a:avLst>
           </a:prstGeom>
           <a:ln w="38100">
@@ -13742,6 +13748,172 @@
               <a:ea typeface="+mn-ea"/>
               <a:cs typeface="Arial" charset="0"/>
             </a:endParaRPr>
+          </a:p>
+        </p:txBody>
+      </p:sp>
+      <p:sp>
+        <p:nvSpPr>
+          <p:cNvPr id="265" name="직사각형 264">
+            <a:extLst>
+              <a:ext uri="{FF2B5EF4-FFF2-40B4-BE49-F238E27FC236}">
+                <a16:creationId xmlns:a16="http://schemas.microsoft.com/office/drawing/2014/main" id="{22172357-414E-5848-1DCB-13522B992F2D}"/>
+              </a:ext>
+            </a:extLst>
+          </p:cNvPr>
+          <p:cNvSpPr/>
+          <p:nvPr/>
+        </p:nvSpPr>
+        <p:spPr>
+          <a:xfrm rot="5400000">
+            <a:off x="2045633" y="3888229"/>
+            <a:ext cx="408537" cy="522265"/>
+          </a:xfrm>
+          <a:prstGeom prst="rect">
+            <a:avLst/>
+          </a:prstGeom>
+          <a:solidFill>
+            <a:schemeClr val="bg1">
+              <a:lumMod val="85000"/>
+              <a:alpha val="0"/>
+            </a:schemeClr>
+          </a:solidFill>
+          <a:ln>
+            <a:noFill/>
+          </a:ln>
+        </p:spPr>
+        <p:style>
+          <a:lnRef idx="2">
+            <a:schemeClr val="accent1">
+              <a:shade val="50000"/>
+            </a:schemeClr>
+          </a:lnRef>
+          <a:fillRef idx="1">
+            <a:schemeClr val="accent1"/>
+          </a:fillRef>
+          <a:effectRef idx="0">
+            <a:schemeClr val="accent1"/>
+          </a:effectRef>
+          <a:fontRef idx="minor">
+            <a:schemeClr val="lt1"/>
+          </a:fontRef>
+        </p:style>
+        <p:txBody>
+          <a:bodyPr rtlCol="0" anchor="ctr"/>
+          <a:lstStyle/>
+          <a:p>
+            <a:pPr marL="0" marR="0" lvl="0" indent="0" algn="ctr" defTabSz="914400" rtl="0" eaLnBrk="1" fontAlgn="auto" latinLnBrk="1" hangingPunct="1">
+              <a:lnSpc>
+                <a:spcPct val="100000"/>
+              </a:lnSpc>
+              <a:spcBef>
+                <a:spcPts val="0"/>
+              </a:spcBef>
+              <a:spcAft>
+                <a:spcPts val="0"/>
+              </a:spcAft>
+              <a:buClrTx/>
+              <a:buSzTx/>
+              <a:buFontTx/>
+              <a:buNone/>
+              <a:tabLst/>
+              <a:defRPr/>
+            </a:pPr>
+            <a:r>
+              <a:rPr lang="en-US" altLang="ko-KR" sz="4800" b="1" dirty="0">
+                <a:solidFill>
+                  <a:prstClr val="black">
+                    <a:lumMod val="85000"/>
+                    <a:lumOff val="15000"/>
+                  </a:prstClr>
+                </a:solidFill>
+                <a:latin typeface="맑은 고딕"/>
+                <a:ea typeface="맑은 고딕"/>
+              </a:rPr>
+              <a:t>…</a:t>
+            </a:r>
+          </a:p>
+        </p:txBody>
+      </p:sp>
+      <p:sp>
+        <p:nvSpPr>
+          <p:cNvPr id="266" name="직사각형 265">
+            <a:extLst>
+              <a:ext uri="{FF2B5EF4-FFF2-40B4-BE49-F238E27FC236}">
+                <a16:creationId xmlns:a16="http://schemas.microsoft.com/office/drawing/2014/main" id="{37EAD8F6-FDAC-31B8-F54B-9A2DEC785DBC}"/>
+              </a:ext>
+            </a:extLst>
+          </p:cNvPr>
+          <p:cNvSpPr/>
+          <p:nvPr/>
+        </p:nvSpPr>
+        <p:spPr>
+          <a:xfrm rot="5400000">
+            <a:off x="9936694" y="3106459"/>
+            <a:ext cx="408537" cy="522265"/>
+          </a:xfrm>
+          <a:prstGeom prst="rect">
+            <a:avLst/>
+          </a:prstGeom>
+          <a:solidFill>
+            <a:schemeClr val="bg1">
+              <a:lumMod val="85000"/>
+              <a:alpha val="0"/>
+            </a:schemeClr>
+          </a:solidFill>
+          <a:ln>
+            <a:noFill/>
+          </a:ln>
+        </p:spPr>
+        <p:style>
+          <a:lnRef idx="2">
+            <a:schemeClr val="accent1">
+              <a:shade val="50000"/>
+            </a:schemeClr>
+          </a:lnRef>
+          <a:fillRef idx="1">
+            <a:schemeClr val="accent1"/>
+          </a:fillRef>
+          <a:effectRef idx="0">
+            <a:schemeClr val="accent1"/>
+          </a:effectRef>
+          <a:fontRef idx="minor">
+            <a:schemeClr val="lt1"/>
+          </a:fontRef>
+        </p:style>
+        <p:txBody>
+          <a:bodyPr rtlCol="0" anchor="ctr"/>
+          <a:lstStyle/>
+          <a:p>
+            <a:pPr marL="0" marR="0" lvl="0" indent="0" algn="ctr" defTabSz="914400" rtl="0" eaLnBrk="1" fontAlgn="auto" latinLnBrk="1" hangingPunct="1">
+              <a:lnSpc>
+                <a:spcPct val="100000"/>
+              </a:lnSpc>
+              <a:spcBef>
+                <a:spcPts val="0"/>
+              </a:spcBef>
+              <a:spcAft>
+                <a:spcPts val="0"/>
+              </a:spcAft>
+              <a:buClrTx/>
+              <a:buSzTx/>
+              <a:buFontTx/>
+              <a:buNone/>
+              <a:tabLst/>
+              <a:defRPr/>
+            </a:pPr>
+            <a:r>
+              <a:rPr lang="en-US" altLang="ko-KR" sz="4800" b="1" dirty="0">
+                <a:solidFill>
+                  <a:prstClr val="black">
+                    <a:lumMod val="85000"/>
+                    <a:lumOff val="15000"/>
+                  </a:prstClr>
+                </a:solidFill>
+                <a:latin typeface="맑은 고딕"/>
+                <a:ea typeface="맑은 고딕"/>
+              </a:rPr>
+              <a:t>…</a:t>
+            </a:r>
           </a:p>
         </p:txBody>
       </p:sp>
@@ -17919,7 +18091,6 @@
                 <a:solidFill>
                   <a:srgbClr val="7F7F7F"/>
                 </a:solidFill>
-                <a:latin typeface="SamsungOneKorean 700"/>
               </a:rPr>
               <a:t>3</a:t>
             </a:r>
@@ -17928,7 +18099,6 @@
                 <a:solidFill>
                   <a:srgbClr val="7F7F7F"/>
                 </a:solidFill>
-                <a:latin typeface="SamsungOneKorean 700"/>
               </a:rPr>
               <a:t>. Integration hub</a:t>
             </a:r>
@@ -17937,7 +18107,6 @@
                 <a:solidFill>
                   <a:srgbClr val="7F7F7F"/>
                 </a:solidFill>
-                <a:latin typeface="SamsungOneKorean 700"/>
               </a:rPr>
               <a:t> 모델링</a:t>
             </a:r>
@@ -17946,7 +18115,6 @@
                 <a:solidFill>
                   <a:srgbClr val="7F7F7F"/>
                 </a:solidFill>
-                <a:latin typeface="SamsungOneKorean 700"/>
               </a:rPr>
               <a:t> 및 처리 예시</a:t>
             </a:r>
@@ -17955,7 +18123,6 @@
                 <a:srgbClr val="7F7F7F"/>
               </a:solidFill>
               <a:effectLst/>
-              <a:latin typeface="+mj-lt"/>
             </a:endParaRPr>
           </a:p>
         </p:txBody>
@@ -17992,44 +18159,30 @@
               <a:buChar char="•"/>
             </a:pPr>
             <a:r>
-              <a:rPr lang="ko-KR" altLang="en-US" dirty="0">
-                <a:latin typeface="+mn-lt"/>
-              </a:rPr>
+              <a:rPr lang="ko-KR" altLang="en-US" dirty="0"/>
               <a:t>다양한 프로토콜</a:t>
             </a:r>
             <a:r>
-              <a:rPr lang="en-US" altLang="ko-KR" dirty="0">
-                <a:latin typeface="+mn-lt"/>
-              </a:rPr>
+              <a:rPr lang="en-US" altLang="ko-KR" dirty="0"/>
               <a:t>, </a:t>
             </a:r>
             <a:r>
-              <a:rPr lang="ko-KR" altLang="en-US" dirty="0">
-                <a:latin typeface="+mn-lt"/>
-              </a:rPr>
+              <a:rPr lang="ko-KR" altLang="en-US" dirty="0"/>
               <a:t>메시지를 통합하여 일관된 인터페이스로 처리하며 </a:t>
             </a:r>
             <a:r>
-              <a:rPr lang="en-US" altLang="ko-KR" dirty="0">
-                <a:latin typeface="+mn-lt"/>
-              </a:rPr>
+              <a:rPr lang="en-US" altLang="ko-KR" dirty="0"/>
               <a:t>EIP </a:t>
             </a:r>
             <a:r>
-              <a:rPr lang="ko-KR" altLang="en-US" dirty="0">
-                <a:latin typeface="+mn-lt"/>
-              </a:rPr>
+              <a:rPr lang="ko-KR" altLang="en-US" dirty="0"/>
               <a:t>패턴에 기반하여 다양한 연계 유형을 조립하여 구성</a:t>
             </a:r>
             <a:r>
-              <a:rPr lang="en-US" altLang="ko-KR" dirty="0">
-                <a:latin typeface="+mn-lt"/>
-              </a:rPr>
+              <a:rPr lang="en-US" altLang="ko-KR" dirty="0"/>
               <a:t>.</a:t>
             </a:r>
-            <a:endParaRPr lang="ko-KR" altLang="en-US" dirty="0">
-              <a:latin typeface="+mn-lt"/>
-            </a:endParaRPr>
+            <a:endParaRPr lang="ko-KR" altLang="en-US" dirty="0"/>
           </a:p>
         </p:txBody>
       </p:sp>
@@ -18090,8 +18243,8 @@
                 <a:effectLst/>
                 <a:uLnTx/>
                 <a:uFillTx/>
-                <a:latin typeface="SamsungOne 400"/>
-                <a:cs typeface="+mn-cs"/>
+                <a:latin typeface="+mj-ea"/>
+                <a:ea typeface="+mj-ea"/>
               </a:rPr>
               <a:t>Integration </a:t>
             </a:r>
@@ -18100,7 +18253,8 @@
                 <a:solidFill>
                   <a:prstClr val="black"/>
                 </a:solidFill>
-                <a:latin typeface="SamsungOne 400"/>
+                <a:latin typeface="+mj-ea"/>
+                <a:ea typeface="+mj-ea"/>
               </a:rPr>
               <a:t>Message</a:t>
             </a:r>
@@ -18109,7 +18263,8 @@
                 <a:solidFill>
                   <a:prstClr val="black"/>
                 </a:solidFill>
-                <a:latin typeface="SamsungOne 400"/>
+                <a:latin typeface="+mj-ea"/>
+                <a:ea typeface="+mj-ea"/>
               </a:rPr>
               <a:t> 처리 </a:t>
             </a:r>
@@ -18118,7 +18273,8 @@
                 <a:solidFill>
                   <a:prstClr val="black"/>
                 </a:solidFill>
-                <a:latin typeface="SamsungOne 400"/>
+                <a:latin typeface="+mj-ea"/>
+                <a:ea typeface="+mj-ea"/>
               </a:rPr>
               <a:t>Process</a:t>
             </a:r>
@@ -18132,8 +18288,8 @@
               <a:effectLst/>
               <a:uLnTx/>
               <a:uFillTx/>
-              <a:latin typeface="SamsungOne 400"/>
-              <a:cs typeface="+mn-cs"/>
+              <a:latin typeface="+mj-ea"/>
+              <a:ea typeface="+mj-ea"/>
             </a:endParaRPr>
           </a:p>
         </p:txBody>
@@ -18227,7 +18383,8 @@
                 <a:effectLst/>
                 <a:uLnTx/>
                 <a:uFillTx/>
-                <a:latin typeface="SamsungOne 400"/>
+                <a:latin typeface="+mj-ea"/>
+                <a:ea typeface="+mj-ea"/>
                 <a:cs typeface="+mn-cs"/>
                 <a:sym typeface="Wingdings" pitchFamily="2" charset="2"/>
               </a:rPr>
@@ -18244,7 +18401,8 @@
                 <a:effectLst/>
                 <a:uLnTx/>
                 <a:uFillTx/>
-                <a:latin typeface="SamsungOne 400"/>
+                <a:latin typeface="+mj-ea"/>
+                <a:ea typeface="+mj-ea"/>
                 <a:cs typeface="+mn-cs"/>
                 <a:sym typeface="Wingdings" pitchFamily="2" charset="2"/>
               </a:rPr>
@@ -18261,7 +18419,8 @@
                 <a:effectLst/>
                 <a:uLnTx/>
                 <a:uFillTx/>
-                <a:latin typeface="SamsungOne 400"/>
+                <a:latin typeface="+mj-ea"/>
+                <a:ea typeface="+mj-ea"/>
                 <a:cs typeface="+mn-cs"/>
                 <a:sym typeface="Wingdings" pitchFamily="2" charset="2"/>
               </a:rPr>
@@ -18278,7 +18437,8 @@
                 <a:effectLst/>
                 <a:uLnTx/>
                 <a:uFillTx/>
-                <a:latin typeface="SamsungOne 400"/>
+                <a:latin typeface="+mj-ea"/>
+                <a:ea typeface="+mj-ea"/>
                 <a:cs typeface="+mn-cs"/>
                 <a:sym typeface="Wingdings" pitchFamily="2" charset="2"/>
               </a:rPr>
@@ -18295,7 +18455,8 @@
                 <a:effectLst/>
                 <a:uLnTx/>
                 <a:uFillTx/>
-                <a:latin typeface="SamsungOne 400"/>
+                <a:latin typeface="+mj-ea"/>
+                <a:ea typeface="+mj-ea"/>
                 <a:cs typeface="+mn-cs"/>
                 <a:sym typeface="Wingdings" pitchFamily="2" charset="2"/>
               </a:rPr>
@@ -18312,7 +18473,8 @@
                 <a:effectLst/>
                 <a:uLnTx/>
                 <a:uFillTx/>
-                <a:latin typeface="SamsungOne 400"/>
+                <a:latin typeface="+mj-ea"/>
+                <a:ea typeface="+mj-ea"/>
                 <a:cs typeface="+mn-cs"/>
                 <a:sym typeface="Wingdings" pitchFamily="2" charset="2"/>
               </a:rPr>
@@ -18329,7 +18491,8 @@
                 <a:effectLst/>
                 <a:uLnTx/>
                 <a:uFillTx/>
-                <a:latin typeface="SamsungOne 400"/>
+                <a:latin typeface="+mj-ea"/>
+                <a:ea typeface="+mj-ea"/>
                 <a:cs typeface="+mn-cs"/>
                 <a:sym typeface="Wingdings" pitchFamily="2" charset="2"/>
               </a:rPr>
@@ -18346,7 +18509,8 @@
                 <a:effectLst/>
                 <a:uLnTx/>
                 <a:uFillTx/>
-                <a:latin typeface="SamsungOne 400"/>
+                <a:latin typeface="+mj-ea"/>
+                <a:ea typeface="+mj-ea"/>
                 <a:cs typeface="+mn-cs"/>
                 <a:sym typeface="Wingdings" pitchFamily="2" charset="2"/>
               </a:rPr>
@@ -18363,7 +18527,8 @@
                 <a:effectLst/>
                 <a:uLnTx/>
                 <a:uFillTx/>
-                <a:latin typeface="SamsungOne 400"/>
+                <a:latin typeface="+mj-ea"/>
+                <a:ea typeface="+mj-ea"/>
                 <a:cs typeface="+mn-cs"/>
                 <a:sym typeface="Wingdings" pitchFamily="2" charset="2"/>
               </a:rPr>
@@ -18379,7 +18544,8 @@
               <a:effectLst/>
               <a:uLnTx/>
               <a:uFillTx/>
-              <a:latin typeface="SamsungOne 400"/>
+              <a:latin typeface="+mj-ea"/>
+              <a:ea typeface="+mj-ea"/>
               <a:cs typeface="+mn-cs"/>
               <a:sym typeface="Wingdings" pitchFamily="2" charset="2"/>
             </a:endParaRPr>
@@ -18413,7 +18579,8 @@
                 <a:effectLst/>
                 <a:uLnTx/>
                 <a:uFillTx/>
-                <a:latin typeface="SamsungOne 400"/>
+                <a:latin typeface="+mj-ea"/>
+                <a:ea typeface="+mj-ea"/>
                 <a:cs typeface="+mn-cs"/>
                 <a:sym typeface="Wingdings" pitchFamily="2" charset="2"/>
               </a:rPr>
@@ -18429,7 +18596,8 @@
               <a:effectLst/>
               <a:uLnTx/>
               <a:uFillTx/>
-              <a:latin typeface="SamsungOne 400"/>
+              <a:latin typeface="+mj-ea"/>
+              <a:ea typeface="+mj-ea"/>
               <a:cs typeface="+mn-cs"/>
               <a:sym typeface="Wingdings" pitchFamily="2" charset="2"/>
             </a:endParaRPr>
@@ -18501,7 +18669,8 @@
                 <a:solidFill>
                   <a:srgbClr val="FFFFFF"/>
                 </a:solidFill>
-                <a:latin typeface="SamsungOneKorean 700"/>
+                <a:latin typeface="+mj-ea"/>
+                <a:ea typeface="+mj-ea"/>
               </a:rPr>
               <a:t>Integration </a:t>
             </a:r>
@@ -18510,7 +18679,8 @@
                 <a:solidFill>
                   <a:srgbClr val="FFFFFF"/>
                 </a:solidFill>
-                <a:latin typeface="SamsungOneKorean 700"/>
+                <a:latin typeface="+mj-ea"/>
+                <a:ea typeface="+mj-ea"/>
               </a:rPr>
               <a:t>통합기능</a:t>
             </a:r>
@@ -18518,7 +18688,8 @@
               <a:solidFill>
                 <a:srgbClr val="FFFFFF"/>
               </a:solidFill>
-              <a:latin typeface="SamsungOneKorean 700"/>
+              <a:latin typeface="+mj-ea"/>
+              <a:ea typeface="+mj-ea"/>
             </a:endParaRPr>
           </a:p>
           <a:p>
@@ -18552,7 +18723,8 @@
                 <a:effectLst/>
                 <a:uLnTx/>
                 <a:uFillTx/>
-                <a:latin typeface="SamsungOneKorean 700"/>
+                <a:latin typeface="+mj-ea"/>
+                <a:ea typeface="+mj-ea"/>
               </a:rPr>
               <a:t>Enterprise Integration Patterns </a:t>
             </a:r>
@@ -18567,7 +18739,8 @@
                 <a:effectLst/>
                 <a:uLnTx/>
                 <a:uFillTx/>
-                <a:latin typeface="SamsungOneKorean 700"/>
+                <a:latin typeface="+mj-ea"/>
+                <a:ea typeface="+mj-ea"/>
               </a:rPr>
               <a:t>구현</a:t>
             </a:r>
@@ -18581,7 +18754,8 @@
               <a:effectLst/>
               <a:uLnTx/>
               <a:uFillTx/>
-              <a:latin typeface="SamsungOneKorean 700"/>
+              <a:latin typeface="+mj-ea"/>
+              <a:ea typeface="+mj-ea"/>
             </a:endParaRPr>
           </a:p>
         </p:txBody>
@@ -18640,7 +18814,8 @@
                 <a:solidFill>
                   <a:schemeClr val="bg1"/>
                 </a:solidFill>
-                <a:latin typeface="+mj-lt"/>
+                <a:latin typeface="+mj-ea"/>
+                <a:ea typeface="+mj-ea"/>
               </a:rPr>
               <a:t>Integration </a:t>
             </a:r>
@@ -18657,7 +18832,8 @@
                 <a:solidFill>
                   <a:schemeClr val="bg1"/>
                 </a:solidFill>
-                <a:latin typeface="+mj-lt"/>
+                <a:latin typeface="+mj-ea"/>
+                <a:ea typeface="+mj-ea"/>
               </a:rPr>
               <a:t>Middleware</a:t>
             </a:r>
@@ -18674,7 +18850,8 @@
                 <a:solidFill>
                   <a:schemeClr val="bg1"/>
                 </a:solidFill>
-                <a:latin typeface="+mj-lt"/>
+                <a:latin typeface="+mj-ea"/>
+                <a:ea typeface="+mj-ea"/>
               </a:rPr>
               <a:t>(iPaaS, CIH)</a:t>
             </a:r>
@@ -18682,7 +18859,8 @@
               <a:solidFill>
                 <a:schemeClr val="bg1"/>
               </a:solidFill>
-              <a:latin typeface="+mj-lt"/>
+              <a:latin typeface="+mj-ea"/>
+              <a:ea typeface="+mj-ea"/>
             </a:endParaRPr>
           </a:p>
         </p:txBody>
@@ -18735,14 +18913,14 @@
             <a:pPr algn="ctr"/>
             <a:r>
               <a:rPr lang="ko-KR" altLang="en-US" sz="1000" b="1" dirty="0">
-                <a:latin typeface="+mj-lt"/>
-                <a:ea typeface="+mn-ea"/>
+                <a:latin typeface="+mj-ea"/>
+                <a:ea typeface="+mj-ea"/>
               </a:rPr>
               <a:t>흐름처리</a:t>
             </a:r>
             <a:endParaRPr lang="en-US" altLang="ko-KR" sz="1000" b="1" dirty="0">
-              <a:latin typeface="+mj-lt"/>
-              <a:ea typeface="+mn-ea"/>
+              <a:latin typeface="+mj-ea"/>
+              <a:ea typeface="+mj-ea"/>
             </a:endParaRPr>
           </a:p>
         </p:txBody>
@@ -18795,20 +18973,14 @@
             <a:pPr algn="ctr"/>
             <a:r>
               <a:rPr lang="ko-KR" altLang="en-US" sz="1000" b="1" dirty="0" err="1">
-                <a:latin typeface="+mj-lt"/>
-              </a:rPr>
-              <a:t>수</a:t>
-            </a:r>
-            <a:r>
-              <a:rPr lang="ko-KR" altLang="en-US" sz="1000" b="1" dirty="0" err="1">
-                <a:latin typeface="+mj-lt"/>
-                <a:ea typeface="+mn-ea"/>
-              </a:rPr>
-              <a:t>신어댑터</a:t>
+                <a:latin typeface="+mj-ea"/>
+                <a:ea typeface="+mj-ea"/>
+              </a:rPr>
+              <a:t>수신어댑터</a:t>
             </a:r>
             <a:endParaRPr lang="en-US" altLang="ko-KR" sz="1000" b="1" dirty="0">
-              <a:latin typeface="+mj-lt"/>
-              <a:ea typeface="+mn-ea"/>
+              <a:latin typeface="+mj-ea"/>
+              <a:ea typeface="+mj-ea"/>
             </a:endParaRPr>
           </a:p>
         </p:txBody>
@@ -18861,20 +19033,14 @@
             <a:pPr algn="ctr"/>
             <a:r>
               <a:rPr lang="ko-KR" altLang="en-US" sz="1000" b="1" dirty="0" err="1">
-                <a:latin typeface="+mj-lt"/>
-              </a:rPr>
-              <a:t>송</a:t>
-            </a:r>
-            <a:r>
-              <a:rPr lang="ko-KR" altLang="en-US" sz="1000" b="1" dirty="0" err="1">
-                <a:latin typeface="+mj-lt"/>
-                <a:ea typeface="+mn-ea"/>
-              </a:rPr>
-              <a:t>신어댑터</a:t>
+                <a:latin typeface="+mj-ea"/>
+                <a:ea typeface="+mj-ea"/>
+              </a:rPr>
+              <a:t>송신어댑터</a:t>
             </a:r>
             <a:endParaRPr lang="en-US" altLang="ko-KR" sz="1000" b="1" dirty="0">
-              <a:latin typeface="+mj-lt"/>
-              <a:ea typeface="+mn-ea"/>
+              <a:latin typeface="+mj-ea"/>
+              <a:ea typeface="+mj-ea"/>
             </a:endParaRPr>
           </a:p>
         </p:txBody>
@@ -18945,8 +19111,8 @@
                 <a:defRPr/>
               </a:pPr>
               <a:endParaRPr lang="ko-KR" altLang="en-US" sz="1000">
-                <a:latin typeface="+mj-lt"/>
-                <a:ea typeface="+mn-ea"/>
+                <a:latin typeface="+mj-ea"/>
+                <a:ea typeface="+mj-ea"/>
               </a:endParaRPr>
             </a:p>
           </p:txBody>
@@ -18997,8 +19163,8 @@
                 <a:defRPr/>
               </a:pPr>
               <a:endParaRPr lang="ko-KR" altLang="en-US" sz="1000">
-                <a:latin typeface="+mj-lt"/>
-                <a:ea typeface="+mn-ea"/>
+                <a:latin typeface="+mj-ea"/>
+                <a:ea typeface="+mj-ea"/>
               </a:endParaRPr>
             </a:p>
           </p:txBody>
@@ -19186,8 +19352,8 @@
                   <a:defRPr/>
                 </a:pPr>
                 <a:endParaRPr lang="ko-KR" altLang="en-US" sz="1000">
-                  <a:latin typeface="+mj-lt"/>
-                  <a:ea typeface="+mn-ea"/>
+                  <a:latin typeface="+mj-ea"/>
+                  <a:ea typeface="+mj-ea"/>
                 </a:endParaRPr>
               </a:p>
             </p:txBody>
@@ -19232,8 +19398,8 @@
                   <a:defRPr/>
                 </a:pPr>
                 <a:endParaRPr lang="ko-KR" altLang="en-US" sz="1000">
-                  <a:latin typeface="+mj-lt"/>
-                  <a:ea typeface="+mn-ea"/>
+                  <a:latin typeface="+mj-ea"/>
+                  <a:ea typeface="+mj-ea"/>
                 </a:endParaRPr>
               </a:p>
             </p:txBody>
@@ -19278,8 +19444,8 @@
                   <a:defRPr/>
                 </a:pPr>
                 <a:endParaRPr lang="ko-KR" altLang="en-US" sz="1000">
-                  <a:latin typeface="+mj-lt"/>
-                  <a:ea typeface="+mn-ea"/>
+                  <a:latin typeface="+mj-ea"/>
+                  <a:ea typeface="+mj-ea"/>
                 </a:endParaRPr>
               </a:p>
             </p:txBody>
@@ -19331,8 +19497,8 @@
                 <a:defRPr/>
               </a:pPr>
               <a:endParaRPr lang="ko-KR" altLang="en-US" sz="1000">
-                <a:latin typeface="+mj-lt"/>
-                <a:ea typeface="+mn-ea"/>
+                <a:latin typeface="+mj-ea"/>
+                <a:ea typeface="+mj-ea"/>
               </a:endParaRPr>
             </a:p>
           </p:txBody>
@@ -19382,8 +19548,8 @@
                 <a:defRPr/>
               </a:pPr>
               <a:endParaRPr lang="ko-KR" altLang="en-US" sz="1000">
-                <a:latin typeface="+mj-lt"/>
-                <a:ea typeface="+mn-ea"/>
+                <a:latin typeface="+mj-ea"/>
+                <a:ea typeface="+mj-ea"/>
               </a:endParaRPr>
             </a:p>
           </p:txBody>
@@ -19433,8 +19599,8 @@
                 <a:defRPr/>
               </a:pPr>
               <a:endParaRPr lang="ko-KR" altLang="en-US" sz="1000">
-                <a:latin typeface="+mj-lt"/>
-                <a:ea typeface="+mn-ea"/>
+                <a:latin typeface="+mj-ea"/>
+                <a:ea typeface="+mj-ea"/>
               </a:endParaRPr>
             </a:p>
           </p:txBody>
@@ -19484,8 +19650,8 @@
                 <a:defRPr/>
               </a:pPr>
               <a:endParaRPr lang="ko-KR" altLang="en-US" sz="1000">
-                <a:latin typeface="+mj-lt"/>
-                <a:ea typeface="+mn-ea"/>
+                <a:latin typeface="+mj-ea"/>
+                <a:ea typeface="+mj-ea"/>
               </a:endParaRPr>
             </a:p>
           </p:txBody>
@@ -19536,29 +19702,17 @@
             </a:pPr>
             <a:r>
               <a:rPr lang="en-US" altLang="ko-KR" sz="800" dirty="0">
-                <a:latin typeface="+mj-lt"/>
-                <a:ea typeface="+mn-ea"/>
-              </a:rPr>
-              <a:t> </a:t>
-            </a:r>
-            <a:r>
-              <a:rPr lang="en-US" altLang="ko-KR" sz="800" dirty="0">
-                <a:latin typeface="+mj-lt"/>
-              </a:rPr>
-              <a:t>Process</a:t>
+                <a:latin typeface="+mj-ea"/>
+                <a:ea typeface="+mj-ea"/>
+              </a:rPr>
+              <a:t> Process</a:t>
             </a:r>
             <a:r>
               <a:rPr lang="ko-KR" altLang="en-US" sz="800" dirty="0">
-                <a:latin typeface="+mj-lt"/>
-              </a:rPr>
-              <a:t> 호</a:t>
-            </a:r>
-            <a:r>
-              <a:rPr lang="ko-KR" altLang="en-US" sz="800" dirty="0">
-                <a:latin typeface="+mj-lt"/>
-                <a:ea typeface="+mn-ea"/>
-              </a:rPr>
-              <a:t>출</a:t>
+                <a:latin typeface="+mj-ea"/>
+                <a:ea typeface="+mj-ea"/>
+              </a:rPr>
+              <a:t> 호출</a:t>
             </a:r>
           </a:p>
           <a:p>
@@ -19569,14 +19723,14 @@
             </a:pPr>
             <a:r>
               <a:rPr lang="ko-KR" altLang="en-US" sz="800" dirty="0">
-                <a:latin typeface="+mj-lt"/>
-                <a:ea typeface="+mn-ea"/>
+                <a:latin typeface="+mj-ea"/>
+                <a:ea typeface="+mj-ea"/>
               </a:rPr>
               <a:t>호출결과 응답</a:t>
             </a:r>
             <a:endParaRPr lang="en-US" altLang="ko-KR" sz="800" dirty="0">
-              <a:latin typeface="+mj-lt"/>
-              <a:ea typeface="+mn-ea"/>
+              <a:latin typeface="+mj-ea"/>
+              <a:ea typeface="+mj-ea"/>
             </a:endParaRPr>
           </a:p>
           <a:p>
@@ -19587,14 +19741,14 @@
             </a:pPr>
             <a:r>
               <a:rPr lang="ko-KR" altLang="en-US" sz="800" dirty="0">
-                <a:latin typeface="+mj-lt"/>
-                <a:ea typeface="+mn-ea"/>
+                <a:latin typeface="+mj-ea"/>
+                <a:ea typeface="+mj-ea"/>
               </a:rPr>
               <a:t>조건부 거래분기</a:t>
             </a:r>
             <a:endParaRPr lang="en-US" altLang="ko-KR" sz="800" dirty="0">
-              <a:latin typeface="+mj-lt"/>
-              <a:ea typeface="+mn-ea"/>
+              <a:latin typeface="+mj-ea"/>
+              <a:ea typeface="+mj-ea"/>
             </a:endParaRPr>
           </a:p>
           <a:p>
@@ -19605,8 +19759,8 @@
             </a:pPr>
             <a:r>
               <a:rPr lang="ko-KR" altLang="en-US" sz="800" dirty="0">
-                <a:latin typeface="+mj-lt"/>
-                <a:ea typeface="+mn-ea"/>
+                <a:latin typeface="+mj-ea"/>
+                <a:ea typeface="+mj-ea"/>
               </a:rPr>
               <a:t>예외처리</a:t>
             </a:r>
@@ -19660,21 +19814,24 @@
             </a:pPr>
             <a:r>
               <a:rPr lang="en-US" altLang="ko-KR" sz="800" dirty="0">
-                <a:latin typeface="+mj-lt"/>
+                <a:latin typeface="+mj-ea"/>
+                <a:ea typeface="+mj-ea"/>
                 <a:sym typeface="Wingdings" pitchFamily="2" charset="2"/>
               </a:rPr>
               <a:t>   </a:t>
             </a:r>
             <a:r>
               <a:rPr lang="ko-KR" altLang="en-US" sz="800" dirty="0">
-                <a:latin typeface="+mj-lt"/>
+                <a:latin typeface="+mj-ea"/>
+                <a:ea typeface="+mj-ea"/>
                 <a:sym typeface="Wingdings" pitchFamily="2" charset="2"/>
               </a:rPr>
               <a:t>전문변환 </a:t>
             </a:r>
             <a:r>
               <a:rPr lang="en-US" altLang="ko-KR" sz="800" dirty="0">
-                <a:latin typeface="+mj-lt"/>
+                <a:latin typeface="+mj-ea"/>
+                <a:ea typeface="+mj-ea"/>
                 <a:sym typeface="Wingdings" pitchFamily="2" charset="2"/>
               </a:rPr>
               <a:t>Rule</a:t>
@@ -19688,21 +19845,24 @@
             </a:pPr>
             <a:r>
               <a:rPr lang="en-US" altLang="ko-KR" sz="800" dirty="0">
-                <a:latin typeface="+mj-lt"/>
+                <a:latin typeface="+mj-ea"/>
+                <a:ea typeface="+mj-ea"/>
                 <a:sym typeface="Wingdings" pitchFamily="2" charset="2"/>
               </a:rPr>
               <a:t>   </a:t>
             </a:r>
             <a:r>
               <a:rPr lang="ko-KR" altLang="en-US" sz="800" dirty="0">
-                <a:latin typeface="+mj-lt"/>
+                <a:latin typeface="+mj-ea"/>
+                <a:ea typeface="+mj-ea"/>
                 <a:sym typeface="Wingdings" pitchFamily="2" charset="2"/>
               </a:rPr>
               <a:t>거래분기</a:t>
             </a:r>
             <a:r>
               <a:rPr lang="en-US" altLang="ko-KR" sz="800" dirty="0">
-                <a:latin typeface="+mj-lt"/>
+                <a:latin typeface="+mj-ea"/>
+                <a:ea typeface="+mj-ea"/>
                 <a:sym typeface="Wingdings" pitchFamily="2" charset="2"/>
               </a:rPr>
               <a:t> Rule</a:t>
@@ -19716,14 +19876,16 @@
             </a:pPr>
             <a:r>
               <a:rPr lang="en-US" altLang="ko-KR" sz="800" dirty="0">
-                <a:latin typeface="+mj-lt"/>
+                <a:latin typeface="+mj-ea"/>
+                <a:ea typeface="+mj-ea"/>
                 <a:sym typeface="Wingdings" pitchFamily="2" charset="2"/>
               </a:rPr>
               <a:t>   </a:t>
             </a:r>
             <a:r>
               <a:rPr lang="ko-KR" altLang="en-US" sz="800" dirty="0">
-                <a:latin typeface="+mj-lt"/>
+                <a:latin typeface="+mj-ea"/>
+                <a:ea typeface="+mj-ea"/>
                 <a:sym typeface="Wingdings" pitchFamily="2" charset="2"/>
               </a:rPr>
               <a:t>환경설정정보</a:t>
@@ -19862,20 +20024,14 @@
             <a:pPr algn="ctr"/>
             <a:r>
               <a:rPr lang="ko-KR" altLang="en-US" sz="1000" b="1" dirty="0">
-                <a:latin typeface="+mj-lt"/>
-              </a:rPr>
-              <a:t>송</a:t>
-            </a:r>
-            <a:r>
-              <a:rPr lang="ko-KR" altLang="en-US" sz="1000" b="1" dirty="0">
-                <a:latin typeface="+mj-lt"/>
-                <a:ea typeface="+mn-ea"/>
-              </a:rPr>
-              <a:t>신처리</a:t>
+                <a:latin typeface="+mj-ea"/>
+                <a:ea typeface="+mj-ea"/>
+              </a:rPr>
+              <a:t>송신처리</a:t>
             </a:r>
             <a:endParaRPr lang="en-US" altLang="ko-KR" sz="1000" b="1" dirty="0">
-              <a:latin typeface="+mj-lt"/>
-              <a:ea typeface="+mn-ea"/>
+              <a:latin typeface="+mj-ea"/>
+              <a:ea typeface="+mj-ea"/>
             </a:endParaRPr>
           </a:p>
         </p:txBody>
@@ -19927,14 +20083,14 @@
             </a:pPr>
             <a:r>
               <a:rPr lang="ko-KR" altLang="en-US" sz="800" dirty="0">
-                <a:latin typeface="+mj-lt"/>
-                <a:ea typeface="+mn-ea"/>
+                <a:latin typeface="+mj-ea"/>
+                <a:ea typeface="+mj-ea"/>
               </a:rPr>
               <a:t>서비스 관리</a:t>
             </a:r>
             <a:endParaRPr lang="en-US" altLang="ko-KR" sz="800" dirty="0">
-              <a:latin typeface="+mj-lt"/>
-              <a:ea typeface="+mn-ea"/>
+              <a:latin typeface="+mj-ea"/>
+              <a:ea typeface="+mj-ea"/>
             </a:endParaRPr>
           </a:p>
         </p:txBody>
@@ -19986,14 +20142,14 @@
             </a:pPr>
             <a:r>
               <a:rPr lang="ko-KR" altLang="en-US" sz="800" dirty="0">
-                <a:latin typeface="+mj-lt"/>
-                <a:ea typeface="+mn-ea"/>
+                <a:latin typeface="+mj-ea"/>
+                <a:ea typeface="+mj-ea"/>
               </a:rPr>
               <a:t>전문변환</a:t>
             </a:r>
             <a:endParaRPr lang="en-US" altLang="ko-KR" sz="800" dirty="0">
-              <a:latin typeface="+mj-lt"/>
-              <a:ea typeface="+mn-ea"/>
+              <a:latin typeface="+mj-ea"/>
+              <a:ea typeface="+mj-ea"/>
             </a:endParaRPr>
           </a:p>
         </p:txBody>
@@ -20045,14 +20201,14 @@
             </a:pPr>
             <a:r>
               <a:rPr lang="ko-KR" altLang="en-US" sz="800" dirty="0">
-                <a:latin typeface="+mj-lt"/>
-                <a:ea typeface="+mn-ea"/>
+                <a:latin typeface="+mj-ea"/>
+                <a:ea typeface="+mj-ea"/>
               </a:rPr>
               <a:t>서비스 제어</a:t>
             </a:r>
             <a:endParaRPr lang="en-US" altLang="ko-KR" sz="800" dirty="0">
-              <a:latin typeface="+mj-lt"/>
-              <a:ea typeface="+mn-ea"/>
+              <a:latin typeface="+mj-ea"/>
+              <a:ea typeface="+mj-ea"/>
             </a:endParaRPr>
           </a:p>
         </p:txBody>
@@ -20190,8 +20346,8 @@
             </a:pPr>
             <a:r>
               <a:rPr lang="en-US" altLang="ko-KR" sz="1000" dirty="0">
-                <a:latin typeface="+mj-lt"/>
-                <a:ea typeface="+mn-ea"/>
+                <a:latin typeface="+mj-ea"/>
+                <a:ea typeface="+mj-ea"/>
                 <a:sym typeface="Wingdings" pitchFamily="2" charset="2"/>
               </a:rPr>
               <a:t>STD Interface Handler</a:t>
@@ -20243,27 +20399,25 @@
             <a:pPr algn="ctr"/>
             <a:r>
               <a:rPr lang="en-US" altLang="ko-KR" sz="1000" b="1" dirty="0" err="1">
-                <a:latin typeface="+mj-lt"/>
+                <a:latin typeface="+mj-ea"/>
+                <a:ea typeface="+mj-ea"/>
               </a:rPr>
               <a:t>eBiz</a:t>
             </a:r>
             <a:r>
               <a:rPr lang="en-US" altLang="ko-KR" sz="1000" b="1" dirty="0">
-                <a:latin typeface="+mj-lt"/>
+                <a:latin typeface="+mj-ea"/>
+                <a:ea typeface="+mj-ea"/>
               </a:rPr>
               <a:t> Platform</a:t>
             </a:r>
-            <a:endParaRPr lang="en-US" altLang="ko-KR" sz="1000" b="1" dirty="0">
-              <a:latin typeface="+mj-lt"/>
-              <a:ea typeface="+mn-ea"/>
-            </a:endParaRPr>
           </a:p>
           <a:p>
             <a:pPr algn="ctr"/>
             <a:r>
               <a:rPr lang="ko-KR" altLang="en-US" sz="1000" b="1" dirty="0">
-                <a:latin typeface="+mj-lt"/>
-                <a:ea typeface="+mn-ea"/>
+                <a:latin typeface="+mj-ea"/>
+                <a:ea typeface="+mj-ea"/>
               </a:rPr>
               <a:t>시스템</a:t>
             </a:r>
@@ -20399,8 +20553,8 @@
             <a:pPr algn="ctr"/>
             <a:r>
               <a:rPr lang="en-US" altLang="ko-KR" sz="1000" b="1" dirty="0">
-                <a:latin typeface="+mj-lt"/>
-                <a:ea typeface="+mn-ea"/>
+                <a:latin typeface="+mj-ea"/>
+                <a:ea typeface="+mj-ea"/>
               </a:rPr>
               <a:t>Legacy</a:t>
             </a:r>
@@ -20409,8 +20563,8 @@
             <a:pPr algn="ctr"/>
             <a:r>
               <a:rPr lang="ko-KR" altLang="en-US" sz="1000" b="1" dirty="0">
-                <a:latin typeface="+mj-lt"/>
-                <a:ea typeface="+mn-ea"/>
+                <a:latin typeface="+mj-ea"/>
+                <a:ea typeface="+mj-ea"/>
               </a:rPr>
               <a:t>시스템</a:t>
             </a:r>
@@ -20620,7 +20774,8 @@
                 <a:solidFill>
                   <a:srgbClr val="0070C0"/>
                 </a:solidFill>
-                <a:latin typeface="+mj-lt"/>
+                <a:latin typeface="+mj-ea"/>
+                <a:ea typeface="+mj-ea"/>
               </a:rPr>
               <a:t>송신 필요시</a:t>
             </a:r>
@@ -20675,20 +20830,14 @@
             <a:pPr algn="ctr"/>
             <a:r>
               <a:rPr lang="ko-KR" altLang="en-US" sz="1000" b="1" dirty="0">
-                <a:latin typeface="+mj-lt"/>
-              </a:rPr>
-              <a:t>수</a:t>
-            </a:r>
-            <a:r>
-              <a:rPr lang="ko-KR" altLang="en-US" sz="1000" b="1" dirty="0">
-                <a:latin typeface="+mj-lt"/>
-                <a:ea typeface="+mn-ea"/>
-              </a:rPr>
-              <a:t>신처리</a:t>
+                <a:latin typeface="+mj-ea"/>
+                <a:ea typeface="+mj-ea"/>
+              </a:rPr>
+              <a:t>수신처리</a:t>
             </a:r>
             <a:endParaRPr lang="en-US" altLang="ko-KR" sz="1000" b="1" dirty="0">
-              <a:latin typeface="+mj-lt"/>
-              <a:ea typeface="+mn-ea"/>
+              <a:latin typeface="+mj-ea"/>
+              <a:ea typeface="+mj-ea"/>
             </a:endParaRPr>
           </a:p>
         </p:txBody>
@@ -20741,18 +20890,21 @@
             </a:pPr>
             <a:r>
               <a:rPr lang="en-US" altLang="ko-KR" sz="800">
-                <a:latin typeface="+mj-lt"/>
+                <a:latin typeface="+mj-ea"/>
+                <a:ea typeface="+mj-ea"/>
               </a:rPr>
               <a:t>KEY </a:t>
             </a:r>
             <a:r>
               <a:rPr lang="ko-KR" altLang="en-US" sz="800" dirty="0" err="1">
-                <a:latin typeface="+mj-lt"/>
+                <a:latin typeface="+mj-ea"/>
+                <a:ea typeface="+mj-ea"/>
               </a:rPr>
               <a:t>매칭</a:t>
             </a:r>
             <a:endParaRPr lang="en-US" altLang="ko-KR" sz="800" dirty="0">
-              <a:latin typeface="+mj-lt"/>
+              <a:latin typeface="+mj-ea"/>
+              <a:ea typeface="+mj-ea"/>
             </a:endParaRPr>
           </a:p>
         </p:txBody>
@@ -20865,8 +21017,8 @@
               <a:defRPr/>
             </a:pPr>
             <a:endParaRPr lang="ko-KR" altLang="en-US" sz="1000">
-              <a:latin typeface="+mj-lt"/>
-              <a:ea typeface="+mn-ea"/>
+              <a:latin typeface="+mj-ea"/>
+              <a:ea typeface="+mj-ea"/>
             </a:endParaRPr>
           </a:p>
         </p:txBody>
@@ -20912,15 +21064,15 @@
             </a:pPr>
             <a:r>
               <a:rPr lang="en-US" altLang="ko-KR" sz="800" dirty="0">
-                <a:latin typeface="+mj-lt"/>
-                <a:ea typeface="+mn-ea"/>
+                <a:latin typeface="+mj-ea"/>
+                <a:ea typeface="+mj-ea"/>
               </a:rPr>
               <a:t>JMS</a:t>
             </a:r>
             <a:r>
               <a:rPr lang="ko-KR" altLang="en-US" sz="800" dirty="0">
-                <a:latin typeface="+mj-lt"/>
-                <a:ea typeface="+mn-ea"/>
+                <a:latin typeface="+mj-ea"/>
+                <a:ea typeface="+mj-ea"/>
               </a:rPr>
               <a:t>큐</a:t>
             </a:r>
@@ -20968,14 +21120,14 @@
             </a:pPr>
             <a:r>
               <a:rPr lang="en-US" altLang="ko-KR" sz="1000" dirty="0" err="1">
-                <a:latin typeface="+mj-lt"/>
-                <a:ea typeface="+mn-ea"/>
+                <a:latin typeface="+mj-ea"/>
+                <a:ea typeface="+mj-ea"/>
               </a:rPr>
               <a:t>Async</a:t>
             </a:r>
             <a:endParaRPr lang="en-US" altLang="ko-KR" sz="1000" dirty="0">
-              <a:latin typeface="+mj-lt"/>
-              <a:ea typeface="+mn-ea"/>
+              <a:latin typeface="+mj-ea"/>
+              <a:ea typeface="+mj-ea"/>
             </a:endParaRPr>
           </a:p>
         </p:txBody>
@@ -21027,8 +21179,8 @@
                 <a:solidFill>
                   <a:srgbClr val="000000"/>
                 </a:solidFill>
-                <a:latin typeface="+mj-lt"/>
-                <a:ea typeface="+mn-ea"/>
+                <a:latin typeface="+mj-ea"/>
+                <a:ea typeface="+mj-ea"/>
               </a:rPr>
               <a:t>EJB</a:t>
             </a:r>
@@ -21125,12 +21277,14 @@
             </a:pPr>
             <a:r>
               <a:rPr lang="ko-KR" altLang="en-US" sz="800" dirty="0">
-                <a:latin typeface="+mj-lt"/>
+                <a:latin typeface="+mj-ea"/>
+                <a:ea typeface="+mj-ea"/>
               </a:rPr>
               <a:t>표준전문</a:t>
             </a:r>
             <a:endParaRPr lang="en-US" altLang="ko-KR" sz="800" dirty="0">
-              <a:latin typeface="+mj-lt"/>
+              <a:latin typeface="+mj-ea"/>
+              <a:ea typeface="+mj-ea"/>
             </a:endParaRPr>
           </a:p>
           <a:p>
@@ -21139,12 +21293,14 @@
             </a:pPr>
             <a:r>
               <a:rPr lang="ko-KR" altLang="en-US" sz="800" dirty="0">
-                <a:latin typeface="+mj-lt"/>
+                <a:latin typeface="+mj-ea"/>
+                <a:ea typeface="+mj-ea"/>
               </a:rPr>
               <a:t>헤더생성</a:t>
             </a:r>
             <a:endParaRPr lang="en-US" altLang="ko-KR" sz="800" dirty="0">
-              <a:latin typeface="+mj-lt"/>
+              <a:latin typeface="+mj-ea"/>
+              <a:ea typeface="+mj-ea"/>
             </a:endParaRPr>
           </a:p>
         </p:txBody>
@@ -21196,14 +21352,14 @@
             </a:pPr>
             <a:r>
               <a:rPr lang="ko-KR" altLang="en-US" sz="800" dirty="0" err="1">
-                <a:latin typeface="+mj-lt"/>
-                <a:ea typeface="+mn-ea"/>
+                <a:latin typeface="+mj-ea"/>
+                <a:ea typeface="+mj-ea"/>
               </a:rPr>
               <a:t>전문파싱</a:t>
             </a:r>
             <a:endParaRPr lang="en-US" altLang="ko-KR" sz="800" dirty="0">
-              <a:latin typeface="+mj-lt"/>
-              <a:ea typeface="+mn-ea"/>
+              <a:latin typeface="+mj-ea"/>
+              <a:ea typeface="+mj-ea"/>
             </a:endParaRPr>
           </a:p>
         </p:txBody>
@@ -21255,14 +21411,14 @@
             </a:pPr>
             <a:r>
               <a:rPr lang="ko-KR" altLang="en-US" sz="800" dirty="0">
-                <a:latin typeface="+mj-lt"/>
-                <a:ea typeface="+mn-ea"/>
+                <a:latin typeface="+mj-ea"/>
+                <a:ea typeface="+mj-ea"/>
               </a:rPr>
               <a:t>처리분기</a:t>
             </a:r>
             <a:endParaRPr lang="en-US" altLang="ko-KR" sz="800" dirty="0">
-              <a:latin typeface="+mj-lt"/>
-              <a:ea typeface="+mn-ea"/>
+              <a:latin typeface="+mj-ea"/>
+              <a:ea typeface="+mj-ea"/>
             </a:endParaRPr>
           </a:p>
         </p:txBody>
@@ -21611,8 +21767,8 @@
             </a:pPr>
             <a:r>
               <a:rPr lang="en-US" altLang="ko-KR" sz="1000" dirty="0">
-                <a:latin typeface="+mj-lt"/>
-                <a:ea typeface="+mn-ea"/>
+                <a:latin typeface="+mj-ea"/>
+                <a:ea typeface="+mj-ea"/>
               </a:rPr>
               <a:t>Sync</a:t>
             </a:r>
@@ -21663,8 +21819,8 @@
               <a:solidFill>
                 <a:srgbClr val="000000"/>
               </a:solidFill>
-              <a:latin typeface="+mj-lt"/>
-              <a:ea typeface="맑은 고딕" pitchFamily="50" charset="-127"/>
+              <a:latin typeface="+mj-ea"/>
+              <a:ea typeface="+mj-ea"/>
             </a:endParaRPr>
           </a:p>
         </p:txBody>
@@ -21710,24 +21866,28 @@
             </a:pPr>
             <a:r>
               <a:rPr lang="ko-KR" altLang="en-US" sz="800" b="1" i="1" dirty="0" err="1">
-                <a:latin typeface="+mj-lt"/>
+                <a:latin typeface="+mj-ea"/>
+                <a:ea typeface="+mj-ea"/>
               </a:rPr>
               <a:t>비표준</a:t>
             </a:r>
             <a:r>
               <a:rPr lang="ko-KR" altLang="en-US" sz="800" b="1" i="1" dirty="0">
-                <a:latin typeface="+mj-lt"/>
+                <a:latin typeface="+mj-ea"/>
+                <a:ea typeface="+mj-ea"/>
               </a:rPr>
               <a:t> </a:t>
             </a:r>
             <a:r>
               <a:rPr lang="ko-KR" altLang="en-US" sz="800" b="1" i="1" dirty="0" err="1">
-                <a:latin typeface="+mj-lt"/>
+                <a:latin typeface="+mj-ea"/>
+                <a:ea typeface="+mj-ea"/>
               </a:rPr>
               <a:t>거래시</a:t>
             </a:r>
             <a:endParaRPr lang="en-US" altLang="ko-KR" sz="800" b="1" i="1" dirty="0">
-              <a:latin typeface="+mj-lt"/>
+              <a:latin typeface="+mj-ea"/>
+              <a:ea typeface="+mj-ea"/>
             </a:endParaRPr>
           </a:p>
         </p:txBody>
@@ -21779,26 +21939,25 @@
             </a:pPr>
             <a:r>
               <a:rPr lang="en-US" altLang="ko-KR" sz="800" dirty="0">
-                <a:latin typeface="+mj-lt"/>
+                <a:latin typeface="+mj-ea"/>
+                <a:ea typeface="+mj-ea"/>
               </a:rPr>
               <a:t>Validation</a:t>
             </a:r>
             <a:r>
               <a:rPr lang="ko-KR" altLang="en-US" sz="800" dirty="0">
-                <a:latin typeface="+mj-lt"/>
+                <a:latin typeface="+mj-ea"/>
+                <a:ea typeface="+mj-ea"/>
               </a:rPr>
               <a:t> </a:t>
             </a:r>
             <a:r>
               <a:rPr lang="en-US" altLang="ko-KR" sz="800" dirty="0">
-                <a:latin typeface="+mj-lt"/>
+                <a:latin typeface="+mj-ea"/>
+                <a:ea typeface="+mj-ea"/>
               </a:rPr>
               <a:t>&amp; Filtering</a:t>
             </a:r>
-            <a:endParaRPr lang="en-US" altLang="ko-KR" sz="800" dirty="0">
-              <a:latin typeface="+mj-lt"/>
-              <a:ea typeface="+mn-ea"/>
-            </a:endParaRPr>
           </a:p>
         </p:txBody>
       </p:sp>
@@ -21893,8 +22052,8 @@
             </a:pPr>
             <a:r>
               <a:rPr lang="en-US" altLang="ko-KR" sz="1000" dirty="0">
-                <a:latin typeface="+mj-lt"/>
-                <a:ea typeface="+mn-ea"/>
+                <a:latin typeface="+mj-ea"/>
+                <a:ea typeface="+mj-ea"/>
                 <a:sym typeface="Wingdings" pitchFamily="2" charset="2"/>
               </a:rPr>
               <a:t>Request Dispatcher</a:t>
@@ -21952,8 +22111,8 @@
               <a:solidFill>
                 <a:srgbClr val="000000"/>
               </a:solidFill>
-              <a:latin typeface="+mj-lt"/>
-              <a:ea typeface="맑은 고딕" pitchFamily="50" charset="-127"/>
+              <a:latin typeface="+mj-ea"/>
+              <a:ea typeface="+mj-ea"/>
             </a:endParaRPr>
           </a:p>
         </p:txBody>
@@ -22059,8 +22218,8 @@
                 <a:effectLst/>
                 <a:uLnTx/>
                 <a:uFillTx/>
-                <a:latin typeface="SamsungOne 400"/>
-                <a:cs typeface="+mn-cs"/>
+                <a:latin typeface="+mj-ea"/>
+                <a:ea typeface="+mj-ea"/>
               </a:rPr>
               <a:t>Step 1:</a:t>
             </a:r>
@@ -22088,7 +22247,8 @@
                 <a:solidFill>
                   <a:prstClr val="white"/>
                 </a:solidFill>
-                <a:latin typeface="SamsungOne 400"/>
+                <a:latin typeface="+mj-ea"/>
+                <a:ea typeface="+mj-ea"/>
               </a:rPr>
               <a:t>Message</a:t>
             </a:r>
@@ -22103,8 +22263,8 @@
                 <a:effectLst/>
                 <a:uLnTx/>
                 <a:uFillTx/>
-                <a:latin typeface="SamsungOne 400"/>
-                <a:cs typeface="+mn-cs"/>
+                <a:latin typeface="+mj-ea"/>
+                <a:ea typeface="+mj-ea"/>
               </a:rPr>
               <a:t> 송신</a:t>
             </a:r>
@@ -22118,8 +22278,8 @@
               <a:effectLst/>
               <a:uLnTx/>
               <a:uFillTx/>
-              <a:latin typeface="SamsungOne 400"/>
-              <a:cs typeface="+mn-cs"/>
+              <a:latin typeface="+mj-ea"/>
+              <a:ea typeface="+mj-ea"/>
             </a:endParaRPr>
           </a:p>
         </p:txBody>
@@ -22191,8 +22351,8 @@
                 <a:effectLst/>
                 <a:uLnTx/>
                 <a:uFillTx/>
-                <a:latin typeface="SamsungOne 400"/>
-                <a:cs typeface="+mn-cs"/>
+                <a:latin typeface="+mj-ea"/>
+                <a:ea typeface="+mj-ea"/>
               </a:rPr>
               <a:t>Step 2: </a:t>
             </a:r>
@@ -22220,7 +22380,8 @@
                 <a:solidFill>
                   <a:prstClr val="white"/>
                 </a:solidFill>
-                <a:latin typeface="SamsungOne 400"/>
+                <a:latin typeface="+mj-ea"/>
+                <a:ea typeface="+mj-ea"/>
               </a:rPr>
               <a:t>Message</a:t>
             </a:r>
@@ -22229,7 +22390,8 @@
                 <a:solidFill>
                   <a:prstClr val="white"/>
                 </a:solidFill>
-                <a:latin typeface="SamsungOne 400"/>
+                <a:latin typeface="+mj-ea"/>
+                <a:ea typeface="+mj-ea"/>
               </a:rPr>
               <a:t> 수신</a:t>
             </a:r>
@@ -22238,7 +22400,8 @@
                 <a:solidFill>
                   <a:prstClr val="white"/>
                 </a:solidFill>
-                <a:latin typeface="SamsungOne 400"/>
+                <a:latin typeface="+mj-ea"/>
+                <a:ea typeface="+mj-ea"/>
               </a:rPr>
               <a:t> Process</a:t>
             </a:r>
@@ -22252,8 +22415,8 @@
               <a:effectLst/>
               <a:uLnTx/>
               <a:uFillTx/>
-              <a:latin typeface="SamsungOne 400"/>
-              <a:cs typeface="+mn-cs"/>
+              <a:latin typeface="+mj-ea"/>
+              <a:ea typeface="+mj-ea"/>
             </a:endParaRPr>
           </a:p>
         </p:txBody>
@@ -22325,8 +22488,8 @@
                 <a:effectLst/>
                 <a:uLnTx/>
                 <a:uFillTx/>
-                <a:latin typeface="SamsungOne 400"/>
-                <a:cs typeface="+mn-cs"/>
+                <a:latin typeface="+mj-ea"/>
+                <a:ea typeface="+mj-ea"/>
               </a:rPr>
               <a:t>Step 3: </a:t>
             </a:r>
@@ -22335,7 +22498,8 @@
                 <a:solidFill>
                   <a:prstClr val="white"/>
                 </a:solidFill>
-                <a:latin typeface="SamsungOne 400"/>
+                <a:latin typeface="+mj-ea"/>
+                <a:ea typeface="+mj-ea"/>
               </a:rPr>
               <a:t>Message </a:t>
             </a:r>
@@ -22344,7 +22508,8 @@
                 <a:solidFill>
                   <a:prstClr val="white"/>
                 </a:solidFill>
-                <a:latin typeface="SamsungOne 400"/>
+                <a:latin typeface="+mj-ea"/>
+                <a:ea typeface="+mj-ea"/>
               </a:rPr>
               <a:t>전달</a:t>
             </a:r>
@@ -22358,8 +22523,8 @@
               <a:effectLst/>
               <a:uLnTx/>
               <a:uFillTx/>
-              <a:latin typeface="SamsungOne 400"/>
-              <a:cs typeface="+mn-cs"/>
+              <a:latin typeface="+mj-ea"/>
+              <a:ea typeface="+mj-ea"/>
             </a:endParaRPr>
           </a:p>
         </p:txBody>
@@ -22440,24 +22605,28 @@
             <a:pPr algn="ctr"/>
             <a:r>
               <a:rPr lang="ko-KR" altLang="en-US" sz="1000" b="1" dirty="0">
-                <a:latin typeface="+mj-lt"/>
+                <a:latin typeface="+mj-ea"/>
+                <a:ea typeface="+mj-ea"/>
               </a:rPr>
               <a:t>외부연계</a:t>
             </a:r>
             <a:endParaRPr lang="en-US" altLang="ko-KR" sz="1000" b="1" dirty="0">
-              <a:latin typeface="+mj-lt"/>
+              <a:latin typeface="+mj-ea"/>
+              <a:ea typeface="+mj-ea"/>
             </a:endParaRPr>
           </a:p>
           <a:p>
             <a:pPr algn="ctr"/>
             <a:r>
               <a:rPr lang="ko-KR" altLang="en-US" sz="1000" b="1" dirty="0">
-                <a:latin typeface="+mj-lt"/>
+                <a:latin typeface="+mj-ea"/>
+                <a:ea typeface="+mj-ea"/>
               </a:rPr>
               <a:t>시스템</a:t>
             </a:r>
             <a:endParaRPr lang="en-US" altLang="ko-KR" sz="1000" b="1" dirty="0">
-              <a:latin typeface="+mj-lt"/>
+              <a:latin typeface="+mj-ea"/>
+              <a:ea typeface="+mj-ea"/>
             </a:endParaRPr>
           </a:p>
         </p:txBody>
@@ -22621,14 +22790,11 @@
             </a:pPr>
             <a:r>
               <a:rPr lang="en-US" altLang="ko-KR" sz="800" dirty="0">
-                <a:latin typeface="+mj-lt"/>
+                <a:latin typeface="+mj-ea"/>
+                <a:ea typeface="+mj-ea"/>
               </a:rPr>
               <a:t>SFTP</a:t>
             </a:r>
-            <a:endParaRPr lang="en-US" altLang="ko-KR" sz="800" dirty="0">
-              <a:latin typeface="+mj-lt"/>
-              <a:ea typeface="+mn-ea"/>
-            </a:endParaRPr>
           </a:p>
           <a:p>
             <a:pPr eaLnBrk="1" latinLnBrk="1" hangingPunct="1">
@@ -22639,8 +22805,8 @@
             </a:pPr>
             <a:r>
               <a:rPr lang="en-US" altLang="ko-KR" sz="800" dirty="0">
-                <a:latin typeface="+mj-lt"/>
-                <a:ea typeface="+mn-ea"/>
+                <a:latin typeface="+mj-ea"/>
+                <a:ea typeface="+mj-ea"/>
               </a:rPr>
               <a:t>Adapter</a:t>
             </a:r>
@@ -22698,8 +22864,8 @@
             </a:pPr>
             <a:r>
               <a:rPr lang="en-US" altLang="ko-KR" sz="800" dirty="0">
-                <a:latin typeface="+mj-lt"/>
-                <a:ea typeface="+mn-ea"/>
+                <a:latin typeface="+mj-ea"/>
+                <a:ea typeface="+mj-ea"/>
               </a:rPr>
               <a:t>HTTP</a:t>
             </a:r>
@@ -22713,8 +22879,8 @@
             </a:pPr>
             <a:r>
               <a:rPr lang="en-US" altLang="ko-KR" sz="800" dirty="0">
-                <a:latin typeface="+mj-lt"/>
-                <a:ea typeface="+mn-ea"/>
+                <a:latin typeface="+mj-ea"/>
+                <a:ea typeface="+mj-ea"/>
               </a:rPr>
               <a:t>Adapter</a:t>
             </a:r>
@@ -22772,8 +22938,8 @@
             </a:pPr>
             <a:r>
               <a:rPr lang="en-US" altLang="ko-KR" sz="800" dirty="0">
-                <a:latin typeface="+mj-lt"/>
-                <a:ea typeface="+mn-ea"/>
+                <a:latin typeface="+mj-ea"/>
+                <a:ea typeface="+mj-ea"/>
               </a:rPr>
               <a:t>TCP</a:t>
             </a:r>
@@ -22787,8 +22953,8 @@
             </a:pPr>
             <a:r>
               <a:rPr lang="en-US" altLang="ko-KR" sz="800" dirty="0">
-                <a:latin typeface="+mj-lt"/>
-                <a:ea typeface="+mn-ea"/>
+                <a:latin typeface="+mj-ea"/>
+                <a:ea typeface="+mj-ea"/>
               </a:rPr>
               <a:t>Adapter</a:t>
             </a:r>
@@ -22864,8 +23030,8 @@
                 <a:defRPr/>
               </a:pPr>
               <a:endParaRPr lang="ko-KR" altLang="ko-KR" sz="900">
-                <a:latin typeface="+mj-lt"/>
-                <a:ea typeface="+mn-ea"/>
+                <a:latin typeface="+mj-ea"/>
+                <a:ea typeface="+mj-ea"/>
               </a:endParaRPr>
             </a:p>
           </p:txBody>
@@ -22917,8 +23083,8 @@
                 <a:defRPr/>
               </a:pPr>
               <a:endParaRPr lang="ko-KR" altLang="ko-KR" sz="900">
-                <a:latin typeface="+mj-lt"/>
-                <a:ea typeface="+mn-ea"/>
+                <a:latin typeface="+mj-ea"/>
+                <a:ea typeface="+mj-ea"/>
               </a:endParaRPr>
             </a:p>
           </p:txBody>
@@ -22970,8 +23136,8 @@
                 <a:defRPr/>
               </a:pPr>
               <a:endParaRPr lang="ko-KR" altLang="ko-KR" sz="900">
-                <a:latin typeface="+mj-lt"/>
-                <a:ea typeface="+mn-ea"/>
+                <a:latin typeface="+mj-ea"/>
+                <a:ea typeface="+mj-ea"/>
               </a:endParaRPr>
             </a:p>
           </p:txBody>
@@ -23028,8 +23194,8 @@
             </a:pPr>
             <a:r>
               <a:rPr lang="en-US" altLang="ko-KR" sz="800" dirty="0">
-                <a:latin typeface="+mj-lt"/>
-                <a:ea typeface="+mn-ea"/>
+                <a:latin typeface="+mj-ea"/>
+                <a:ea typeface="+mj-ea"/>
               </a:rPr>
               <a:t>EJB</a:t>
             </a:r>
@@ -23043,8 +23209,8 @@
             </a:pPr>
             <a:r>
               <a:rPr lang="en-US" altLang="ko-KR" sz="800" dirty="0">
-                <a:latin typeface="+mj-lt"/>
-                <a:ea typeface="+mn-ea"/>
+                <a:latin typeface="+mj-ea"/>
+                <a:ea typeface="+mj-ea"/>
               </a:rPr>
               <a:t>Adapter</a:t>
             </a:r>
@@ -23120,8 +23286,8 @@
                 <a:defRPr/>
               </a:pPr>
               <a:endParaRPr lang="ko-KR" altLang="ko-KR" sz="900">
-                <a:latin typeface="+mj-lt"/>
-                <a:ea typeface="+mn-ea"/>
+                <a:latin typeface="+mj-ea"/>
+                <a:ea typeface="+mj-ea"/>
               </a:endParaRPr>
             </a:p>
           </p:txBody>
@@ -23173,8 +23339,8 @@
                 <a:defRPr/>
               </a:pPr>
               <a:endParaRPr lang="ko-KR" altLang="ko-KR" sz="900">
-                <a:latin typeface="+mj-lt"/>
-                <a:ea typeface="+mn-ea"/>
+                <a:latin typeface="+mj-ea"/>
+                <a:ea typeface="+mj-ea"/>
               </a:endParaRPr>
             </a:p>
           </p:txBody>
@@ -23226,8 +23392,8 @@
                 <a:defRPr/>
               </a:pPr>
               <a:endParaRPr lang="ko-KR" altLang="ko-KR" sz="900">
-                <a:latin typeface="+mj-lt"/>
-                <a:ea typeface="+mn-ea"/>
+                <a:latin typeface="+mj-ea"/>
+                <a:ea typeface="+mj-ea"/>
               </a:endParaRPr>
             </a:p>
           </p:txBody>
@@ -23302,8 +23468,8 @@
                 <a:defRPr/>
               </a:pPr>
               <a:endParaRPr lang="ko-KR" altLang="ko-KR" sz="900">
-                <a:latin typeface="+mj-lt"/>
-                <a:ea typeface="+mn-ea"/>
+                <a:latin typeface="+mj-ea"/>
+                <a:ea typeface="+mj-ea"/>
               </a:endParaRPr>
             </a:p>
           </p:txBody>
@@ -23355,8 +23521,8 @@
                 <a:defRPr/>
               </a:pPr>
               <a:endParaRPr lang="ko-KR" altLang="ko-KR" sz="900">
-                <a:latin typeface="+mj-lt"/>
-                <a:ea typeface="+mn-ea"/>
+                <a:latin typeface="+mj-ea"/>
+                <a:ea typeface="+mj-ea"/>
               </a:endParaRPr>
             </a:p>
           </p:txBody>
@@ -23408,8 +23574,8 @@
                 <a:defRPr/>
               </a:pPr>
               <a:endParaRPr lang="ko-KR" altLang="ko-KR" sz="900">
-                <a:latin typeface="+mj-lt"/>
-                <a:ea typeface="+mn-ea"/>
+                <a:latin typeface="+mj-ea"/>
+                <a:ea typeface="+mj-ea"/>
               </a:endParaRPr>
             </a:p>
           </p:txBody>
@@ -23484,8 +23650,8 @@
                 <a:defRPr/>
               </a:pPr>
               <a:endParaRPr lang="ko-KR" altLang="ko-KR" sz="900">
-                <a:latin typeface="+mj-lt"/>
-                <a:ea typeface="+mn-ea"/>
+                <a:latin typeface="+mj-ea"/>
+                <a:ea typeface="+mj-ea"/>
               </a:endParaRPr>
             </a:p>
           </p:txBody>
@@ -23537,8 +23703,8 @@
                 <a:defRPr/>
               </a:pPr>
               <a:endParaRPr lang="ko-KR" altLang="ko-KR" sz="900">
-                <a:latin typeface="+mj-lt"/>
-                <a:ea typeface="+mn-ea"/>
+                <a:latin typeface="+mj-ea"/>
+                <a:ea typeface="+mj-ea"/>
               </a:endParaRPr>
             </a:p>
           </p:txBody>
@@ -23590,8 +23756,8 @@
                 <a:defRPr/>
               </a:pPr>
               <a:endParaRPr lang="ko-KR" altLang="ko-KR" sz="900">
-                <a:latin typeface="+mj-lt"/>
-                <a:ea typeface="+mn-ea"/>
+                <a:latin typeface="+mj-ea"/>
+                <a:ea typeface="+mj-ea"/>
               </a:endParaRPr>
             </a:p>
           </p:txBody>
@@ -23780,8 +23946,8 @@
             </a:pPr>
             <a:r>
               <a:rPr lang="en-US" altLang="ko-KR" sz="800" dirty="0">
-                <a:latin typeface="+mj-lt"/>
-                <a:ea typeface="+mn-ea"/>
+                <a:latin typeface="+mj-ea"/>
+                <a:ea typeface="+mj-ea"/>
               </a:rPr>
               <a:t>JSON</a:t>
             </a:r>
@@ -23795,8 +23961,8 @@
             </a:pPr>
             <a:r>
               <a:rPr lang="en-US" altLang="ko-KR" sz="800" dirty="0">
-                <a:latin typeface="+mj-lt"/>
-                <a:ea typeface="+mn-ea"/>
+                <a:latin typeface="+mj-ea"/>
+                <a:ea typeface="+mj-ea"/>
               </a:rPr>
               <a:t>Adapter</a:t>
             </a:r>
@@ -23872,8 +24038,8 @@
                 <a:defRPr/>
               </a:pPr>
               <a:endParaRPr lang="ko-KR" altLang="ko-KR" sz="900">
-                <a:latin typeface="+mj-lt"/>
-                <a:ea typeface="+mn-ea"/>
+                <a:latin typeface="+mj-ea"/>
+                <a:ea typeface="+mj-ea"/>
               </a:endParaRPr>
             </a:p>
           </p:txBody>
@@ -23925,8 +24091,8 @@
                 <a:defRPr/>
               </a:pPr>
               <a:endParaRPr lang="ko-KR" altLang="ko-KR" sz="900">
-                <a:latin typeface="+mj-lt"/>
-                <a:ea typeface="+mn-ea"/>
+                <a:latin typeface="+mj-ea"/>
+                <a:ea typeface="+mj-ea"/>
               </a:endParaRPr>
             </a:p>
           </p:txBody>
@@ -23978,8 +24144,8 @@
                 <a:defRPr/>
               </a:pPr>
               <a:endParaRPr lang="ko-KR" altLang="ko-KR" sz="900">
-                <a:latin typeface="+mj-lt"/>
-                <a:ea typeface="+mn-ea"/>
+                <a:latin typeface="+mj-ea"/>
+                <a:ea typeface="+mj-ea"/>
               </a:endParaRPr>
             </a:p>
           </p:txBody>
@@ -24121,14 +24287,11 @@
             </a:pPr>
             <a:r>
               <a:rPr lang="en-US" altLang="ko-KR" sz="900" dirty="0">
-                <a:latin typeface="+mj-lt"/>
+                <a:latin typeface="+mj-ea"/>
+                <a:ea typeface="+mj-ea"/>
               </a:rPr>
               <a:t>SFTP</a:t>
             </a:r>
-            <a:endParaRPr lang="en-US" altLang="ko-KR" sz="900" dirty="0">
-              <a:latin typeface="+mj-lt"/>
-              <a:ea typeface="+mn-ea"/>
-            </a:endParaRPr>
           </a:p>
           <a:p>
             <a:pPr eaLnBrk="1" latinLnBrk="1" hangingPunct="1">
@@ -24136,8 +24299,8 @@
             </a:pPr>
             <a:r>
               <a:rPr lang="en-US" altLang="ko-KR" sz="900" dirty="0">
-                <a:latin typeface="+mj-lt"/>
-                <a:ea typeface="+mn-ea"/>
+                <a:latin typeface="+mj-ea"/>
+                <a:ea typeface="+mj-ea"/>
               </a:rPr>
               <a:t>Adapter</a:t>
             </a:r>
@@ -24213,8 +24376,8 @@
                 <a:defRPr/>
               </a:pPr>
               <a:endParaRPr lang="ko-KR" altLang="ko-KR" sz="900">
-                <a:latin typeface="+mj-lt"/>
-                <a:ea typeface="+mn-ea"/>
+                <a:latin typeface="+mj-ea"/>
+                <a:ea typeface="+mj-ea"/>
               </a:endParaRPr>
             </a:p>
           </p:txBody>
@@ -24266,8 +24429,8 @@
                 <a:defRPr/>
               </a:pPr>
               <a:endParaRPr lang="ko-KR" altLang="ko-KR" sz="900">
-                <a:latin typeface="+mj-lt"/>
-                <a:ea typeface="+mn-ea"/>
+                <a:latin typeface="+mj-ea"/>
+                <a:ea typeface="+mj-ea"/>
               </a:endParaRPr>
             </a:p>
           </p:txBody>
@@ -24319,8 +24482,8 @@
                 <a:defRPr/>
               </a:pPr>
               <a:endParaRPr lang="ko-KR" altLang="ko-KR" sz="900">
-                <a:latin typeface="+mj-lt"/>
-                <a:ea typeface="+mn-ea"/>
+                <a:latin typeface="+mj-ea"/>
+                <a:ea typeface="+mj-ea"/>
               </a:endParaRPr>
             </a:p>
           </p:txBody>
@@ -24643,22 +24806,22 @@
             <a:pPr algn="ctr"/>
             <a:r>
               <a:rPr lang="ko-KR" altLang="en-US" sz="1000" b="1" dirty="0">
-                <a:latin typeface="+mj-lt"/>
-                <a:ea typeface="+mn-ea"/>
+                <a:latin typeface="+mj-ea"/>
+                <a:ea typeface="+mj-ea"/>
               </a:rPr>
               <a:t>외부연계</a:t>
             </a:r>
             <a:endParaRPr lang="en-US" altLang="ko-KR" sz="1000" b="1" dirty="0">
-              <a:latin typeface="+mj-lt"/>
-              <a:ea typeface="+mn-ea"/>
+              <a:latin typeface="+mj-ea"/>
+              <a:ea typeface="+mj-ea"/>
             </a:endParaRPr>
           </a:p>
           <a:p>
             <a:pPr algn="ctr"/>
             <a:r>
               <a:rPr lang="ko-KR" altLang="en-US" sz="1000" b="1" dirty="0">
-                <a:latin typeface="+mj-lt"/>
-                <a:ea typeface="+mn-ea"/>
+                <a:latin typeface="+mj-ea"/>
+                <a:ea typeface="+mj-ea"/>
               </a:rPr>
               <a:t>시스템</a:t>
             </a:r>
@@ -24753,44 +24916,46 @@
             <a:pPr algn="ctr"/>
             <a:r>
               <a:rPr lang="en-US" altLang="ko-KR" sz="1000" b="1" dirty="0">
-                <a:latin typeface="+mj-lt"/>
+                <a:latin typeface="+mj-ea"/>
+                <a:ea typeface="+mj-ea"/>
               </a:rPr>
               <a:t>Azure</a:t>
             </a:r>
             <a:r>
               <a:rPr lang="ko-KR" altLang="en-US" sz="1000" b="1" dirty="0">
-                <a:latin typeface="+mj-lt"/>
+                <a:latin typeface="+mj-ea"/>
+                <a:ea typeface="+mj-ea"/>
               </a:rPr>
               <a:t> </a:t>
             </a:r>
             <a:r>
               <a:rPr lang="en-US" altLang="ko-KR" sz="1000" b="1" dirty="0">
-                <a:latin typeface="+mj-lt"/>
+                <a:latin typeface="+mj-ea"/>
+                <a:ea typeface="+mj-ea"/>
               </a:rPr>
               <a:t>Blob</a:t>
             </a:r>
             <a:r>
               <a:rPr lang="ko-KR" altLang="en-US" sz="1000" b="1" dirty="0">
-                <a:latin typeface="+mj-lt"/>
+                <a:latin typeface="+mj-ea"/>
+                <a:ea typeface="+mj-ea"/>
               </a:rPr>
               <a:t> </a:t>
             </a:r>
             <a:endParaRPr lang="en-US" altLang="ko-KR" sz="1000" b="1" dirty="0">
-              <a:latin typeface="+mj-lt"/>
+              <a:latin typeface="+mj-ea"/>
+              <a:ea typeface="+mj-ea"/>
             </a:endParaRPr>
           </a:p>
           <a:p>
             <a:pPr algn="ctr"/>
             <a:r>
               <a:rPr lang="en-US" altLang="ko-KR" sz="1000" b="1" dirty="0">
-                <a:latin typeface="+mj-lt"/>
+                <a:latin typeface="+mj-ea"/>
+                <a:ea typeface="+mj-ea"/>
               </a:rPr>
               <a:t>Storage</a:t>
             </a:r>
-            <a:endParaRPr lang="en-US" altLang="ko-KR" sz="1000" b="1" dirty="0">
-              <a:latin typeface="+mj-lt"/>
-              <a:ea typeface="+mn-ea"/>
-            </a:endParaRPr>
           </a:p>
         </p:txBody>
       </p:sp>
@@ -24922,8 +25087,8 @@
             </a:pPr>
             <a:r>
               <a:rPr lang="en-US" altLang="ko-KR" sz="900" dirty="0">
-                <a:latin typeface="+mj-lt"/>
-                <a:ea typeface="+mn-ea"/>
+                <a:latin typeface="+mj-ea"/>
+                <a:ea typeface="+mj-ea"/>
               </a:rPr>
               <a:t>JSON</a:t>
             </a:r>
@@ -24934,8 +25099,8 @@
             </a:pPr>
             <a:r>
               <a:rPr lang="en-US" altLang="ko-KR" sz="900" dirty="0">
-                <a:latin typeface="+mj-lt"/>
-                <a:ea typeface="+mn-ea"/>
+                <a:latin typeface="+mj-ea"/>
+                <a:ea typeface="+mj-ea"/>
               </a:rPr>
               <a:t>Adapter</a:t>
             </a:r>
@@ -25011,8 +25176,8 @@
                 <a:defRPr/>
               </a:pPr>
               <a:endParaRPr lang="ko-KR" altLang="ko-KR" sz="900">
-                <a:latin typeface="+mj-lt"/>
-                <a:ea typeface="+mn-ea"/>
+                <a:latin typeface="+mj-ea"/>
+                <a:ea typeface="+mj-ea"/>
               </a:endParaRPr>
             </a:p>
           </p:txBody>
@@ -25064,8 +25229,8 @@
                 <a:defRPr/>
               </a:pPr>
               <a:endParaRPr lang="ko-KR" altLang="ko-KR" sz="900">
-                <a:latin typeface="+mj-lt"/>
-                <a:ea typeface="+mn-ea"/>
+                <a:latin typeface="+mj-ea"/>
+                <a:ea typeface="+mj-ea"/>
               </a:endParaRPr>
             </a:p>
           </p:txBody>
@@ -25117,8 +25282,8 @@
                 <a:defRPr/>
               </a:pPr>
               <a:endParaRPr lang="ko-KR" altLang="ko-KR" sz="900">
-                <a:latin typeface="+mj-lt"/>
-                <a:ea typeface="+mn-ea"/>
+                <a:latin typeface="+mj-ea"/>
+                <a:ea typeface="+mj-ea"/>
               </a:endParaRPr>
             </a:p>
           </p:txBody>
@@ -25205,7 +25370,8 @@
               <a:effectLst/>
               <a:uLnTx/>
               <a:uFillTx/>
-              <a:latin typeface="SamsungOne 400"/>
+              <a:latin typeface="+mj-ea"/>
+              <a:ea typeface="+mj-ea"/>
               <a:cs typeface="+mn-cs"/>
             </a:endParaRPr>
           </a:p>
@@ -25283,8 +25449,8 @@
                     <a:lumOff val="15000"/>
                   </a:prstClr>
                 </a:solidFill>
-                <a:latin typeface="맑은 고딕"/>
-                <a:ea typeface="맑은 고딕"/>
+                <a:latin typeface="+mj-ea"/>
+                <a:ea typeface="+mj-ea"/>
               </a:rPr>
               <a:t>Apache Camel Integration </a:t>
             </a:r>
@@ -25296,8 +25462,8 @@
                     <a:lumOff val="15000"/>
                   </a:prstClr>
                 </a:solidFill>
-                <a:latin typeface="맑은 고딕"/>
-                <a:ea typeface="맑은 고딕"/>
+                <a:latin typeface="+mj-ea"/>
+                <a:ea typeface="+mj-ea"/>
               </a:rPr>
               <a:t>솔루션을 이용한 서비스 구현</a:t>
             </a:r>
@@ -25308,8 +25474,8 @@
                   <a:lumOff val="15000"/>
                 </a:prstClr>
               </a:solidFill>
-              <a:latin typeface="맑은 고딕"/>
-              <a:ea typeface="맑은 고딕"/>
+              <a:latin typeface="+mj-ea"/>
+              <a:ea typeface="+mj-ea"/>
             </a:endParaRPr>
           </a:p>
         </p:txBody>
@@ -25369,8 +25535,8 @@
                 <a:effectLst/>
                 <a:uLnTx/>
                 <a:uFillTx/>
-                <a:latin typeface="SamsungOne 400"/>
-                <a:cs typeface="+mn-cs"/>
+                <a:latin typeface="+mj-ea"/>
+                <a:ea typeface="+mj-ea"/>
                 <a:sym typeface="Wingdings" pitchFamily="2" charset="2"/>
               </a:rPr>
               <a:t>코드 변경 없이도 규칙 및 라우팅 수정 가능하여 유지 보수 과정을 간소화</a:t>
@@ -25386,8 +25552,8 @@
                 <a:effectLst/>
                 <a:uLnTx/>
                 <a:uFillTx/>
-                <a:latin typeface="SamsungOne 400"/>
-                <a:cs typeface="+mn-cs"/>
+                <a:latin typeface="+mj-ea"/>
+                <a:ea typeface="+mj-ea"/>
                 <a:sym typeface="Wingdings" pitchFamily="2" charset="2"/>
               </a:rPr>
               <a:t>, </a:t>
@@ -25403,8 +25569,8 @@
                 <a:effectLst/>
                 <a:uLnTx/>
                 <a:uFillTx/>
-                <a:latin typeface="SamsungOne 400"/>
-                <a:cs typeface="+mn-cs"/>
+                <a:latin typeface="+mj-ea"/>
+                <a:ea typeface="+mj-ea"/>
                 <a:sym typeface="Wingdings" pitchFamily="2" charset="2"/>
               </a:rPr>
               <a:t>애플리케이션의 유연성과 확장성 향상</a:t>
@@ -25419,8 +25585,8 @@
               <a:effectLst/>
               <a:uLnTx/>
               <a:uFillTx/>
-              <a:latin typeface="SamsungOne 400"/>
-              <a:cs typeface="+mn-cs"/>
+              <a:latin typeface="+mj-ea"/>
+              <a:ea typeface="+mj-ea"/>
               <a:sym typeface="Wingdings" pitchFamily="2" charset="2"/>
             </a:endParaRPr>
           </a:p>
@@ -25453,8 +25619,8 @@
                 <a:effectLst/>
                 <a:uLnTx/>
                 <a:uFillTx/>
-                <a:latin typeface="SamsungOne 400"/>
-                <a:cs typeface="+mn-cs"/>
+                <a:latin typeface="+mj-ea"/>
+                <a:ea typeface="+mj-ea"/>
                 <a:sym typeface="Wingdings" pitchFamily="2" charset="2"/>
               </a:rPr>
               <a:t>EIP</a:t>
@@ -25470,8 +25636,8 @@
                 <a:effectLst/>
                 <a:uLnTx/>
                 <a:uFillTx/>
-                <a:latin typeface="SamsungOne 400"/>
-                <a:cs typeface="+mn-cs"/>
+                <a:latin typeface="+mj-ea"/>
+                <a:ea typeface="+mj-ea"/>
                 <a:sym typeface="Wingdings" pitchFamily="2" charset="2"/>
               </a:rPr>
               <a:t>와 유연한 라우팅 기능을 제공하여 애플리케이션의 통합 구현을 쉽고 빠르게 </a:t>
@@ -25481,7 +25647,8 @@
                 <a:solidFill>
                   <a:srgbClr val="000000"/>
                 </a:solidFill>
-                <a:latin typeface="SamsungOne 400"/>
+                <a:latin typeface="+mj-ea"/>
+                <a:ea typeface="+mj-ea"/>
                 <a:sym typeface="Wingdings" pitchFamily="2" charset="2"/>
               </a:rPr>
               <a:t>가능</a:t>
@@ -25491,7 +25658,8 @@
                 <a:solidFill>
                   <a:srgbClr val="000000"/>
                 </a:solidFill>
-                <a:latin typeface="SamsungOne 400"/>
+                <a:latin typeface="+mj-ea"/>
+                <a:ea typeface="+mj-ea"/>
                 <a:sym typeface="Wingdings" pitchFamily="2" charset="2"/>
               </a:rPr>
               <a:t>, </a:t>
@@ -25507,8 +25675,8 @@
                 <a:effectLst/>
                 <a:uLnTx/>
                 <a:uFillTx/>
-                <a:latin typeface="SamsungOne 400"/>
-                <a:cs typeface="+mn-cs"/>
+                <a:latin typeface="+mj-ea"/>
+                <a:ea typeface="+mj-ea"/>
                 <a:sym typeface="Wingdings" pitchFamily="2" charset="2"/>
               </a:rPr>
               <a:t>개발 시 코드 작성 및 디버깅 시간을 절약하고</a:t>
@@ -25524,8 +25692,8 @@
                 <a:effectLst/>
                 <a:uLnTx/>
                 <a:uFillTx/>
-                <a:latin typeface="SamsungOne 400"/>
-                <a:cs typeface="+mn-cs"/>
+                <a:latin typeface="+mj-ea"/>
+                <a:ea typeface="+mj-ea"/>
                 <a:sym typeface="Wingdings" pitchFamily="2" charset="2"/>
               </a:rPr>
               <a:t>, </a:t>
@@ -25541,8 +25709,8 @@
                 <a:effectLst/>
                 <a:uLnTx/>
                 <a:uFillTx/>
-                <a:latin typeface="SamsungOne 400"/>
-                <a:cs typeface="+mn-cs"/>
+                <a:latin typeface="+mj-ea"/>
+                <a:ea typeface="+mj-ea"/>
                 <a:sym typeface="Wingdings" pitchFamily="2" charset="2"/>
               </a:rPr>
               <a:t>애플리케이션 개발 생산성을 향상</a:t>
@@ -25557,8 +25725,8 @@
               <a:effectLst/>
               <a:uLnTx/>
               <a:uFillTx/>
-              <a:latin typeface="SamsungOne 400"/>
-              <a:cs typeface="+mn-cs"/>
+              <a:latin typeface="+mj-ea"/>
+              <a:ea typeface="+mj-ea"/>
               <a:sym typeface="Wingdings" pitchFamily="2" charset="2"/>
             </a:endParaRPr>
           </a:p>

--- a/_ss/Define_Integration_Hub_Lib_Concept_20231204.pptx
+++ b/_ss/Define_Integration_Hub_Lib_Concept_20231204.pptx
@@ -9680,8 +9680,8 @@
         </p:nvSpPr>
         <p:spPr>
           <a:xfrm>
-            <a:off x="2993709" y="5645245"/>
-            <a:ext cx="3029433" cy="984885"/>
+            <a:off x="2993709" y="5538565"/>
+            <a:ext cx="3881449" cy="800219"/>
           </a:xfrm>
           <a:prstGeom prst="rect">
             <a:avLst/>
@@ -9708,7 +9708,7 @@
                 </a:solidFill>
                 <a:latin typeface="SamsungOneKorean 700"/>
               </a:rPr>
-              <a:t>SAP Commerce </a:t>
+              <a:t>SAP Commerce Cloud</a:t>
             </a:r>
             <a:r>
               <a:rPr lang="ko-KR" altLang="en-US" sz="1200" b="1" kern="0" dirty="0">
@@ -9717,7 +9717,7 @@
                 </a:solidFill>
                 <a:latin typeface="SamsungOneKorean 700"/>
               </a:rPr>
-              <a:t>내 </a:t>
+              <a:t> 내 </a:t>
             </a:r>
             <a:r>
               <a:rPr lang="en-US" altLang="ko-KR" sz="1200" b="1" kern="0" dirty="0">
@@ -9828,7 +9828,7 @@
                 </a:solidFill>
                 <a:latin typeface="SamsungOneKorean 700"/>
               </a:rPr>
-              <a:t>외부 시스템정보 등의 설정 정보를 일원화하여 관리 가능</a:t>
+              <a:t>외부 시스템정보 등의 설정 정보 일원화 관리 가능</a:t>
             </a:r>
             <a:endParaRPr kumimoji="0" lang="en-US" altLang="ko-KR" sz="1200" b="1" i="0" u="none" strike="noStrike" kern="0" cap="none" spc="0" normalizeH="0" baseline="0" noProof="0" dirty="0">
               <a:ln>
@@ -9859,8 +9859,8 @@
         </p:nvSpPr>
         <p:spPr>
           <a:xfrm>
-            <a:off x="6097917" y="5645245"/>
-            <a:ext cx="3029433" cy="646331"/>
+            <a:off x="6920877" y="5538565"/>
+            <a:ext cx="4204323" cy="1215717"/>
           </a:xfrm>
           <a:prstGeom prst="rect">
             <a:avLst/>
@@ -9934,7 +9934,77 @@
               </a:rPr>
               <a:t> 부하 관리 환경을 이용한 운영 관리 가능</a:t>
             </a:r>
-            <a:endParaRPr kumimoji="0" lang="ko-KR" altLang="en-US" sz="1200" b="1" i="0" u="none" strike="noStrike" kern="0" cap="none" spc="0" normalizeH="0" baseline="0" noProof="0" dirty="0">
+            <a:endParaRPr lang="en-US" altLang="ko-KR" sz="1200" b="1" kern="0" dirty="0">
+              <a:solidFill>
+                <a:srgbClr val="000000"/>
+              </a:solidFill>
+              <a:latin typeface="SamsungOneKorean 700"/>
+            </a:endParaRPr>
+          </a:p>
+          <a:p>
+            <a:pPr marL="151200" marR="0" lvl="1" indent="-151200" algn="l" defTabSz="957769" rtl="0" eaLnBrk="1" fontAlgn="auto" latinLnBrk="0" hangingPunct="1">
+              <a:lnSpc>
+                <a:spcPct val="100000"/>
+              </a:lnSpc>
+              <a:spcBef>
+                <a:spcPts val="600"/>
+              </a:spcBef>
+              <a:spcAft>
+                <a:spcPts val="0"/>
+              </a:spcAft>
+              <a:buClrTx/>
+              <a:buSzTx/>
+              <a:buFont typeface="Arial" pitchFamily="34" charset="0"/>
+              <a:buChar char="•"/>
+              <a:tabLst/>
+              <a:defRPr/>
+            </a:pPr>
+            <a:r>
+              <a:rPr kumimoji="0" lang="ko-KR" altLang="en-US" sz="1200" b="1" i="0" u="none" strike="noStrike" kern="0" cap="none" spc="0" normalizeH="0" baseline="0" noProof="0" dirty="0">
+                <a:ln>
+                  <a:noFill/>
+                </a:ln>
+                <a:solidFill>
+                  <a:srgbClr val="000000"/>
+                </a:solidFill>
+                <a:effectLst/>
+                <a:uLnTx/>
+                <a:uFillTx/>
+                <a:latin typeface="SamsungOneKorean 700"/>
+              </a:rPr>
+              <a:t>라이브러리</a:t>
+            </a:r>
+            <a:r>
+              <a:rPr kumimoji="0" lang="en-US" altLang="ko-KR" sz="1200" b="1" i="0" u="none" strike="noStrike" kern="0" cap="none" spc="0" normalizeH="0" baseline="0" noProof="0" dirty="0">
+                <a:ln>
+                  <a:noFill/>
+                </a:ln>
+                <a:solidFill>
+                  <a:srgbClr val="000000"/>
+                </a:solidFill>
+                <a:effectLst/>
+                <a:uLnTx/>
+                <a:uFillTx/>
+                <a:latin typeface="SamsungOneKorean 700"/>
+              </a:rPr>
+              <a:t> </a:t>
+            </a:r>
+            <a:r>
+              <a:rPr kumimoji="0" lang="ko-KR" altLang="en-US" sz="1200" b="1" i="0" u="none" strike="noStrike" kern="0" cap="none" spc="0" normalizeH="0" baseline="0" noProof="0" dirty="0">
+                <a:ln>
+                  <a:noFill/>
+                </a:ln>
+                <a:solidFill>
+                  <a:srgbClr val="000000"/>
+                </a:solidFill>
+                <a:effectLst/>
+                <a:uLnTx/>
+                <a:uFillTx/>
+                <a:latin typeface="SamsungOneKorean 700"/>
+              </a:rPr>
+              <a:t>참조 방법</a:t>
+            </a:r>
+            <a:endParaRPr kumimoji="0" lang="en-US" altLang="ko-KR" sz="1200" b="1" i="0" u="none" strike="noStrike" kern="0" cap="none" spc="0" normalizeH="0" baseline="0" noProof="0" dirty="0">
               <a:ln>
                 <a:noFill/>
               </a:ln>
@@ -9946,6 +10016,99 @@
               <a:uFillTx/>
               <a:latin typeface="SamsungOneKorean 700"/>
             </a:endParaRPr>
+          </a:p>
+          <a:p>
+            <a:pPr marL="685800" lvl="2" indent="-228600" defTabSz="957769" latinLnBrk="0">
+              <a:spcBef>
+                <a:spcPts val="600"/>
+              </a:spcBef>
+              <a:buFont typeface="+mj-ea"/>
+              <a:buAutoNum type="circleNumDbPlain"/>
+              <a:defRPr/>
+            </a:pPr>
+            <a:r>
+              <a:rPr lang="ko-KR" altLang="en-US" sz="1100" b="1" i="0" dirty="0">
+                <a:solidFill>
+                  <a:srgbClr val="242424"/>
+                </a:solidFill>
+                <a:effectLst/>
+                <a:latin typeface="+mj-ea"/>
+                <a:ea typeface="+mj-ea"/>
+              </a:rPr>
+              <a:t>  </a:t>
+            </a:r>
+            <a:r>
+              <a:rPr lang="en-US" altLang="ko-KR" sz="1100" b="1" i="0" dirty="0">
+                <a:solidFill>
+                  <a:srgbClr val="242424"/>
+                </a:solidFill>
+                <a:effectLst/>
+                <a:latin typeface="+mj-ea"/>
+                <a:ea typeface="+mj-ea"/>
+              </a:rPr>
+              <a:t>'&lt;custom-extension&gt;\lib' </a:t>
+            </a:r>
+            <a:r>
+              <a:rPr lang="ko-KR" altLang="en-US" sz="1100" b="1" i="0" dirty="0">
+                <a:solidFill>
+                  <a:srgbClr val="242424"/>
+                </a:solidFill>
+                <a:effectLst/>
+                <a:latin typeface="+mj-ea"/>
+                <a:ea typeface="+mj-ea"/>
+              </a:rPr>
+              <a:t>에 라이브러리 복사</a:t>
+            </a:r>
+            <a:endParaRPr lang="en-US" altLang="ko-KR" sz="1100" b="1" i="0" dirty="0">
+              <a:solidFill>
+                <a:srgbClr val="242424"/>
+              </a:solidFill>
+              <a:effectLst/>
+              <a:latin typeface="+mj-ea"/>
+              <a:ea typeface="+mj-ea"/>
+            </a:endParaRPr>
+          </a:p>
+          <a:p>
+            <a:pPr marL="685800" lvl="2" indent="-228600" defTabSz="957769" latinLnBrk="0">
+              <a:spcBef>
+                <a:spcPts val="600"/>
+              </a:spcBef>
+              <a:buFont typeface="+mj-ea"/>
+              <a:buAutoNum type="circleNumDbPlain"/>
+              <a:defRPr/>
+            </a:pPr>
+            <a:r>
+              <a:rPr kumimoji="0" lang="en-US" altLang="ko-KR" sz="1100" b="1" i="0" u="none" strike="noStrike" kern="0" cap="none" spc="0" normalizeH="0" baseline="0" noProof="0" dirty="0">
+                <a:ln>
+                  <a:noFill/>
+                </a:ln>
+                <a:solidFill>
+                  <a:srgbClr val="000000"/>
+                </a:solidFill>
+                <a:effectLst/>
+                <a:uLnTx/>
+                <a:uFillTx/>
+                <a:latin typeface="+mj-ea"/>
+                <a:ea typeface="+mj-ea"/>
+              </a:rPr>
+              <a:t>' externaldependent.xml＇ </a:t>
+            </a:r>
+            <a:r>
+              <a:rPr kumimoji="0" lang="ko-KR" altLang="en-US" sz="1100" b="1" i="0" u="none" strike="noStrike" kern="0" cap="none" spc="0" normalizeH="0" baseline="0" noProof="0" dirty="0">
+                <a:ln>
+                  <a:noFill/>
+                </a:ln>
+                <a:solidFill>
+                  <a:srgbClr val="000000"/>
+                </a:solidFill>
+                <a:effectLst/>
+                <a:uLnTx/>
+                <a:uFillTx/>
+                <a:latin typeface="+mj-ea"/>
+                <a:ea typeface="+mj-ea"/>
+              </a:rPr>
+              <a:t>파일에 외부 종속성 추가</a:t>
+            </a:r>
           </a:p>
         </p:txBody>
       </p:sp>
@@ -10168,7 +10331,7 @@
         </p:nvCxnSpPr>
         <p:spPr bwMode="auto">
           <a:xfrm>
-            <a:off x="3948650" y="1449607"/>
+            <a:off x="3369530" y="1449607"/>
             <a:ext cx="0" cy="198889"/>
           </a:xfrm>
           <a:prstGeom prst="line">
@@ -10208,7 +10371,7 @@
         </p:nvCxnSpPr>
         <p:spPr bwMode="auto">
           <a:xfrm>
-            <a:off x="4866680" y="1449607"/>
+            <a:off x="4287560" y="1449607"/>
             <a:ext cx="0" cy="198889"/>
           </a:xfrm>
           <a:prstGeom prst="line">
@@ -10246,7 +10409,7 @@
         </p:nvSpPr>
         <p:spPr>
           <a:xfrm>
-            <a:off x="1629308" y="1348392"/>
+            <a:off x="1324508" y="1348392"/>
             <a:ext cx="1180131" cy="230832"/>
           </a:xfrm>
           <a:prstGeom prst="rect">
@@ -10307,7 +10470,7 @@
         </p:nvSpPr>
         <p:spPr>
           <a:xfrm>
-            <a:off x="4179718" y="1362280"/>
+            <a:off x="3600598" y="1362280"/>
             <a:ext cx="393056" cy="200055"/>
           </a:xfrm>
           <a:prstGeom prst="rect">
@@ -10414,7 +10577,7 @@
         </p:nvCxnSpPr>
         <p:spPr>
           <a:xfrm>
-            <a:off x="3947878" y="1621229"/>
+            <a:off x="3368758" y="1621229"/>
             <a:ext cx="0" cy="3600000"/>
           </a:xfrm>
           <a:prstGeom prst="straightConnector1">
@@ -10460,7 +10623,7 @@
         </p:nvCxnSpPr>
         <p:spPr>
           <a:xfrm>
-            <a:off x="4866680" y="1621229"/>
+            <a:off x="4287560" y="1621229"/>
             <a:ext cx="0" cy="3600000"/>
           </a:xfrm>
           <a:prstGeom prst="straightConnector1">
@@ -10506,8 +10669,8 @@
         </p:nvSpPr>
         <p:spPr>
           <a:xfrm>
-            <a:off x="5857940" y="3059935"/>
-            <a:ext cx="3049391" cy="371396"/>
+            <a:off x="4974020" y="3059935"/>
+            <a:ext cx="3773740" cy="371396"/>
           </a:xfrm>
           <a:prstGeom prst="rect">
             <a:avLst/>
@@ -10622,8 +10785,8 @@
         </p:nvSpPr>
         <p:spPr>
           <a:xfrm>
-            <a:off x="5871817" y="3435979"/>
-            <a:ext cx="3029433" cy="877734"/>
+            <a:off x="4972657" y="3435979"/>
+            <a:ext cx="3773738" cy="877734"/>
           </a:xfrm>
           <a:prstGeom prst="rect">
             <a:avLst/>
@@ -10684,8 +10847,8 @@
         </p:nvSpPr>
         <p:spPr>
           <a:xfrm>
-            <a:off x="6034307" y="3574025"/>
-            <a:ext cx="2205071" cy="612012"/>
+            <a:off x="5135147" y="3596885"/>
+            <a:ext cx="1591945" cy="612012"/>
           </a:xfrm>
           <a:prstGeom prst="rect">
             <a:avLst/>
@@ -10774,12 +10937,12 @@
         </p:nvCxnSpPr>
         <p:spPr>
           <a:xfrm flipV="1">
-            <a:off x="4632931" y="2908414"/>
-            <a:ext cx="4641156" cy="568294"/>
+            <a:off x="4053811" y="2908414"/>
+            <a:ext cx="5220276" cy="568294"/>
           </a:xfrm>
           <a:prstGeom prst="bentConnector3">
             <a:avLst>
-              <a:gd name="adj1" fmla="val 21258"/>
+              <a:gd name="adj1" fmla="val 15405"/>
             </a:avLst>
           </a:prstGeom>
           <a:ln w="38100">
@@ -10821,8 +10984,8 @@
         </p:nvSpPr>
         <p:spPr>
           <a:xfrm>
-            <a:off x="4802113" y="3897789"/>
-            <a:ext cx="1229824" cy="246221"/>
+            <a:off x="8276684" y="3506216"/>
+            <a:ext cx="700833" cy="246221"/>
           </a:xfrm>
           <a:prstGeom prst="rect">
             <a:avLst/>
@@ -10837,15 +11000,19 @@
             <a:r>
               <a:rPr lang="en-US" altLang="ko-KR" sz="1000" b="1" dirty="0">
                 <a:solidFill>
-                  <a:srgbClr val="000000"/>
+                  <a:srgbClr val="FF0000"/>
                 </a:solidFill>
                 <a:latin typeface="맑은 고딕" panose="020B0503020000020004" pitchFamily="50" charset="-127"/>
                 <a:ea typeface="맑은 고딕" panose="020B0503020000020004" pitchFamily="50" charset="-127"/>
                 <a:sym typeface="Wingdings" panose="05000000000000000000" pitchFamily="2" charset="2"/>
               </a:rPr>
-              <a:t>Rest API, file etc.</a:t>
-            </a:r>
-            <a:endParaRPr lang="ko-KR" altLang="en-US" b="1" dirty="0"/>
+              <a:t>Rest API</a:t>
+            </a:r>
+            <a:endParaRPr lang="ko-KR" altLang="en-US" b="1" dirty="0">
+              <a:solidFill>
+                <a:srgbClr val="FF0000"/>
+              </a:solidFill>
+            </a:endParaRPr>
           </a:p>
         </p:txBody>
       </p:sp>
@@ -10863,7 +11030,7 @@
         </p:nvSpPr>
         <p:spPr>
           <a:xfrm>
-            <a:off x="4179718" y="2157196"/>
+            <a:off x="3600598" y="2157196"/>
             <a:ext cx="439951" cy="2746499"/>
           </a:xfrm>
           <a:prstGeom prst="rect">
@@ -10922,24 +11089,8 @@
                 <a:cs typeface="Helvetica Neue"/>
                 <a:sym typeface="Helvetica Neue"/>
               </a:rPr>
-              <a:t>External iPaaS</a:t>
-            </a:r>
-            <a:endParaRPr lang="en-JP" sz="1600" dirty="0">
-              <a:solidFill>
-                <a:schemeClr val="bg1"/>
-              </a:solidFill>
-              <a:effectLst>
-                <a:outerShdw blurRad="50800" dist="50800" dir="5400000" algn="ctr" rotWithShape="0">
-                  <a:srgbClr val="000000">
-                    <a:alpha val="43137"/>
-                  </a:srgbClr>
-                </a:outerShdw>
-              </a:effectLst>
-              <a:latin typeface="SamsungOneKorean 700"/>
-              <a:ea typeface="Helvetica Neue"/>
-              <a:cs typeface="Helvetica Neue"/>
-              <a:sym typeface="Helvetica Neue"/>
-            </a:endParaRPr>
+              <a:t>External iPaaS (CIH)</a:t>
+            </a:r>
           </a:p>
         </p:txBody>
       </p:sp>
@@ -10957,7 +11108,7 @@
         </p:nvSpPr>
         <p:spPr>
           <a:xfrm>
-            <a:off x="6280766" y="1858754"/>
+            <a:off x="5381606" y="1858754"/>
             <a:ext cx="1321209" cy="371396"/>
           </a:xfrm>
           <a:prstGeom prst="rect">
@@ -11031,7 +11182,7 @@
         </p:nvSpPr>
         <p:spPr>
           <a:xfrm>
-            <a:off x="6284967" y="2377738"/>
+            <a:off x="5385807" y="2377738"/>
             <a:ext cx="1321209" cy="371396"/>
           </a:xfrm>
           <a:prstGeom prst="rect">
@@ -11105,7 +11256,7 @@
         </p:nvSpPr>
         <p:spPr bwMode="auto">
           <a:xfrm>
-            <a:off x="4592927" y="3121008"/>
+            <a:off x="4013807" y="3121008"/>
             <a:ext cx="45719" cy="45719"/>
           </a:xfrm>
           <a:prstGeom prst="ellipse">
@@ -11165,12 +11316,12 @@
         </p:nvCxnSpPr>
         <p:spPr>
           <a:xfrm rot="10800000" flipV="1">
-            <a:off x="4638646" y="2044452"/>
-            <a:ext cx="1642120" cy="1099416"/>
+            <a:off x="4059526" y="2044452"/>
+            <a:ext cx="1322080" cy="1099416"/>
           </a:xfrm>
           <a:prstGeom prst="bentConnector3">
             <a:avLst>
-              <a:gd name="adj1" fmla="val 59827"/>
+              <a:gd name="adj1" fmla="val 59798"/>
             </a:avLst>
           </a:prstGeom>
           <a:ln w="38100">
@@ -11212,7 +11363,7 @@
         </p:nvSpPr>
         <p:spPr bwMode="auto">
           <a:xfrm>
-            <a:off x="4587212" y="3288648"/>
+            <a:off x="4008092" y="3288648"/>
             <a:ext cx="45719" cy="45719"/>
           </a:xfrm>
           <a:prstGeom prst="ellipse">
@@ -11272,8 +11423,8 @@
         </p:nvCxnSpPr>
         <p:spPr>
           <a:xfrm rot="10800000" flipV="1">
-            <a:off x="4632931" y="2563436"/>
-            <a:ext cx="1652036" cy="748072"/>
+            <a:off x="4053811" y="2563436"/>
+            <a:ext cx="1331996" cy="748072"/>
           </a:xfrm>
           <a:prstGeom prst="bentConnector3">
             <a:avLst>
@@ -11591,7 +11742,7 @@
         </p:nvSpPr>
         <p:spPr>
           <a:xfrm>
-            <a:off x="1403609" y="1781945"/>
+            <a:off x="1098809" y="1781945"/>
             <a:ext cx="1321209" cy="371396"/>
           </a:xfrm>
           <a:prstGeom prst="rect">
@@ -11665,7 +11816,7 @@
         </p:nvSpPr>
         <p:spPr>
           <a:xfrm>
-            <a:off x="1403608" y="2151890"/>
+            <a:off x="1098808" y="2151890"/>
             <a:ext cx="1321210" cy="2319299"/>
           </a:xfrm>
           <a:prstGeom prst="rect">
@@ -11727,7 +11878,7 @@
         </p:nvSpPr>
         <p:spPr>
           <a:xfrm>
-            <a:off x="1538369" y="2305436"/>
+            <a:off x="1233569" y="2305436"/>
             <a:ext cx="1051687" cy="362963"/>
           </a:xfrm>
           <a:prstGeom prst="rect">
@@ -11795,7 +11946,7 @@
         </p:nvSpPr>
         <p:spPr>
           <a:xfrm>
-            <a:off x="1538368" y="2818857"/>
+            <a:off x="1233568" y="2818857"/>
             <a:ext cx="1051687" cy="362963"/>
           </a:xfrm>
           <a:prstGeom prst="rect">
@@ -11863,7 +12014,7 @@
         </p:nvSpPr>
         <p:spPr>
           <a:xfrm>
-            <a:off x="3197423" y="2157196"/>
+            <a:off x="2618303" y="2157196"/>
             <a:ext cx="439951" cy="2746499"/>
           </a:xfrm>
           <a:prstGeom prst="rect">
@@ -11957,7 +12108,7 @@
         </p:nvSpPr>
         <p:spPr>
           <a:xfrm>
-            <a:off x="1538368" y="3347968"/>
+            <a:off x="7047857" y="4681782"/>
             <a:ext cx="1051687" cy="362963"/>
           </a:xfrm>
           <a:prstGeom prst="rect">
@@ -12025,7 +12176,7 @@
         </p:nvSpPr>
         <p:spPr bwMode="auto">
           <a:xfrm>
-            <a:off x="4587212" y="3453848"/>
+            <a:off x="4008092" y="3453848"/>
             <a:ext cx="45719" cy="45719"/>
           </a:xfrm>
           <a:prstGeom prst="ellipse">
@@ -12081,7 +12232,7 @@
         </p:nvSpPr>
         <p:spPr bwMode="auto">
           <a:xfrm>
-            <a:off x="4587212" y="3660722"/>
+            <a:off x="4008092" y="3660722"/>
             <a:ext cx="45719" cy="45719"/>
           </a:xfrm>
           <a:prstGeom prst="ellipse">
@@ -12141,8 +12292,8 @@
         </p:nvCxnSpPr>
         <p:spPr>
           <a:xfrm>
-            <a:off x="4632931" y="3683582"/>
-            <a:ext cx="1401376" cy="196449"/>
+            <a:off x="4053811" y="3683582"/>
+            <a:ext cx="1081336" cy="219309"/>
           </a:xfrm>
           <a:prstGeom prst="bentConnector3">
             <a:avLst>
@@ -12248,8 +12399,8 @@
         </p:nvCxnSpPr>
         <p:spPr>
           <a:xfrm rot="10800000">
-            <a:off x="2724819" y="3311540"/>
-            <a:ext cx="472605" cy="218906"/>
+            <a:off x="2420019" y="3311540"/>
+            <a:ext cx="198285" cy="218906"/>
           </a:xfrm>
           <a:prstGeom prst="bentConnector3">
             <a:avLst>
@@ -12299,7 +12450,7 @@
         </p:nvCxnSpPr>
         <p:spPr>
           <a:xfrm flipH="1">
-            <a:off x="3637374" y="3530446"/>
+            <a:off x="3058254" y="3530446"/>
             <a:ext cx="542344" cy="0"/>
           </a:xfrm>
           <a:prstGeom prst="straightConnector1">
@@ -12344,7 +12495,7 @@
         </p:nvSpPr>
         <p:spPr>
           <a:xfrm>
-            <a:off x="5930172" y="4671083"/>
+            <a:off x="5152932" y="4671083"/>
             <a:ext cx="1357681" cy="459883"/>
           </a:xfrm>
           <a:prstGeom prst="roundRect">
@@ -13243,7 +13394,7 @@
         </p:nvSpPr>
         <p:spPr>
           <a:xfrm>
-            <a:off x="5857940" y="4576229"/>
+            <a:off x="5080700" y="4576229"/>
             <a:ext cx="1484984" cy="658711"/>
           </a:xfrm>
           <a:prstGeom prst="roundRect">
@@ -13391,12 +13542,12 @@
         </p:nvCxnSpPr>
         <p:spPr>
           <a:xfrm>
-            <a:off x="8227523" y="3760517"/>
-            <a:ext cx="947504" cy="305796"/>
+            <a:off x="8163331" y="3760517"/>
+            <a:ext cx="1011696" cy="305796"/>
           </a:xfrm>
           <a:prstGeom prst="bentConnector3">
             <a:avLst>
-              <a:gd name="adj1" fmla="val 56160"/>
+              <a:gd name="adj1" fmla="val 50000"/>
             </a:avLst>
           </a:prstGeom>
           <a:ln w="38100">
@@ -13442,8 +13593,8 @@
         </p:nvCxnSpPr>
         <p:spPr>
           <a:xfrm>
-            <a:off x="8228113" y="3891548"/>
-            <a:ext cx="824423" cy="960339"/>
+            <a:off x="8163331" y="3874285"/>
+            <a:ext cx="889205" cy="977602"/>
           </a:xfrm>
           <a:prstGeom prst="bentConnector3">
             <a:avLst>
@@ -13486,20 +13637,20 @@
           </p:cNvPr>
           <p:cNvCxnSpPr>
             <a:cxnSpLocks/>
-            <a:stCxn id="262" idx="6"/>
+            <a:stCxn id="261" idx="6"/>
             <a:endCxn id="244" idx="0"/>
           </p:cNvCxnSpPr>
           <p:nvPr/>
         </p:nvCxnSpPr>
         <p:spPr>
           <a:xfrm flipH="1">
-            <a:off x="6600432" y="4019960"/>
-            <a:ext cx="1625069" cy="556269"/>
+            <a:off x="5823192" y="4101820"/>
+            <a:ext cx="2340139" cy="474409"/>
           </a:xfrm>
           <a:prstGeom prst="bentConnector4">
             <a:avLst>
-              <a:gd name="adj1" fmla="val -16715"/>
-              <a:gd name="adj2" fmla="val 63658"/>
+              <a:gd name="adj1" fmla="val -10094"/>
+              <a:gd name="adj2" fmla="val 60440"/>
             </a:avLst>
           </a:prstGeom>
           <a:ln w="38100">
@@ -13541,7 +13692,7 @@
         </p:nvSpPr>
         <p:spPr bwMode="auto">
           <a:xfrm>
-            <a:off x="8181804" y="3737657"/>
+            <a:off x="8117612" y="3737657"/>
             <a:ext cx="45719" cy="45719"/>
           </a:xfrm>
           <a:prstGeom prst="ellipse">
@@ -13597,7 +13748,7 @@
         </p:nvSpPr>
         <p:spPr bwMode="auto">
           <a:xfrm>
-            <a:off x="8182394" y="3868688"/>
+            <a:off x="8117612" y="3851425"/>
             <a:ext cx="45719" cy="45719"/>
           </a:xfrm>
           <a:prstGeom prst="ellipse">
@@ -13653,7 +13804,7 @@
         </p:nvSpPr>
         <p:spPr bwMode="auto">
           <a:xfrm>
-            <a:off x="8182394" y="4043413"/>
+            <a:off x="8117612" y="4078960"/>
             <a:ext cx="45719" cy="45719"/>
           </a:xfrm>
           <a:prstGeom prst="ellipse">
@@ -13709,7 +13860,7 @@
         </p:nvSpPr>
         <p:spPr bwMode="auto">
           <a:xfrm>
-            <a:off x="8179782" y="3997100"/>
+            <a:off x="8117612" y="3965193"/>
             <a:ext cx="45719" cy="45719"/>
           </a:xfrm>
           <a:prstGeom prst="ellipse">
@@ -13765,7 +13916,7 @@
         </p:nvSpPr>
         <p:spPr>
           <a:xfrm rot="5400000">
-            <a:off x="2045633" y="3888229"/>
+            <a:off x="1740833" y="3598669"/>
             <a:ext cx="408537" cy="522265"/>
           </a:xfrm>
           <a:prstGeom prst="rect">
@@ -13917,6 +14068,175 @@
           </a:p>
         </p:txBody>
       </p:sp>
+      <p:cxnSp>
+        <p:nvCxnSpPr>
+          <p:cNvPr id="272" name="직선 화살표 연결선 112">
+            <a:extLst>
+              <a:ext uri="{FF2B5EF4-FFF2-40B4-BE49-F238E27FC236}">
+                <a16:creationId xmlns:a16="http://schemas.microsoft.com/office/drawing/2014/main" id="{92AD36A7-FB01-4491-390B-6BFBB9075762}"/>
+              </a:ext>
+            </a:extLst>
+          </p:cNvPr>
+          <p:cNvCxnSpPr>
+            <a:cxnSpLocks/>
+            <a:stCxn id="262" idx="6"/>
+            <a:endCxn id="225" idx="0"/>
+          </p:cNvCxnSpPr>
+          <p:nvPr/>
+        </p:nvCxnSpPr>
+        <p:spPr>
+          <a:xfrm flipH="1">
+            <a:off x="7573701" y="3988053"/>
+            <a:ext cx="589630" cy="693729"/>
+          </a:xfrm>
+          <a:prstGeom prst="bentConnector4">
+            <a:avLst>
+              <a:gd name="adj1" fmla="val -55570"/>
+              <a:gd name="adj2" fmla="val 70321"/>
+            </a:avLst>
+          </a:prstGeom>
+          <a:ln w="38100">
+            <a:solidFill>
+              <a:schemeClr val="bg1">
+                <a:lumMod val="50000"/>
+              </a:schemeClr>
+            </a:solidFill>
+            <a:headEnd type="triangle"/>
+            <a:tailEnd type="triangle"/>
+          </a:ln>
+        </p:spPr>
+        <p:style>
+          <a:lnRef idx="1">
+            <a:schemeClr val="accent1"/>
+          </a:lnRef>
+          <a:fillRef idx="0">
+            <a:schemeClr val="accent1"/>
+          </a:fillRef>
+          <a:effectRef idx="0">
+            <a:schemeClr val="accent1"/>
+          </a:effectRef>
+          <a:fontRef idx="minor">
+            <a:schemeClr val="tx1"/>
+          </a:fontRef>
+        </p:style>
+      </p:cxnSp>
+      <p:sp>
+        <p:nvSpPr>
+          <p:cNvPr id="281" name="직사각형 280">
+            <a:extLst>
+              <a:ext uri="{FF2B5EF4-FFF2-40B4-BE49-F238E27FC236}">
+                <a16:creationId xmlns:a16="http://schemas.microsoft.com/office/drawing/2014/main" id="{6C5AD7CA-EC08-DBF4-E71A-CCBFE5C81C89}"/>
+              </a:ext>
+            </a:extLst>
+          </p:cNvPr>
+          <p:cNvSpPr/>
+          <p:nvPr/>
+        </p:nvSpPr>
+        <p:spPr>
+          <a:xfrm>
+            <a:off x="7258985" y="3590475"/>
+            <a:ext cx="919546" cy="612012"/>
+          </a:xfrm>
+          <a:prstGeom prst="rect">
+            <a:avLst/>
+          </a:prstGeom>
+          <a:solidFill>
+            <a:schemeClr val="accent5">
+              <a:lumMod val="40000"/>
+              <a:lumOff val="60000"/>
+            </a:schemeClr>
+          </a:solidFill>
+          <a:ln w="6350">
+            <a:solidFill>
+              <a:schemeClr val="tx1">
+                <a:lumMod val="50000"/>
+                <a:lumOff val="50000"/>
+              </a:schemeClr>
+            </a:solidFill>
+          </a:ln>
+        </p:spPr>
+        <p:style>
+          <a:lnRef idx="2">
+            <a:schemeClr val="accent1">
+              <a:shade val="50000"/>
+            </a:schemeClr>
+          </a:lnRef>
+          <a:fillRef idx="1">
+            <a:schemeClr val="accent1"/>
+          </a:fillRef>
+          <a:effectRef idx="0">
+            <a:schemeClr val="accent1"/>
+          </a:effectRef>
+          <a:fontRef idx="minor">
+            <a:schemeClr val="lt1"/>
+          </a:fontRef>
+        </p:style>
+        <p:txBody>
+          <a:bodyPr lIns="36000" rIns="36000" rtlCol="0" anchor="ctr"/>
+          <a:lstStyle/>
+          <a:p>
+            <a:pPr algn="ctr"/>
+            <a:r>
+              <a:rPr lang="en-US" altLang="ko-KR" b="1" dirty="0">
+                <a:solidFill>
+                  <a:schemeClr val="tx1"/>
+                </a:solidFill>
+                <a:latin typeface="SamsungOneKorean 700"/>
+              </a:rPr>
+              <a:t>Hybris</a:t>
+            </a:r>
+          </a:p>
+        </p:txBody>
+      </p:sp>
+      <p:cxnSp>
+        <p:nvCxnSpPr>
+          <p:cNvPr id="282" name="직선 화살표 연결선 1055">
+            <a:extLst>
+              <a:ext uri="{FF2B5EF4-FFF2-40B4-BE49-F238E27FC236}">
+                <a16:creationId xmlns:a16="http://schemas.microsoft.com/office/drawing/2014/main" id="{AB963727-D5E8-C84F-6E72-C2642A8803E5}"/>
+              </a:ext>
+            </a:extLst>
+          </p:cNvPr>
+          <p:cNvCxnSpPr>
+            <a:cxnSpLocks/>
+            <a:stCxn id="281" idx="1"/>
+            <a:endCxn id="205" idx="3"/>
+          </p:cNvCxnSpPr>
+          <p:nvPr/>
+        </p:nvCxnSpPr>
+        <p:spPr>
+          <a:xfrm flipH="1">
+            <a:off x="6727092" y="3896481"/>
+            <a:ext cx="531893" cy="6410"/>
+          </a:xfrm>
+          <a:prstGeom prst="straightConnector1">
+            <a:avLst/>
+          </a:prstGeom>
+          <a:ln w="38100">
+            <a:solidFill>
+              <a:schemeClr val="bg1">
+                <a:lumMod val="50000"/>
+              </a:schemeClr>
+            </a:solidFill>
+            <a:headEnd type="triangle"/>
+            <a:tailEnd type="triangle"/>
+          </a:ln>
+        </p:spPr>
+        <p:style>
+          <a:lnRef idx="1">
+            <a:schemeClr val="accent1"/>
+          </a:lnRef>
+          <a:fillRef idx="0">
+            <a:schemeClr val="accent1"/>
+          </a:fillRef>
+          <a:effectRef idx="0">
+            <a:schemeClr val="accent1"/>
+          </a:effectRef>
+          <a:fontRef idx="minor">
+            <a:schemeClr val="tx1"/>
+          </a:fontRef>
+        </p:style>
+      </p:cxnSp>
     </p:spTree>
     <p:extLst>
       <p:ext uri="{BB962C8B-B14F-4D97-AF65-F5344CB8AC3E}">
@@ -14422,173 +14742,6 @@
       </p:grpSp>
       <p:grpSp>
         <p:nvGrpSpPr>
-          <p:cNvPr id="23" name="Group 102">
-            <a:extLst>
-              <a:ext uri="{FF2B5EF4-FFF2-40B4-BE49-F238E27FC236}">
-                <a16:creationId xmlns:a16="http://schemas.microsoft.com/office/drawing/2014/main" id="{5DE68346-29D9-F5D3-39A9-5A47F2B5EC15}"/>
-              </a:ext>
-            </a:extLst>
-          </p:cNvPr>
-          <p:cNvGrpSpPr/>
-          <p:nvPr/>
-        </p:nvGrpSpPr>
-        <p:grpSpPr>
-          <a:xfrm>
-            <a:off x="847156" y="2796016"/>
-            <a:ext cx="1455897" cy="584471"/>
-            <a:chOff x="4792307" y="6098832"/>
-            <a:chExt cx="1455897" cy="584471"/>
-          </a:xfrm>
-        </p:grpSpPr>
-        <p:sp>
-          <p:nvSpPr>
-            <p:cNvPr id="24" name="Rounded Rectangle 81">
-              <a:extLst>
-                <a:ext uri="{FF2B5EF4-FFF2-40B4-BE49-F238E27FC236}">
-                  <a16:creationId xmlns:a16="http://schemas.microsoft.com/office/drawing/2014/main" id="{514FFF3D-011A-1FB7-02A2-E4A6EA7289AB}"/>
-                </a:ext>
-              </a:extLst>
-            </p:cNvPr>
-            <p:cNvSpPr/>
-            <p:nvPr/>
-          </p:nvSpPr>
-          <p:spPr>
-            <a:xfrm>
-              <a:off x="4792307" y="6098832"/>
-              <a:ext cx="1455897" cy="584471"/>
-            </a:xfrm>
-            <a:prstGeom prst="roundRect">
-              <a:avLst/>
-            </a:prstGeom>
-          </p:spPr>
-          <p:style>
-            <a:lnRef idx="2">
-              <a:schemeClr val="accent1">
-                <a:shade val="15000"/>
-              </a:schemeClr>
-            </a:lnRef>
-            <a:fillRef idx="1">
-              <a:schemeClr val="accent1"/>
-            </a:fillRef>
-            <a:effectRef idx="0">
-              <a:schemeClr val="accent1"/>
-            </a:effectRef>
-            <a:fontRef idx="minor">
-              <a:schemeClr val="lt1"/>
-            </a:fontRef>
-          </p:style>
-          <p:txBody>
-            <a:bodyPr rtlCol="0" anchor="ctr"/>
-            <a:lstStyle/>
-            <a:p>
-              <a:pPr algn="ctr"/>
-              <a:endParaRPr lang="en-US" sz="1100" dirty="0">
-                <a:latin typeface="SamsungOneKorean 700"/>
-                <a:ea typeface="Helvetica Neue" panose="02000503000000020004" pitchFamily="2" charset="0"/>
-                <a:cs typeface="Helvetica Neue" panose="02000503000000020004" pitchFamily="2" charset="0"/>
-              </a:endParaRPr>
-            </a:p>
-          </p:txBody>
-        </p:sp>
-        <p:pic>
-          <p:nvPicPr>
-            <p:cNvPr id="25" name="Picture 44" descr="Email Marketing Icon Email Icon - Email Logo Png Transparent Background (525x462), Png Download">
-              <a:extLst>
-                <a:ext uri="{FF2B5EF4-FFF2-40B4-BE49-F238E27FC236}">
-                  <a16:creationId xmlns:a16="http://schemas.microsoft.com/office/drawing/2014/main" id="{25298E36-2070-EC03-D0A4-DB12FFD25743}"/>
-                </a:ext>
-              </a:extLst>
-            </p:cNvPr>
-            <p:cNvPicPr>
-              <a:picLocks noChangeAspect="1" noChangeArrowheads="1"/>
-            </p:cNvPicPr>
-            <p:nvPr/>
-          </p:nvPicPr>
-          <p:blipFill>
-            <a:blip r:embed="rId5">
-              <a:duotone>
-                <a:schemeClr val="accent1">
-                  <a:shade val="45000"/>
-                  <a:satMod val="135000"/>
-                </a:schemeClr>
-                <a:prstClr val="white"/>
-              </a:duotone>
-              <a:extLst>
-                <a:ext uri="{28A0092B-C50C-407E-A947-70E740481C1C}">
-                  <a14:useLocalDpi xmlns:a14="http://schemas.microsoft.com/office/drawing/2010/main" val="0"/>
-                </a:ext>
-              </a:extLst>
-            </a:blip>
-            <a:srcRect/>
-            <a:stretch>
-              <a:fillRect/>
-            </a:stretch>
-          </p:blipFill>
-          <p:spPr bwMode="auto">
-            <a:xfrm>
-              <a:off x="4956749" y="6248680"/>
-              <a:ext cx="335521" cy="299767"/>
-            </a:xfrm>
-            <a:prstGeom prst="rect">
-              <a:avLst/>
-            </a:prstGeom>
-            <a:noFill/>
-            <a:extLst>
-              <a:ext uri="{909E8E84-426E-40DD-AFC4-6F175D3DCCD1}">
-                <a14:hiddenFill xmlns:a14="http://schemas.microsoft.com/office/drawing/2010/main">
-                  <a:solidFill>
-                    <a:srgbClr val="FFFFFF"/>
-                  </a:solidFill>
-                </a14:hiddenFill>
-              </a:ext>
-            </a:extLst>
-          </p:spPr>
-        </p:pic>
-        <p:sp>
-          <p:nvSpPr>
-            <p:cNvPr id="26" name="TextBox 25">
-              <a:extLst>
-                <a:ext uri="{FF2B5EF4-FFF2-40B4-BE49-F238E27FC236}">
-                  <a16:creationId xmlns:a16="http://schemas.microsoft.com/office/drawing/2014/main" id="{C06D9C94-5D01-8235-EDE1-D6AF2DEDA51E}"/>
-                </a:ext>
-              </a:extLst>
-            </p:cNvPr>
-            <p:cNvSpPr txBox="1"/>
-            <p:nvPr/>
-          </p:nvSpPr>
-          <p:spPr>
-            <a:xfrm>
-              <a:off x="5332210" y="6252567"/>
-              <a:ext cx="488595" cy="276999"/>
-            </a:xfrm>
-            <a:prstGeom prst="rect">
-              <a:avLst/>
-            </a:prstGeom>
-            <a:noFill/>
-          </p:spPr>
-          <p:txBody>
-            <a:bodyPr wrap="none" rtlCol="0">
-              <a:spAutoFit/>
-            </a:bodyPr>
-            <a:lstStyle/>
-            <a:p>
-              <a:r>
-                <a:rPr lang="en-US" sz="1200" dirty="0">
-                  <a:solidFill>
-                    <a:schemeClr val="bg1"/>
-                  </a:solidFill>
-                  <a:latin typeface="SamsungOneKorean 700"/>
-                  <a:ea typeface="Helvetica Neue" panose="02000503000000020004" pitchFamily="2" charset="0"/>
-                  <a:cs typeface="Helvetica Neue" panose="02000503000000020004" pitchFamily="2" charset="0"/>
-                </a:rPr>
-                <a:t>Knox</a:t>
-              </a:r>
-            </a:p>
-          </p:txBody>
-        </p:sp>
-      </p:grpSp>
-      <p:grpSp>
-        <p:nvGrpSpPr>
           <p:cNvPr id="27" name="Group 105">
             <a:extLst>
               <a:ext uri="{FF2B5EF4-FFF2-40B4-BE49-F238E27FC236}">
@@ -14672,7 +14825,7 @@
             <p:nvPr/>
           </p:nvPicPr>
           <p:blipFill>
-            <a:blip r:embed="rId6">
+            <a:blip r:embed="rId5">
               <a:duotone>
                 <a:schemeClr val="accent1">
                   <a:shade val="45000"/>
@@ -14881,7 +15034,7 @@
             <p:nvPr/>
           </p:nvPicPr>
           <p:blipFill>
-            <a:blip r:embed="rId7">
+            <a:blip r:embed="rId6">
               <a:duotone>
                 <a:schemeClr val="accent1">
                   <a:shade val="45000"/>
@@ -15048,7 +15201,7 @@
             <p:nvPr/>
           </p:nvPicPr>
           <p:blipFill>
-            <a:blip r:embed="rId8">
+            <a:blip r:embed="rId7">
               <a:extLst>
                 <a:ext uri="{28A0092B-C50C-407E-A947-70E740481C1C}">
                   <a14:useLocalDpi xmlns:a14="http://schemas.microsoft.com/office/drawing/2010/main" val="0"/>
@@ -15163,8 +15316,8 @@
         </p:nvSpPr>
         <p:spPr>
           <a:xfrm>
-            <a:off x="5053222" y="3863554"/>
-            <a:ext cx="4089875" cy="348787"/>
+            <a:off x="5366063" y="3863554"/>
+            <a:ext cx="3464192" cy="348787"/>
           </a:xfrm>
           <a:prstGeom prst="rect">
             <a:avLst/>
@@ -15220,7 +15373,7 @@
                 <a:cs typeface="Arial" panose="020B0604020202020204" pitchFamily="34" charset="0"/>
                 <a:sym typeface="Helvetica Neue"/>
               </a:rPr>
-              <a:t> (iPaaS, CIH, Restful. file)</a:t>
+              <a:t> (iPaaS, CIH, file)</a:t>
             </a:r>
             <a:endParaRPr lang="en-JP" sz="1600" dirty="0">
               <a:solidFill>
@@ -15249,7 +15402,7 @@
           <p:nvPr/>
         </p:nvPicPr>
         <p:blipFill>
-          <a:blip r:embed="rId9">
+          <a:blip r:embed="rId8">
             <a:lum bright="70000" contrast="-70000"/>
           </a:blip>
           <a:stretch>
@@ -15825,7 +15978,7 @@
           <p:nvPr/>
         </p:nvPicPr>
         <p:blipFill>
-          <a:blip r:embed="rId7">
+          <a:blip r:embed="rId6">
             <a:duotone>
               <a:schemeClr val="accent1">
                 <a:shade val="45000"/>
@@ -16151,8 +16304,8 @@
         </p:nvSpPr>
         <p:spPr>
           <a:xfrm>
-            <a:off x="3575647" y="1467655"/>
-            <a:ext cx="4061795" cy="1761573"/>
+            <a:off x="3575647" y="1490234"/>
+            <a:ext cx="3366779" cy="1761573"/>
           </a:xfrm>
           <a:prstGeom prst="roundRect">
             <a:avLst/>
@@ -16328,10 +16481,194 @@
       </p:sp>
       <p:sp>
         <p:nvSpPr>
-          <p:cNvPr id="89" name="Up-down Arrow 1088">
+          <p:cNvPr id="90" name="Rounded Rectangle 2">
             <a:extLst>
               <a:ext uri="{FF2B5EF4-FFF2-40B4-BE49-F238E27FC236}">
-                <a16:creationId xmlns:a16="http://schemas.microsoft.com/office/drawing/2014/main" id="{73A562C6-F1C8-3047-8BE5-A1B5017DE80C}"/>
+                <a16:creationId xmlns:a16="http://schemas.microsoft.com/office/drawing/2014/main" id="{B3B5D3C7-3D6B-1F74-18C9-9CEABC3FC12D}"/>
+              </a:ext>
+            </a:extLst>
+          </p:cNvPr>
+          <p:cNvSpPr/>
+          <p:nvPr/>
+        </p:nvSpPr>
+        <p:spPr>
+          <a:xfrm>
+            <a:off x="845733" y="2440642"/>
+            <a:ext cx="1455897" cy="584471"/>
+          </a:xfrm>
+          <a:prstGeom prst="roundRect">
+            <a:avLst/>
+          </a:prstGeom>
+        </p:spPr>
+        <p:style>
+          <a:lnRef idx="2">
+            <a:schemeClr val="accent1">
+              <a:shade val="15000"/>
+            </a:schemeClr>
+          </a:lnRef>
+          <a:fillRef idx="1">
+            <a:schemeClr val="accent1"/>
+          </a:fillRef>
+          <a:effectRef idx="0">
+            <a:schemeClr val="accent1"/>
+          </a:effectRef>
+          <a:fontRef idx="minor">
+            <a:schemeClr val="lt1"/>
+          </a:fontRef>
+        </p:style>
+        <p:txBody>
+          <a:bodyPr rtlCol="0" anchor="ctr"/>
+          <a:lstStyle/>
+          <a:p>
+            <a:pPr algn="ctr"/>
+            <a:endParaRPr lang="en-US" sz="1100" dirty="0">
+              <a:latin typeface="SamsungOneKorean 700"/>
+              <a:ea typeface="Helvetica Neue" panose="02000503000000020004" pitchFamily="2" charset="0"/>
+              <a:cs typeface="Helvetica Neue" panose="02000503000000020004" pitchFamily="2" charset="0"/>
+            </a:endParaRPr>
+          </a:p>
+        </p:txBody>
+      </p:sp>
+      <p:sp>
+        <p:nvSpPr>
+          <p:cNvPr id="91" name="TextBox 90">
+            <a:extLst>
+              <a:ext uri="{FF2B5EF4-FFF2-40B4-BE49-F238E27FC236}">
+                <a16:creationId xmlns:a16="http://schemas.microsoft.com/office/drawing/2014/main" id="{B77004B6-24E3-2A57-7C93-0469E4B87E3E}"/>
+              </a:ext>
+            </a:extLst>
+          </p:cNvPr>
+          <p:cNvSpPr txBox="1"/>
+          <p:nvPr/>
+        </p:nvSpPr>
+        <p:spPr>
+          <a:xfrm>
+            <a:off x="1242501" y="2594378"/>
+            <a:ext cx="623889" cy="276999"/>
+          </a:xfrm>
+          <a:prstGeom prst="rect">
+            <a:avLst/>
+          </a:prstGeom>
+          <a:noFill/>
+        </p:spPr>
+        <p:txBody>
+          <a:bodyPr wrap="none" rtlCol="0">
+            <a:spAutoFit/>
+          </a:bodyPr>
+          <a:lstStyle/>
+          <a:p>
+            <a:r>
+              <a:rPr lang="en-US" sz="1200" dirty="0">
+                <a:solidFill>
+                  <a:schemeClr val="bg1"/>
+                </a:solidFill>
+                <a:latin typeface="SamsungOneKorean 700"/>
+                <a:ea typeface="Helvetica Neue" panose="02000503000000020004" pitchFamily="2" charset="0"/>
+                <a:cs typeface="Helvetica Neue" panose="02000503000000020004" pitchFamily="2" charset="0"/>
+              </a:rPr>
+              <a:t>CMDM</a:t>
+            </a:r>
+          </a:p>
+        </p:txBody>
+      </p:sp>
+      <p:sp>
+        <p:nvSpPr>
+          <p:cNvPr id="92" name="Rounded Rectangle 2">
+            <a:extLst>
+              <a:ext uri="{FF2B5EF4-FFF2-40B4-BE49-F238E27FC236}">
+                <a16:creationId xmlns:a16="http://schemas.microsoft.com/office/drawing/2014/main" id="{E61D6B40-FEED-183E-54AF-FF6945617131}"/>
+              </a:ext>
+            </a:extLst>
+          </p:cNvPr>
+          <p:cNvSpPr/>
+          <p:nvPr/>
+        </p:nvSpPr>
+        <p:spPr>
+          <a:xfrm>
+            <a:off x="830633" y="1787413"/>
+            <a:ext cx="1455897" cy="584471"/>
+          </a:xfrm>
+          <a:prstGeom prst="roundRect">
+            <a:avLst/>
+          </a:prstGeom>
+        </p:spPr>
+        <p:style>
+          <a:lnRef idx="2">
+            <a:schemeClr val="accent1">
+              <a:shade val="15000"/>
+            </a:schemeClr>
+          </a:lnRef>
+          <a:fillRef idx="1">
+            <a:schemeClr val="accent1"/>
+          </a:fillRef>
+          <a:effectRef idx="0">
+            <a:schemeClr val="accent1"/>
+          </a:effectRef>
+          <a:fontRef idx="minor">
+            <a:schemeClr val="lt1"/>
+          </a:fontRef>
+        </p:style>
+        <p:txBody>
+          <a:bodyPr rtlCol="0" anchor="ctr"/>
+          <a:lstStyle/>
+          <a:p>
+            <a:pPr algn="ctr"/>
+            <a:endParaRPr lang="en-US" sz="1100" dirty="0">
+              <a:latin typeface="SamsungOneKorean 700"/>
+              <a:ea typeface="Helvetica Neue" panose="02000503000000020004" pitchFamily="2" charset="0"/>
+              <a:cs typeface="Helvetica Neue" panose="02000503000000020004" pitchFamily="2" charset="0"/>
+            </a:endParaRPr>
+          </a:p>
+        </p:txBody>
+      </p:sp>
+      <p:sp>
+        <p:nvSpPr>
+          <p:cNvPr id="93" name="TextBox 92">
+            <a:extLst>
+              <a:ext uri="{FF2B5EF4-FFF2-40B4-BE49-F238E27FC236}">
+                <a16:creationId xmlns:a16="http://schemas.microsoft.com/office/drawing/2014/main" id="{FA90BB8C-0EE1-8891-5F7A-3E74DD53C4DD}"/>
+              </a:ext>
+            </a:extLst>
+          </p:cNvPr>
+          <p:cNvSpPr txBox="1"/>
+          <p:nvPr/>
+        </p:nvSpPr>
+        <p:spPr>
+          <a:xfrm>
+            <a:off x="1273888" y="1941149"/>
+            <a:ext cx="526106" cy="276999"/>
+          </a:xfrm>
+          <a:prstGeom prst="rect">
+            <a:avLst/>
+          </a:prstGeom>
+          <a:noFill/>
+        </p:spPr>
+        <p:txBody>
+          <a:bodyPr wrap="none" rtlCol="0">
+            <a:spAutoFit/>
+          </a:bodyPr>
+          <a:lstStyle/>
+          <a:p>
+            <a:r>
+              <a:rPr lang="en-US" sz="1200" dirty="0">
+                <a:solidFill>
+                  <a:schemeClr val="bg1"/>
+                </a:solidFill>
+                <a:latin typeface="SamsungOneKorean 700"/>
+                <a:ea typeface="Helvetica Neue" panose="02000503000000020004" pitchFamily="2" charset="0"/>
+                <a:cs typeface="Helvetica Neue" panose="02000503000000020004" pitchFamily="2" charset="0"/>
+              </a:rPr>
+              <a:t>CIAM</a:t>
+            </a:r>
+          </a:p>
+        </p:txBody>
+      </p:sp>
+      <p:sp>
+        <p:nvSpPr>
+          <p:cNvPr id="94" name="Up-down Arrow 1088">
+            <a:extLst>
+              <a:ext uri="{FF2B5EF4-FFF2-40B4-BE49-F238E27FC236}">
+                <a16:creationId xmlns:a16="http://schemas.microsoft.com/office/drawing/2014/main" id="{B7C3813F-81FB-5949-6FB7-D691DEAC6423}"/>
               </a:ext>
             </a:extLst>
           </p:cNvPr>
@@ -16342,7 +16679,7 @@
         </p:nvSpPr>
         <p:spPr>
           <a:xfrm rot="5400000">
-            <a:off x="2794239" y="2445619"/>
+            <a:off x="2794239" y="2119338"/>
             <a:ext cx="270686" cy="1193094"/>
           </a:xfrm>
           <a:prstGeom prst="upDownArrow">
@@ -16388,250 +16725,6 @@
       </p:sp>
       <p:sp>
         <p:nvSpPr>
-          <p:cNvPr id="90" name="Rounded Rectangle 2">
-            <a:extLst>
-              <a:ext uri="{FF2B5EF4-FFF2-40B4-BE49-F238E27FC236}">
-                <a16:creationId xmlns:a16="http://schemas.microsoft.com/office/drawing/2014/main" id="{B3B5D3C7-3D6B-1F74-18C9-9CEABC3FC12D}"/>
-              </a:ext>
-            </a:extLst>
-          </p:cNvPr>
-          <p:cNvSpPr/>
-          <p:nvPr/>
-        </p:nvSpPr>
-        <p:spPr>
-          <a:xfrm>
-            <a:off x="845733" y="2143462"/>
-            <a:ext cx="1455897" cy="584471"/>
-          </a:xfrm>
-          <a:prstGeom prst="roundRect">
-            <a:avLst/>
-          </a:prstGeom>
-        </p:spPr>
-        <p:style>
-          <a:lnRef idx="2">
-            <a:schemeClr val="accent1">
-              <a:shade val="15000"/>
-            </a:schemeClr>
-          </a:lnRef>
-          <a:fillRef idx="1">
-            <a:schemeClr val="accent1"/>
-          </a:fillRef>
-          <a:effectRef idx="0">
-            <a:schemeClr val="accent1"/>
-          </a:effectRef>
-          <a:fontRef idx="minor">
-            <a:schemeClr val="lt1"/>
-          </a:fontRef>
-        </p:style>
-        <p:txBody>
-          <a:bodyPr rtlCol="0" anchor="ctr"/>
-          <a:lstStyle/>
-          <a:p>
-            <a:pPr algn="ctr"/>
-            <a:endParaRPr lang="en-US" sz="1100" dirty="0">
-              <a:latin typeface="SamsungOneKorean 700"/>
-              <a:ea typeface="Helvetica Neue" panose="02000503000000020004" pitchFamily="2" charset="0"/>
-              <a:cs typeface="Helvetica Neue" panose="02000503000000020004" pitchFamily="2" charset="0"/>
-            </a:endParaRPr>
-          </a:p>
-        </p:txBody>
-      </p:sp>
-      <p:sp>
-        <p:nvSpPr>
-          <p:cNvPr id="91" name="TextBox 90">
-            <a:extLst>
-              <a:ext uri="{FF2B5EF4-FFF2-40B4-BE49-F238E27FC236}">
-                <a16:creationId xmlns:a16="http://schemas.microsoft.com/office/drawing/2014/main" id="{B77004B6-24E3-2A57-7C93-0469E4B87E3E}"/>
-              </a:ext>
-            </a:extLst>
-          </p:cNvPr>
-          <p:cNvSpPr txBox="1"/>
-          <p:nvPr/>
-        </p:nvSpPr>
-        <p:spPr>
-          <a:xfrm>
-            <a:off x="1242501" y="2297198"/>
-            <a:ext cx="623889" cy="276999"/>
-          </a:xfrm>
-          <a:prstGeom prst="rect">
-            <a:avLst/>
-          </a:prstGeom>
-          <a:noFill/>
-        </p:spPr>
-        <p:txBody>
-          <a:bodyPr wrap="none" rtlCol="0">
-            <a:spAutoFit/>
-          </a:bodyPr>
-          <a:lstStyle/>
-          <a:p>
-            <a:r>
-              <a:rPr lang="en-US" sz="1200" dirty="0">
-                <a:solidFill>
-                  <a:schemeClr val="bg1"/>
-                </a:solidFill>
-                <a:latin typeface="SamsungOneKorean 700"/>
-                <a:ea typeface="Helvetica Neue" panose="02000503000000020004" pitchFamily="2" charset="0"/>
-                <a:cs typeface="Helvetica Neue" panose="02000503000000020004" pitchFamily="2" charset="0"/>
-              </a:rPr>
-              <a:t>CMDM</a:t>
-            </a:r>
-          </a:p>
-        </p:txBody>
-      </p:sp>
-      <p:sp>
-        <p:nvSpPr>
-          <p:cNvPr id="92" name="Rounded Rectangle 2">
-            <a:extLst>
-              <a:ext uri="{FF2B5EF4-FFF2-40B4-BE49-F238E27FC236}">
-                <a16:creationId xmlns:a16="http://schemas.microsoft.com/office/drawing/2014/main" id="{E61D6B40-FEED-183E-54AF-FF6945617131}"/>
-              </a:ext>
-            </a:extLst>
-          </p:cNvPr>
-          <p:cNvSpPr/>
-          <p:nvPr/>
-        </p:nvSpPr>
-        <p:spPr>
-          <a:xfrm>
-            <a:off x="830633" y="1490233"/>
-            <a:ext cx="1455897" cy="584471"/>
-          </a:xfrm>
-          <a:prstGeom prst="roundRect">
-            <a:avLst/>
-          </a:prstGeom>
-        </p:spPr>
-        <p:style>
-          <a:lnRef idx="2">
-            <a:schemeClr val="accent1">
-              <a:shade val="15000"/>
-            </a:schemeClr>
-          </a:lnRef>
-          <a:fillRef idx="1">
-            <a:schemeClr val="accent1"/>
-          </a:fillRef>
-          <a:effectRef idx="0">
-            <a:schemeClr val="accent1"/>
-          </a:effectRef>
-          <a:fontRef idx="minor">
-            <a:schemeClr val="lt1"/>
-          </a:fontRef>
-        </p:style>
-        <p:txBody>
-          <a:bodyPr rtlCol="0" anchor="ctr"/>
-          <a:lstStyle/>
-          <a:p>
-            <a:pPr algn="ctr"/>
-            <a:endParaRPr lang="en-US" sz="1100" dirty="0">
-              <a:latin typeface="SamsungOneKorean 700"/>
-              <a:ea typeface="Helvetica Neue" panose="02000503000000020004" pitchFamily="2" charset="0"/>
-              <a:cs typeface="Helvetica Neue" panose="02000503000000020004" pitchFamily="2" charset="0"/>
-            </a:endParaRPr>
-          </a:p>
-        </p:txBody>
-      </p:sp>
-      <p:sp>
-        <p:nvSpPr>
-          <p:cNvPr id="93" name="TextBox 92">
-            <a:extLst>
-              <a:ext uri="{FF2B5EF4-FFF2-40B4-BE49-F238E27FC236}">
-                <a16:creationId xmlns:a16="http://schemas.microsoft.com/office/drawing/2014/main" id="{FA90BB8C-0EE1-8891-5F7A-3E74DD53C4DD}"/>
-              </a:ext>
-            </a:extLst>
-          </p:cNvPr>
-          <p:cNvSpPr txBox="1"/>
-          <p:nvPr/>
-        </p:nvSpPr>
-        <p:spPr>
-          <a:xfrm>
-            <a:off x="1273888" y="1643969"/>
-            <a:ext cx="526106" cy="276999"/>
-          </a:xfrm>
-          <a:prstGeom prst="rect">
-            <a:avLst/>
-          </a:prstGeom>
-          <a:noFill/>
-        </p:spPr>
-        <p:txBody>
-          <a:bodyPr wrap="none" rtlCol="0">
-            <a:spAutoFit/>
-          </a:bodyPr>
-          <a:lstStyle/>
-          <a:p>
-            <a:r>
-              <a:rPr lang="en-US" sz="1200" dirty="0">
-                <a:solidFill>
-                  <a:schemeClr val="bg1"/>
-                </a:solidFill>
-                <a:latin typeface="SamsungOneKorean 700"/>
-                <a:ea typeface="Helvetica Neue" panose="02000503000000020004" pitchFamily="2" charset="0"/>
-                <a:cs typeface="Helvetica Neue" panose="02000503000000020004" pitchFamily="2" charset="0"/>
-              </a:rPr>
-              <a:t>CIAM</a:t>
-            </a:r>
-          </a:p>
-        </p:txBody>
-      </p:sp>
-      <p:sp>
-        <p:nvSpPr>
-          <p:cNvPr id="94" name="Up-down Arrow 1088">
-            <a:extLst>
-              <a:ext uri="{FF2B5EF4-FFF2-40B4-BE49-F238E27FC236}">
-                <a16:creationId xmlns:a16="http://schemas.microsoft.com/office/drawing/2014/main" id="{B7C3813F-81FB-5949-6FB7-D691DEAC6423}"/>
-              </a:ext>
-            </a:extLst>
-          </p:cNvPr>
-          <p:cNvSpPr>
-            <a:spLocks/>
-          </p:cNvSpPr>
-          <p:nvPr/>
-        </p:nvSpPr>
-        <p:spPr>
-          <a:xfrm rot="5400000">
-            <a:off x="2794239" y="1822158"/>
-            <a:ext cx="270686" cy="1193094"/>
-          </a:xfrm>
-          <a:prstGeom prst="upDownArrow">
-            <a:avLst/>
-          </a:prstGeom>
-          <a:solidFill>
-            <a:schemeClr val="bg1">
-              <a:lumMod val="85000"/>
-            </a:schemeClr>
-          </a:solidFill>
-          <a:ln w="6350">
-            <a:solidFill>
-              <a:schemeClr val="tx1"/>
-            </a:solidFill>
-          </a:ln>
-        </p:spPr>
-        <p:style>
-          <a:lnRef idx="2">
-            <a:schemeClr val="accent1">
-              <a:shade val="15000"/>
-            </a:schemeClr>
-          </a:lnRef>
-          <a:fillRef idx="1">
-            <a:schemeClr val="accent1"/>
-          </a:fillRef>
-          <a:effectRef idx="0">
-            <a:schemeClr val="accent1"/>
-          </a:effectRef>
-          <a:fontRef idx="minor">
-            <a:schemeClr val="lt1"/>
-          </a:fontRef>
-        </p:style>
-        <p:txBody>
-          <a:bodyPr rtlCol="0" anchor="ctr"/>
-          <a:lstStyle/>
-          <a:p>
-            <a:pPr algn="ctr"/>
-            <a:endParaRPr lang="en-JP">
-              <a:latin typeface="SamsungOneKorean 700"/>
-            </a:endParaRPr>
-          </a:p>
-        </p:txBody>
-      </p:sp>
-      <p:sp>
-        <p:nvSpPr>
           <p:cNvPr id="97" name="Up-down Arrow 1088">
             <a:extLst>
               <a:ext uri="{FF2B5EF4-FFF2-40B4-BE49-F238E27FC236}">
@@ -16646,7 +16739,7 @@
         </p:nvSpPr>
         <p:spPr>
           <a:xfrm rot="5400000">
-            <a:off x="2794239" y="1198697"/>
+            <a:off x="2794239" y="1495877"/>
             <a:ext cx="270686" cy="1193094"/>
           </a:xfrm>
           <a:prstGeom prst="upDownArrow">
@@ -16725,7 +16818,7 @@
             <p:nvPr/>
           </p:nvPicPr>
           <p:blipFill>
-            <a:blip r:embed="rId10">
+            <a:blip r:embed="rId9">
               <a:extLst>
                 <a:ext uri="{28A0092B-C50C-407E-A947-70E740481C1C}">
                   <a14:useLocalDpi xmlns:a14="http://schemas.microsoft.com/office/drawing/2010/main" val="0"/>
@@ -18030,6 +18123,227 @@
           <a:effectLst/>
         </p:spPr>
       </p:cxnSp>
+      <p:sp>
+        <p:nvSpPr>
+          <p:cNvPr id="139" name="사각형: 둥근 모서리 138">
+            <a:extLst>
+              <a:ext uri="{FF2B5EF4-FFF2-40B4-BE49-F238E27FC236}">
+                <a16:creationId xmlns:a16="http://schemas.microsoft.com/office/drawing/2014/main" id="{9006E4D7-E81E-346C-244B-DA061E53B92D}"/>
+              </a:ext>
+            </a:extLst>
+          </p:cNvPr>
+          <p:cNvSpPr/>
+          <p:nvPr/>
+        </p:nvSpPr>
+        <p:spPr>
+          <a:xfrm>
+            <a:off x="8128510" y="1999859"/>
+            <a:ext cx="2275754" cy="1251948"/>
+          </a:xfrm>
+          <a:prstGeom prst="roundRect">
+            <a:avLst/>
+          </a:prstGeom>
+          <a:solidFill>
+            <a:schemeClr val="accent6">
+              <a:lumMod val="60000"/>
+              <a:lumOff val="40000"/>
+            </a:schemeClr>
+          </a:solidFill>
+          <a:ln>
+            <a:solidFill>
+              <a:schemeClr val="bg1">
+                <a:lumMod val="75000"/>
+              </a:schemeClr>
+            </a:solidFill>
+          </a:ln>
+        </p:spPr>
+        <p:style>
+          <a:lnRef idx="2">
+            <a:schemeClr val="accent1">
+              <a:shade val="50000"/>
+            </a:schemeClr>
+          </a:lnRef>
+          <a:fillRef idx="1">
+            <a:schemeClr val="accent1"/>
+          </a:fillRef>
+          <a:effectRef idx="0">
+            <a:schemeClr val="accent1"/>
+          </a:effectRef>
+          <a:fontRef idx="minor">
+            <a:schemeClr val="lt1"/>
+          </a:fontRef>
+        </p:style>
+        <p:txBody>
+          <a:bodyPr rtlCol="0" anchor="ctr"/>
+          <a:lstStyle>
+            <a:defPPr>
+              <a:defRPr lang="ko-KR"/>
+            </a:defPPr>
+            <a:lvl1pPr marL="0" algn="l" defTabSz="914400" rtl="0" eaLnBrk="1" latinLnBrk="1" hangingPunct="1">
+              <a:defRPr sz="1800" kern="1200">
+                <a:solidFill>
+                  <a:schemeClr val="lt1"/>
+                </a:solidFill>
+                <a:latin typeface="+mn-lt"/>
+                <a:ea typeface="+mn-ea"/>
+                <a:cs typeface="+mn-cs"/>
+              </a:defRPr>
+            </a:lvl1pPr>
+            <a:lvl2pPr marL="457200" algn="l" defTabSz="914400" rtl="0" eaLnBrk="1" latinLnBrk="1" hangingPunct="1">
+              <a:defRPr sz="1800" kern="1200">
+                <a:solidFill>
+                  <a:schemeClr val="lt1"/>
+                </a:solidFill>
+                <a:latin typeface="+mn-lt"/>
+                <a:ea typeface="+mn-ea"/>
+                <a:cs typeface="+mn-cs"/>
+              </a:defRPr>
+            </a:lvl2pPr>
+            <a:lvl3pPr marL="914400" algn="l" defTabSz="914400" rtl="0" eaLnBrk="1" latinLnBrk="1" hangingPunct="1">
+              <a:defRPr sz="1800" kern="1200">
+                <a:solidFill>
+                  <a:schemeClr val="lt1"/>
+                </a:solidFill>
+                <a:latin typeface="+mn-lt"/>
+                <a:ea typeface="+mn-ea"/>
+                <a:cs typeface="+mn-cs"/>
+              </a:defRPr>
+            </a:lvl3pPr>
+            <a:lvl4pPr marL="1371600" algn="l" defTabSz="914400" rtl="0" eaLnBrk="1" latinLnBrk="1" hangingPunct="1">
+              <a:defRPr sz="1800" kern="1200">
+                <a:solidFill>
+                  <a:schemeClr val="lt1"/>
+                </a:solidFill>
+                <a:latin typeface="+mn-lt"/>
+                <a:ea typeface="+mn-ea"/>
+                <a:cs typeface="+mn-cs"/>
+              </a:defRPr>
+            </a:lvl4pPr>
+            <a:lvl5pPr marL="1828800" algn="l" defTabSz="914400" rtl="0" eaLnBrk="1" latinLnBrk="1" hangingPunct="1">
+              <a:defRPr sz="1800" kern="1200">
+                <a:solidFill>
+                  <a:schemeClr val="lt1"/>
+                </a:solidFill>
+                <a:latin typeface="+mn-lt"/>
+                <a:ea typeface="+mn-ea"/>
+                <a:cs typeface="+mn-cs"/>
+              </a:defRPr>
+            </a:lvl5pPr>
+            <a:lvl6pPr marL="2286000" algn="l" defTabSz="914400" rtl="0" eaLnBrk="1" latinLnBrk="1" hangingPunct="1">
+              <a:defRPr sz="1800" kern="1200">
+                <a:solidFill>
+                  <a:schemeClr val="lt1"/>
+                </a:solidFill>
+                <a:latin typeface="+mn-lt"/>
+                <a:ea typeface="+mn-ea"/>
+                <a:cs typeface="+mn-cs"/>
+              </a:defRPr>
+            </a:lvl6pPr>
+            <a:lvl7pPr marL="2743200" algn="l" defTabSz="914400" rtl="0" eaLnBrk="1" latinLnBrk="1" hangingPunct="1">
+              <a:defRPr sz="1800" kern="1200">
+                <a:solidFill>
+                  <a:schemeClr val="lt1"/>
+                </a:solidFill>
+                <a:latin typeface="+mn-lt"/>
+                <a:ea typeface="+mn-ea"/>
+                <a:cs typeface="+mn-cs"/>
+              </a:defRPr>
+            </a:lvl7pPr>
+            <a:lvl8pPr marL="3200400" algn="l" defTabSz="914400" rtl="0" eaLnBrk="1" latinLnBrk="1" hangingPunct="1">
+              <a:defRPr sz="1800" kern="1200">
+                <a:solidFill>
+                  <a:schemeClr val="lt1"/>
+                </a:solidFill>
+                <a:latin typeface="+mn-lt"/>
+                <a:ea typeface="+mn-ea"/>
+                <a:cs typeface="+mn-cs"/>
+              </a:defRPr>
+            </a:lvl8pPr>
+            <a:lvl9pPr marL="3657600" algn="l" defTabSz="914400" rtl="0" eaLnBrk="1" latinLnBrk="1" hangingPunct="1">
+              <a:defRPr sz="1800" kern="1200">
+                <a:solidFill>
+                  <a:schemeClr val="lt1"/>
+                </a:solidFill>
+                <a:latin typeface="+mn-lt"/>
+                <a:ea typeface="+mn-ea"/>
+                <a:cs typeface="+mn-cs"/>
+              </a:defRPr>
+            </a:lvl9pPr>
+          </a:lstStyle>
+          <a:p>
+            <a:pPr algn="ctr"/>
+            <a:r>
+              <a:rPr lang="en-US" altLang="ko-KR" b="1" dirty="0">
+                <a:solidFill>
+                  <a:schemeClr val="bg1"/>
+                </a:solidFill>
+                <a:latin typeface="SamsungOneKorean 700"/>
+              </a:rPr>
+              <a:t>Hybris</a:t>
+            </a:r>
+          </a:p>
+        </p:txBody>
+      </p:sp>
+      <p:sp>
+        <p:nvSpPr>
+          <p:cNvPr id="143" name="Up-down Arrow 1088">
+            <a:extLst>
+              <a:ext uri="{FF2B5EF4-FFF2-40B4-BE49-F238E27FC236}">
+                <a16:creationId xmlns:a16="http://schemas.microsoft.com/office/drawing/2014/main" id="{F9DC13EE-AE45-B3EB-5555-8D4F56D4AB1C}"/>
+              </a:ext>
+            </a:extLst>
+          </p:cNvPr>
+          <p:cNvSpPr>
+            <a:spLocks/>
+          </p:cNvSpPr>
+          <p:nvPr/>
+        </p:nvSpPr>
+        <p:spPr>
+          <a:xfrm rot="5400000">
+            <a:off x="7403630" y="1970455"/>
+            <a:ext cx="270686" cy="1193094"/>
+          </a:xfrm>
+          <a:prstGeom prst="upDownArrow">
+            <a:avLst/>
+          </a:prstGeom>
+          <a:solidFill>
+            <a:schemeClr val="bg1">
+              <a:lumMod val="85000"/>
+            </a:schemeClr>
+          </a:solidFill>
+          <a:ln w="6350">
+            <a:solidFill>
+              <a:schemeClr val="tx1"/>
+            </a:solidFill>
+          </a:ln>
+        </p:spPr>
+        <p:style>
+          <a:lnRef idx="2">
+            <a:schemeClr val="accent1">
+              <a:shade val="15000"/>
+            </a:schemeClr>
+          </a:lnRef>
+          <a:fillRef idx="1">
+            <a:schemeClr val="accent1"/>
+          </a:fillRef>
+          <a:effectRef idx="0">
+            <a:schemeClr val="accent1"/>
+          </a:effectRef>
+          <a:fontRef idx="minor">
+            <a:schemeClr val="lt1"/>
+          </a:fontRef>
+        </p:style>
+        <p:txBody>
+          <a:bodyPr rtlCol="0" anchor="ctr"/>
+          <a:lstStyle/>
+          <a:p>
+            <a:pPr algn="ctr"/>
+            <a:endParaRPr lang="en-JP">
+              <a:latin typeface="SamsungOneKorean 700"/>
+            </a:endParaRPr>
+          </a:p>
+        </p:txBody>
+      </p:sp>
     </p:spTree>
     <p:extLst>
       <p:ext uri="{BB962C8B-B14F-4D97-AF65-F5344CB8AC3E}">

--- a/_ss/Define_Integration_Hub_Lib_Concept_20231204.pptx
+++ b/_ss/Define_Integration_Hub_Lib_Concept_20231204.pptx
@@ -6,15 +6,16 @@
     <p:sldMasterId id="2147483671" r:id="rId2"/>
   </p:sldMasterIdLst>
   <p:notesMasterIdLst>
-    <p:notesMasterId r:id="rId9"/>
+    <p:notesMasterId r:id="rId10"/>
   </p:notesMasterIdLst>
   <p:sldIdLst>
     <p:sldId id="2147477930" r:id="rId3"/>
     <p:sldId id="2147477933" r:id="rId4"/>
     <p:sldId id="2147477932" r:id="rId5"/>
     <p:sldId id="2147477927" r:id="rId6"/>
-    <p:sldId id="2147477866" r:id="rId7"/>
-    <p:sldId id="2147477867" r:id="rId8"/>
+    <p:sldId id="2147477934" r:id="rId7"/>
+    <p:sldId id="2147477866" r:id="rId8"/>
+    <p:sldId id="2147477867" r:id="rId9"/>
   </p:sldIdLst>
   <p:sldSz cx="12192000" cy="6858000"/>
   <p:notesSz cx="6858000" cy="9144000"/>
@@ -122,6 +123,7 @@
             <p14:sldId id="2147477933"/>
             <p14:sldId id="2147477932"/>
             <p14:sldId id="2147477927"/>
+            <p14:sldId id="2147477934"/>
           </p14:sldIdLst>
         </p14:section>
         <p14:section name="참고" id="{457D1991-EC88-4ADB-8469-A5EC40A4C538}">
@@ -608,7 +610,7 @@
                 <a:tabLst/>
                 <a:defRPr/>
               </a:pPr>
-              <a:t>6</a:t>
+              <a:t>7</a:t>
             </a:fld>
             <a:endParaRPr kumimoji="0" lang="ko-KR" altLang="en-US" sz="1200" b="0" i="0" u="none" strike="noStrike" kern="1200" cap="none" spc="0" normalizeH="0" baseline="0" noProof="0" dirty="0">
               <a:ln>
@@ -9198,7 +9200,7 @@
                 </a:solidFill>
                 <a:latin typeface="SamsungOneKorean 700"/>
               </a:rPr>
-              <a:t>개념 설명 </a:t>
+              <a:t>개념 설명</a:t>
             </a:r>
             <a:r>
               <a:rPr lang="en-US" altLang="ko-KR" sz="2200" b="1" dirty="0">
@@ -9207,8 +9209,23 @@
                 </a:solidFill>
                 <a:latin typeface="SamsungOneKorean 700"/>
               </a:rPr>
-              <a:t>#1</a:t>
-            </a:r>
+              <a:t> – Library </a:t>
+            </a:r>
+            <a:r>
+              <a:rPr lang="ko-KR" altLang="en-US" sz="2200" b="1" dirty="0">
+                <a:solidFill>
+                  <a:srgbClr val="7F7F7F"/>
+                </a:solidFill>
+                <a:latin typeface="SamsungOneKorean 700"/>
+              </a:rPr>
+              <a:t>배포 및 관리</a:t>
+            </a:r>
+            <a:endParaRPr lang="en-US" altLang="ko-KR" sz="2200" b="1" dirty="0">
+              <a:solidFill>
+                <a:srgbClr val="7F7F7F"/>
+              </a:solidFill>
+              <a:latin typeface="SamsungOneKorean 700"/>
+            </a:endParaRPr>
           </a:p>
         </p:txBody>
       </p:sp>
@@ -9493,7 +9510,7 @@
         </p:nvSpPr>
         <p:spPr bwMode="gray">
           <a:xfrm>
-            <a:off x="814012" y="5592595"/>
+            <a:off x="814012" y="5478295"/>
             <a:ext cx="2027297" cy="905518"/>
           </a:xfrm>
           <a:prstGeom prst="rect">
@@ -9680,7 +9697,7 @@
         </p:nvSpPr>
         <p:spPr>
           <a:xfrm>
-            <a:off x="2993709" y="5538565"/>
+            <a:off x="2993709" y="5424265"/>
             <a:ext cx="3881449" cy="800219"/>
           </a:xfrm>
           <a:prstGeom prst="rect">
@@ -9859,7 +9876,7 @@
         </p:nvSpPr>
         <p:spPr>
           <a:xfrm>
-            <a:off x="6920877" y="5538565"/>
+            <a:off x="6920877" y="5424265"/>
             <a:ext cx="4204323" cy="1215717"/>
           </a:xfrm>
           <a:prstGeom prst="rect">
@@ -17173,8 +17190,23 @@
                 </a:solidFill>
                 <a:latin typeface="SamsungOneKorean 700"/>
               </a:rPr>
-              <a:t>#2</a:t>
-            </a:r>
+              <a:t>– Hub</a:t>
+            </a:r>
+            <a:r>
+              <a:rPr lang="ko-KR" altLang="en-US" sz="2200" b="1" dirty="0">
+                <a:solidFill>
+                  <a:srgbClr val="7F7F7F"/>
+                </a:solidFill>
+                <a:latin typeface="SamsungOneKorean 700"/>
+              </a:rPr>
+              <a:t>를 이용한 통합 관리</a:t>
+            </a:r>
+            <a:endParaRPr lang="en-US" altLang="ko-KR" sz="2200" b="1" dirty="0">
+              <a:solidFill>
+                <a:srgbClr val="7F7F7F"/>
+              </a:solidFill>
+              <a:latin typeface="SamsungOneKorean 700"/>
+            </a:endParaRPr>
           </a:p>
         </p:txBody>
       </p:sp>
@@ -17441,7 +17473,7 @@
         </p:nvSpPr>
         <p:spPr bwMode="gray">
           <a:xfrm>
-            <a:off x="814012" y="5592595"/>
+            <a:off x="814012" y="5501155"/>
             <a:ext cx="2027297" cy="905518"/>
           </a:xfrm>
           <a:prstGeom prst="rect">
@@ -17573,55 +17605,16 @@
                 <a:uFillTx/>
                 <a:latin typeface="SamsungOneKorean 700"/>
               </a:rPr>
-              <a:t> 에 필요한 </a:t>
-            </a:r>
-            <a:endParaRPr kumimoji="0" lang="en-US" altLang="ko-KR" sz="1235" b="1" i="0" u="none" strike="noStrike" kern="0" cap="none" spc="0" normalizeH="0" baseline="0" noProof="0" dirty="0">
-              <a:ln>
-                <a:noFill/>
-              </a:ln>
-              <a:solidFill>
-                <a:srgbClr val="FFFFFF"/>
-              </a:solidFill>
-              <a:effectLst/>
-              <a:uLnTx/>
-              <a:uFillTx/>
-              <a:latin typeface="SamsungOneKorean 700"/>
-            </a:endParaRPr>
-          </a:p>
-          <a:p>
-            <a:pPr marL="0" marR="0" lvl="0" indent="0" algn="ctr" defTabSz="957769" rtl="0" eaLnBrk="1" fontAlgn="auto" latinLnBrk="0" hangingPunct="1">
-              <a:lnSpc>
-                <a:spcPct val="100000"/>
-              </a:lnSpc>
-              <a:spcBef>
-                <a:spcPct val="50000"/>
-              </a:spcBef>
-              <a:spcAft>
-                <a:spcPct val="0"/>
-              </a:spcAft>
-              <a:buClr>
-                <a:srgbClr val="AA9F98"/>
-              </a:buClr>
-              <a:buSzTx/>
-              <a:buFont typeface="Wingdings" pitchFamily="2" charset="2"/>
-              <a:buNone/>
-              <a:tabLst/>
-              <a:defRPr/>
-            </a:pPr>
-            <a:r>
-              <a:rPr kumimoji="0" lang="ko-KR" altLang="en-US" sz="1235" b="1" i="0" u="none" strike="noStrike" kern="0" cap="none" spc="0" normalizeH="0" baseline="0" noProof="0" dirty="0">
-                <a:ln>
-                  <a:noFill/>
-                </a:ln>
+              <a:t> </a:t>
+            </a:r>
+            <a:r>
+              <a:rPr lang="en-US" altLang="ko-KR" sz="1235" b="1" kern="0" dirty="0">
                 <a:solidFill>
                   <a:srgbClr val="FFFFFF"/>
                 </a:solidFill>
-                <a:effectLst/>
-                <a:uLnTx/>
-                <a:uFillTx/>
                 <a:latin typeface="SamsungOneKorean 700"/>
               </a:rPr>
-              <a:t>패턴 및 기능</a:t>
+              <a:t>Hub</a:t>
             </a:r>
             <a:r>
               <a:rPr lang="ko-KR" altLang="en-US" sz="1235" b="1" kern="0" dirty="0">
@@ -17630,7 +17623,7 @@
                 </a:solidFill>
                 <a:latin typeface="SamsungOneKorean 700"/>
               </a:rPr>
-              <a:t> 통합관리</a:t>
+              <a:t>를 이용한 통합관리</a:t>
             </a:r>
             <a:endParaRPr kumimoji="0" lang="en-GB" altLang="ko-KR" sz="1235" b="1" i="0" u="none" strike="noStrike" kern="0" cap="none" spc="0" normalizeH="0" baseline="0" noProof="0" dirty="0">
               <a:ln>
@@ -17661,8 +17654,8 @@
         </p:nvSpPr>
         <p:spPr>
           <a:xfrm>
-            <a:off x="2993709" y="5645245"/>
-            <a:ext cx="3029433" cy="800219"/>
+            <a:off x="2993709" y="5553805"/>
+            <a:ext cx="3696651" cy="800219"/>
           </a:xfrm>
           <a:prstGeom prst="rect">
             <a:avLst/>
@@ -17822,7 +17815,7 @@
                 </a:solidFill>
                 <a:latin typeface="SamsungOneKorean 700"/>
               </a:rPr>
-              <a:t>연계 로깅 통합 관리 </a:t>
+              <a:t>연계 관련 로깅 및 모니터링 통합 관리 </a:t>
             </a:r>
             <a:endParaRPr kumimoji="0" lang="ko-KR" altLang="en-US" sz="1200" b="1" i="0" u="none" strike="noStrike" kern="0" cap="none" spc="0" normalizeH="0" baseline="0" noProof="0" dirty="0">
               <a:ln>
@@ -17853,8 +17846,8 @@
         </p:nvSpPr>
         <p:spPr>
           <a:xfrm>
-            <a:off x="6097917" y="5645245"/>
-            <a:ext cx="3029433" cy="800219"/>
+            <a:off x="6745617" y="5553805"/>
+            <a:ext cx="4669143" cy="800219"/>
           </a:xfrm>
           <a:prstGeom prst="rect">
             <a:avLst/>
@@ -17936,7 +17929,7 @@
                 </a:solidFill>
                 <a:latin typeface="SamsungOneKorean 700"/>
               </a:rPr>
-              <a:t>연계 상호 </a:t>
+              <a:t>연계 시스템간 상호 </a:t>
             </a:r>
             <a:r>
               <a:rPr lang="ko-KR" altLang="en-US" sz="1200" b="1" kern="0" dirty="0" err="1">
@@ -18376,6 +18369,94 @@
       </p:grpSpPr>
       <p:sp>
         <p:nvSpPr>
+          <p:cNvPr id="257" name="직사각형 256">
+            <a:extLst>
+              <a:ext uri="{FF2B5EF4-FFF2-40B4-BE49-F238E27FC236}">
+                <a16:creationId xmlns:a16="http://schemas.microsoft.com/office/drawing/2014/main" id="{959133B4-EAAB-BC7C-9B82-CA43F277A453}"/>
+              </a:ext>
+            </a:extLst>
+          </p:cNvPr>
+          <p:cNvSpPr/>
+          <p:nvPr/>
+        </p:nvSpPr>
+        <p:spPr>
+          <a:xfrm>
+            <a:off x="2647937" y="1938228"/>
+            <a:ext cx="6871472" cy="3550157"/>
+          </a:xfrm>
+          <a:prstGeom prst="rect">
+            <a:avLst/>
+          </a:prstGeom>
+          <a:solidFill>
+            <a:schemeClr val="accent4">
+              <a:lumMod val="20000"/>
+              <a:lumOff val="80000"/>
+              <a:alpha val="15000"/>
+            </a:schemeClr>
+          </a:solidFill>
+          <a:ln w="25400">
+            <a:solidFill>
+              <a:schemeClr val="accent2"/>
+            </a:solidFill>
+            <a:prstDash val="dash"/>
+          </a:ln>
+        </p:spPr>
+        <p:style>
+          <a:lnRef idx="2">
+            <a:schemeClr val="accent1">
+              <a:shade val="50000"/>
+            </a:schemeClr>
+          </a:lnRef>
+          <a:fillRef idx="1">
+            <a:schemeClr val="accent1"/>
+          </a:fillRef>
+          <a:effectRef idx="0">
+            <a:schemeClr val="accent1"/>
+          </a:effectRef>
+          <a:fontRef idx="minor">
+            <a:schemeClr val="lt1"/>
+          </a:fontRef>
+        </p:style>
+        <p:txBody>
+          <a:bodyPr rtlCol="0" anchor="ctr"/>
+          <a:lstStyle/>
+          <a:p>
+            <a:pPr marL="0" marR="0" lvl="0" indent="0" algn="ctr" defTabSz="914400" rtl="0" eaLnBrk="1" fontAlgn="auto" latinLnBrk="1" hangingPunct="1">
+              <a:lnSpc>
+                <a:spcPct val="100000"/>
+              </a:lnSpc>
+              <a:spcBef>
+                <a:spcPts val="0"/>
+              </a:spcBef>
+              <a:spcAft>
+                <a:spcPts val="0"/>
+              </a:spcAft>
+              <a:buClrTx/>
+              <a:buSzTx/>
+              <a:buFontTx/>
+              <a:buNone/>
+              <a:tabLst/>
+              <a:defRPr/>
+            </a:pPr>
+            <a:endParaRPr kumimoji="0" lang="ko-KR" altLang="en-US" sz="1800" b="0" i="0" u="none" strike="noStrike" kern="1200" cap="none" spc="0" normalizeH="0" baseline="0" noProof="0">
+              <a:ln>
+                <a:noFill/>
+              </a:ln>
+              <a:solidFill>
+                <a:prstClr val="white"/>
+              </a:solidFill>
+              <a:effectLst/>
+              <a:uLnTx/>
+              <a:uFillTx/>
+              <a:latin typeface="+mj-ea"/>
+              <a:ea typeface="+mj-ea"/>
+              <a:cs typeface="+mn-cs"/>
+            </a:endParaRPr>
+          </a:p>
+        </p:txBody>
+      </p:sp>
+      <p:sp>
+        <p:nvSpPr>
           <p:cNvPr id="2" name="제목 1">
             <a:extLst>
               <a:ext uri="{FF2B5EF4-FFF2-40B4-BE49-F238E27FC236}">
@@ -18430,7 +18511,23 @@
                   <a:srgbClr val="7F7F7F"/>
                 </a:solidFill>
               </a:rPr>
-              <a:t> 및 처리 예시</a:t>
+              <a:t> 및 처리 </a:t>
+            </a:r>
+            <a:r>
+              <a:rPr lang="en-US" altLang="ko-KR" dirty="0">
+                <a:solidFill>
+                  <a:srgbClr val="7F7F7F"/>
+                </a:solidFill>
+              </a:rPr>
+              <a:t>– EIP</a:t>
+            </a:r>
+            <a:r>
+              <a:rPr lang="ko-KR" altLang="en-US" dirty="0">
+                <a:solidFill>
+                  <a:srgbClr val="7F7F7F"/>
+                </a:solidFill>
+              </a:rPr>
+              <a:t>를 이용한 패턴화</a:t>
             </a:r>
             <a:endParaRPr lang="en-US" altLang="ko-KR" dirty="0">
               <a:solidFill>
@@ -18546,6 +18643,22 @@
               <a:tabLst/>
               <a:defRPr/>
             </a:pPr>
+            <a:r>
+              <a:rPr kumimoji="0" lang="ko-KR" altLang="en-US" sz="1400" b="1" i="0" u="none" strike="noStrike" kern="1200" cap="none" spc="0" normalizeH="0" baseline="0" noProof="0" dirty="0">
+                <a:ln>
+                  <a:noFill/>
+                </a:ln>
+                <a:solidFill>
+                  <a:prstClr val="black"/>
+                </a:solidFill>
+                <a:effectLst/>
+                <a:uLnTx/>
+                <a:uFillTx/>
+                <a:latin typeface="+mj-ea"/>
+                <a:ea typeface="+mj-ea"/>
+              </a:rPr>
+              <a:t>일반적인 </a:t>
+            </a:r>
             <a:r>
               <a:rPr kumimoji="0" lang="en-US" altLang="ko-KR" sz="1400" b="1" i="0" u="none" strike="noStrike" kern="1200" cap="none" spc="0" normalizeH="0" baseline="0" noProof="0" dirty="0">
                 <a:ln>
@@ -18669,21 +18782,12 @@
           </a:bodyPr>
           <a:lstStyle/>
           <a:p>
-            <a:pPr marL="151200" marR="0" lvl="1" indent="-151200" algn="l" defTabSz="957769" rtl="0" eaLnBrk="1" fontAlgn="auto" latinLnBrk="0" hangingPunct="1">
-              <a:lnSpc>
-                <a:spcPct val="100000"/>
-              </a:lnSpc>
+            <a:pPr marL="151200" lvl="1" indent="-151200" defTabSz="957769" latinLnBrk="0">
               <a:spcBef>
                 <a:spcPts val="600"/>
               </a:spcBef>
-              <a:spcAft>
-                <a:spcPts val="0"/>
-              </a:spcAft>
-              <a:buClrTx/>
-              <a:buSzTx/>
               <a:buFont typeface="Arial" pitchFamily="34" charset="0"/>
               <a:buChar char="•"/>
-              <a:tabLst/>
               <a:defRPr/>
             </a:pPr>
             <a:r>
@@ -18774,10 +18878,21 @@
                 <a:cs typeface="+mn-cs"/>
                 <a:sym typeface="Wingdings" pitchFamily="2" charset="2"/>
               </a:rPr>
-              <a:t>를 사용하기 때문에 데이터베이스</a:t>
-            </a:r>
-            <a:r>
-              <a:rPr kumimoji="0" lang="en-US" altLang="ko-KR" sz="1200" b="1" i="0" u="none" strike="noStrike" kern="0" cap="none" spc="0" normalizeH="0" baseline="0" noProof="0" dirty="0">
+              <a:t>를 사용하여</a:t>
+            </a:r>
+            <a:r>
+              <a:rPr lang="en-US" altLang="ko-KR" sz="1200" b="1" kern="0" dirty="0">
+                <a:solidFill>
+                  <a:srgbClr val="000000"/>
+                </a:solidFill>
+                <a:latin typeface="+mj-ea"/>
+                <a:ea typeface="+mj-ea"/>
+                <a:sym typeface="Wingdings" pitchFamily="2" charset="2"/>
+              </a:rPr>
+              <a:t> </a:t>
+            </a:r>
+            <a:r>
+              <a:rPr kumimoji="0" lang="ko-KR" altLang="en-US" sz="1200" b="1" i="0" u="none" strike="noStrike" kern="0" cap="none" spc="0" normalizeH="0" baseline="0" noProof="0" dirty="0">
                 <a:ln>
                   <a:noFill/>
                 </a:ln>
@@ -18792,10 +18907,10 @@
                 <a:cs typeface="+mn-cs"/>
                 <a:sym typeface="Wingdings" pitchFamily="2" charset="2"/>
               </a:rPr>
-              <a:t>, </a:t>
-            </a:r>
-            <a:r>
-              <a:rPr kumimoji="0" lang="ko-KR" altLang="en-US" sz="1200" b="1" i="0" u="none" strike="noStrike" kern="0" cap="none" spc="0" normalizeH="0" baseline="0" noProof="0" dirty="0">
+              <a:t> 데이터베이스</a:t>
+            </a:r>
+            <a:r>
+              <a:rPr kumimoji="0" lang="en-US" altLang="ko-KR" sz="1200" b="1" i="0" u="none" strike="noStrike" kern="0" cap="none" spc="0" normalizeH="0" baseline="0" noProof="0" dirty="0">
                 <a:ln>
                   <a:noFill/>
                 </a:ln>
@@ -18810,10 +18925,10 @@
                 <a:cs typeface="+mn-cs"/>
                 <a:sym typeface="Wingdings" pitchFamily="2" charset="2"/>
               </a:rPr>
-              <a:t>메시지 큐</a:t>
-            </a:r>
-            <a:r>
-              <a:rPr kumimoji="0" lang="en-US" altLang="ko-KR" sz="1200" b="1" i="0" u="none" strike="noStrike" kern="0" cap="none" spc="0" normalizeH="0" baseline="0" noProof="0" dirty="0">
+              <a:t>, </a:t>
+            </a:r>
+            <a:r>
+              <a:rPr kumimoji="0" lang="ko-KR" altLang="en-US" sz="1200" b="1" i="0" u="none" strike="noStrike" kern="0" cap="none" spc="0" normalizeH="0" baseline="0" noProof="0" dirty="0">
                 <a:ln>
                   <a:noFill/>
                 </a:ln>
@@ -18828,10 +18943,10 @@
                 <a:cs typeface="+mn-cs"/>
                 <a:sym typeface="Wingdings" pitchFamily="2" charset="2"/>
               </a:rPr>
-              <a:t>, APIs, </a:t>
-            </a:r>
-            <a:r>
-              <a:rPr kumimoji="0" lang="ko-KR" altLang="en-US" sz="1200" b="1" i="0" u="none" strike="noStrike" kern="0" cap="none" spc="0" normalizeH="0" baseline="0" noProof="0" dirty="0">
+              <a:t>메시지 큐</a:t>
+            </a:r>
+            <a:r>
+              <a:rPr kumimoji="0" lang="en-US" altLang="ko-KR" sz="1200" b="1" i="0" u="none" strike="noStrike" kern="0" cap="none" spc="0" normalizeH="0" baseline="0" noProof="0" dirty="0">
                 <a:ln>
                   <a:noFill/>
                 </a:ln>
@@ -18846,7 +18961,90 @@
                 <a:cs typeface="+mn-cs"/>
                 <a:sym typeface="Wingdings" pitchFamily="2" charset="2"/>
               </a:rPr>
-              <a:t>클라우드 통합 등을 위한 컴포넌트 제공</a:t>
+              <a:t>, APIs, </a:t>
+            </a:r>
+            <a:r>
+              <a:rPr kumimoji="0" lang="ko-KR" altLang="en-US" sz="1200" b="1" i="0" u="none" strike="noStrike" kern="0" cap="none" spc="0" normalizeH="0" baseline="0" noProof="0" dirty="0">
+                <a:ln>
+                  <a:noFill/>
+                </a:ln>
+                <a:solidFill>
+                  <a:srgbClr val="000000"/>
+                </a:solidFill>
+                <a:effectLst/>
+                <a:uLnTx/>
+                <a:uFillTx/>
+                <a:latin typeface="+mj-ea"/>
+                <a:ea typeface="+mj-ea"/>
+                <a:cs typeface="+mn-cs"/>
+                <a:sym typeface="Wingdings" pitchFamily="2" charset="2"/>
+              </a:rPr>
+              <a:t>클라우드 통합 등을 위한 컴포넌트를 </a:t>
+            </a:r>
+            <a:r>
+              <a:rPr lang="ko-KR" altLang="en-US" sz="1200" b="1" kern="0" dirty="0">
+                <a:solidFill>
+                  <a:srgbClr val="000000"/>
+                </a:solidFill>
+                <a:latin typeface="+mj-ea"/>
+                <a:ea typeface="+mj-ea"/>
+                <a:sym typeface="Wingdings" pitchFamily="2" charset="2"/>
+              </a:rPr>
+              <a:t>이용한</a:t>
+            </a:r>
+            <a:r>
+              <a:rPr kumimoji="0" lang="ko-KR" altLang="en-US" sz="1200" b="1" i="0" u="none" strike="noStrike" kern="0" cap="none" spc="0" normalizeH="0" baseline="0" noProof="0" dirty="0">
+                <a:ln>
+                  <a:noFill/>
+                </a:ln>
+                <a:solidFill>
+                  <a:srgbClr val="000000"/>
+                </a:solidFill>
+                <a:effectLst/>
+                <a:uLnTx/>
+                <a:uFillTx/>
+                <a:latin typeface="+mj-ea"/>
+                <a:ea typeface="+mj-ea"/>
+                <a:cs typeface="+mn-cs"/>
+                <a:sym typeface="Wingdings" pitchFamily="2" charset="2"/>
+              </a:rPr>
+              <a:t> 패턴화</a:t>
+            </a:r>
+            <a:r>
+              <a:rPr kumimoji="0" lang="en-US" altLang="ko-KR" sz="1200" b="1" i="0" u="none" strike="noStrike" kern="0" cap="none" spc="0" normalizeH="0" baseline="0" noProof="0" dirty="0">
+                <a:ln>
+                  <a:noFill/>
+                </a:ln>
+                <a:solidFill>
+                  <a:srgbClr val="000000"/>
+                </a:solidFill>
+                <a:effectLst/>
+                <a:uLnTx/>
+                <a:uFillTx/>
+                <a:latin typeface="+mj-ea"/>
+                <a:ea typeface="+mj-ea"/>
+                <a:cs typeface="+mn-cs"/>
+                <a:sym typeface="Wingdings" pitchFamily="2" charset="2"/>
+              </a:rPr>
+              <a:t>.</a:t>
+            </a:r>
+            <a:r>
+              <a:rPr kumimoji="0" lang="ko-KR" altLang="en-US" sz="1200" b="1" i="0" u="none" strike="noStrike" kern="0" cap="none" spc="0" normalizeH="0" baseline="0" noProof="0" dirty="0">
+                <a:ln>
+                  <a:noFill/>
+                </a:ln>
+                <a:solidFill>
+                  <a:srgbClr val="000000"/>
+                </a:solidFill>
+                <a:effectLst/>
+                <a:uLnTx/>
+                <a:uFillTx/>
+                <a:latin typeface="+mj-ea"/>
+                <a:ea typeface="+mj-ea"/>
+                <a:cs typeface="+mn-cs"/>
+                <a:sym typeface="Wingdings" pitchFamily="2" charset="2"/>
+              </a:rPr>
+              <a:t> 다양한 시스템 및 데이터 소스와의 통합을 보다 간단하게 구현</a:t>
             </a:r>
             <a:endParaRPr kumimoji="0" lang="en-US" altLang="ko-KR" sz="1200" b="1" i="0" u="none" strike="noStrike" kern="0" cap="none" spc="0" normalizeH="0" baseline="0" noProof="0" dirty="0">
               <a:ln>
@@ -18882,24 +19080,6 @@
               <a:tabLst/>
               <a:defRPr/>
             </a:pPr>
-            <a:r>
-              <a:rPr kumimoji="0" lang="ko-KR" altLang="en-US" sz="1200" b="1" i="0" u="none" strike="noStrike" kern="0" cap="none" spc="0" normalizeH="0" baseline="0" noProof="0" dirty="0">
-                <a:ln>
-                  <a:noFill/>
-                </a:ln>
-                <a:solidFill>
-                  <a:srgbClr val="000000"/>
-                </a:solidFill>
-                <a:effectLst/>
-                <a:uLnTx/>
-                <a:uFillTx/>
-                <a:latin typeface="+mj-ea"/>
-                <a:ea typeface="+mj-ea"/>
-                <a:cs typeface="+mn-cs"/>
-                <a:sym typeface="Wingdings" pitchFamily="2" charset="2"/>
-              </a:rPr>
-              <a:t>많은 컴포넌트와 프로토콜을 지원하여 다양한 시스템 및 데이터 소스와의 통합을 간단하게 구현</a:t>
-            </a:r>
             <a:endParaRPr kumimoji="0" lang="en-US" altLang="ko-KR" sz="1200" b="1" i="0" u="none" strike="noStrike" kern="0" cap="none" spc="0" normalizeH="0" baseline="0" noProof="0" dirty="0">
               <a:ln>
                 <a:noFill/>
@@ -18996,7 +19176,7 @@
                 <a:latin typeface="+mj-ea"/>
                 <a:ea typeface="+mj-ea"/>
               </a:rPr>
-              <a:t>통합기능</a:t>
+              <a:t>패턴화</a:t>
             </a:r>
             <a:endParaRPr lang="en-US" altLang="ko-KR" b="1" kern="0" dirty="0">
               <a:solidFill>
@@ -21203,18 +21383,18 @@
               <a:defRPr/>
             </a:pPr>
             <a:r>
-              <a:rPr lang="en-US" altLang="ko-KR" sz="800">
+              <a:rPr lang="en-US" altLang="ko-KR" sz="800" dirty="0">
                 <a:latin typeface="+mj-ea"/>
                 <a:ea typeface="+mj-ea"/>
               </a:rPr>
               <a:t>KEY </a:t>
             </a:r>
             <a:r>
-              <a:rPr lang="ko-KR" altLang="en-US" sz="800" dirty="0" err="1">
+              <a:rPr lang="ko-KR" altLang="en-US" sz="800" dirty="0">
                 <a:latin typeface="+mj-ea"/>
                 <a:ea typeface="+mj-ea"/>
               </a:rPr>
-              <a:t>매칭</a:t>
+              <a:t>매칭 및 매핑</a:t>
             </a:r>
             <a:endParaRPr lang="en-US" altLang="ko-KR" sz="800" dirty="0">
               <a:latin typeface="+mj-ea"/>
@@ -22275,6 +22455,62 @@
           </a:p>
         </p:txBody>
       </p:sp>
+      <p:sp>
+        <p:nvSpPr>
+          <p:cNvPr id="124" name="직사각형 123">
+            <a:extLst>
+              <a:ext uri="{FF2B5EF4-FFF2-40B4-BE49-F238E27FC236}">
+                <a16:creationId xmlns:a16="http://schemas.microsoft.com/office/drawing/2014/main" id="{A43720E4-D6C4-F903-6231-97063949BCF7}"/>
+              </a:ext>
+            </a:extLst>
+          </p:cNvPr>
+          <p:cNvSpPr/>
+          <p:nvPr/>
+        </p:nvSpPr>
+        <p:spPr bwMode="auto">
+          <a:xfrm>
+            <a:off x="4293747" y="2854014"/>
+            <a:ext cx="1127428" cy="1104731"/>
+          </a:xfrm>
+          <a:prstGeom prst="rect">
+            <a:avLst/>
+          </a:prstGeom>
+          <a:solidFill>
+            <a:schemeClr val="tx2">
+              <a:lumMod val="40000"/>
+              <a:lumOff val="60000"/>
+              <a:alpha val="20000"/>
+            </a:schemeClr>
+          </a:solidFill>
+          <a:ln w="28575" algn="ctr">
+            <a:noFill/>
+            <a:miter lim="800000"/>
+            <a:headEnd/>
+            <a:tailEnd/>
+          </a:ln>
+        </p:spPr>
+        <p:txBody>
+          <a:bodyPr wrap="none" rtlCol="0" anchor="ctr"/>
+          <a:lstStyle/>
+          <a:p>
+            <a:pPr algn="ctr" fontAlgn="base">
+              <a:spcBef>
+                <a:spcPct val="0"/>
+              </a:spcBef>
+              <a:spcAft>
+                <a:spcPct val="0"/>
+              </a:spcAft>
+            </a:pPr>
+            <a:endParaRPr kumimoji="1" lang="ko-KR" altLang="en-US" sz="2400">
+              <a:solidFill>
+                <a:srgbClr val="000000"/>
+              </a:solidFill>
+              <a:latin typeface="+mj-ea"/>
+              <a:ea typeface="+mj-ea"/>
+            </a:endParaRPr>
+          </a:p>
+        </p:txBody>
+      </p:sp>
       <p:cxnSp>
         <p:nvCxnSpPr>
           <p:cNvPr id="122" name="AutoShape 73">
@@ -22372,62 +22608,6 @@
               </a:rPr>
               <a:t>Request Dispatcher</a:t>
             </a:r>
-          </a:p>
-        </p:txBody>
-      </p:sp>
-      <p:sp>
-        <p:nvSpPr>
-          <p:cNvPr id="124" name="직사각형 123">
-            <a:extLst>
-              <a:ext uri="{FF2B5EF4-FFF2-40B4-BE49-F238E27FC236}">
-                <a16:creationId xmlns:a16="http://schemas.microsoft.com/office/drawing/2014/main" id="{A43720E4-D6C4-F903-6231-97063949BCF7}"/>
-              </a:ext>
-            </a:extLst>
-          </p:cNvPr>
-          <p:cNvSpPr/>
-          <p:nvPr/>
-        </p:nvSpPr>
-        <p:spPr bwMode="auto">
-          <a:xfrm>
-            <a:off x="4293930" y="2770074"/>
-            <a:ext cx="1127428" cy="1104731"/>
-          </a:xfrm>
-          <a:prstGeom prst="rect">
-            <a:avLst/>
-          </a:prstGeom>
-          <a:solidFill>
-            <a:schemeClr val="tx2">
-              <a:lumMod val="40000"/>
-              <a:lumOff val="60000"/>
-              <a:alpha val="20000"/>
-            </a:schemeClr>
-          </a:solidFill>
-          <a:ln w="28575" algn="ctr">
-            <a:noFill/>
-            <a:miter lim="800000"/>
-            <a:headEnd/>
-            <a:tailEnd/>
-          </a:ln>
-        </p:spPr>
-        <p:txBody>
-          <a:bodyPr wrap="none" rtlCol="0" anchor="ctr"/>
-          <a:lstStyle/>
-          <a:p>
-            <a:pPr algn="ctr" fontAlgn="base">
-              <a:spcBef>
-                <a:spcPct val="0"/>
-              </a:spcBef>
-              <a:spcAft>
-                <a:spcPct val="0"/>
-              </a:spcAft>
-            </a:pPr>
-            <a:endParaRPr kumimoji="1" lang="ko-KR" altLang="en-US" sz="2400">
-              <a:solidFill>
-                <a:srgbClr val="000000"/>
-              </a:solidFill>
-              <a:latin typeface="+mj-ea"/>
-              <a:ea typeface="+mj-ea"/>
-            </a:endParaRPr>
           </a:p>
         </p:txBody>
       </p:sp>
@@ -25605,94 +25785,6 @@
       </p:grpSp>
       <p:sp>
         <p:nvSpPr>
-          <p:cNvPr id="257" name="직사각형 256">
-            <a:extLst>
-              <a:ext uri="{FF2B5EF4-FFF2-40B4-BE49-F238E27FC236}">
-                <a16:creationId xmlns:a16="http://schemas.microsoft.com/office/drawing/2014/main" id="{959133B4-EAAB-BC7C-9B82-CA43F277A453}"/>
-              </a:ext>
-            </a:extLst>
-          </p:cNvPr>
-          <p:cNvSpPr/>
-          <p:nvPr/>
-        </p:nvSpPr>
-        <p:spPr>
-          <a:xfrm>
-            <a:off x="2647937" y="1938228"/>
-            <a:ext cx="6871472" cy="3550157"/>
-          </a:xfrm>
-          <a:prstGeom prst="rect">
-            <a:avLst/>
-          </a:prstGeom>
-          <a:solidFill>
-            <a:schemeClr val="accent4">
-              <a:lumMod val="20000"/>
-              <a:lumOff val="80000"/>
-              <a:alpha val="15000"/>
-            </a:schemeClr>
-          </a:solidFill>
-          <a:ln w="25400">
-            <a:solidFill>
-              <a:schemeClr val="accent2"/>
-            </a:solidFill>
-            <a:prstDash val="dash"/>
-          </a:ln>
-        </p:spPr>
-        <p:style>
-          <a:lnRef idx="2">
-            <a:schemeClr val="accent1">
-              <a:shade val="50000"/>
-            </a:schemeClr>
-          </a:lnRef>
-          <a:fillRef idx="1">
-            <a:schemeClr val="accent1"/>
-          </a:fillRef>
-          <a:effectRef idx="0">
-            <a:schemeClr val="accent1"/>
-          </a:effectRef>
-          <a:fontRef idx="minor">
-            <a:schemeClr val="lt1"/>
-          </a:fontRef>
-        </p:style>
-        <p:txBody>
-          <a:bodyPr rtlCol="0" anchor="ctr"/>
-          <a:lstStyle/>
-          <a:p>
-            <a:pPr marL="0" marR="0" lvl="0" indent="0" algn="ctr" defTabSz="914400" rtl="0" eaLnBrk="1" fontAlgn="auto" latinLnBrk="1" hangingPunct="1">
-              <a:lnSpc>
-                <a:spcPct val="100000"/>
-              </a:lnSpc>
-              <a:spcBef>
-                <a:spcPts val="0"/>
-              </a:spcBef>
-              <a:spcAft>
-                <a:spcPts val="0"/>
-              </a:spcAft>
-              <a:buClrTx/>
-              <a:buSzTx/>
-              <a:buFontTx/>
-              <a:buNone/>
-              <a:tabLst/>
-              <a:defRPr/>
-            </a:pPr>
-            <a:endParaRPr kumimoji="0" lang="ko-KR" altLang="en-US" sz="1800" b="0" i="0" u="none" strike="noStrike" kern="1200" cap="none" spc="0" normalizeH="0" baseline="0" noProof="0">
-              <a:ln>
-                <a:noFill/>
-              </a:ln>
-              <a:solidFill>
-                <a:prstClr val="white"/>
-              </a:solidFill>
-              <a:effectLst/>
-              <a:uLnTx/>
-              <a:uFillTx/>
-              <a:latin typeface="+mj-ea"/>
-              <a:ea typeface="+mj-ea"/>
-              <a:cs typeface="+mn-cs"/>
-            </a:endParaRPr>
-          </a:p>
-        </p:txBody>
-      </p:sp>
-      <p:sp>
-        <p:nvSpPr>
           <p:cNvPr id="258" name="직사각형 257">
             <a:extLst>
               <a:ext uri="{FF2B5EF4-FFF2-40B4-BE49-F238E27FC236}">
@@ -25779,7 +25871,85 @@
                 <a:latin typeface="+mj-ea"/>
                 <a:ea typeface="+mj-ea"/>
               </a:rPr>
-              <a:t>솔루션을 이용한 서비스 구현</a:t>
+              <a:t>솔루션을 이용 </a:t>
+            </a:r>
+            <a:r>
+              <a:rPr lang="en-US" altLang="ko-KR" sz="1300" b="1" dirty="0">
+                <a:solidFill>
+                  <a:prstClr val="black">
+                    <a:lumMod val="85000"/>
+                    <a:lumOff val="15000"/>
+                  </a:prstClr>
+                </a:solidFill>
+                <a:latin typeface="+mj-ea"/>
+                <a:ea typeface="+mj-ea"/>
+              </a:rPr>
+              <a:t>Enterprise</a:t>
+            </a:r>
+            <a:r>
+              <a:rPr lang="ko-KR" altLang="en-US" sz="1300" b="1" dirty="0">
+                <a:solidFill>
+                  <a:prstClr val="black">
+                    <a:lumMod val="85000"/>
+                    <a:lumOff val="15000"/>
+                  </a:prstClr>
+                </a:solidFill>
+                <a:latin typeface="+mj-ea"/>
+                <a:ea typeface="+mj-ea"/>
+              </a:rPr>
+              <a:t> </a:t>
+            </a:r>
+            <a:r>
+              <a:rPr lang="en-US" altLang="ko-KR" sz="1300" b="1" dirty="0">
+                <a:solidFill>
+                  <a:prstClr val="black">
+                    <a:lumMod val="85000"/>
+                    <a:lumOff val="15000"/>
+                  </a:prstClr>
+                </a:solidFill>
+                <a:latin typeface="+mj-ea"/>
+                <a:ea typeface="+mj-ea"/>
+              </a:rPr>
+              <a:t>Integration</a:t>
+            </a:r>
+            <a:r>
+              <a:rPr lang="ko-KR" altLang="en-US" sz="1300" b="1" dirty="0">
+                <a:solidFill>
+                  <a:prstClr val="black">
+                    <a:lumMod val="85000"/>
+                    <a:lumOff val="15000"/>
+                  </a:prstClr>
+                </a:solidFill>
+                <a:latin typeface="+mj-ea"/>
+                <a:ea typeface="+mj-ea"/>
+              </a:rPr>
+              <a:t> </a:t>
+            </a:r>
+            <a:r>
+              <a:rPr lang="en-US" altLang="ko-KR" sz="1300" b="1" dirty="0">
+                <a:solidFill>
+                  <a:prstClr val="black">
+                    <a:lumMod val="85000"/>
+                    <a:lumOff val="15000"/>
+                  </a:prstClr>
+                </a:solidFill>
+                <a:latin typeface="+mj-ea"/>
+                <a:ea typeface="+mj-ea"/>
+              </a:rPr>
+              <a:t>Patterns </a:t>
+            </a:r>
+            <a:r>
+              <a:rPr lang="ko-KR" altLang="en-US" sz="1300" b="1" dirty="0">
+                <a:solidFill>
+                  <a:prstClr val="black">
+                    <a:lumMod val="85000"/>
+                    <a:lumOff val="15000"/>
+                  </a:prstClr>
+                </a:solidFill>
+                <a:latin typeface="+mj-ea"/>
+                <a:ea typeface="+mj-ea"/>
+              </a:rPr>
+              <a:t>패턴화</a:t>
             </a:r>
             <a:endParaRPr lang="en-US" altLang="ko-KR" sz="1300" b="1" dirty="0">
               <a:solidFill>
@@ -25853,7 +26023,7 @@
                 <a:ea typeface="+mj-ea"/>
                 <a:sym typeface="Wingdings" pitchFamily="2" charset="2"/>
               </a:rPr>
-              <a:t>코드 변경 없이도 규칙 및 라우팅 수정 가능하여 유지 보수 과정을 간소화</a:t>
+              <a:t>패턴화에 따라 코드 변경 없이 규칙 및 라우팅 수정 가능하여 유지 보수 과정 간소화</a:t>
             </a:r>
             <a:r>
               <a:rPr kumimoji="0" lang="en-US" altLang="ko-KR" sz="1200" b="1" i="0" u="none" strike="noStrike" kern="0" cap="none" spc="0" normalizeH="0" baseline="0" noProof="0" dirty="0">
@@ -26104,7 +26274,7 @@
                 </a:solidFill>
                 <a:latin typeface="+mj-lt"/>
               </a:rPr>
-              <a:t>4. Apache Camel </a:t>
+              <a:t>4. EIP</a:t>
             </a:r>
             <a:r>
               <a:rPr lang="ko-KR" altLang="en-US" dirty="0">
@@ -26113,7 +26283,52 @@
                 </a:solidFill>
                 <a:latin typeface="+mj-lt"/>
               </a:rPr>
-              <a:t>아키텍처</a:t>
+              <a:t>기반 검증된</a:t>
+            </a:r>
+            <a:r>
+              <a:rPr lang="en-US" altLang="ko-KR" dirty="0">
+                <a:solidFill>
+                  <a:srgbClr val="7F7F7F"/>
+                </a:solidFill>
+                <a:latin typeface="+mj-lt"/>
+              </a:rPr>
+              <a:t> </a:t>
+            </a:r>
+            <a:r>
+              <a:rPr lang="en-US" altLang="ko-KR" dirty="0" err="1">
+                <a:solidFill>
+                  <a:srgbClr val="7F7F7F"/>
+                </a:solidFill>
+                <a:latin typeface="+mj-lt"/>
+              </a:rPr>
+              <a:t>OpenSoure</a:t>
+            </a:r>
+            <a:r>
+              <a:rPr lang="en-US" altLang="ko-KR" dirty="0">
+                <a:solidFill>
+                  <a:srgbClr val="7F7F7F"/>
+                </a:solidFill>
+                <a:latin typeface="+mj-lt"/>
+              </a:rPr>
+              <a:t> </a:t>
+            </a:r>
+            <a:r>
+              <a:rPr lang="ko-KR" altLang="en-US" dirty="0">
+                <a:solidFill>
+                  <a:srgbClr val="7F7F7F"/>
+                </a:solidFill>
+                <a:latin typeface="+mj-lt"/>
+              </a:rPr>
+              <a:t>사용</a:t>
+            </a:r>
+            <a:r>
+              <a:rPr lang="en-US" altLang="ko-KR" dirty="0">
+                <a:solidFill>
+                  <a:srgbClr val="7F7F7F"/>
+                </a:solidFill>
+                <a:latin typeface="+mj-lt"/>
+              </a:rPr>
+              <a:t> – Apache Camel</a:t>
             </a:r>
             <a:endParaRPr lang="en-US" altLang="ko-KR" dirty="0">
               <a:solidFill>
@@ -31994,6 +32209,4482 @@
 </file>
 
 <file path=ppt/slides/slide5.xml><?xml version="1.0" encoding="utf-8"?>
+<p:sld xmlns:a="http://schemas.openxmlformats.org/drawingml/2006/main" xmlns:r="http://schemas.openxmlformats.org/officeDocument/2006/relationships" xmlns:p="http://schemas.openxmlformats.org/presentationml/2006/main">
+  <p:cSld>
+    <p:spTree>
+      <p:nvGrpSpPr>
+        <p:cNvPr id="1" name=""/>
+        <p:cNvGrpSpPr/>
+        <p:nvPr/>
+      </p:nvGrpSpPr>
+      <p:grpSpPr>
+        <a:xfrm>
+          <a:off x="0" y="0"/>
+          <a:ext cx="0" cy="0"/>
+          <a:chOff x="0" y="0"/>
+          <a:chExt cx="0" cy="0"/>
+        </a:xfrm>
+      </p:grpSpPr>
+      <p:graphicFrame>
+        <p:nvGraphicFramePr>
+          <p:cNvPr id="2" name="표 1">
+            <a:extLst>
+              <a:ext uri="{FF2B5EF4-FFF2-40B4-BE49-F238E27FC236}">
+                <a16:creationId xmlns:a16="http://schemas.microsoft.com/office/drawing/2014/main" id="{6BBBCF99-2229-6BE4-2CA5-EDB7787A500F}"/>
+              </a:ext>
+            </a:extLst>
+          </p:cNvPr>
+          <p:cNvGraphicFramePr>
+            <a:graphicFrameLocks noGrp="1"/>
+          </p:cNvGraphicFramePr>
+          <p:nvPr>
+            <p:extLst>
+              <p:ext uri="{D42A27DB-BD31-4B8C-83A1-F6EECF244321}">
+                <p14:modId xmlns:p14="http://schemas.microsoft.com/office/powerpoint/2010/main" val="1958142731"/>
+              </p:ext>
+            </p:extLst>
+          </p:nvPr>
+        </p:nvGraphicFramePr>
+        <p:xfrm>
+          <a:off x="1082040" y="1912861"/>
+          <a:ext cx="9945624" cy="3561858"/>
+        </p:xfrm>
+        <a:graphic>
+          <a:graphicData uri="http://schemas.openxmlformats.org/drawingml/2006/table">
+            <a:tbl>
+              <a:tblPr firstRow="1" bandRow="1">
+                <a:tableStyleId>{073A0DAA-6AF3-43AB-8588-CEC1D06C72B9}</a:tableStyleId>
+              </a:tblPr>
+              <a:tblGrid>
+                <a:gridCol w="823669">
+                  <a:extLst>
+                    <a:ext uri="{9D8B030D-6E8A-4147-A177-3AD203B41FA5}">
+                      <a16:colId xmlns:a16="http://schemas.microsoft.com/office/drawing/2014/main" val="20000"/>
+                    </a:ext>
+                  </a:extLst>
+                </a:gridCol>
+                <a:gridCol w="968892">
+                  <a:extLst>
+                    <a:ext uri="{9D8B030D-6E8A-4147-A177-3AD203B41FA5}">
+                      <a16:colId xmlns:a16="http://schemas.microsoft.com/office/drawing/2014/main" val="20001"/>
+                    </a:ext>
+                  </a:extLst>
+                </a:gridCol>
+                <a:gridCol w="8153063">
+                  <a:extLst>
+                    <a:ext uri="{9D8B030D-6E8A-4147-A177-3AD203B41FA5}">
+                      <a16:colId xmlns:a16="http://schemas.microsoft.com/office/drawing/2014/main" val="20005"/>
+                    </a:ext>
+                  </a:extLst>
+                </a:gridCol>
+              </a:tblGrid>
+              <a:tr h="410178">
+                <a:tc>
+                  <a:txBody>
+                    <a:bodyPr/>
+                    <a:lstStyle/>
+                    <a:p>
+                      <a:pPr algn="ctr" latinLnBrk="1"/>
+                      <a:r>
+                        <a:rPr lang="ko-KR" altLang="en-US" sz="1000">
+                          <a:latin typeface="+mn-ea"/>
+                          <a:ea typeface="+mn-ea"/>
+                        </a:rPr>
+                        <a:t>구분</a:t>
+                      </a:r>
+                    </a:p>
+                  </a:txBody>
+                  <a:tcPr marL="0" marR="0" anchor="ctr">
+                    <a:lnL w="12700" cap="flat" cmpd="sng" algn="ctr">
+                      <a:solidFill>
+                        <a:schemeClr val="tx1"/>
+                      </a:solidFill>
+                      <a:prstDash val="solid"/>
+                      <a:round/>
+                      <a:headEnd type="none" w="med" len="med"/>
+                      <a:tailEnd type="none" w="med" len="med"/>
+                    </a:lnL>
+                    <a:lnR w="12700" cap="flat" cmpd="sng" algn="ctr">
+                      <a:solidFill>
+                        <a:schemeClr val="bg1"/>
+                      </a:solidFill>
+                      <a:prstDash val="solid"/>
+                      <a:round/>
+                      <a:headEnd type="none" w="med" len="med"/>
+                      <a:tailEnd type="none" w="med" len="med"/>
+                    </a:lnR>
+                    <a:lnT w="12700" cap="flat" cmpd="sng" algn="ctr">
+                      <a:solidFill>
+                        <a:schemeClr val="tx1"/>
+                      </a:solidFill>
+                      <a:prstDash val="solid"/>
+                      <a:round/>
+                      <a:headEnd type="none" w="med" len="med"/>
+                      <a:tailEnd type="none" w="med" len="med"/>
+                    </a:lnT>
+                    <a:lnB w="12700" cap="flat" cmpd="sng" algn="ctr">
+                      <a:solidFill>
+                        <a:schemeClr val="tx1"/>
+                      </a:solidFill>
+                      <a:prstDash val="solid"/>
+                      <a:round/>
+                      <a:headEnd type="none" w="med" len="med"/>
+                      <a:tailEnd type="none" w="med" len="med"/>
+                    </a:lnB>
+                    <a:solidFill>
+                      <a:schemeClr val="tx1">
+                        <a:lumMod val="50000"/>
+                        <a:lumOff val="50000"/>
+                      </a:schemeClr>
+                    </a:solidFill>
+                  </a:tcPr>
+                </a:tc>
+                <a:tc>
+                  <a:txBody>
+                    <a:bodyPr/>
+                    <a:lstStyle/>
+                    <a:p>
+                      <a:pPr algn="ctr" latinLnBrk="1"/>
+                      <a:r>
+                        <a:rPr lang="ko-KR" altLang="en-US" sz="1000" dirty="0"/>
+                        <a:t>일정 </a:t>
+                      </a:r>
+                      <a:r>
+                        <a:rPr lang="en-US" altLang="ko-KR" sz="1000" dirty="0"/>
+                        <a:t>(12</a:t>
+                      </a:r>
+                      <a:r>
+                        <a:rPr lang="ko-KR" altLang="en-US" sz="1000" dirty="0"/>
+                        <a:t>월</a:t>
+                      </a:r>
+                      <a:r>
+                        <a:rPr lang="en-US" altLang="ko-KR" sz="1000" dirty="0"/>
+                        <a:t>)</a:t>
+                      </a:r>
+                      <a:endParaRPr lang="ko-KR" altLang="en-US" sz="1000" dirty="0">
+                        <a:latin typeface="+mn-ea"/>
+                        <a:ea typeface="+mn-ea"/>
+                      </a:endParaRPr>
+                    </a:p>
+                  </a:txBody>
+                  <a:tcPr marL="0" marR="0" anchor="ctr">
+                    <a:lnL w="12700" cap="flat" cmpd="sng" algn="ctr">
+                      <a:solidFill>
+                        <a:schemeClr val="bg1"/>
+                      </a:solidFill>
+                      <a:prstDash val="solid"/>
+                      <a:round/>
+                      <a:headEnd type="none" w="med" len="med"/>
+                      <a:tailEnd type="none" w="med" len="med"/>
+                    </a:lnL>
+                    <a:lnR w="12700" cap="flat" cmpd="sng" algn="ctr">
+                      <a:solidFill>
+                        <a:schemeClr val="bg1"/>
+                      </a:solidFill>
+                      <a:prstDash val="solid"/>
+                      <a:round/>
+                      <a:headEnd type="none" w="med" len="med"/>
+                      <a:tailEnd type="none" w="med" len="med"/>
+                    </a:lnR>
+                    <a:lnT w="12700" cap="flat" cmpd="sng" algn="ctr">
+                      <a:solidFill>
+                        <a:schemeClr val="tx1"/>
+                      </a:solidFill>
+                      <a:prstDash val="solid"/>
+                      <a:round/>
+                      <a:headEnd type="none" w="med" len="med"/>
+                      <a:tailEnd type="none" w="med" len="med"/>
+                    </a:lnT>
+                    <a:lnB w="12700" cap="flat" cmpd="sng" algn="ctr">
+                      <a:solidFill>
+                        <a:schemeClr val="tx1"/>
+                      </a:solidFill>
+                      <a:prstDash val="solid"/>
+                      <a:round/>
+                      <a:headEnd type="none" w="med" len="med"/>
+                      <a:tailEnd type="none" w="med" len="med"/>
+                    </a:lnB>
+                    <a:solidFill>
+                      <a:schemeClr val="tx1">
+                        <a:lumMod val="50000"/>
+                        <a:lumOff val="50000"/>
+                      </a:schemeClr>
+                    </a:solidFill>
+                  </a:tcPr>
+                </a:tc>
+                <a:tc>
+                  <a:txBody>
+                    <a:bodyPr/>
+                    <a:lstStyle/>
+                    <a:p>
+                      <a:pPr algn="ctr" latinLnBrk="1"/>
+                      <a:endParaRPr lang="ko-KR" altLang="en-US" sz="1000" dirty="0">
+                        <a:solidFill>
+                          <a:schemeClr val="bg1"/>
+                        </a:solidFill>
+                        <a:latin typeface="+mn-ea"/>
+                        <a:ea typeface="+mn-ea"/>
+                      </a:endParaRPr>
+                    </a:p>
+                  </a:txBody>
+                  <a:tcPr marL="0" marR="0" anchor="ctr">
+                    <a:lnL w="12700" cap="flat" cmpd="sng" algn="ctr">
+                      <a:solidFill>
+                        <a:schemeClr val="bg1"/>
+                      </a:solidFill>
+                      <a:prstDash val="solid"/>
+                      <a:round/>
+                      <a:headEnd type="none" w="med" len="med"/>
+                      <a:tailEnd type="none" w="med" len="med"/>
+                    </a:lnL>
+                    <a:lnR w="12700" cap="flat" cmpd="sng" algn="ctr">
+                      <a:solidFill>
+                        <a:schemeClr val="tx1"/>
+                      </a:solidFill>
+                      <a:prstDash val="solid"/>
+                      <a:round/>
+                      <a:headEnd type="none" w="med" len="med"/>
+                      <a:tailEnd type="none" w="med" len="med"/>
+                    </a:lnR>
+                    <a:lnT w="12700" cap="flat" cmpd="sng" algn="ctr">
+                      <a:solidFill>
+                        <a:schemeClr val="tx1"/>
+                      </a:solidFill>
+                      <a:prstDash val="solid"/>
+                      <a:round/>
+                      <a:headEnd type="none" w="med" len="med"/>
+                      <a:tailEnd type="none" w="med" len="med"/>
+                    </a:lnT>
+                    <a:lnB w="12700" cap="flat" cmpd="sng" algn="ctr">
+                      <a:solidFill>
+                        <a:schemeClr val="tx1"/>
+                      </a:solidFill>
+                      <a:prstDash val="solid"/>
+                      <a:round/>
+                      <a:headEnd type="none" w="med" len="med"/>
+                      <a:tailEnd type="none" w="med" len="med"/>
+                    </a:lnB>
+                    <a:solidFill>
+                      <a:schemeClr val="tx1">
+                        <a:lumMod val="50000"/>
+                        <a:lumOff val="50000"/>
+                      </a:schemeClr>
+                    </a:solidFill>
+                  </a:tcPr>
+                </a:tc>
+                <a:extLst>
+                  <a:ext uri="{0D108BD9-81ED-4DB2-BD59-A6C34878D82A}">
+                    <a16:rowId xmlns:a16="http://schemas.microsoft.com/office/drawing/2014/main" val="10000"/>
+                  </a:ext>
+                </a:extLst>
+              </a:tr>
+              <a:tr h="813149">
+                <a:tc rowSpan="4">
+                  <a:txBody>
+                    <a:bodyPr/>
+                    <a:lstStyle/>
+                    <a:p>
+                      <a:pPr algn="ctr" latinLnBrk="1"/>
+                      <a:r>
+                        <a:rPr lang="en-US" altLang="ko-KR" sz="1000" b="0" i="0" dirty="0">
+                          <a:latin typeface="+mn-ea"/>
+                          <a:ea typeface="+mn-ea"/>
+                        </a:rPr>
+                        <a:t>Integration</a:t>
+                      </a:r>
+                      <a:r>
+                        <a:rPr lang="ko-KR" altLang="en-US" sz="1000" b="0" i="0" dirty="0">
+                          <a:latin typeface="+mn-ea"/>
+                          <a:ea typeface="+mn-ea"/>
+                        </a:rPr>
+                        <a:t> </a:t>
+                      </a:r>
+                      <a:r>
+                        <a:rPr lang="en-US" altLang="ko-KR" sz="1000" b="0" i="0" dirty="0">
+                          <a:latin typeface="+mn-ea"/>
+                          <a:ea typeface="+mn-ea"/>
+                        </a:rPr>
+                        <a:t>Hub Lib. </a:t>
+                      </a:r>
+                    </a:p>
+                    <a:p>
+                      <a:pPr algn="ctr" latinLnBrk="1"/>
+                      <a:r>
+                        <a:rPr lang="ko-KR" altLang="en-US" sz="1000" b="0" i="0" dirty="0">
+                          <a:latin typeface="+mn-ea"/>
+                          <a:ea typeface="+mn-ea"/>
+                        </a:rPr>
+                        <a:t>사양서 작성</a:t>
+                      </a:r>
+                      <a:r>
+                        <a:rPr lang="en-US" altLang="ko-KR" sz="1000" b="0" i="0" dirty="0">
+                          <a:latin typeface="+mn-ea"/>
+                          <a:ea typeface="+mn-ea"/>
+                        </a:rPr>
+                        <a:t> </a:t>
+                      </a:r>
+                    </a:p>
+                    <a:p>
+                      <a:pPr algn="ctr" latinLnBrk="1"/>
+                      <a:r>
+                        <a:rPr lang="ko-KR" altLang="en-US" sz="1000" b="0" i="0" dirty="0">
+                          <a:latin typeface="+mn-ea"/>
+                          <a:ea typeface="+mn-ea"/>
+                        </a:rPr>
+                        <a:t>및 설계</a:t>
+                      </a:r>
+                      <a:endParaRPr lang="en-US" altLang="ko-KR" sz="1000" b="0" i="0" dirty="0">
+                        <a:latin typeface="+mn-ea"/>
+                        <a:ea typeface="+mn-ea"/>
+                      </a:endParaRPr>
+                    </a:p>
+                  </a:txBody>
+                  <a:tcPr marL="0" marR="0" anchor="ctr">
+                    <a:lnL w="12700" cap="flat" cmpd="sng" algn="ctr">
+                      <a:solidFill>
+                        <a:schemeClr val="tx1"/>
+                      </a:solidFill>
+                      <a:prstDash val="solid"/>
+                      <a:round/>
+                      <a:headEnd type="none" w="med" len="med"/>
+                      <a:tailEnd type="none" w="med" len="med"/>
+                    </a:lnL>
+                    <a:lnR w="12700" cap="flat" cmpd="sng" algn="ctr">
+                      <a:solidFill>
+                        <a:schemeClr val="tx1"/>
+                      </a:solidFill>
+                      <a:prstDash val="solid"/>
+                      <a:round/>
+                      <a:headEnd type="none" w="med" len="med"/>
+                      <a:tailEnd type="none" w="med" len="med"/>
+                    </a:lnR>
+                    <a:lnT w="12700" cap="flat" cmpd="sng" algn="ctr">
+                      <a:solidFill>
+                        <a:schemeClr val="tx1"/>
+                      </a:solidFill>
+                      <a:prstDash val="solid"/>
+                      <a:round/>
+                      <a:headEnd type="none" w="med" len="med"/>
+                      <a:tailEnd type="none" w="med" len="med"/>
+                    </a:lnT>
+                    <a:lnB w="12700" cap="flat" cmpd="sng" algn="ctr">
+                      <a:solidFill>
+                        <a:schemeClr val="tx1"/>
+                      </a:solidFill>
+                      <a:prstDash val="solid"/>
+                      <a:round/>
+                      <a:headEnd type="none" w="med" len="med"/>
+                      <a:tailEnd type="none" w="med" len="med"/>
+                    </a:lnB>
+                    <a:solidFill>
+                      <a:schemeClr val="bg1">
+                        <a:lumMod val="95000"/>
+                      </a:schemeClr>
+                    </a:solidFill>
+                  </a:tcPr>
+                </a:tc>
+                <a:tc rowSpan="2">
+                  <a:txBody>
+                    <a:bodyPr/>
+                    <a:lstStyle/>
+                    <a:p>
+                      <a:pPr algn="ctr" latinLnBrk="1"/>
+                      <a:r>
+                        <a:rPr lang="en-US" altLang="ko-KR" sz="1000" b="0" i="0" dirty="0">
+                          <a:latin typeface="+mn-ea"/>
+                          <a:ea typeface="+mn-ea"/>
+                        </a:rPr>
+                        <a:t>Integration</a:t>
+                      </a:r>
+                      <a:r>
+                        <a:rPr lang="ko-KR" altLang="en-US" sz="1000" b="0" i="0" dirty="0">
+                          <a:latin typeface="+mn-ea"/>
+                          <a:ea typeface="+mn-ea"/>
+                        </a:rPr>
+                        <a:t> </a:t>
+                      </a:r>
+                      <a:r>
+                        <a:rPr lang="en-US" altLang="ko-KR" sz="1000" b="0" i="0" dirty="0">
+                          <a:latin typeface="+mn-ea"/>
+                          <a:ea typeface="+mn-ea"/>
+                        </a:rPr>
+                        <a:t>Hub</a:t>
+                      </a:r>
+                      <a:r>
+                        <a:rPr lang="ko-KR" altLang="en-US" sz="1000" b="0" i="0" dirty="0">
+                          <a:latin typeface="+mn-ea"/>
+                          <a:ea typeface="+mn-ea"/>
+                        </a:rPr>
+                        <a:t> </a:t>
+                      </a:r>
+                      <a:r>
+                        <a:rPr lang="en-US" altLang="ko-KR" sz="1000" b="0" i="0" dirty="0">
+                          <a:latin typeface="+mn-ea"/>
+                          <a:ea typeface="+mn-ea"/>
+                        </a:rPr>
+                        <a:t>Lib.</a:t>
+                      </a:r>
+                      <a:r>
+                        <a:rPr lang="ko-KR" altLang="en-US" sz="1000" b="0" i="0" dirty="0">
+                          <a:latin typeface="+mn-ea"/>
+                          <a:ea typeface="+mn-ea"/>
+                        </a:rPr>
+                        <a:t> </a:t>
+                      </a:r>
+                      <a:r>
+                        <a:rPr lang="en-US" altLang="ko-KR" sz="1000" b="0" i="0" dirty="0">
+                          <a:latin typeface="+mn-ea"/>
+                          <a:ea typeface="+mn-ea"/>
+                        </a:rPr>
+                        <a:t>POC</a:t>
+                      </a:r>
+                      <a:r>
+                        <a:rPr lang="ko-KR" altLang="en-US" sz="1000" b="0" i="0" dirty="0">
+                          <a:latin typeface="+mn-ea"/>
+                          <a:ea typeface="+mn-ea"/>
+                        </a:rPr>
+                        <a:t> 개발</a:t>
+                      </a:r>
+                      <a:endParaRPr lang="en-US" altLang="ko-KR" sz="1000" b="0" i="0" dirty="0">
+                        <a:latin typeface="+mn-ea"/>
+                        <a:ea typeface="+mn-ea"/>
+                      </a:endParaRPr>
+                    </a:p>
+                  </a:txBody>
+                  <a:tcPr marL="0" marR="0" anchor="ctr">
+                    <a:lnL w="12700" cap="flat" cmpd="sng" algn="ctr">
+                      <a:solidFill>
+                        <a:schemeClr val="tx1"/>
+                      </a:solidFill>
+                      <a:prstDash val="solid"/>
+                      <a:round/>
+                      <a:headEnd type="none" w="med" len="med"/>
+                      <a:tailEnd type="none" w="med" len="med"/>
+                    </a:lnL>
+                    <a:lnR w="12700" cap="flat" cmpd="sng" algn="ctr">
+                      <a:solidFill>
+                        <a:schemeClr val="tx1"/>
+                      </a:solidFill>
+                      <a:prstDash val="solid"/>
+                      <a:round/>
+                      <a:headEnd type="none" w="med" len="med"/>
+                      <a:tailEnd type="none" w="med" len="med"/>
+                    </a:lnR>
+                    <a:lnT w="12700" cap="flat" cmpd="sng" algn="ctr">
+                      <a:solidFill>
+                        <a:schemeClr val="tx1"/>
+                      </a:solidFill>
+                      <a:prstDash val="solid"/>
+                      <a:round/>
+                      <a:headEnd type="none" w="med" len="med"/>
+                      <a:tailEnd type="none" w="med" len="med"/>
+                    </a:lnT>
+                    <a:lnB w="12700" cap="flat" cmpd="sng" algn="ctr">
+                      <a:solidFill>
+                        <a:schemeClr val="tx1"/>
+                      </a:solidFill>
+                      <a:prstDash val="solid"/>
+                      <a:round/>
+                      <a:headEnd type="none" w="med" len="med"/>
+                      <a:tailEnd type="none" w="med" len="med"/>
+                    </a:lnB>
+                    <a:solidFill>
+                      <a:schemeClr val="bg1">
+                        <a:lumMod val="95000"/>
+                      </a:schemeClr>
+                    </a:solidFill>
+                  </a:tcPr>
+                </a:tc>
+                <a:tc>
+                  <a:txBody>
+                    <a:bodyPr/>
+                    <a:lstStyle/>
+                    <a:p>
+                      <a:pPr latinLnBrk="1"/>
+                      <a:endParaRPr lang="ko-KR" altLang="en-US" sz="1000" dirty="0"/>
+                    </a:p>
+                  </a:txBody>
+                  <a:tcPr marL="0" marR="0" anchor="ctr">
+                    <a:lnL w="12700" cap="flat" cmpd="sng" algn="ctr">
+                      <a:solidFill>
+                        <a:schemeClr val="tx1"/>
+                      </a:solidFill>
+                      <a:prstDash val="solid"/>
+                      <a:round/>
+                      <a:headEnd type="none" w="med" len="med"/>
+                      <a:tailEnd type="none" w="med" len="med"/>
+                    </a:lnL>
+                    <a:lnR w="12700" cap="flat" cmpd="sng" algn="ctr">
+                      <a:solidFill>
+                        <a:schemeClr val="tx1"/>
+                      </a:solidFill>
+                      <a:prstDash val="solid"/>
+                      <a:round/>
+                      <a:headEnd type="none" w="med" len="med"/>
+                      <a:tailEnd type="none" w="med" len="med"/>
+                    </a:lnR>
+                    <a:lnT w="12700" cap="flat" cmpd="sng" algn="ctr">
+                      <a:solidFill>
+                        <a:schemeClr val="tx1"/>
+                      </a:solidFill>
+                      <a:prstDash val="solid"/>
+                      <a:round/>
+                      <a:headEnd type="none" w="med" len="med"/>
+                      <a:tailEnd type="none" w="med" len="med"/>
+                    </a:lnT>
+                    <a:lnB w="12700" cap="flat" cmpd="sng" algn="ctr">
+                      <a:solidFill>
+                        <a:schemeClr val="bg1">
+                          <a:lumMod val="85000"/>
+                        </a:schemeClr>
+                      </a:solidFill>
+                      <a:prstDash val="solid"/>
+                      <a:round/>
+                      <a:headEnd type="none" w="med" len="med"/>
+                      <a:tailEnd type="none" w="med" len="med"/>
+                    </a:lnB>
+                    <a:solidFill>
+                      <a:schemeClr val="bg1">
+                        <a:lumMod val="95000"/>
+                      </a:schemeClr>
+                    </a:solidFill>
+                  </a:tcPr>
+                </a:tc>
+                <a:extLst>
+                  <a:ext uri="{0D108BD9-81ED-4DB2-BD59-A6C34878D82A}">
+                    <a16:rowId xmlns:a16="http://schemas.microsoft.com/office/drawing/2014/main" val="10001"/>
+                  </a:ext>
+                </a:extLst>
+              </a:tr>
+              <a:tr h="760109">
+                <a:tc vMerge="1">
+                  <a:txBody>
+                    <a:bodyPr/>
+                    <a:lstStyle/>
+                    <a:p>
+                      <a:pPr algn="ctr" latinLnBrk="1"/>
+                      <a:endParaRPr lang="ko-KR" altLang="en-US" sz="1000" b="0" i="0">
+                        <a:latin typeface="+mn-ea"/>
+                        <a:ea typeface="+mn-ea"/>
+                      </a:endParaRPr>
+                    </a:p>
+                  </a:txBody>
+                  <a:tcPr marL="0" marR="0" anchor="ctr">
+                    <a:solidFill>
+                      <a:schemeClr val="bg1">
+                        <a:lumMod val="95000"/>
+                      </a:schemeClr>
+                    </a:solidFill>
+                  </a:tcPr>
+                </a:tc>
+                <a:tc vMerge="1">
+                  <a:txBody>
+                    <a:bodyPr/>
+                    <a:lstStyle/>
+                    <a:p>
+                      <a:pPr algn="ctr" latinLnBrk="1"/>
+                      <a:r>
+                        <a:rPr lang="en-US" altLang="ko-KR" sz="1000" b="0" i="0" dirty="0">
+                          <a:latin typeface="+mn-ea"/>
+                          <a:ea typeface="+mn-ea"/>
+                        </a:rPr>
+                        <a:t>POC</a:t>
+                      </a:r>
+                      <a:r>
+                        <a:rPr lang="ko-KR" altLang="en-US" sz="1000" b="0" i="0" dirty="0">
+                          <a:latin typeface="+mn-ea"/>
+                          <a:ea typeface="+mn-ea"/>
+                        </a:rPr>
+                        <a:t> 개발</a:t>
+                      </a:r>
+                      <a:endParaRPr lang="en-US" altLang="ko-KR" sz="1000" b="0" i="0" dirty="0">
+                        <a:latin typeface="+mn-ea"/>
+                        <a:ea typeface="+mn-ea"/>
+                      </a:endParaRPr>
+                    </a:p>
+                  </a:txBody>
+                  <a:tcPr marL="0" marR="0" anchor="ctr">
+                    <a:lnL w="12700" cap="flat" cmpd="sng" algn="ctr">
+                      <a:solidFill>
+                        <a:schemeClr val="tx1"/>
+                      </a:solidFill>
+                      <a:prstDash val="solid"/>
+                      <a:round/>
+                      <a:headEnd type="none" w="med" len="med"/>
+                      <a:tailEnd type="none" w="med" len="med"/>
+                    </a:lnL>
+                    <a:lnR w="12700" cap="flat" cmpd="sng" algn="ctr">
+                      <a:solidFill>
+                        <a:schemeClr val="tx1"/>
+                      </a:solidFill>
+                      <a:prstDash val="solid"/>
+                      <a:round/>
+                      <a:headEnd type="none" w="med" len="med"/>
+                      <a:tailEnd type="none" w="med" len="med"/>
+                    </a:lnR>
+                    <a:lnT w="12700" cap="flat" cmpd="sng" algn="ctr">
+                      <a:solidFill>
+                        <a:schemeClr val="tx1"/>
+                      </a:solidFill>
+                      <a:prstDash val="solid"/>
+                      <a:round/>
+                      <a:headEnd type="none" w="med" len="med"/>
+                      <a:tailEnd type="none" w="med" len="med"/>
+                    </a:lnT>
+                    <a:lnB w="12700" cap="flat" cmpd="sng" algn="ctr">
+                      <a:solidFill>
+                        <a:schemeClr val="tx1"/>
+                      </a:solidFill>
+                      <a:prstDash val="solid"/>
+                      <a:round/>
+                      <a:headEnd type="none" w="med" len="med"/>
+                      <a:tailEnd type="none" w="med" len="med"/>
+                    </a:lnB>
+                    <a:solidFill>
+                      <a:schemeClr val="bg1">
+                        <a:lumMod val="95000"/>
+                      </a:schemeClr>
+                    </a:solidFill>
+                  </a:tcPr>
+                </a:tc>
+                <a:tc>
+                  <a:txBody>
+                    <a:bodyPr/>
+                    <a:lstStyle/>
+                    <a:p>
+                      <a:pPr latinLnBrk="1"/>
+                      <a:endParaRPr lang="ko-KR" altLang="en-US" sz="1000" dirty="0"/>
+                    </a:p>
+                  </a:txBody>
+                  <a:tcPr marL="0" marR="0" anchor="ctr">
+                    <a:lnL w="12700" cap="flat" cmpd="sng" algn="ctr">
+                      <a:solidFill>
+                        <a:schemeClr val="tx1"/>
+                      </a:solidFill>
+                      <a:prstDash val="solid"/>
+                      <a:round/>
+                      <a:headEnd type="none" w="med" len="med"/>
+                      <a:tailEnd type="none" w="med" len="med"/>
+                    </a:lnL>
+                    <a:lnR w="12700" cap="flat" cmpd="sng" algn="ctr">
+                      <a:solidFill>
+                        <a:schemeClr val="tx1"/>
+                      </a:solidFill>
+                      <a:prstDash val="solid"/>
+                      <a:round/>
+                      <a:headEnd type="none" w="med" len="med"/>
+                      <a:tailEnd type="none" w="med" len="med"/>
+                    </a:lnR>
+                    <a:lnT w="12700" cap="flat" cmpd="sng" algn="ctr">
+                      <a:solidFill>
+                        <a:schemeClr val="bg1">
+                          <a:lumMod val="85000"/>
+                        </a:schemeClr>
+                      </a:solidFill>
+                      <a:prstDash val="solid"/>
+                      <a:round/>
+                      <a:headEnd type="none" w="med" len="med"/>
+                      <a:tailEnd type="none" w="med" len="med"/>
+                    </a:lnT>
+                    <a:lnB w="12700" cap="flat" cmpd="sng" algn="ctr">
+                      <a:solidFill>
+                        <a:schemeClr val="bg1">
+                          <a:lumMod val="85000"/>
+                        </a:schemeClr>
+                      </a:solidFill>
+                      <a:prstDash val="solid"/>
+                      <a:round/>
+                      <a:headEnd type="none" w="med" len="med"/>
+                      <a:tailEnd type="none" w="med" len="med"/>
+                    </a:lnB>
+                    <a:solidFill>
+                      <a:schemeClr val="bg1">
+                        <a:lumMod val="95000"/>
+                      </a:schemeClr>
+                    </a:solidFill>
+                  </a:tcPr>
+                </a:tc>
+                <a:extLst>
+                  <a:ext uri="{0D108BD9-81ED-4DB2-BD59-A6C34878D82A}">
+                    <a16:rowId xmlns:a16="http://schemas.microsoft.com/office/drawing/2014/main" val="10002"/>
+                  </a:ext>
+                </a:extLst>
+              </a:tr>
+              <a:tr h="789211">
+                <a:tc vMerge="1">
+                  <a:txBody>
+                    <a:bodyPr/>
+                    <a:lstStyle/>
+                    <a:p>
+                      <a:pPr latinLnBrk="1"/>
+                      <a:endParaRPr lang="ko-KR" altLang="en-US"/>
+                    </a:p>
+                  </a:txBody>
+                  <a:tcPr/>
+                </a:tc>
+                <a:tc rowSpan="2">
+                  <a:txBody>
+                    <a:bodyPr/>
+                    <a:lstStyle/>
+                    <a:p>
+                      <a:pPr algn="ctr" latinLnBrk="1"/>
+                      <a:r>
+                        <a:rPr lang="en-US" altLang="ko-KR" sz="1000" b="0" i="0" dirty="0">
+                          <a:latin typeface="+mn-ea"/>
+                          <a:ea typeface="+mn-ea"/>
+                        </a:rPr>
+                        <a:t>Integration Hub Lib. </a:t>
+                      </a:r>
+                      <a:r>
+                        <a:rPr lang="ko-KR" altLang="en-US" sz="1000" b="0" i="0" dirty="0">
+                          <a:latin typeface="+mn-ea"/>
+                          <a:ea typeface="+mn-ea"/>
+                        </a:rPr>
+                        <a:t>설계</a:t>
+                      </a:r>
+                    </a:p>
+                  </a:txBody>
+                  <a:tcPr marL="0" marR="0" anchor="ctr">
+                    <a:lnL w="12700" cap="flat" cmpd="sng" algn="ctr">
+                      <a:solidFill>
+                        <a:schemeClr val="tx1"/>
+                      </a:solidFill>
+                      <a:prstDash val="solid"/>
+                      <a:round/>
+                      <a:headEnd type="none" w="med" len="med"/>
+                      <a:tailEnd type="none" w="med" len="med"/>
+                    </a:lnL>
+                    <a:lnR w="12700" cap="flat" cmpd="sng" algn="ctr">
+                      <a:solidFill>
+                        <a:schemeClr val="tx1"/>
+                      </a:solidFill>
+                      <a:prstDash val="solid"/>
+                      <a:round/>
+                      <a:headEnd type="none" w="med" len="med"/>
+                      <a:tailEnd type="none" w="med" len="med"/>
+                    </a:lnR>
+                    <a:lnT w="12700" cap="flat" cmpd="sng" algn="ctr">
+                      <a:solidFill>
+                        <a:schemeClr val="tx1"/>
+                      </a:solidFill>
+                      <a:prstDash val="solid"/>
+                      <a:round/>
+                      <a:headEnd type="none" w="med" len="med"/>
+                      <a:tailEnd type="none" w="med" len="med"/>
+                    </a:lnT>
+                    <a:lnB w="12700" cap="flat" cmpd="sng" algn="ctr">
+                      <a:solidFill>
+                        <a:schemeClr val="tx1"/>
+                      </a:solidFill>
+                      <a:prstDash val="solid"/>
+                      <a:round/>
+                      <a:headEnd type="none" w="med" len="med"/>
+                      <a:tailEnd type="none" w="med" len="med"/>
+                    </a:lnB>
+                    <a:solidFill>
+                      <a:schemeClr val="bg1">
+                        <a:lumMod val="95000"/>
+                      </a:schemeClr>
+                    </a:solidFill>
+                  </a:tcPr>
+                </a:tc>
+                <a:tc>
+                  <a:txBody>
+                    <a:bodyPr/>
+                    <a:lstStyle/>
+                    <a:p>
+                      <a:pPr latinLnBrk="1"/>
+                      <a:endParaRPr lang="ko-KR" altLang="en-US" sz="1000" dirty="0"/>
+                    </a:p>
+                  </a:txBody>
+                  <a:tcPr marL="0" marR="0" anchor="ctr">
+                    <a:lnL w="12700" cap="flat" cmpd="sng" algn="ctr">
+                      <a:solidFill>
+                        <a:schemeClr val="tx1"/>
+                      </a:solidFill>
+                      <a:prstDash val="solid"/>
+                      <a:round/>
+                      <a:headEnd type="none" w="med" len="med"/>
+                      <a:tailEnd type="none" w="med" len="med"/>
+                    </a:lnL>
+                    <a:lnR w="12700" cap="flat" cmpd="sng" algn="ctr">
+                      <a:solidFill>
+                        <a:schemeClr val="tx1"/>
+                      </a:solidFill>
+                      <a:prstDash val="solid"/>
+                      <a:round/>
+                      <a:headEnd type="none" w="med" len="med"/>
+                      <a:tailEnd type="none" w="med" len="med"/>
+                    </a:lnR>
+                    <a:lnT w="12700" cap="flat" cmpd="sng" algn="ctr">
+                      <a:solidFill>
+                        <a:schemeClr val="bg1">
+                          <a:lumMod val="85000"/>
+                        </a:schemeClr>
+                      </a:solidFill>
+                      <a:prstDash val="solid"/>
+                      <a:round/>
+                      <a:headEnd type="none" w="med" len="med"/>
+                      <a:tailEnd type="none" w="med" len="med"/>
+                    </a:lnT>
+                    <a:lnB w="12700" cap="flat" cmpd="sng" algn="ctr">
+                      <a:solidFill>
+                        <a:schemeClr val="bg1">
+                          <a:lumMod val="85000"/>
+                        </a:schemeClr>
+                      </a:solidFill>
+                      <a:prstDash val="solid"/>
+                      <a:round/>
+                      <a:headEnd type="none" w="med" len="med"/>
+                      <a:tailEnd type="none" w="med" len="med"/>
+                    </a:lnB>
+                    <a:solidFill>
+                      <a:schemeClr val="bg1">
+                        <a:lumMod val="95000"/>
+                      </a:schemeClr>
+                    </a:solidFill>
+                  </a:tcPr>
+                </a:tc>
+                <a:extLst>
+                  <a:ext uri="{0D108BD9-81ED-4DB2-BD59-A6C34878D82A}">
+                    <a16:rowId xmlns:a16="http://schemas.microsoft.com/office/drawing/2014/main" val="1756556013"/>
+                  </a:ext>
+                </a:extLst>
+              </a:tr>
+              <a:tr h="789211">
+                <a:tc vMerge="1">
+                  <a:txBody>
+                    <a:bodyPr/>
+                    <a:lstStyle/>
+                    <a:p>
+                      <a:pPr algn="ctr" latinLnBrk="1"/>
+                      <a:endParaRPr lang="ko-KR" altLang="en-US" sz="1000" b="0" i="0">
+                        <a:latin typeface="+mn-ea"/>
+                        <a:ea typeface="+mn-ea"/>
+                      </a:endParaRPr>
+                    </a:p>
+                  </a:txBody>
+                  <a:tcPr marL="0" marR="0" anchor="ctr">
+                    <a:solidFill>
+                      <a:schemeClr val="bg1">
+                        <a:lumMod val="95000"/>
+                      </a:schemeClr>
+                    </a:solidFill>
+                  </a:tcPr>
+                </a:tc>
+                <a:tc vMerge="1">
+                  <a:txBody>
+                    <a:bodyPr/>
+                    <a:lstStyle/>
+                    <a:p>
+                      <a:pPr algn="ctr" latinLnBrk="1"/>
+                      <a:r>
+                        <a:rPr lang="ko-KR" altLang="en-US" sz="1000" b="0" i="0" dirty="0">
+                          <a:latin typeface="+mn-ea"/>
+                          <a:ea typeface="+mn-ea"/>
+                        </a:rPr>
+                        <a:t>개발일정</a:t>
+                      </a:r>
+                      <a:endParaRPr lang="en-US" altLang="ko-KR" sz="1000" b="0" i="0" dirty="0">
+                        <a:latin typeface="+mn-ea"/>
+                        <a:ea typeface="+mn-ea"/>
+                      </a:endParaRPr>
+                    </a:p>
+                    <a:p>
+                      <a:pPr algn="ctr" latinLnBrk="1"/>
+                      <a:r>
+                        <a:rPr lang="ko-KR" altLang="en-US" sz="1000" b="0" i="0" dirty="0">
+                          <a:latin typeface="+mn-ea"/>
+                          <a:ea typeface="+mn-ea"/>
+                        </a:rPr>
+                        <a:t>상세화</a:t>
+                      </a:r>
+                    </a:p>
+                  </a:txBody>
+                  <a:tcPr marL="0" marR="0" anchor="ctr">
+                    <a:lnL w="12700" cap="flat" cmpd="sng" algn="ctr">
+                      <a:solidFill>
+                        <a:schemeClr val="tx1"/>
+                      </a:solidFill>
+                      <a:prstDash val="solid"/>
+                      <a:round/>
+                      <a:headEnd type="none" w="med" len="med"/>
+                      <a:tailEnd type="none" w="med" len="med"/>
+                    </a:lnL>
+                    <a:lnR w="12700" cap="flat" cmpd="sng" algn="ctr">
+                      <a:solidFill>
+                        <a:schemeClr val="tx1"/>
+                      </a:solidFill>
+                      <a:prstDash val="solid"/>
+                      <a:round/>
+                      <a:headEnd type="none" w="med" len="med"/>
+                      <a:tailEnd type="none" w="med" len="med"/>
+                    </a:lnR>
+                    <a:lnT w="12700" cap="flat" cmpd="sng" algn="ctr">
+                      <a:solidFill>
+                        <a:schemeClr val="tx1"/>
+                      </a:solidFill>
+                      <a:prstDash val="solid"/>
+                      <a:round/>
+                      <a:headEnd type="none" w="med" len="med"/>
+                      <a:tailEnd type="none" w="med" len="med"/>
+                    </a:lnT>
+                    <a:lnB w="12700" cap="flat" cmpd="sng" algn="ctr">
+                      <a:solidFill>
+                        <a:schemeClr val="tx1"/>
+                      </a:solidFill>
+                      <a:prstDash val="solid"/>
+                      <a:round/>
+                      <a:headEnd type="none" w="med" len="med"/>
+                      <a:tailEnd type="none" w="med" len="med"/>
+                    </a:lnB>
+                    <a:solidFill>
+                      <a:schemeClr val="bg1">
+                        <a:lumMod val="95000"/>
+                      </a:schemeClr>
+                    </a:solidFill>
+                  </a:tcPr>
+                </a:tc>
+                <a:tc>
+                  <a:txBody>
+                    <a:bodyPr/>
+                    <a:lstStyle/>
+                    <a:p>
+                      <a:pPr latinLnBrk="1"/>
+                      <a:endParaRPr lang="ko-KR" altLang="en-US" sz="1000" dirty="0"/>
+                    </a:p>
+                  </a:txBody>
+                  <a:tcPr marL="0" marR="0" anchor="ctr">
+                    <a:lnL w="12700" cap="flat" cmpd="sng" algn="ctr">
+                      <a:solidFill>
+                        <a:schemeClr val="tx1"/>
+                      </a:solidFill>
+                      <a:prstDash val="solid"/>
+                      <a:round/>
+                      <a:headEnd type="none" w="med" len="med"/>
+                      <a:tailEnd type="none" w="med" len="med"/>
+                    </a:lnL>
+                    <a:lnR w="12700" cap="flat" cmpd="sng" algn="ctr">
+                      <a:solidFill>
+                        <a:schemeClr val="tx1"/>
+                      </a:solidFill>
+                      <a:prstDash val="solid"/>
+                      <a:round/>
+                      <a:headEnd type="none" w="med" len="med"/>
+                      <a:tailEnd type="none" w="med" len="med"/>
+                    </a:lnR>
+                    <a:lnT w="12700" cap="flat" cmpd="sng" algn="ctr">
+                      <a:solidFill>
+                        <a:schemeClr val="bg1">
+                          <a:lumMod val="85000"/>
+                        </a:schemeClr>
+                      </a:solidFill>
+                      <a:prstDash val="solid"/>
+                      <a:round/>
+                      <a:headEnd type="none" w="med" len="med"/>
+                      <a:tailEnd type="none" w="med" len="med"/>
+                    </a:lnT>
+                    <a:lnB w="12700" cap="flat" cmpd="sng" algn="ctr">
+                      <a:solidFill>
+                        <a:schemeClr val="bg1">
+                          <a:lumMod val="85000"/>
+                        </a:schemeClr>
+                      </a:solidFill>
+                      <a:prstDash val="solid"/>
+                      <a:round/>
+                      <a:headEnd type="none" w="med" len="med"/>
+                      <a:tailEnd type="none" w="med" len="med"/>
+                    </a:lnB>
+                    <a:solidFill>
+                      <a:schemeClr val="bg1">
+                        <a:lumMod val="95000"/>
+                      </a:schemeClr>
+                    </a:solidFill>
+                  </a:tcPr>
+                </a:tc>
+                <a:extLst>
+                  <a:ext uri="{0D108BD9-81ED-4DB2-BD59-A6C34878D82A}">
+                    <a16:rowId xmlns:a16="http://schemas.microsoft.com/office/drawing/2014/main" val="10003"/>
+                  </a:ext>
+                </a:extLst>
+              </a:tr>
+            </a:tbl>
+          </a:graphicData>
+        </a:graphic>
+      </p:graphicFrame>
+      <p:graphicFrame>
+        <p:nvGraphicFramePr>
+          <p:cNvPr id="33" name="표 32">
+            <a:extLst>
+              <a:ext uri="{FF2B5EF4-FFF2-40B4-BE49-F238E27FC236}">
+                <a16:creationId xmlns:a16="http://schemas.microsoft.com/office/drawing/2014/main" id="{0C3B47FC-DDAF-2F7E-4479-B537B466F5E5}"/>
+              </a:ext>
+            </a:extLst>
+          </p:cNvPr>
+          <p:cNvGraphicFramePr>
+            <a:graphicFrameLocks noGrp="1"/>
+          </p:cNvGraphicFramePr>
+          <p:nvPr>
+            <p:extLst>
+              <p:ext uri="{D42A27DB-BD31-4B8C-83A1-F6EECF244321}">
+                <p14:modId xmlns:p14="http://schemas.microsoft.com/office/powerpoint/2010/main" val="3243577249"/>
+              </p:ext>
+            </p:extLst>
+          </p:nvPr>
+        </p:nvGraphicFramePr>
+        <p:xfrm>
+          <a:off x="2872116" y="1912861"/>
+          <a:ext cx="8153952" cy="3561857"/>
+        </p:xfrm>
+        <a:graphic>
+          <a:graphicData uri="http://schemas.openxmlformats.org/drawingml/2006/table">
+            <a:tbl>
+              <a:tblPr firstRow="1" bandRow="1">
+                <a:tableStyleId>{5C22544A-7EE6-4342-B048-85BDC9FD1C3A}</a:tableStyleId>
+              </a:tblPr>
+              <a:tblGrid>
+                <a:gridCol w="509622">
+                  <a:extLst>
+                    <a:ext uri="{9D8B030D-6E8A-4147-A177-3AD203B41FA5}">
+                      <a16:colId xmlns:a16="http://schemas.microsoft.com/office/drawing/2014/main" val="4132666818"/>
+                    </a:ext>
+                  </a:extLst>
+                </a:gridCol>
+                <a:gridCol w="509622">
+                  <a:extLst>
+                    <a:ext uri="{9D8B030D-6E8A-4147-A177-3AD203B41FA5}">
+                      <a16:colId xmlns:a16="http://schemas.microsoft.com/office/drawing/2014/main" val="2598700322"/>
+                    </a:ext>
+                  </a:extLst>
+                </a:gridCol>
+                <a:gridCol w="509622">
+                  <a:extLst>
+                    <a:ext uri="{9D8B030D-6E8A-4147-A177-3AD203B41FA5}">
+                      <a16:colId xmlns:a16="http://schemas.microsoft.com/office/drawing/2014/main" val="679110227"/>
+                    </a:ext>
+                  </a:extLst>
+                </a:gridCol>
+                <a:gridCol w="509622">
+                  <a:extLst>
+                    <a:ext uri="{9D8B030D-6E8A-4147-A177-3AD203B41FA5}">
+                      <a16:colId xmlns:a16="http://schemas.microsoft.com/office/drawing/2014/main" val="1231815476"/>
+                    </a:ext>
+                  </a:extLst>
+                </a:gridCol>
+                <a:gridCol w="509622">
+                  <a:extLst>
+                    <a:ext uri="{9D8B030D-6E8A-4147-A177-3AD203B41FA5}">
+                      <a16:colId xmlns:a16="http://schemas.microsoft.com/office/drawing/2014/main" val="3903106483"/>
+                    </a:ext>
+                  </a:extLst>
+                </a:gridCol>
+                <a:gridCol w="509622">
+                  <a:extLst>
+                    <a:ext uri="{9D8B030D-6E8A-4147-A177-3AD203B41FA5}">
+                      <a16:colId xmlns:a16="http://schemas.microsoft.com/office/drawing/2014/main" val="942179971"/>
+                    </a:ext>
+                  </a:extLst>
+                </a:gridCol>
+                <a:gridCol w="509622">
+                  <a:extLst>
+                    <a:ext uri="{9D8B030D-6E8A-4147-A177-3AD203B41FA5}">
+                      <a16:colId xmlns:a16="http://schemas.microsoft.com/office/drawing/2014/main" val="2619367338"/>
+                    </a:ext>
+                  </a:extLst>
+                </a:gridCol>
+                <a:gridCol w="509622">
+                  <a:extLst>
+                    <a:ext uri="{9D8B030D-6E8A-4147-A177-3AD203B41FA5}">
+                      <a16:colId xmlns:a16="http://schemas.microsoft.com/office/drawing/2014/main" val="2111826202"/>
+                    </a:ext>
+                  </a:extLst>
+                </a:gridCol>
+                <a:gridCol w="509622">
+                  <a:extLst>
+                    <a:ext uri="{9D8B030D-6E8A-4147-A177-3AD203B41FA5}">
+                      <a16:colId xmlns:a16="http://schemas.microsoft.com/office/drawing/2014/main" val="2537735671"/>
+                    </a:ext>
+                  </a:extLst>
+                </a:gridCol>
+                <a:gridCol w="509622">
+                  <a:extLst>
+                    <a:ext uri="{9D8B030D-6E8A-4147-A177-3AD203B41FA5}">
+                      <a16:colId xmlns:a16="http://schemas.microsoft.com/office/drawing/2014/main" val="508891850"/>
+                    </a:ext>
+                  </a:extLst>
+                </a:gridCol>
+                <a:gridCol w="509622">
+                  <a:extLst>
+                    <a:ext uri="{9D8B030D-6E8A-4147-A177-3AD203B41FA5}">
+                      <a16:colId xmlns:a16="http://schemas.microsoft.com/office/drawing/2014/main" val="24975639"/>
+                    </a:ext>
+                  </a:extLst>
+                </a:gridCol>
+                <a:gridCol w="509622">
+                  <a:extLst>
+                    <a:ext uri="{9D8B030D-6E8A-4147-A177-3AD203B41FA5}">
+                      <a16:colId xmlns:a16="http://schemas.microsoft.com/office/drawing/2014/main" val="2244008427"/>
+                    </a:ext>
+                  </a:extLst>
+                </a:gridCol>
+                <a:gridCol w="509622">
+                  <a:extLst>
+                    <a:ext uri="{9D8B030D-6E8A-4147-A177-3AD203B41FA5}">
+                      <a16:colId xmlns:a16="http://schemas.microsoft.com/office/drawing/2014/main" val="2484581444"/>
+                    </a:ext>
+                  </a:extLst>
+                </a:gridCol>
+                <a:gridCol w="509622">
+                  <a:extLst>
+                    <a:ext uri="{9D8B030D-6E8A-4147-A177-3AD203B41FA5}">
+                      <a16:colId xmlns:a16="http://schemas.microsoft.com/office/drawing/2014/main" val="2140187899"/>
+                    </a:ext>
+                  </a:extLst>
+                </a:gridCol>
+                <a:gridCol w="509622">
+                  <a:extLst>
+                    <a:ext uri="{9D8B030D-6E8A-4147-A177-3AD203B41FA5}">
+                      <a16:colId xmlns:a16="http://schemas.microsoft.com/office/drawing/2014/main" val="3454659474"/>
+                    </a:ext>
+                  </a:extLst>
+                </a:gridCol>
+                <a:gridCol w="509622">
+                  <a:extLst>
+                    <a:ext uri="{9D8B030D-6E8A-4147-A177-3AD203B41FA5}">
+                      <a16:colId xmlns:a16="http://schemas.microsoft.com/office/drawing/2014/main" val="2101659239"/>
+                    </a:ext>
+                  </a:extLst>
+                </a:gridCol>
+              </a:tblGrid>
+              <a:tr h="432587">
+                <a:tc>
+                  <a:txBody>
+                    <a:bodyPr/>
+                    <a:lstStyle/>
+                    <a:p>
+                      <a:pPr latinLnBrk="1"/>
+                      <a:r>
+                        <a:rPr lang="en-US" altLang="ko-KR" dirty="0"/>
+                        <a:t>01</a:t>
+                      </a:r>
+                      <a:endParaRPr lang="ko-KR" altLang="en-US" dirty="0"/>
+                    </a:p>
+                  </a:txBody>
+                  <a:tcPr>
+                    <a:noFill/>
+                  </a:tcPr>
+                </a:tc>
+                <a:tc>
+                  <a:txBody>
+                    <a:bodyPr/>
+                    <a:lstStyle/>
+                    <a:p>
+                      <a:pPr latinLnBrk="1"/>
+                      <a:r>
+                        <a:rPr lang="en-US" altLang="ko-KR" dirty="0"/>
+                        <a:t>04</a:t>
+                      </a:r>
+                      <a:endParaRPr lang="ko-KR" altLang="en-US" dirty="0"/>
+                    </a:p>
+                  </a:txBody>
+                  <a:tcPr>
+                    <a:noFill/>
+                  </a:tcPr>
+                </a:tc>
+                <a:tc>
+                  <a:txBody>
+                    <a:bodyPr/>
+                    <a:lstStyle/>
+                    <a:p>
+                      <a:pPr latinLnBrk="1"/>
+                      <a:r>
+                        <a:rPr lang="en-US" altLang="ko-KR" dirty="0"/>
+                        <a:t>05</a:t>
+                      </a:r>
+                      <a:endParaRPr lang="ko-KR" altLang="en-US" dirty="0"/>
+                    </a:p>
+                  </a:txBody>
+                  <a:tcPr>
+                    <a:noFill/>
+                  </a:tcPr>
+                </a:tc>
+                <a:tc>
+                  <a:txBody>
+                    <a:bodyPr/>
+                    <a:lstStyle/>
+                    <a:p>
+                      <a:pPr latinLnBrk="1"/>
+                      <a:r>
+                        <a:rPr lang="en-US" altLang="ko-KR" dirty="0"/>
+                        <a:t>06</a:t>
+                      </a:r>
+                      <a:endParaRPr lang="ko-KR" altLang="en-US" dirty="0"/>
+                    </a:p>
+                  </a:txBody>
+                  <a:tcPr>
+                    <a:noFill/>
+                  </a:tcPr>
+                </a:tc>
+                <a:tc>
+                  <a:txBody>
+                    <a:bodyPr/>
+                    <a:lstStyle/>
+                    <a:p>
+                      <a:pPr latinLnBrk="1"/>
+                      <a:r>
+                        <a:rPr lang="en-US" altLang="ko-KR" dirty="0"/>
+                        <a:t>07</a:t>
+                      </a:r>
+                      <a:endParaRPr lang="ko-KR" altLang="en-US" dirty="0"/>
+                    </a:p>
+                  </a:txBody>
+                  <a:tcPr>
+                    <a:noFill/>
+                  </a:tcPr>
+                </a:tc>
+                <a:tc>
+                  <a:txBody>
+                    <a:bodyPr/>
+                    <a:lstStyle/>
+                    <a:p>
+                      <a:pPr latinLnBrk="1"/>
+                      <a:r>
+                        <a:rPr lang="en-US" altLang="ko-KR" dirty="0"/>
+                        <a:t>08</a:t>
+                      </a:r>
+                      <a:endParaRPr lang="ko-KR" altLang="en-US" dirty="0"/>
+                    </a:p>
+                  </a:txBody>
+                  <a:tcPr>
+                    <a:noFill/>
+                  </a:tcPr>
+                </a:tc>
+                <a:tc>
+                  <a:txBody>
+                    <a:bodyPr/>
+                    <a:lstStyle/>
+                    <a:p>
+                      <a:pPr latinLnBrk="1"/>
+                      <a:r>
+                        <a:rPr lang="en-US" altLang="ko-KR" dirty="0"/>
+                        <a:t>11</a:t>
+                      </a:r>
+                      <a:endParaRPr lang="ko-KR" altLang="en-US" dirty="0"/>
+                    </a:p>
+                  </a:txBody>
+                  <a:tcPr>
+                    <a:noFill/>
+                  </a:tcPr>
+                </a:tc>
+                <a:tc>
+                  <a:txBody>
+                    <a:bodyPr/>
+                    <a:lstStyle/>
+                    <a:p>
+                      <a:pPr latinLnBrk="1"/>
+                      <a:r>
+                        <a:rPr lang="en-US" altLang="ko-KR" dirty="0"/>
+                        <a:t>12</a:t>
+                      </a:r>
+                      <a:endParaRPr lang="ko-KR" altLang="en-US" dirty="0"/>
+                    </a:p>
+                  </a:txBody>
+                  <a:tcPr>
+                    <a:noFill/>
+                  </a:tcPr>
+                </a:tc>
+                <a:tc>
+                  <a:txBody>
+                    <a:bodyPr/>
+                    <a:lstStyle/>
+                    <a:p>
+                      <a:pPr latinLnBrk="1"/>
+                      <a:r>
+                        <a:rPr lang="en-US" altLang="ko-KR" dirty="0"/>
+                        <a:t>13</a:t>
+                      </a:r>
+                      <a:endParaRPr lang="ko-KR" altLang="en-US" dirty="0"/>
+                    </a:p>
+                  </a:txBody>
+                  <a:tcPr>
+                    <a:noFill/>
+                  </a:tcPr>
+                </a:tc>
+                <a:tc>
+                  <a:txBody>
+                    <a:bodyPr/>
+                    <a:lstStyle/>
+                    <a:p>
+                      <a:pPr latinLnBrk="1"/>
+                      <a:r>
+                        <a:rPr lang="en-US" altLang="ko-KR" dirty="0"/>
+                        <a:t>14</a:t>
+                      </a:r>
+                      <a:endParaRPr lang="ko-KR" altLang="en-US" dirty="0"/>
+                    </a:p>
+                  </a:txBody>
+                  <a:tcPr>
+                    <a:noFill/>
+                  </a:tcPr>
+                </a:tc>
+                <a:tc>
+                  <a:txBody>
+                    <a:bodyPr/>
+                    <a:lstStyle/>
+                    <a:p>
+                      <a:pPr latinLnBrk="1"/>
+                      <a:r>
+                        <a:rPr lang="en-US" altLang="ko-KR" dirty="0"/>
+                        <a:t>15</a:t>
+                      </a:r>
+                      <a:endParaRPr lang="ko-KR" altLang="en-US" dirty="0"/>
+                    </a:p>
+                  </a:txBody>
+                  <a:tcPr>
+                    <a:noFill/>
+                  </a:tcPr>
+                </a:tc>
+                <a:tc>
+                  <a:txBody>
+                    <a:bodyPr/>
+                    <a:lstStyle/>
+                    <a:p>
+                      <a:pPr latinLnBrk="1"/>
+                      <a:r>
+                        <a:rPr lang="en-US" altLang="ko-KR" dirty="0"/>
+                        <a:t>18</a:t>
+                      </a:r>
+                      <a:endParaRPr lang="ko-KR" altLang="en-US" dirty="0"/>
+                    </a:p>
+                  </a:txBody>
+                  <a:tcPr>
+                    <a:noFill/>
+                  </a:tcPr>
+                </a:tc>
+                <a:tc>
+                  <a:txBody>
+                    <a:bodyPr/>
+                    <a:lstStyle/>
+                    <a:p>
+                      <a:pPr latinLnBrk="1"/>
+                      <a:r>
+                        <a:rPr lang="en-US" altLang="ko-KR" dirty="0"/>
+                        <a:t>19</a:t>
+                      </a:r>
+                      <a:endParaRPr lang="ko-KR" altLang="en-US" dirty="0"/>
+                    </a:p>
+                  </a:txBody>
+                  <a:tcPr>
+                    <a:noFill/>
+                  </a:tcPr>
+                </a:tc>
+                <a:tc>
+                  <a:txBody>
+                    <a:bodyPr/>
+                    <a:lstStyle/>
+                    <a:p>
+                      <a:pPr latinLnBrk="1"/>
+                      <a:r>
+                        <a:rPr lang="en-US" altLang="ko-KR" dirty="0"/>
+                        <a:t>20</a:t>
+                      </a:r>
+                      <a:endParaRPr lang="ko-KR" altLang="en-US" dirty="0"/>
+                    </a:p>
+                  </a:txBody>
+                  <a:tcPr>
+                    <a:noFill/>
+                  </a:tcPr>
+                </a:tc>
+                <a:tc>
+                  <a:txBody>
+                    <a:bodyPr/>
+                    <a:lstStyle/>
+                    <a:p>
+                      <a:pPr latinLnBrk="1"/>
+                      <a:r>
+                        <a:rPr lang="en-US" altLang="ko-KR" dirty="0"/>
+                        <a:t>21</a:t>
+                      </a:r>
+                      <a:endParaRPr lang="ko-KR" altLang="en-US" dirty="0"/>
+                    </a:p>
+                  </a:txBody>
+                  <a:tcPr>
+                    <a:noFill/>
+                  </a:tcPr>
+                </a:tc>
+                <a:tc>
+                  <a:txBody>
+                    <a:bodyPr/>
+                    <a:lstStyle/>
+                    <a:p>
+                      <a:pPr latinLnBrk="1"/>
+                      <a:r>
+                        <a:rPr lang="en-US" altLang="ko-KR" dirty="0"/>
+                        <a:t>22</a:t>
+                      </a:r>
+                      <a:endParaRPr lang="ko-KR" altLang="en-US" dirty="0"/>
+                    </a:p>
+                  </a:txBody>
+                  <a:tcPr>
+                    <a:noFill/>
+                  </a:tcPr>
+                </a:tc>
+                <a:extLst>
+                  <a:ext uri="{0D108BD9-81ED-4DB2-BD59-A6C34878D82A}">
+                    <a16:rowId xmlns:a16="http://schemas.microsoft.com/office/drawing/2014/main" val="1633063156"/>
+                  </a:ext>
+                </a:extLst>
+              </a:tr>
+              <a:tr h="803541">
+                <a:tc>
+                  <a:txBody>
+                    <a:bodyPr/>
+                    <a:lstStyle/>
+                    <a:p>
+                      <a:pPr latinLnBrk="1"/>
+                      <a:endParaRPr lang="ko-KR" altLang="en-US" dirty="0"/>
+                    </a:p>
+                  </a:txBody>
+                  <a:tcPr>
+                    <a:noFill/>
+                  </a:tcPr>
+                </a:tc>
+                <a:tc>
+                  <a:txBody>
+                    <a:bodyPr/>
+                    <a:lstStyle/>
+                    <a:p>
+                      <a:pPr latinLnBrk="1"/>
+                      <a:endParaRPr lang="ko-KR" altLang="en-US" dirty="0"/>
+                    </a:p>
+                  </a:txBody>
+                  <a:tcPr>
+                    <a:noFill/>
+                  </a:tcPr>
+                </a:tc>
+                <a:tc>
+                  <a:txBody>
+                    <a:bodyPr/>
+                    <a:lstStyle/>
+                    <a:p>
+                      <a:pPr latinLnBrk="1"/>
+                      <a:endParaRPr lang="ko-KR" altLang="en-US"/>
+                    </a:p>
+                  </a:txBody>
+                  <a:tcPr>
+                    <a:noFill/>
+                  </a:tcPr>
+                </a:tc>
+                <a:tc>
+                  <a:txBody>
+                    <a:bodyPr/>
+                    <a:lstStyle/>
+                    <a:p>
+                      <a:pPr latinLnBrk="1"/>
+                      <a:endParaRPr lang="ko-KR" altLang="en-US"/>
+                    </a:p>
+                  </a:txBody>
+                  <a:tcPr>
+                    <a:noFill/>
+                  </a:tcPr>
+                </a:tc>
+                <a:tc>
+                  <a:txBody>
+                    <a:bodyPr/>
+                    <a:lstStyle/>
+                    <a:p>
+                      <a:pPr latinLnBrk="1"/>
+                      <a:endParaRPr lang="ko-KR" altLang="en-US"/>
+                    </a:p>
+                  </a:txBody>
+                  <a:tcPr>
+                    <a:noFill/>
+                  </a:tcPr>
+                </a:tc>
+                <a:tc>
+                  <a:txBody>
+                    <a:bodyPr/>
+                    <a:lstStyle/>
+                    <a:p>
+                      <a:pPr latinLnBrk="1"/>
+                      <a:endParaRPr lang="ko-KR" altLang="en-US"/>
+                    </a:p>
+                  </a:txBody>
+                  <a:tcPr>
+                    <a:noFill/>
+                  </a:tcPr>
+                </a:tc>
+                <a:tc>
+                  <a:txBody>
+                    <a:bodyPr/>
+                    <a:lstStyle/>
+                    <a:p>
+                      <a:pPr latinLnBrk="1"/>
+                      <a:endParaRPr lang="ko-KR" altLang="en-US"/>
+                    </a:p>
+                  </a:txBody>
+                  <a:tcPr>
+                    <a:noFill/>
+                  </a:tcPr>
+                </a:tc>
+                <a:tc>
+                  <a:txBody>
+                    <a:bodyPr/>
+                    <a:lstStyle/>
+                    <a:p>
+                      <a:pPr latinLnBrk="1"/>
+                      <a:endParaRPr lang="ko-KR" altLang="en-US"/>
+                    </a:p>
+                  </a:txBody>
+                  <a:tcPr>
+                    <a:noFill/>
+                  </a:tcPr>
+                </a:tc>
+                <a:tc>
+                  <a:txBody>
+                    <a:bodyPr/>
+                    <a:lstStyle/>
+                    <a:p>
+                      <a:pPr latinLnBrk="1"/>
+                      <a:endParaRPr lang="ko-KR" altLang="en-US"/>
+                    </a:p>
+                  </a:txBody>
+                  <a:tcPr>
+                    <a:noFill/>
+                  </a:tcPr>
+                </a:tc>
+                <a:tc>
+                  <a:txBody>
+                    <a:bodyPr/>
+                    <a:lstStyle/>
+                    <a:p>
+                      <a:pPr latinLnBrk="1"/>
+                      <a:endParaRPr lang="ko-KR" altLang="en-US"/>
+                    </a:p>
+                  </a:txBody>
+                  <a:tcPr>
+                    <a:noFill/>
+                  </a:tcPr>
+                </a:tc>
+                <a:tc>
+                  <a:txBody>
+                    <a:bodyPr/>
+                    <a:lstStyle/>
+                    <a:p>
+                      <a:pPr latinLnBrk="1"/>
+                      <a:endParaRPr lang="ko-KR" altLang="en-US"/>
+                    </a:p>
+                  </a:txBody>
+                  <a:tcPr>
+                    <a:noFill/>
+                  </a:tcPr>
+                </a:tc>
+                <a:tc>
+                  <a:txBody>
+                    <a:bodyPr/>
+                    <a:lstStyle/>
+                    <a:p>
+                      <a:pPr latinLnBrk="1"/>
+                      <a:endParaRPr lang="ko-KR" altLang="en-US"/>
+                    </a:p>
+                  </a:txBody>
+                  <a:tcPr>
+                    <a:noFill/>
+                  </a:tcPr>
+                </a:tc>
+                <a:tc>
+                  <a:txBody>
+                    <a:bodyPr/>
+                    <a:lstStyle/>
+                    <a:p>
+                      <a:pPr latinLnBrk="1"/>
+                      <a:endParaRPr lang="ko-KR" altLang="en-US"/>
+                    </a:p>
+                  </a:txBody>
+                  <a:tcPr>
+                    <a:noFill/>
+                  </a:tcPr>
+                </a:tc>
+                <a:tc>
+                  <a:txBody>
+                    <a:bodyPr/>
+                    <a:lstStyle/>
+                    <a:p>
+                      <a:pPr latinLnBrk="1"/>
+                      <a:endParaRPr lang="ko-KR" altLang="en-US" dirty="0"/>
+                    </a:p>
+                  </a:txBody>
+                  <a:tcPr>
+                    <a:noFill/>
+                  </a:tcPr>
+                </a:tc>
+                <a:tc>
+                  <a:txBody>
+                    <a:bodyPr/>
+                    <a:lstStyle/>
+                    <a:p>
+                      <a:pPr latinLnBrk="1"/>
+                      <a:endParaRPr lang="ko-KR" altLang="en-US" dirty="0"/>
+                    </a:p>
+                  </a:txBody>
+                  <a:tcPr>
+                    <a:noFill/>
+                  </a:tcPr>
+                </a:tc>
+                <a:tc>
+                  <a:txBody>
+                    <a:bodyPr/>
+                    <a:lstStyle/>
+                    <a:p>
+                      <a:pPr latinLnBrk="1"/>
+                      <a:endParaRPr lang="ko-KR" altLang="en-US"/>
+                    </a:p>
+                  </a:txBody>
+                  <a:tcPr>
+                    <a:noFill/>
+                  </a:tcPr>
+                </a:tc>
+                <a:extLst>
+                  <a:ext uri="{0D108BD9-81ED-4DB2-BD59-A6C34878D82A}">
+                    <a16:rowId xmlns:a16="http://schemas.microsoft.com/office/drawing/2014/main" val="2369870733"/>
+                  </a:ext>
+                </a:extLst>
+              </a:tr>
+              <a:tr h="775243">
+                <a:tc>
+                  <a:txBody>
+                    <a:bodyPr/>
+                    <a:lstStyle/>
+                    <a:p>
+                      <a:pPr latinLnBrk="1"/>
+                      <a:endParaRPr lang="ko-KR" altLang="en-US"/>
+                    </a:p>
+                  </a:txBody>
+                  <a:tcPr>
+                    <a:noFill/>
+                  </a:tcPr>
+                </a:tc>
+                <a:tc>
+                  <a:txBody>
+                    <a:bodyPr/>
+                    <a:lstStyle/>
+                    <a:p>
+                      <a:pPr latinLnBrk="1"/>
+                      <a:endParaRPr lang="ko-KR" altLang="en-US"/>
+                    </a:p>
+                  </a:txBody>
+                  <a:tcPr>
+                    <a:noFill/>
+                  </a:tcPr>
+                </a:tc>
+                <a:tc>
+                  <a:txBody>
+                    <a:bodyPr/>
+                    <a:lstStyle/>
+                    <a:p>
+                      <a:pPr latinLnBrk="1"/>
+                      <a:endParaRPr lang="ko-KR" altLang="en-US"/>
+                    </a:p>
+                  </a:txBody>
+                  <a:tcPr>
+                    <a:noFill/>
+                  </a:tcPr>
+                </a:tc>
+                <a:tc>
+                  <a:txBody>
+                    <a:bodyPr/>
+                    <a:lstStyle/>
+                    <a:p>
+                      <a:pPr latinLnBrk="1"/>
+                      <a:endParaRPr lang="ko-KR" altLang="en-US"/>
+                    </a:p>
+                  </a:txBody>
+                  <a:tcPr>
+                    <a:noFill/>
+                  </a:tcPr>
+                </a:tc>
+                <a:tc>
+                  <a:txBody>
+                    <a:bodyPr/>
+                    <a:lstStyle/>
+                    <a:p>
+                      <a:pPr latinLnBrk="1"/>
+                      <a:endParaRPr lang="ko-KR" altLang="en-US"/>
+                    </a:p>
+                  </a:txBody>
+                  <a:tcPr>
+                    <a:noFill/>
+                  </a:tcPr>
+                </a:tc>
+                <a:tc>
+                  <a:txBody>
+                    <a:bodyPr/>
+                    <a:lstStyle/>
+                    <a:p>
+                      <a:pPr latinLnBrk="1"/>
+                      <a:endParaRPr lang="ko-KR" altLang="en-US"/>
+                    </a:p>
+                  </a:txBody>
+                  <a:tcPr>
+                    <a:noFill/>
+                  </a:tcPr>
+                </a:tc>
+                <a:tc>
+                  <a:txBody>
+                    <a:bodyPr/>
+                    <a:lstStyle/>
+                    <a:p>
+                      <a:pPr latinLnBrk="1"/>
+                      <a:endParaRPr lang="ko-KR" altLang="en-US"/>
+                    </a:p>
+                  </a:txBody>
+                  <a:tcPr>
+                    <a:noFill/>
+                  </a:tcPr>
+                </a:tc>
+                <a:tc>
+                  <a:txBody>
+                    <a:bodyPr/>
+                    <a:lstStyle/>
+                    <a:p>
+                      <a:pPr latinLnBrk="1"/>
+                      <a:endParaRPr lang="ko-KR" altLang="en-US"/>
+                    </a:p>
+                  </a:txBody>
+                  <a:tcPr>
+                    <a:noFill/>
+                  </a:tcPr>
+                </a:tc>
+                <a:tc>
+                  <a:txBody>
+                    <a:bodyPr/>
+                    <a:lstStyle/>
+                    <a:p>
+                      <a:pPr latinLnBrk="1"/>
+                      <a:endParaRPr lang="ko-KR" altLang="en-US"/>
+                    </a:p>
+                  </a:txBody>
+                  <a:tcPr>
+                    <a:noFill/>
+                  </a:tcPr>
+                </a:tc>
+                <a:tc>
+                  <a:txBody>
+                    <a:bodyPr/>
+                    <a:lstStyle/>
+                    <a:p>
+                      <a:pPr latinLnBrk="1"/>
+                      <a:endParaRPr lang="ko-KR" altLang="en-US" dirty="0"/>
+                    </a:p>
+                  </a:txBody>
+                  <a:tcPr>
+                    <a:noFill/>
+                  </a:tcPr>
+                </a:tc>
+                <a:tc>
+                  <a:txBody>
+                    <a:bodyPr/>
+                    <a:lstStyle/>
+                    <a:p>
+                      <a:pPr latinLnBrk="1"/>
+                      <a:endParaRPr lang="ko-KR" altLang="en-US"/>
+                    </a:p>
+                  </a:txBody>
+                  <a:tcPr>
+                    <a:noFill/>
+                  </a:tcPr>
+                </a:tc>
+                <a:tc>
+                  <a:txBody>
+                    <a:bodyPr/>
+                    <a:lstStyle/>
+                    <a:p>
+                      <a:pPr latinLnBrk="1"/>
+                      <a:endParaRPr lang="ko-KR" altLang="en-US"/>
+                    </a:p>
+                  </a:txBody>
+                  <a:tcPr>
+                    <a:noFill/>
+                  </a:tcPr>
+                </a:tc>
+                <a:tc>
+                  <a:txBody>
+                    <a:bodyPr/>
+                    <a:lstStyle/>
+                    <a:p>
+                      <a:pPr latinLnBrk="1"/>
+                      <a:endParaRPr lang="ko-KR" altLang="en-US"/>
+                    </a:p>
+                  </a:txBody>
+                  <a:tcPr>
+                    <a:noFill/>
+                  </a:tcPr>
+                </a:tc>
+                <a:tc>
+                  <a:txBody>
+                    <a:bodyPr/>
+                    <a:lstStyle/>
+                    <a:p>
+                      <a:pPr latinLnBrk="1"/>
+                      <a:endParaRPr lang="ko-KR" altLang="en-US" dirty="0"/>
+                    </a:p>
+                  </a:txBody>
+                  <a:tcPr>
+                    <a:noFill/>
+                  </a:tcPr>
+                </a:tc>
+                <a:tc>
+                  <a:txBody>
+                    <a:bodyPr/>
+                    <a:lstStyle/>
+                    <a:p>
+                      <a:pPr latinLnBrk="1"/>
+                      <a:endParaRPr lang="ko-KR" altLang="en-US" dirty="0"/>
+                    </a:p>
+                  </a:txBody>
+                  <a:tcPr>
+                    <a:noFill/>
+                  </a:tcPr>
+                </a:tc>
+                <a:tc>
+                  <a:txBody>
+                    <a:bodyPr/>
+                    <a:lstStyle/>
+                    <a:p>
+                      <a:pPr latinLnBrk="1"/>
+                      <a:endParaRPr lang="ko-KR" altLang="en-US" dirty="0"/>
+                    </a:p>
+                  </a:txBody>
+                  <a:tcPr>
+                    <a:noFill/>
+                  </a:tcPr>
+                </a:tc>
+                <a:extLst>
+                  <a:ext uri="{0D108BD9-81ED-4DB2-BD59-A6C34878D82A}">
+                    <a16:rowId xmlns:a16="http://schemas.microsoft.com/office/drawing/2014/main" val="2779400338"/>
+                  </a:ext>
+                </a:extLst>
+              </a:tr>
+              <a:tr h="775243">
+                <a:tc>
+                  <a:txBody>
+                    <a:bodyPr/>
+                    <a:lstStyle/>
+                    <a:p>
+                      <a:pPr latinLnBrk="1"/>
+                      <a:endParaRPr lang="ko-KR" altLang="en-US"/>
+                    </a:p>
+                  </a:txBody>
+                  <a:tcPr>
+                    <a:noFill/>
+                  </a:tcPr>
+                </a:tc>
+                <a:tc>
+                  <a:txBody>
+                    <a:bodyPr/>
+                    <a:lstStyle/>
+                    <a:p>
+                      <a:pPr latinLnBrk="1"/>
+                      <a:endParaRPr lang="ko-KR" altLang="en-US"/>
+                    </a:p>
+                  </a:txBody>
+                  <a:tcPr>
+                    <a:noFill/>
+                  </a:tcPr>
+                </a:tc>
+                <a:tc>
+                  <a:txBody>
+                    <a:bodyPr/>
+                    <a:lstStyle/>
+                    <a:p>
+                      <a:pPr latinLnBrk="1"/>
+                      <a:endParaRPr lang="ko-KR" altLang="en-US"/>
+                    </a:p>
+                  </a:txBody>
+                  <a:tcPr>
+                    <a:noFill/>
+                  </a:tcPr>
+                </a:tc>
+                <a:tc>
+                  <a:txBody>
+                    <a:bodyPr/>
+                    <a:lstStyle/>
+                    <a:p>
+                      <a:pPr latinLnBrk="1"/>
+                      <a:endParaRPr lang="ko-KR" altLang="en-US"/>
+                    </a:p>
+                  </a:txBody>
+                  <a:tcPr>
+                    <a:noFill/>
+                  </a:tcPr>
+                </a:tc>
+                <a:tc>
+                  <a:txBody>
+                    <a:bodyPr/>
+                    <a:lstStyle/>
+                    <a:p>
+                      <a:pPr latinLnBrk="1"/>
+                      <a:endParaRPr lang="ko-KR" altLang="en-US"/>
+                    </a:p>
+                  </a:txBody>
+                  <a:tcPr>
+                    <a:noFill/>
+                  </a:tcPr>
+                </a:tc>
+                <a:tc>
+                  <a:txBody>
+                    <a:bodyPr/>
+                    <a:lstStyle/>
+                    <a:p>
+                      <a:pPr latinLnBrk="1"/>
+                      <a:endParaRPr lang="ko-KR" altLang="en-US"/>
+                    </a:p>
+                  </a:txBody>
+                  <a:tcPr>
+                    <a:noFill/>
+                  </a:tcPr>
+                </a:tc>
+                <a:tc>
+                  <a:txBody>
+                    <a:bodyPr/>
+                    <a:lstStyle/>
+                    <a:p>
+                      <a:pPr latinLnBrk="1"/>
+                      <a:endParaRPr lang="ko-KR" altLang="en-US"/>
+                    </a:p>
+                  </a:txBody>
+                  <a:tcPr>
+                    <a:noFill/>
+                  </a:tcPr>
+                </a:tc>
+                <a:tc>
+                  <a:txBody>
+                    <a:bodyPr/>
+                    <a:lstStyle/>
+                    <a:p>
+                      <a:pPr latinLnBrk="1"/>
+                      <a:endParaRPr lang="ko-KR" altLang="en-US"/>
+                    </a:p>
+                  </a:txBody>
+                  <a:tcPr>
+                    <a:noFill/>
+                  </a:tcPr>
+                </a:tc>
+                <a:tc>
+                  <a:txBody>
+                    <a:bodyPr/>
+                    <a:lstStyle/>
+                    <a:p>
+                      <a:pPr latinLnBrk="1"/>
+                      <a:endParaRPr lang="ko-KR" altLang="en-US"/>
+                    </a:p>
+                  </a:txBody>
+                  <a:tcPr>
+                    <a:noFill/>
+                  </a:tcPr>
+                </a:tc>
+                <a:tc>
+                  <a:txBody>
+                    <a:bodyPr/>
+                    <a:lstStyle/>
+                    <a:p>
+                      <a:pPr latinLnBrk="1"/>
+                      <a:endParaRPr lang="ko-KR" altLang="en-US"/>
+                    </a:p>
+                  </a:txBody>
+                  <a:tcPr>
+                    <a:noFill/>
+                  </a:tcPr>
+                </a:tc>
+                <a:tc>
+                  <a:txBody>
+                    <a:bodyPr/>
+                    <a:lstStyle/>
+                    <a:p>
+                      <a:pPr latinLnBrk="1"/>
+                      <a:endParaRPr lang="ko-KR" altLang="en-US"/>
+                    </a:p>
+                  </a:txBody>
+                  <a:tcPr>
+                    <a:noFill/>
+                  </a:tcPr>
+                </a:tc>
+                <a:tc>
+                  <a:txBody>
+                    <a:bodyPr/>
+                    <a:lstStyle/>
+                    <a:p>
+                      <a:pPr latinLnBrk="1"/>
+                      <a:endParaRPr lang="ko-KR" altLang="en-US"/>
+                    </a:p>
+                  </a:txBody>
+                  <a:tcPr>
+                    <a:noFill/>
+                  </a:tcPr>
+                </a:tc>
+                <a:tc>
+                  <a:txBody>
+                    <a:bodyPr/>
+                    <a:lstStyle/>
+                    <a:p>
+                      <a:pPr latinLnBrk="1"/>
+                      <a:endParaRPr lang="ko-KR" altLang="en-US"/>
+                    </a:p>
+                  </a:txBody>
+                  <a:tcPr>
+                    <a:noFill/>
+                  </a:tcPr>
+                </a:tc>
+                <a:tc>
+                  <a:txBody>
+                    <a:bodyPr/>
+                    <a:lstStyle/>
+                    <a:p>
+                      <a:pPr latinLnBrk="1"/>
+                      <a:endParaRPr lang="ko-KR" altLang="en-US"/>
+                    </a:p>
+                  </a:txBody>
+                  <a:tcPr>
+                    <a:noFill/>
+                  </a:tcPr>
+                </a:tc>
+                <a:tc>
+                  <a:txBody>
+                    <a:bodyPr/>
+                    <a:lstStyle/>
+                    <a:p>
+                      <a:pPr latinLnBrk="1"/>
+                      <a:endParaRPr lang="ko-KR" altLang="en-US" dirty="0"/>
+                    </a:p>
+                  </a:txBody>
+                  <a:tcPr>
+                    <a:noFill/>
+                  </a:tcPr>
+                </a:tc>
+                <a:tc>
+                  <a:txBody>
+                    <a:bodyPr/>
+                    <a:lstStyle/>
+                    <a:p>
+                      <a:pPr latinLnBrk="1"/>
+                      <a:endParaRPr lang="ko-KR" altLang="en-US" dirty="0"/>
+                    </a:p>
+                  </a:txBody>
+                  <a:tcPr>
+                    <a:noFill/>
+                  </a:tcPr>
+                </a:tc>
+                <a:extLst>
+                  <a:ext uri="{0D108BD9-81ED-4DB2-BD59-A6C34878D82A}">
+                    <a16:rowId xmlns:a16="http://schemas.microsoft.com/office/drawing/2014/main" val="65002492"/>
+                  </a:ext>
+                </a:extLst>
+              </a:tr>
+              <a:tr h="775243">
+                <a:tc>
+                  <a:txBody>
+                    <a:bodyPr/>
+                    <a:lstStyle/>
+                    <a:p>
+                      <a:pPr latinLnBrk="1"/>
+                      <a:endParaRPr lang="ko-KR" altLang="en-US" dirty="0"/>
+                    </a:p>
+                  </a:txBody>
+                  <a:tcPr>
+                    <a:noFill/>
+                  </a:tcPr>
+                </a:tc>
+                <a:tc>
+                  <a:txBody>
+                    <a:bodyPr/>
+                    <a:lstStyle/>
+                    <a:p>
+                      <a:pPr latinLnBrk="1"/>
+                      <a:endParaRPr lang="ko-KR" altLang="en-US" dirty="0"/>
+                    </a:p>
+                  </a:txBody>
+                  <a:tcPr>
+                    <a:noFill/>
+                  </a:tcPr>
+                </a:tc>
+                <a:tc>
+                  <a:txBody>
+                    <a:bodyPr/>
+                    <a:lstStyle/>
+                    <a:p>
+                      <a:pPr latinLnBrk="1"/>
+                      <a:endParaRPr lang="ko-KR" altLang="en-US"/>
+                    </a:p>
+                  </a:txBody>
+                  <a:tcPr>
+                    <a:noFill/>
+                  </a:tcPr>
+                </a:tc>
+                <a:tc>
+                  <a:txBody>
+                    <a:bodyPr/>
+                    <a:lstStyle/>
+                    <a:p>
+                      <a:pPr latinLnBrk="1"/>
+                      <a:endParaRPr lang="ko-KR" altLang="en-US"/>
+                    </a:p>
+                  </a:txBody>
+                  <a:tcPr>
+                    <a:noFill/>
+                  </a:tcPr>
+                </a:tc>
+                <a:tc>
+                  <a:txBody>
+                    <a:bodyPr/>
+                    <a:lstStyle/>
+                    <a:p>
+                      <a:pPr latinLnBrk="1"/>
+                      <a:endParaRPr lang="ko-KR" altLang="en-US"/>
+                    </a:p>
+                  </a:txBody>
+                  <a:tcPr>
+                    <a:noFill/>
+                  </a:tcPr>
+                </a:tc>
+                <a:tc>
+                  <a:txBody>
+                    <a:bodyPr/>
+                    <a:lstStyle/>
+                    <a:p>
+                      <a:pPr latinLnBrk="1"/>
+                      <a:endParaRPr lang="ko-KR" altLang="en-US"/>
+                    </a:p>
+                  </a:txBody>
+                  <a:tcPr>
+                    <a:noFill/>
+                  </a:tcPr>
+                </a:tc>
+                <a:tc>
+                  <a:txBody>
+                    <a:bodyPr/>
+                    <a:lstStyle/>
+                    <a:p>
+                      <a:pPr latinLnBrk="1"/>
+                      <a:endParaRPr lang="ko-KR" altLang="en-US"/>
+                    </a:p>
+                  </a:txBody>
+                  <a:tcPr>
+                    <a:noFill/>
+                  </a:tcPr>
+                </a:tc>
+                <a:tc>
+                  <a:txBody>
+                    <a:bodyPr/>
+                    <a:lstStyle/>
+                    <a:p>
+                      <a:pPr latinLnBrk="1"/>
+                      <a:endParaRPr lang="ko-KR" altLang="en-US"/>
+                    </a:p>
+                  </a:txBody>
+                  <a:tcPr>
+                    <a:noFill/>
+                  </a:tcPr>
+                </a:tc>
+                <a:tc>
+                  <a:txBody>
+                    <a:bodyPr/>
+                    <a:lstStyle/>
+                    <a:p>
+                      <a:pPr latinLnBrk="1"/>
+                      <a:endParaRPr lang="ko-KR" altLang="en-US"/>
+                    </a:p>
+                  </a:txBody>
+                  <a:tcPr>
+                    <a:noFill/>
+                  </a:tcPr>
+                </a:tc>
+                <a:tc>
+                  <a:txBody>
+                    <a:bodyPr/>
+                    <a:lstStyle/>
+                    <a:p>
+                      <a:pPr latinLnBrk="1"/>
+                      <a:endParaRPr lang="ko-KR" altLang="en-US"/>
+                    </a:p>
+                  </a:txBody>
+                  <a:tcPr>
+                    <a:noFill/>
+                  </a:tcPr>
+                </a:tc>
+                <a:tc>
+                  <a:txBody>
+                    <a:bodyPr/>
+                    <a:lstStyle/>
+                    <a:p>
+                      <a:pPr latinLnBrk="1"/>
+                      <a:endParaRPr lang="ko-KR" altLang="en-US"/>
+                    </a:p>
+                  </a:txBody>
+                  <a:tcPr>
+                    <a:noFill/>
+                  </a:tcPr>
+                </a:tc>
+                <a:tc>
+                  <a:txBody>
+                    <a:bodyPr/>
+                    <a:lstStyle/>
+                    <a:p>
+                      <a:pPr latinLnBrk="1"/>
+                      <a:endParaRPr lang="ko-KR" altLang="en-US"/>
+                    </a:p>
+                  </a:txBody>
+                  <a:tcPr>
+                    <a:noFill/>
+                  </a:tcPr>
+                </a:tc>
+                <a:tc>
+                  <a:txBody>
+                    <a:bodyPr/>
+                    <a:lstStyle/>
+                    <a:p>
+                      <a:pPr latinLnBrk="1"/>
+                      <a:endParaRPr lang="ko-KR" altLang="en-US"/>
+                    </a:p>
+                  </a:txBody>
+                  <a:tcPr>
+                    <a:noFill/>
+                  </a:tcPr>
+                </a:tc>
+                <a:tc>
+                  <a:txBody>
+                    <a:bodyPr/>
+                    <a:lstStyle/>
+                    <a:p>
+                      <a:pPr latinLnBrk="1"/>
+                      <a:endParaRPr lang="ko-KR" altLang="en-US"/>
+                    </a:p>
+                  </a:txBody>
+                  <a:tcPr>
+                    <a:noFill/>
+                  </a:tcPr>
+                </a:tc>
+                <a:tc>
+                  <a:txBody>
+                    <a:bodyPr/>
+                    <a:lstStyle/>
+                    <a:p>
+                      <a:pPr latinLnBrk="1"/>
+                      <a:endParaRPr lang="ko-KR" altLang="en-US" dirty="0"/>
+                    </a:p>
+                  </a:txBody>
+                  <a:tcPr>
+                    <a:noFill/>
+                  </a:tcPr>
+                </a:tc>
+                <a:tc>
+                  <a:txBody>
+                    <a:bodyPr/>
+                    <a:lstStyle/>
+                    <a:p>
+                      <a:pPr latinLnBrk="1"/>
+                      <a:endParaRPr lang="ko-KR" altLang="en-US" dirty="0"/>
+                    </a:p>
+                  </a:txBody>
+                  <a:tcPr>
+                    <a:noFill/>
+                  </a:tcPr>
+                </a:tc>
+                <a:extLst>
+                  <a:ext uri="{0D108BD9-81ED-4DB2-BD59-A6C34878D82A}">
+                    <a16:rowId xmlns:a16="http://schemas.microsoft.com/office/drawing/2014/main" val="1851962626"/>
+                  </a:ext>
+                </a:extLst>
+              </a:tr>
+            </a:tbl>
+          </a:graphicData>
+        </a:graphic>
+      </p:graphicFrame>
+      <p:sp>
+        <p:nvSpPr>
+          <p:cNvPr id="169" name="부제목 168">
+            <a:extLst>
+              <a:ext uri="{FF2B5EF4-FFF2-40B4-BE49-F238E27FC236}">
+                <a16:creationId xmlns:a16="http://schemas.microsoft.com/office/drawing/2014/main" id="{7525FBDD-A459-C79E-9063-9C887F0F5318}"/>
+              </a:ext>
+            </a:extLst>
+          </p:cNvPr>
+          <p:cNvSpPr>
+            <a:spLocks noGrp="1"/>
+          </p:cNvSpPr>
+          <p:nvPr>
+            <p:ph type="subTitle" idx="1"/>
+          </p:nvPr>
+        </p:nvSpPr>
+        <p:spPr/>
+        <p:txBody>
+          <a:bodyPr/>
+          <a:lstStyle/>
+          <a:p>
+            <a:r>
+              <a:rPr lang="en-US" altLang="ko-KR" dirty="0"/>
+              <a:t> </a:t>
+            </a:r>
+            <a:endParaRPr lang="ko-KR" altLang="en-US" dirty="0"/>
+          </a:p>
+        </p:txBody>
+      </p:sp>
+      <p:sp>
+        <p:nvSpPr>
+          <p:cNvPr id="171" name="제목 1">
+            <a:extLst>
+              <a:ext uri="{FF2B5EF4-FFF2-40B4-BE49-F238E27FC236}">
+                <a16:creationId xmlns:a16="http://schemas.microsoft.com/office/drawing/2014/main" id="{B392D28C-0378-8418-8A02-D7AE411E1FF2}"/>
+              </a:ext>
+            </a:extLst>
+          </p:cNvPr>
+          <p:cNvSpPr txBox="1">
+            <a:spLocks/>
+          </p:cNvSpPr>
+          <p:nvPr/>
+        </p:nvSpPr>
+        <p:spPr>
+          <a:xfrm>
+            <a:off x="419006" y="227243"/>
+            <a:ext cx="9831909" cy="397032"/>
+          </a:xfrm>
+          <a:prstGeom prst="rect">
+            <a:avLst/>
+          </a:prstGeom>
+        </p:spPr>
+        <p:txBody>
+          <a:bodyPr/>
+          <a:lstStyle>
+            <a:lvl1pPr algn="l" defTabSz="914400" rtl="0" eaLnBrk="1" latinLnBrk="1" hangingPunct="1">
+              <a:lnSpc>
+                <a:spcPct val="90000"/>
+              </a:lnSpc>
+              <a:spcBef>
+                <a:spcPct val="0"/>
+              </a:spcBef>
+              <a:buNone/>
+              <a:defRPr sz="4400" kern="1200" baseline="0">
+                <a:solidFill>
+                  <a:schemeClr val="tx1"/>
+                </a:solidFill>
+                <a:latin typeface="+mn-ea"/>
+                <a:ea typeface="+mn-ea"/>
+                <a:cs typeface="+mj-cs"/>
+              </a:defRPr>
+            </a:lvl1pPr>
+          </a:lstStyle>
+          <a:p>
+            <a:r>
+              <a:rPr lang="en-US" altLang="ko-KR" sz="2200" b="1" dirty="0">
+                <a:solidFill>
+                  <a:srgbClr val="7F7F7F"/>
+                </a:solidFill>
+                <a:latin typeface="SamsungOneKorean 700"/>
+              </a:rPr>
+              <a:t>5. Integration</a:t>
+            </a:r>
+            <a:r>
+              <a:rPr lang="ko-KR" altLang="en-US" sz="2200" b="1" dirty="0">
+                <a:solidFill>
+                  <a:srgbClr val="7F7F7F"/>
+                </a:solidFill>
+                <a:latin typeface="SamsungOneKorean 700"/>
+              </a:rPr>
+              <a:t> </a:t>
+            </a:r>
+            <a:r>
+              <a:rPr lang="en-US" altLang="ko-KR" sz="2200" b="1" dirty="0">
+                <a:solidFill>
+                  <a:srgbClr val="7F7F7F"/>
+                </a:solidFill>
+                <a:latin typeface="SamsungOneKorean 700"/>
+              </a:rPr>
+              <a:t>Hub Lib. POC </a:t>
+            </a:r>
+            <a:r>
+              <a:rPr lang="ko-KR" altLang="en-US" sz="2200" b="1" dirty="0">
+                <a:solidFill>
+                  <a:srgbClr val="7F7F7F"/>
+                </a:solidFill>
+                <a:latin typeface="SamsungOneKorean 700"/>
+              </a:rPr>
+              <a:t>개발</a:t>
+            </a:r>
+            <a:r>
+              <a:rPr lang="en-US" altLang="ko-KR" sz="2200" b="1" dirty="0">
+                <a:solidFill>
+                  <a:srgbClr val="7F7F7F"/>
+                </a:solidFill>
+                <a:latin typeface="SamsungOneKorean 700"/>
+              </a:rPr>
+              <a:t> </a:t>
+            </a:r>
+            <a:r>
+              <a:rPr lang="ko-KR" altLang="en-US" sz="2200" b="1" dirty="0">
+                <a:solidFill>
+                  <a:srgbClr val="7F7F7F"/>
+                </a:solidFill>
+                <a:latin typeface="SamsungOneKorean 700"/>
+              </a:rPr>
+              <a:t>및 설계 일정</a:t>
+            </a:r>
+            <a:r>
+              <a:rPr lang="en-US" altLang="ko-KR" sz="2200" b="1" dirty="0">
+                <a:solidFill>
+                  <a:srgbClr val="7F7F7F"/>
+                </a:solidFill>
+                <a:latin typeface="SamsungOneKorean 700"/>
+              </a:rPr>
+              <a:t> </a:t>
+            </a:r>
+          </a:p>
+        </p:txBody>
+      </p:sp>
+      <p:sp>
+        <p:nvSpPr>
+          <p:cNvPr id="172" name="부제목 1">
+            <a:extLst>
+              <a:ext uri="{FF2B5EF4-FFF2-40B4-BE49-F238E27FC236}">
+                <a16:creationId xmlns:a16="http://schemas.microsoft.com/office/drawing/2014/main" id="{9DBDCC1E-1A46-991C-6608-FC30B681A784}"/>
+              </a:ext>
+            </a:extLst>
+          </p:cNvPr>
+          <p:cNvSpPr txBox="1">
+            <a:spLocks/>
+          </p:cNvSpPr>
+          <p:nvPr/>
+        </p:nvSpPr>
+        <p:spPr>
+          <a:xfrm>
+            <a:off x="427971" y="634271"/>
+            <a:ext cx="11450762" cy="313932"/>
+          </a:xfrm>
+          <a:prstGeom prst="rect">
+            <a:avLst/>
+          </a:prstGeom>
+        </p:spPr>
+        <p:txBody>
+          <a:bodyPr vert="horz" wrap="square" lIns="91440" tIns="45720" rIns="91440" bIns="45720" rtlCol="0">
+            <a:spAutoFit/>
+          </a:bodyPr>
+          <a:lstStyle>
+            <a:lvl1pPr marL="228600" indent="-228600" algn="l" defTabSz="914400" rtl="0" eaLnBrk="1" latinLnBrk="1" hangingPunct="1">
+              <a:lnSpc>
+                <a:spcPct val="90000"/>
+              </a:lnSpc>
+              <a:spcBef>
+                <a:spcPts val="1000"/>
+              </a:spcBef>
+              <a:buFont typeface="Arial" panose="020B0604020202020204" pitchFamily="34" charset="0"/>
+              <a:buChar char="•"/>
+              <a:defRPr sz="2800" kern="1200" baseline="0">
+                <a:solidFill>
+                  <a:schemeClr val="tx1"/>
+                </a:solidFill>
+                <a:latin typeface="+mn-ea"/>
+                <a:ea typeface="+mn-ea"/>
+                <a:cs typeface="+mn-cs"/>
+              </a:defRPr>
+            </a:lvl1pPr>
+            <a:lvl2pPr marL="685800" indent="-228600" algn="l" defTabSz="914400" rtl="0" eaLnBrk="1" latinLnBrk="1" hangingPunct="1">
+              <a:lnSpc>
+                <a:spcPct val="90000"/>
+              </a:lnSpc>
+              <a:spcBef>
+                <a:spcPts val="500"/>
+              </a:spcBef>
+              <a:buFont typeface="Arial" panose="020B0604020202020204" pitchFamily="34" charset="0"/>
+              <a:buChar char="•"/>
+              <a:defRPr sz="2400" kern="1200" baseline="0">
+                <a:solidFill>
+                  <a:schemeClr val="tx1"/>
+                </a:solidFill>
+                <a:latin typeface="+mn-ea"/>
+                <a:ea typeface="+mn-ea"/>
+                <a:cs typeface="+mn-cs"/>
+              </a:defRPr>
+            </a:lvl2pPr>
+            <a:lvl3pPr marL="1143000" indent="-228600" algn="l" defTabSz="914400" rtl="0" eaLnBrk="1" latinLnBrk="1" hangingPunct="1">
+              <a:lnSpc>
+                <a:spcPct val="90000"/>
+              </a:lnSpc>
+              <a:spcBef>
+                <a:spcPts val="500"/>
+              </a:spcBef>
+              <a:buFont typeface="Arial" panose="020B0604020202020204" pitchFamily="34" charset="0"/>
+              <a:buChar char="•"/>
+              <a:defRPr sz="2000" kern="1200" baseline="0">
+                <a:solidFill>
+                  <a:schemeClr val="tx1"/>
+                </a:solidFill>
+                <a:latin typeface="+mn-ea"/>
+                <a:ea typeface="+mn-ea"/>
+                <a:cs typeface="+mn-cs"/>
+              </a:defRPr>
+            </a:lvl3pPr>
+            <a:lvl4pPr marL="1600200" indent="-228600" algn="l" defTabSz="914400" rtl="0" eaLnBrk="1" latinLnBrk="1" hangingPunct="1">
+              <a:lnSpc>
+                <a:spcPct val="90000"/>
+              </a:lnSpc>
+              <a:spcBef>
+                <a:spcPts val="500"/>
+              </a:spcBef>
+              <a:buFont typeface="Arial" panose="020B0604020202020204" pitchFamily="34" charset="0"/>
+              <a:buChar char="•"/>
+              <a:defRPr sz="1800" kern="1200" baseline="0">
+                <a:solidFill>
+                  <a:schemeClr val="tx1"/>
+                </a:solidFill>
+                <a:latin typeface="+mn-ea"/>
+                <a:ea typeface="+mn-ea"/>
+                <a:cs typeface="+mn-cs"/>
+              </a:defRPr>
+            </a:lvl4pPr>
+            <a:lvl5pPr marL="2057400" indent="-228600" algn="l" defTabSz="914400" rtl="0" eaLnBrk="1" latinLnBrk="1" hangingPunct="1">
+              <a:lnSpc>
+                <a:spcPct val="90000"/>
+              </a:lnSpc>
+              <a:spcBef>
+                <a:spcPts val="500"/>
+              </a:spcBef>
+              <a:buFont typeface="Arial" panose="020B0604020202020204" pitchFamily="34" charset="0"/>
+              <a:buChar char="•"/>
+              <a:defRPr sz="1800" kern="1200" baseline="0">
+                <a:solidFill>
+                  <a:schemeClr val="tx1"/>
+                </a:solidFill>
+                <a:latin typeface="+mn-ea"/>
+                <a:ea typeface="+mn-ea"/>
+                <a:cs typeface="+mn-cs"/>
+              </a:defRPr>
+            </a:lvl5pPr>
+            <a:lvl6pPr marL="2514600" indent="-228600" algn="l" defTabSz="914400" rtl="0" eaLnBrk="1" latinLnBrk="1" hangingPunct="1">
+              <a:lnSpc>
+                <a:spcPct val="90000"/>
+              </a:lnSpc>
+              <a:spcBef>
+                <a:spcPts val="500"/>
+              </a:spcBef>
+              <a:buFont typeface="Arial" panose="020B0604020202020204" pitchFamily="34" charset="0"/>
+              <a:buChar char="•"/>
+              <a:defRPr sz="1800" kern="1200">
+                <a:solidFill>
+                  <a:schemeClr val="tx1"/>
+                </a:solidFill>
+                <a:latin typeface="+mn-lt"/>
+                <a:ea typeface="+mn-ea"/>
+                <a:cs typeface="+mn-cs"/>
+              </a:defRPr>
+            </a:lvl6pPr>
+            <a:lvl7pPr marL="2971800" indent="-228600" algn="l" defTabSz="914400" rtl="0" eaLnBrk="1" latinLnBrk="1" hangingPunct="1">
+              <a:lnSpc>
+                <a:spcPct val="90000"/>
+              </a:lnSpc>
+              <a:spcBef>
+                <a:spcPts val="500"/>
+              </a:spcBef>
+              <a:buFont typeface="Arial" panose="020B0604020202020204" pitchFamily="34" charset="0"/>
+              <a:buChar char="•"/>
+              <a:defRPr sz="1800" kern="1200">
+                <a:solidFill>
+                  <a:schemeClr val="tx1"/>
+                </a:solidFill>
+                <a:latin typeface="+mn-lt"/>
+                <a:ea typeface="+mn-ea"/>
+                <a:cs typeface="+mn-cs"/>
+              </a:defRPr>
+            </a:lvl7pPr>
+            <a:lvl8pPr marL="3429000" indent="-228600" algn="l" defTabSz="914400" rtl="0" eaLnBrk="1" latinLnBrk="1" hangingPunct="1">
+              <a:lnSpc>
+                <a:spcPct val="90000"/>
+              </a:lnSpc>
+              <a:spcBef>
+                <a:spcPts val="500"/>
+              </a:spcBef>
+              <a:buFont typeface="Arial" panose="020B0604020202020204" pitchFamily="34" charset="0"/>
+              <a:buChar char="•"/>
+              <a:defRPr sz="1800" kern="1200">
+                <a:solidFill>
+                  <a:schemeClr val="tx1"/>
+                </a:solidFill>
+                <a:latin typeface="+mn-lt"/>
+                <a:ea typeface="+mn-ea"/>
+                <a:cs typeface="+mn-cs"/>
+              </a:defRPr>
+            </a:lvl8pPr>
+            <a:lvl9pPr marL="3886200" indent="-228600" algn="l" defTabSz="914400" rtl="0" eaLnBrk="1" latinLnBrk="1" hangingPunct="1">
+              <a:lnSpc>
+                <a:spcPct val="90000"/>
+              </a:lnSpc>
+              <a:spcBef>
+                <a:spcPts val="500"/>
+              </a:spcBef>
+              <a:buFont typeface="Arial" panose="020B0604020202020204" pitchFamily="34" charset="0"/>
+              <a:buChar char="•"/>
+              <a:defRPr sz="1800" kern="1200">
+                <a:solidFill>
+                  <a:schemeClr val="tx1"/>
+                </a:solidFill>
+                <a:latin typeface="+mn-lt"/>
+                <a:ea typeface="+mn-ea"/>
+                <a:cs typeface="+mn-cs"/>
+              </a:defRPr>
+            </a:lvl9pPr>
+          </a:lstStyle>
+          <a:p>
+            <a:pPr marL="285750" indent="-285750"/>
+            <a:r>
+              <a:rPr lang="en-US" altLang="ko-KR" sz="1600" b="1" dirty="0">
+                <a:latin typeface="SamsungOneKorean 700"/>
+              </a:rPr>
+              <a:t>POC </a:t>
+            </a:r>
+            <a:r>
+              <a:rPr lang="ko-KR" altLang="en-US" sz="1600" b="1" dirty="0">
+                <a:latin typeface="SamsungOneKorean 700"/>
+              </a:rPr>
+              <a:t>개념 설계</a:t>
+            </a:r>
+            <a:r>
+              <a:rPr lang="en-US" altLang="ko-KR" sz="1600" b="1" dirty="0">
+                <a:latin typeface="SamsungOneKorean 700"/>
+              </a:rPr>
+              <a:t> </a:t>
+            </a:r>
+            <a:r>
+              <a:rPr lang="ko-KR" altLang="en-US" sz="1600" b="1" dirty="0">
+                <a:latin typeface="SamsungOneKorean 700"/>
+              </a:rPr>
+              <a:t>및 </a:t>
+            </a:r>
+            <a:r>
+              <a:rPr lang="en-US" altLang="ko-KR" sz="1600" b="1" dirty="0">
+                <a:latin typeface="SamsungOneKorean 700"/>
+              </a:rPr>
+              <a:t>POC</a:t>
+            </a:r>
+            <a:r>
+              <a:rPr lang="ko-KR" altLang="en-US" sz="1600" b="1" dirty="0">
+                <a:latin typeface="SamsungOneKorean 700"/>
+              </a:rPr>
+              <a:t>개발</a:t>
+            </a:r>
+            <a:r>
+              <a:rPr lang="en-US" altLang="ko-KR" sz="1600" b="1" dirty="0">
+                <a:latin typeface="SamsungOneKorean 700"/>
+              </a:rPr>
+              <a:t>, Integration Hub Lib. </a:t>
+            </a:r>
+            <a:r>
+              <a:rPr lang="ko-KR" altLang="en-US" sz="1600" b="1" dirty="0">
+                <a:latin typeface="SamsungOneKorean 700"/>
+              </a:rPr>
+              <a:t>설계</a:t>
+            </a:r>
+            <a:r>
+              <a:rPr lang="en-US" altLang="ko-KR" sz="1600" b="1" dirty="0">
+                <a:latin typeface="SamsungOneKorean 700"/>
+              </a:rPr>
+              <a:t>, </a:t>
+            </a:r>
+            <a:r>
+              <a:rPr lang="ko-KR" altLang="en-US" sz="1600" b="1" dirty="0">
+                <a:latin typeface="SamsungOneKorean 700"/>
+              </a:rPr>
+              <a:t>개발일정 상세화는 이하 일정으로 진행 예정입니다</a:t>
+            </a:r>
+            <a:r>
+              <a:rPr lang="en-US" altLang="ko-KR" sz="1600" b="1" dirty="0">
+                <a:latin typeface="SamsungOneKorean 700"/>
+              </a:rPr>
+              <a:t>.</a:t>
+            </a:r>
+            <a:endParaRPr lang="ko-KR" altLang="en-US" sz="1600" b="1" dirty="0">
+              <a:latin typeface="SamsungOneKorean 700"/>
+            </a:endParaRPr>
+          </a:p>
+        </p:txBody>
+      </p:sp>
+      <p:sp>
+        <p:nvSpPr>
+          <p:cNvPr id="189" name="직사각형 57">
+            <a:extLst>
+              <a:ext uri="{FF2B5EF4-FFF2-40B4-BE49-F238E27FC236}">
+                <a16:creationId xmlns:a16="http://schemas.microsoft.com/office/drawing/2014/main" id="{8E535D26-F0C9-7522-B693-15BF97A0FF92}"/>
+              </a:ext>
+            </a:extLst>
+          </p:cNvPr>
+          <p:cNvSpPr/>
+          <p:nvPr/>
+        </p:nvSpPr>
+        <p:spPr>
+          <a:xfrm>
+            <a:off x="721360" y="995733"/>
+            <a:ext cx="3297934" cy="307777"/>
+          </a:xfrm>
+          <a:prstGeom prst="rect">
+            <a:avLst/>
+          </a:prstGeom>
+        </p:spPr>
+        <p:txBody>
+          <a:bodyPr wrap="square">
+            <a:spAutoFit/>
+          </a:bodyPr>
+          <a:lstStyle/>
+          <a:p>
+            <a:pPr marL="0" marR="0" lvl="0" indent="0" algn="l" defTabSz="742727" rtl="0" eaLnBrk="1" fontAlgn="auto" latinLnBrk="1" hangingPunct="1">
+              <a:lnSpc>
+                <a:spcPct val="100000"/>
+              </a:lnSpc>
+              <a:spcBef>
+                <a:spcPts val="0"/>
+              </a:spcBef>
+              <a:spcAft>
+                <a:spcPts val="0"/>
+              </a:spcAft>
+              <a:buClr>
+                <a:srgbClr val="D04A02"/>
+              </a:buClr>
+              <a:buSzPts val="1600"/>
+              <a:buFontTx/>
+              <a:buNone/>
+              <a:tabLst/>
+              <a:defRPr/>
+            </a:pPr>
+            <a:r>
+              <a:rPr kumimoji="0" lang="ko-KR" altLang="en-US" sz="1400" b="1" i="0" u="none" strike="noStrike" kern="1200" cap="none" spc="0" normalizeH="0" baseline="0" noProof="0" dirty="0">
+                <a:ln>
+                  <a:noFill/>
+                </a:ln>
+                <a:solidFill>
+                  <a:prstClr val="black"/>
+                </a:solidFill>
+                <a:effectLst/>
+                <a:uLnTx/>
+                <a:uFillTx/>
+                <a:latin typeface="SamsungOne 400"/>
+                <a:cs typeface="+mn-cs"/>
+              </a:rPr>
+              <a:t>개발 일정표</a:t>
+            </a:r>
+            <a:endParaRPr kumimoji="0" lang="en-US" altLang="ko-KR" sz="1400" b="1" i="0" u="none" strike="noStrike" kern="1200" cap="none" spc="0" normalizeH="0" baseline="0" noProof="0" dirty="0">
+              <a:ln>
+                <a:noFill/>
+              </a:ln>
+              <a:solidFill>
+                <a:prstClr val="black"/>
+              </a:solidFill>
+              <a:effectLst/>
+              <a:uLnTx/>
+              <a:uFillTx/>
+              <a:latin typeface="SamsungOne 400"/>
+              <a:cs typeface="+mn-cs"/>
+            </a:endParaRPr>
+          </a:p>
+        </p:txBody>
+      </p:sp>
+      <p:cxnSp>
+        <p:nvCxnSpPr>
+          <p:cNvPr id="190" name="직선 연결선 58">
+            <a:extLst>
+              <a:ext uri="{FF2B5EF4-FFF2-40B4-BE49-F238E27FC236}">
+                <a16:creationId xmlns:a16="http://schemas.microsoft.com/office/drawing/2014/main" id="{020CF62E-4E7A-A944-D033-187762B45D99}"/>
+              </a:ext>
+            </a:extLst>
+          </p:cNvPr>
+          <p:cNvCxnSpPr>
+            <a:cxnSpLocks/>
+          </p:cNvCxnSpPr>
+          <p:nvPr/>
+        </p:nvCxnSpPr>
+        <p:spPr>
+          <a:xfrm>
+            <a:off x="721360" y="1282918"/>
+            <a:ext cx="1378373" cy="0"/>
+          </a:xfrm>
+          <a:prstGeom prst="line">
+            <a:avLst/>
+          </a:prstGeom>
+          <a:noFill/>
+          <a:ln w="22225" cap="flat" cmpd="sng" algn="ctr">
+            <a:solidFill>
+              <a:srgbClr val="000000"/>
+            </a:solidFill>
+            <a:prstDash val="solid"/>
+            <a:headEnd type="none" w="med" len="med"/>
+            <a:tailEnd type="none" w="med" len="med"/>
+          </a:ln>
+          <a:effectLst/>
+        </p:spPr>
+      </p:cxnSp>
+      <p:graphicFrame>
+        <p:nvGraphicFramePr>
+          <p:cNvPr id="3" name="표 2">
+            <a:extLst>
+              <a:ext uri="{FF2B5EF4-FFF2-40B4-BE49-F238E27FC236}">
+                <a16:creationId xmlns:a16="http://schemas.microsoft.com/office/drawing/2014/main" id="{0DA0F953-0D86-0769-F304-8E54F915B0D8}"/>
+              </a:ext>
+            </a:extLst>
+          </p:cNvPr>
+          <p:cNvGraphicFramePr>
+            <a:graphicFrameLocks noGrp="1"/>
+          </p:cNvGraphicFramePr>
+          <p:nvPr>
+            <p:extLst>
+              <p:ext uri="{D42A27DB-BD31-4B8C-83A1-F6EECF244321}">
+                <p14:modId xmlns:p14="http://schemas.microsoft.com/office/powerpoint/2010/main" val="1976316559"/>
+              </p:ext>
+            </p:extLst>
+          </p:nvPr>
+        </p:nvGraphicFramePr>
+        <p:xfrm>
+          <a:off x="1082040" y="1607335"/>
+          <a:ext cx="9952904" cy="290286"/>
+        </p:xfrm>
+        <a:graphic>
+          <a:graphicData uri="http://schemas.openxmlformats.org/drawingml/2006/table">
+            <a:tbl>
+              <a:tblPr firstRow="1" bandRow="1">
+                <a:tableStyleId>{5C22544A-7EE6-4342-B048-85BDC9FD1C3A}</a:tableStyleId>
+              </a:tblPr>
+              <a:tblGrid>
+                <a:gridCol w="1790700">
+                  <a:extLst>
+                    <a:ext uri="{9D8B030D-6E8A-4147-A177-3AD203B41FA5}">
+                      <a16:colId xmlns:a16="http://schemas.microsoft.com/office/drawing/2014/main" val="20000"/>
+                    </a:ext>
+                  </a:extLst>
+                </a:gridCol>
+                <a:gridCol w="500775">
+                  <a:extLst>
+                    <a:ext uri="{9D8B030D-6E8A-4147-A177-3AD203B41FA5}">
+                      <a16:colId xmlns:a16="http://schemas.microsoft.com/office/drawing/2014/main" val="20001"/>
+                    </a:ext>
+                  </a:extLst>
+                </a:gridCol>
+                <a:gridCol w="2556768">
+                  <a:extLst>
+                    <a:ext uri="{9D8B030D-6E8A-4147-A177-3AD203B41FA5}">
+                      <a16:colId xmlns:a16="http://schemas.microsoft.com/office/drawing/2014/main" val="20002"/>
+                    </a:ext>
+                  </a:extLst>
+                </a:gridCol>
+                <a:gridCol w="2539014">
+                  <a:extLst>
+                    <a:ext uri="{9D8B030D-6E8A-4147-A177-3AD203B41FA5}">
+                      <a16:colId xmlns:a16="http://schemas.microsoft.com/office/drawing/2014/main" val="20003"/>
+                    </a:ext>
+                  </a:extLst>
+                </a:gridCol>
+                <a:gridCol w="2565647">
+                  <a:extLst>
+                    <a:ext uri="{9D8B030D-6E8A-4147-A177-3AD203B41FA5}">
+                      <a16:colId xmlns:a16="http://schemas.microsoft.com/office/drawing/2014/main" val="20004"/>
+                    </a:ext>
+                  </a:extLst>
+                </a:gridCol>
+              </a:tblGrid>
+              <a:tr h="290286">
+                <a:tc>
+                  <a:txBody>
+                    <a:bodyPr/>
+                    <a:lstStyle/>
+                    <a:p>
+                      <a:pPr algn="ctr" latinLnBrk="1"/>
+                      <a:r>
+                        <a:rPr lang="ko-KR" altLang="en-US" sz="1200" dirty="0">
+                          <a:latin typeface="맑은 고딕" pitchFamily="50" charset="-127"/>
+                          <a:ea typeface="맑은 고딕" pitchFamily="50" charset="-127"/>
+                        </a:rPr>
+                        <a:t>단계</a:t>
+                      </a:r>
+                    </a:p>
+                  </a:txBody>
+                  <a:tcPr marL="89527" marR="89527" anchor="ctr">
+                    <a:lnL w="12700" cap="flat" cmpd="sng" algn="ctr">
+                      <a:solidFill>
+                        <a:schemeClr val="tx1"/>
+                      </a:solidFill>
+                      <a:prstDash val="solid"/>
+                      <a:round/>
+                      <a:headEnd type="none" w="med" len="med"/>
+                      <a:tailEnd type="none" w="med" len="med"/>
+                    </a:lnL>
+                    <a:lnR w="12700" cap="flat" cmpd="sng" algn="ctr">
+                      <a:solidFill>
+                        <a:schemeClr val="bg1"/>
+                      </a:solidFill>
+                      <a:prstDash val="solid"/>
+                      <a:round/>
+                      <a:headEnd type="none" w="med" len="med"/>
+                      <a:tailEnd type="none" w="med" len="med"/>
+                    </a:lnR>
+                    <a:lnT w="12700" cap="flat" cmpd="sng" algn="ctr">
+                      <a:solidFill>
+                        <a:schemeClr val="tx1"/>
+                      </a:solidFill>
+                      <a:prstDash val="solid"/>
+                      <a:round/>
+                      <a:headEnd type="none" w="med" len="med"/>
+                      <a:tailEnd type="none" w="med" len="med"/>
+                    </a:lnT>
+                    <a:lnB w="12700" cap="flat" cmpd="sng" algn="ctr">
+                      <a:solidFill>
+                        <a:schemeClr val="tx1"/>
+                      </a:solidFill>
+                      <a:prstDash val="solid"/>
+                      <a:round/>
+                      <a:headEnd type="none" w="med" len="med"/>
+                      <a:tailEnd type="none" w="med" len="med"/>
+                    </a:lnB>
+                    <a:solidFill>
+                      <a:schemeClr val="tx1">
+                        <a:lumMod val="50000"/>
+                        <a:lumOff val="50000"/>
+                      </a:schemeClr>
+                    </a:solidFill>
+                  </a:tcPr>
+                </a:tc>
+                <a:tc>
+                  <a:txBody>
+                    <a:bodyPr/>
+                    <a:lstStyle/>
+                    <a:p>
+                      <a:pPr algn="ctr" latinLnBrk="1"/>
+                      <a:r>
+                        <a:rPr lang="en-US" altLang="ko-KR" sz="1200" dirty="0">
+                          <a:latin typeface="맑은 고딕" pitchFamily="50" charset="-127"/>
+                          <a:ea typeface="맑은 고딕" pitchFamily="50" charset="-127"/>
+                        </a:rPr>
+                        <a:t>1W</a:t>
+                      </a:r>
+                      <a:endParaRPr lang="ko-KR" altLang="en-US" sz="1200" dirty="0">
+                        <a:latin typeface="맑은 고딕" pitchFamily="50" charset="-127"/>
+                        <a:ea typeface="맑은 고딕" pitchFamily="50" charset="-127"/>
+                      </a:endParaRPr>
+                    </a:p>
+                  </a:txBody>
+                  <a:tcPr marL="89527" marR="89527" anchor="ctr">
+                    <a:lnL w="12700" cap="flat" cmpd="sng" algn="ctr">
+                      <a:solidFill>
+                        <a:schemeClr val="bg1"/>
+                      </a:solidFill>
+                      <a:prstDash val="solid"/>
+                      <a:round/>
+                      <a:headEnd type="none" w="med" len="med"/>
+                      <a:tailEnd type="none" w="med" len="med"/>
+                    </a:lnL>
+                    <a:lnR w="12700" cap="flat" cmpd="sng" algn="ctr">
+                      <a:solidFill>
+                        <a:schemeClr val="bg1"/>
+                      </a:solidFill>
+                      <a:prstDash val="solid"/>
+                      <a:round/>
+                      <a:headEnd type="none" w="med" len="med"/>
+                      <a:tailEnd type="none" w="med" len="med"/>
+                    </a:lnR>
+                    <a:lnT w="12700" cap="flat" cmpd="sng" algn="ctr">
+                      <a:solidFill>
+                        <a:schemeClr val="tx1"/>
+                      </a:solidFill>
+                      <a:prstDash val="solid"/>
+                      <a:round/>
+                      <a:headEnd type="none" w="med" len="med"/>
+                      <a:tailEnd type="none" w="med" len="med"/>
+                    </a:lnT>
+                    <a:lnB w="12700" cap="flat" cmpd="sng" algn="ctr">
+                      <a:solidFill>
+                        <a:schemeClr val="tx1"/>
+                      </a:solidFill>
+                      <a:prstDash val="solid"/>
+                      <a:round/>
+                      <a:headEnd type="none" w="med" len="med"/>
+                      <a:tailEnd type="none" w="med" len="med"/>
+                    </a:lnB>
+                    <a:solidFill>
+                      <a:schemeClr val="tx1">
+                        <a:lumMod val="50000"/>
+                        <a:lumOff val="50000"/>
+                      </a:schemeClr>
+                    </a:solidFill>
+                  </a:tcPr>
+                </a:tc>
+                <a:tc>
+                  <a:txBody>
+                    <a:bodyPr/>
+                    <a:lstStyle/>
+                    <a:p>
+                      <a:pPr algn="ctr" latinLnBrk="1"/>
+                      <a:r>
+                        <a:rPr lang="en-US" altLang="ko-KR" sz="1200" dirty="0">
+                          <a:latin typeface="맑은 고딕" pitchFamily="50" charset="-127"/>
+                          <a:ea typeface="맑은 고딕" pitchFamily="50" charset="-127"/>
+                        </a:rPr>
+                        <a:t>2W</a:t>
+                      </a:r>
+                      <a:endParaRPr lang="ko-KR" altLang="en-US" sz="1200" dirty="0">
+                        <a:latin typeface="맑은 고딕" pitchFamily="50" charset="-127"/>
+                        <a:ea typeface="맑은 고딕" pitchFamily="50" charset="-127"/>
+                      </a:endParaRPr>
+                    </a:p>
+                  </a:txBody>
+                  <a:tcPr marL="89527" marR="89527" anchor="ctr">
+                    <a:lnL w="12700" cap="flat" cmpd="sng" algn="ctr">
+                      <a:solidFill>
+                        <a:schemeClr val="bg1"/>
+                      </a:solidFill>
+                      <a:prstDash val="solid"/>
+                      <a:round/>
+                      <a:headEnd type="none" w="med" len="med"/>
+                      <a:tailEnd type="none" w="med" len="med"/>
+                    </a:lnL>
+                    <a:lnR w="12700" cap="flat" cmpd="sng" algn="ctr">
+                      <a:solidFill>
+                        <a:schemeClr val="bg1"/>
+                      </a:solidFill>
+                      <a:prstDash val="solid"/>
+                      <a:round/>
+                      <a:headEnd type="none" w="med" len="med"/>
+                      <a:tailEnd type="none" w="med" len="med"/>
+                    </a:lnR>
+                    <a:lnT w="12700" cap="flat" cmpd="sng" algn="ctr">
+                      <a:solidFill>
+                        <a:schemeClr val="tx1"/>
+                      </a:solidFill>
+                      <a:prstDash val="solid"/>
+                      <a:round/>
+                      <a:headEnd type="none" w="med" len="med"/>
+                      <a:tailEnd type="none" w="med" len="med"/>
+                    </a:lnT>
+                    <a:lnB w="12700" cap="flat" cmpd="sng" algn="ctr">
+                      <a:solidFill>
+                        <a:schemeClr val="tx1"/>
+                      </a:solidFill>
+                      <a:prstDash val="solid"/>
+                      <a:round/>
+                      <a:headEnd type="none" w="med" len="med"/>
+                      <a:tailEnd type="none" w="med" len="med"/>
+                    </a:lnB>
+                    <a:solidFill>
+                      <a:schemeClr val="tx1">
+                        <a:lumMod val="50000"/>
+                        <a:lumOff val="50000"/>
+                      </a:schemeClr>
+                    </a:solidFill>
+                  </a:tcPr>
+                </a:tc>
+                <a:tc>
+                  <a:txBody>
+                    <a:bodyPr/>
+                    <a:lstStyle/>
+                    <a:p>
+                      <a:pPr algn="ctr" latinLnBrk="1"/>
+                      <a:r>
+                        <a:rPr lang="en-US" altLang="ko-KR" sz="1200" dirty="0">
+                          <a:latin typeface="맑은 고딕" pitchFamily="50" charset="-127"/>
+                          <a:ea typeface="맑은 고딕" pitchFamily="50" charset="-127"/>
+                        </a:rPr>
+                        <a:t>3W</a:t>
+                      </a:r>
+                      <a:endParaRPr lang="ko-KR" altLang="en-US" sz="1200" dirty="0">
+                        <a:latin typeface="맑은 고딕" pitchFamily="50" charset="-127"/>
+                        <a:ea typeface="맑은 고딕" pitchFamily="50" charset="-127"/>
+                      </a:endParaRPr>
+                    </a:p>
+                  </a:txBody>
+                  <a:tcPr marL="89527" marR="89527" anchor="ctr">
+                    <a:lnL w="12700" cap="flat" cmpd="sng" algn="ctr">
+                      <a:solidFill>
+                        <a:schemeClr val="bg1"/>
+                      </a:solidFill>
+                      <a:prstDash val="solid"/>
+                      <a:round/>
+                      <a:headEnd type="none" w="med" len="med"/>
+                      <a:tailEnd type="none" w="med" len="med"/>
+                    </a:lnL>
+                    <a:lnR w="12700" cap="flat" cmpd="sng" algn="ctr">
+                      <a:solidFill>
+                        <a:schemeClr val="bg1"/>
+                      </a:solidFill>
+                      <a:prstDash val="solid"/>
+                      <a:round/>
+                      <a:headEnd type="none" w="med" len="med"/>
+                      <a:tailEnd type="none" w="med" len="med"/>
+                    </a:lnR>
+                    <a:lnT w="12700" cap="flat" cmpd="sng" algn="ctr">
+                      <a:solidFill>
+                        <a:schemeClr val="tx1"/>
+                      </a:solidFill>
+                      <a:prstDash val="solid"/>
+                      <a:round/>
+                      <a:headEnd type="none" w="med" len="med"/>
+                      <a:tailEnd type="none" w="med" len="med"/>
+                    </a:lnT>
+                    <a:lnB w="12700" cap="flat" cmpd="sng" algn="ctr">
+                      <a:solidFill>
+                        <a:schemeClr val="tx1"/>
+                      </a:solidFill>
+                      <a:prstDash val="solid"/>
+                      <a:round/>
+                      <a:headEnd type="none" w="med" len="med"/>
+                      <a:tailEnd type="none" w="med" len="med"/>
+                    </a:lnB>
+                    <a:solidFill>
+                      <a:schemeClr val="tx1">
+                        <a:lumMod val="50000"/>
+                        <a:lumOff val="50000"/>
+                      </a:schemeClr>
+                    </a:solidFill>
+                  </a:tcPr>
+                </a:tc>
+                <a:tc>
+                  <a:txBody>
+                    <a:bodyPr/>
+                    <a:lstStyle/>
+                    <a:p>
+                      <a:pPr algn="ctr" latinLnBrk="1"/>
+                      <a:r>
+                        <a:rPr lang="en-US" altLang="ko-KR" sz="1200" dirty="0">
+                          <a:latin typeface="맑은 고딕" pitchFamily="50" charset="-127"/>
+                          <a:ea typeface="맑은 고딕" pitchFamily="50" charset="-127"/>
+                        </a:rPr>
+                        <a:t>4W</a:t>
+                      </a:r>
+                      <a:endParaRPr lang="ko-KR" altLang="en-US" sz="1200" dirty="0">
+                        <a:latin typeface="맑은 고딕" pitchFamily="50" charset="-127"/>
+                        <a:ea typeface="맑은 고딕" pitchFamily="50" charset="-127"/>
+                      </a:endParaRPr>
+                    </a:p>
+                  </a:txBody>
+                  <a:tcPr marL="89527" marR="89527" anchor="ctr">
+                    <a:lnL w="12700" cap="flat" cmpd="sng" algn="ctr">
+                      <a:solidFill>
+                        <a:schemeClr val="bg1"/>
+                      </a:solidFill>
+                      <a:prstDash val="solid"/>
+                      <a:round/>
+                      <a:headEnd type="none" w="med" len="med"/>
+                      <a:tailEnd type="none" w="med" len="med"/>
+                    </a:lnL>
+                    <a:lnR w="12700" cap="flat" cmpd="sng" algn="ctr">
+                      <a:solidFill>
+                        <a:schemeClr val="tx1"/>
+                      </a:solidFill>
+                      <a:prstDash val="solid"/>
+                      <a:round/>
+                      <a:headEnd type="none" w="med" len="med"/>
+                      <a:tailEnd type="none" w="med" len="med"/>
+                    </a:lnR>
+                    <a:lnT w="12700" cap="flat" cmpd="sng" algn="ctr">
+                      <a:solidFill>
+                        <a:schemeClr val="tx1"/>
+                      </a:solidFill>
+                      <a:prstDash val="solid"/>
+                      <a:round/>
+                      <a:headEnd type="none" w="med" len="med"/>
+                      <a:tailEnd type="none" w="med" len="med"/>
+                    </a:lnT>
+                    <a:lnB w="12700" cap="flat" cmpd="sng" algn="ctr">
+                      <a:solidFill>
+                        <a:schemeClr val="tx1"/>
+                      </a:solidFill>
+                      <a:prstDash val="solid"/>
+                      <a:round/>
+                      <a:headEnd type="none" w="med" len="med"/>
+                      <a:tailEnd type="none" w="med" len="med"/>
+                    </a:lnB>
+                    <a:solidFill>
+                      <a:schemeClr val="tx1">
+                        <a:lumMod val="50000"/>
+                        <a:lumOff val="50000"/>
+                      </a:schemeClr>
+                    </a:solidFill>
+                  </a:tcPr>
+                </a:tc>
+                <a:extLst>
+                  <a:ext uri="{0D108BD9-81ED-4DB2-BD59-A6C34878D82A}">
+                    <a16:rowId xmlns:a16="http://schemas.microsoft.com/office/drawing/2014/main" val="10000"/>
+                  </a:ext>
+                </a:extLst>
+              </a:tr>
+            </a:tbl>
+          </a:graphicData>
+        </a:graphic>
+      </p:graphicFrame>
+      <p:sp>
+        <p:nvSpPr>
+          <p:cNvPr id="8" name="AutoShape 191">
+            <a:extLst>
+              <a:ext uri="{FF2B5EF4-FFF2-40B4-BE49-F238E27FC236}">
+                <a16:creationId xmlns:a16="http://schemas.microsoft.com/office/drawing/2014/main" id="{25CD629B-42B5-1AA6-863B-2B97C2E0BE0C}"/>
+              </a:ext>
+            </a:extLst>
+          </p:cNvPr>
+          <p:cNvSpPr>
+            <a:spLocks noChangeArrowheads="1"/>
+          </p:cNvSpPr>
+          <p:nvPr/>
+        </p:nvSpPr>
+        <p:spPr bwMode="auto">
+          <a:xfrm>
+            <a:off x="2902597" y="2593291"/>
+            <a:ext cx="427343" cy="288000"/>
+          </a:xfrm>
+          <a:prstGeom prst="homePlate">
+            <a:avLst>
+              <a:gd name="adj" fmla="val 31810"/>
+            </a:avLst>
+          </a:prstGeom>
+          <a:solidFill>
+            <a:srgbClr val="FFFFFF"/>
+          </a:solidFill>
+          <a:ln w="9525">
+            <a:solidFill>
+              <a:srgbClr val="000000"/>
+            </a:solidFill>
+            <a:miter lim="800000"/>
+            <a:headEnd/>
+            <a:tailEnd/>
+          </a:ln>
+          <a:effectLst/>
+        </p:spPr>
+        <p:txBody>
+          <a:bodyPr wrap="none" anchor="ctr"/>
+          <a:lstStyle/>
+          <a:p>
+            <a:pPr algn="ctr"/>
+            <a:r>
+              <a:rPr lang="ko-KR" altLang="en-US" sz="1200" b="1" dirty="0">
+                <a:latin typeface="+mn-ea"/>
+              </a:rPr>
+              <a:t>개념설계</a:t>
+            </a:r>
+            <a:endParaRPr lang="en-US" altLang="ko-KR" sz="1200" b="1" dirty="0">
+              <a:latin typeface="+mn-ea"/>
+            </a:endParaRPr>
+          </a:p>
+        </p:txBody>
+      </p:sp>
+      <p:sp>
+        <p:nvSpPr>
+          <p:cNvPr id="10" name="AutoShape 191">
+            <a:extLst>
+              <a:ext uri="{FF2B5EF4-FFF2-40B4-BE49-F238E27FC236}">
+                <a16:creationId xmlns:a16="http://schemas.microsoft.com/office/drawing/2014/main" id="{F608F3C8-07FD-9C94-C7DF-C65815DFD838}"/>
+              </a:ext>
+            </a:extLst>
+          </p:cNvPr>
+          <p:cNvSpPr>
+            <a:spLocks noChangeArrowheads="1"/>
+          </p:cNvSpPr>
+          <p:nvPr/>
+        </p:nvSpPr>
+        <p:spPr bwMode="auto">
+          <a:xfrm>
+            <a:off x="3435657" y="3285039"/>
+            <a:ext cx="2425885" cy="432048"/>
+          </a:xfrm>
+          <a:prstGeom prst="homePlate">
+            <a:avLst>
+              <a:gd name="adj" fmla="val 31810"/>
+            </a:avLst>
+          </a:prstGeom>
+          <a:solidFill>
+            <a:srgbClr val="FFFFFF"/>
+          </a:solidFill>
+          <a:ln w="9525">
+            <a:solidFill>
+              <a:srgbClr val="000000"/>
+            </a:solidFill>
+            <a:miter lim="800000"/>
+            <a:headEnd/>
+            <a:tailEnd/>
+          </a:ln>
+          <a:effectLst/>
+        </p:spPr>
+        <p:txBody>
+          <a:bodyPr wrap="none" anchor="ctr"/>
+          <a:lstStyle/>
+          <a:p>
+            <a:pPr algn="ctr"/>
+            <a:r>
+              <a:rPr lang="en-US" altLang="ko-KR" sz="1200" b="1" dirty="0">
+                <a:latin typeface="+mn-ea"/>
+              </a:rPr>
+              <a:t>POC</a:t>
+            </a:r>
+            <a:r>
+              <a:rPr lang="ko-KR" altLang="en-US" sz="1200" b="1" dirty="0">
+                <a:latin typeface="+mn-ea"/>
+              </a:rPr>
+              <a:t> 개발</a:t>
+            </a:r>
+            <a:endParaRPr lang="en-US" altLang="ko-KR" sz="1200" b="1" dirty="0">
+              <a:latin typeface="+mn-ea"/>
+            </a:endParaRPr>
+          </a:p>
+        </p:txBody>
+      </p:sp>
+      <p:sp>
+        <p:nvSpPr>
+          <p:cNvPr id="18" name="Text Box 211">
+            <a:extLst>
+              <a:ext uri="{FF2B5EF4-FFF2-40B4-BE49-F238E27FC236}">
+                <a16:creationId xmlns:a16="http://schemas.microsoft.com/office/drawing/2014/main" id="{23A7BE06-98AD-1282-2358-4D8C3ED02AC3}"/>
+              </a:ext>
+            </a:extLst>
+          </p:cNvPr>
+          <p:cNvSpPr txBox="1">
+            <a:spLocks noChangeArrowheads="1"/>
+          </p:cNvSpPr>
+          <p:nvPr/>
+        </p:nvSpPr>
+        <p:spPr bwMode="auto">
+          <a:xfrm>
+            <a:off x="3623041" y="2370291"/>
+            <a:ext cx="709303" cy="326195"/>
+          </a:xfrm>
+          <a:prstGeom prst="rect">
+            <a:avLst/>
+          </a:prstGeom>
+          <a:solidFill>
+            <a:schemeClr val="bg1"/>
+          </a:solidFill>
+          <a:ln w="9525">
+            <a:noFill/>
+            <a:miter lim="800000"/>
+            <a:headEnd/>
+            <a:tailEnd/>
+          </a:ln>
+          <a:effectLst/>
+        </p:spPr>
+        <p:txBody>
+          <a:bodyPr wrap="square" lIns="79200" tIns="39600" rIns="79200" bIns="39600">
+            <a:spAutoFit/>
+          </a:bodyPr>
+          <a:lstStyle>
+            <a:lvl1pPr defTabSz="785813" eaLnBrk="0" hangingPunct="0">
+              <a:defRPr kumimoji="1">
+                <a:solidFill>
+                  <a:schemeClr val="tx1"/>
+                </a:solidFill>
+                <a:latin typeface="굴림" pitchFamily="50" charset="-127"/>
+                <a:ea typeface="굴림" pitchFamily="50" charset="-127"/>
+              </a:defRPr>
+            </a:lvl1pPr>
+            <a:lvl2pPr marL="742950" indent="-285750" defTabSz="785813" eaLnBrk="0" hangingPunct="0">
+              <a:defRPr kumimoji="1">
+                <a:solidFill>
+                  <a:schemeClr val="tx1"/>
+                </a:solidFill>
+                <a:latin typeface="굴림" pitchFamily="50" charset="-127"/>
+                <a:ea typeface="굴림" pitchFamily="50" charset="-127"/>
+              </a:defRPr>
+            </a:lvl2pPr>
+            <a:lvl3pPr marL="1143000" indent="-228600" defTabSz="785813" eaLnBrk="0" hangingPunct="0">
+              <a:defRPr kumimoji="1">
+                <a:solidFill>
+                  <a:schemeClr val="tx1"/>
+                </a:solidFill>
+                <a:latin typeface="굴림" pitchFamily="50" charset="-127"/>
+                <a:ea typeface="굴림" pitchFamily="50" charset="-127"/>
+              </a:defRPr>
+            </a:lvl3pPr>
+            <a:lvl4pPr marL="1600200" indent="-228600" defTabSz="785813" eaLnBrk="0" hangingPunct="0">
+              <a:defRPr kumimoji="1">
+                <a:solidFill>
+                  <a:schemeClr val="tx1"/>
+                </a:solidFill>
+                <a:latin typeface="굴림" pitchFamily="50" charset="-127"/>
+                <a:ea typeface="굴림" pitchFamily="50" charset="-127"/>
+              </a:defRPr>
+            </a:lvl4pPr>
+            <a:lvl5pPr marL="2057400" indent="-228600" defTabSz="785813" eaLnBrk="0" hangingPunct="0">
+              <a:defRPr kumimoji="1">
+                <a:solidFill>
+                  <a:schemeClr val="tx1"/>
+                </a:solidFill>
+                <a:latin typeface="굴림" pitchFamily="50" charset="-127"/>
+                <a:ea typeface="굴림" pitchFamily="50" charset="-127"/>
+              </a:defRPr>
+            </a:lvl5pPr>
+            <a:lvl6pPr marL="2514600" indent="-228600" defTabSz="785813" eaLnBrk="0" fontAlgn="base" hangingPunct="0">
+              <a:spcBef>
+                <a:spcPct val="0"/>
+              </a:spcBef>
+              <a:spcAft>
+                <a:spcPct val="0"/>
+              </a:spcAft>
+              <a:defRPr kumimoji="1">
+                <a:solidFill>
+                  <a:schemeClr val="tx1"/>
+                </a:solidFill>
+                <a:latin typeface="굴림" pitchFamily="50" charset="-127"/>
+                <a:ea typeface="굴림" pitchFamily="50" charset="-127"/>
+              </a:defRPr>
+            </a:lvl6pPr>
+            <a:lvl7pPr marL="2971800" indent="-228600" defTabSz="785813" eaLnBrk="0" fontAlgn="base" hangingPunct="0">
+              <a:spcBef>
+                <a:spcPct val="0"/>
+              </a:spcBef>
+              <a:spcAft>
+                <a:spcPct val="0"/>
+              </a:spcAft>
+              <a:defRPr kumimoji="1">
+                <a:solidFill>
+                  <a:schemeClr val="tx1"/>
+                </a:solidFill>
+                <a:latin typeface="굴림" pitchFamily="50" charset="-127"/>
+                <a:ea typeface="굴림" pitchFamily="50" charset="-127"/>
+              </a:defRPr>
+            </a:lvl7pPr>
+            <a:lvl8pPr marL="3429000" indent="-228600" defTabSz="785813" eaLnBrk="0" fontAlgn="base" hangingPunct="0">
+              <a:spcBef>
+                <a:spcPct val="0"/>
+              </a:spcBef>
+              <a:spcAft>
+                <a:spcPct val="0"/>
+              </a:spcAft>
+              <a:defRPr kumimoji="1">
+                <a:solidFill>
+                  <a:schemeClr val="tx1"/>
+                </a:solidFill>
+                <a:latin typeface="굴림" pitchFamily="50" charset="-127"/>
+                <a:ea typeface="굴림" pitchFamily="50" charset="-127"/>
+              </a:defRPr>
+            </a:lvl8pPr>
+            <a:lvl9pPr marL="3886200" indent="-228600" defTabSz="785813" eaLnBrk="0" fontAlgn="base" hangingPunct="0">
+              <a:spcBef>
+                <a:spcPct val="0"/>
+              </a:spcBef>
+              <a:spcAft>
+                <a:spcPct val="0"/>
+              </a:spcAft>
+              <a:defRPr kumimoji="1">
+                <a:solidFill>
+                  <a:schemeClr val="tx1"/>
+                </a:solidFill>
+                <a:latin typeface="굴림" pitchFamily="50" charset="-127"/>
+                <a:ea typeface="굴림" pitchFamily="50" charset="-127"/>
+              </a:defRPr>
+            </a:lvl9pPr>
+          </a:lstStyle>
+          <a:p>
+            <a:pPr algn="ctr" eaLnBrk="1" latinLnBrk="0" hangingPunct="1"/>
+            <a:r>
+              <a:rPr kumimoji="0" lang="en-US" altLang="ko-KR" sz="800" dirty="0">
+                <a:solidFill>
+                  <a:srgbClr val="000000"/>
+                </a:solidFill>
+                <a:latin typeface="+mn-ea"/>
+                <a:ea typeface="+mn-ea"/>
+              </a:rPr>
+              <a:t>POC</a:t>
+            </a:r>
+            <a:r>
+              <a:rPr kumimoji="0" lang="ko-KR" altLang="en-US" sz="800" dirty="0">
+                <a:solidFill>
+                  <a:srgbClr val="000000"/>
+                </a:solidFill>
+                <a:latin typeface="+mn-ea"/>
+                <a:ea typeface="+mn-ea"/>
+              </a:rPr>
+              <a:t> 개념 </a:t>
+            </a:r>
+            <a:r>
+              <a:rPr kumimoji="0" lang="en-US" altLang="ko-KR" sz="800" dirty="0">
+                <a:solidFill>
+                  <a:srgbClr val="000000"/>
+                </a:solidFill>
+                <a:latin typeface="+mn-ea"/>
+                <a:ea typeface="+mn-ea"/>
+              </a:rPr>
+              <a:t>Review</a:t>
+            </a:r>
+            <a:endParaRPr kumimoji="0" lang="ko-KR" altLang="en-US" sz="800" dirty="0">
+              <a:solidFill>
+                <a:srgbClr val="000000"/>
+              </a:solidFill>
+              <a:latin typeface="+mn-ea"/>
+              <a:ea typeface="+mn-ea"/>
+            </a:endParaRPr>
+          </a:p>
+        </p:txBody>
+      </p:sp>
+      <p:sp>
+        <p:nvSpPr>
+          <p:cNvPr id="28" name="AutoShape 175">
+            <a:extLst>
+              <a:ext uri="{FF2B5EF4-FFF2-40B4-BE49-F238E27FC236}">
+                <a16:creationId xmlns:a16="http://schemas.microsoft.com/office/drawing/2014/main" id="{1AE4D87A-2DE8-DC96-0B77-D43052A31571}"/>
+              </a:ext>
+            </a:extLst>
+          </p:cNvPr>
+          <p:cNvSpPr>
+            <a:spLocks noChangeArrowheads="1"/>
+          </p:cNvSpPr>
+          <p:nvPr/>
+        </p:nvSpPr>
+        <p:spPr bwMode="auto">
+          <a:xfrm>
+            <a:off x="3934962" y="2669047"/>
+            <a:ext cx="144000" cy="108000"/>
+          </a:xfrm>
+          <a:prstGeom prst="flowChartMerge">
+            <a:avLst/>
+          </a:prstGeom>
+          <a:solidFill>
+            <a:srgbClr val="333399"/>
+          </a:solidFill>
+          <a:ln w="9525" algn="ctr">
+            <a:noFill/>
+            <a:miter lim="800000"/>
+            <a:headEnd/>
+            <a:tailEnd/>
+          </a:ln>
+          <a:effectLst/>
+        </p:spPr>
+        <p:txBody>
+          <a:bodyPr wrap="none" anchor="ctr"/>
+          <a:lstStyle/>
+          <a:p>
+            <a:pPr algn="ctr" latinLnBrk="0"/>
+            <a:endParaRPr kumimoji="0" lang="ko-KR" altLang="en-US" sz="700">
+              <a:solidFill>
+                <a:srgbClr val="000000"/>
+              </a:solidFill>
+              <a:latin typeface="+mn-ea"/>
+            </a:endParaRPr>
+          </a:p>
+        </p:txBody>
+      </p:sp>
+      <p:sp>
+        <p:nvSpPr>
+          <p:cNvPr id="34" name="AutoShape 191">
+            <a:extLst>
+              <a:ext uri="{FF2B5EF4-FFF2-40B4-BE49-F238E27FC236}">
+                <a16:creationId xmlns:a16="http://schemas.microsoft.com/office/drawing/2014/main" id="{B989C12A-60EE-CF9C-F024-4486325F1580}"/>
+              </a:ext>
+            </a:extLst>
+          </p:cNvPr>
+          <p:cNvSpPr>
+            <a:spLocks noChangeArrowheads="1"/>
+          </p:cNvSpPr>
+          <p:nvPr/>
+        </p:nvSpPr>
+        <p:spPr bwMode="auto">
+          <a:xfrm>
+            <a:off x="5992425" y="4091747"/>
+            <a:ext cx="3444537" cy="432048"/>
+          </a:xfrm>
+          <a:prstGeom prst="homePlate">
+            <a:avLst>
+              <a:gd name="adj" fmla="val 31810"/>
+            </a:avLst>
+          </a:prstGeom>
+          <a:solidFill>
+            <a:srgbClr val="FFFFFF"/>
+          </a:solidFill>
+          <a:ln w="9525">
+            <a:solidFill>
+              <a:srgbClr val="000000"/>
+            </a:solidFill>
+            <a:miter lim="800000"/>
+            <a:headEnd/>
+            <a:tailEnd/>
+          </a:ln>
+          <a:effectLst/>
+        </p:spPr>
+        <p:txBody>
+          <a:bodyPr wrap="none" anchor="ctr"/>
+          <a:lstStyle/>
+          <a:p>
+            <a:pPr algn="ctr"/>
+            <a:r>
+              <a:rPr lang="en-US" altLang="ko-KR" sz="1200" b="1" dirty="0">
+                <a:latin typeface="+mn-ea"/>
+              </a:rPr>
+              <a:t>Integration</a:t>
+            </a:r>
+            <a:r>
+              <a:rPr lang="ko-KR" altLang="en-US" sz="1200" b="1" dirty="0">
+                <a:latin typeface="+mn-ea"/>
+              </a:rPr>
+              <a:t> </a:t>
+            </a:r>
+            <a:r>
+              <a:rPr lang="en-US" altLang="ko-KR" sz="1200" b="1" dirty="0">
+                <a:latin typeface="+mn-ea"/>
+              </a:rPr>
+              <a:t>Hub Lib</a:t>
+            </a:r>
+            <a:r>
+              <a:rPr lang="ko-KR" altLang="en-US" sz="1200" b="1" dirty="0">
+                <a:latin typeface="+mn-ea"/>
+              </a:rPr>
+              <a:t> 설계</a:t>
+            </a:r>
+            <a:endParaRPr lang="en-US" altLang="ko-KR" sz="1200" b="1" dirty="0">
+              <a:latin typeface="+mn-ea"/>
+            </a:endParaRPr>
+          </a:p>
+        </p:txBody>
+      </p:sp>
+      <p:sp>
+        <p:nvSpPr>
+          <p:cNvPr id="35" name="AutoShape 191">
+            <a:extLst>
+              <a:ext uri="{FF2B5EF4-FFF2-40B4-BE49-F238E27FC236}">
+                <a16:creationId xmlns:a16="http://schemas.microsoft.com/office/drawing/2014/main" id="{2DDFEE6E-F898-9D87-9705-890BD01299A7}"/>
+              </a:ext>
+            </a:extLst>
+          </p:cNvPr>
+          <p:cNvSpPr>
+            <a:spLocks noChangeArrowheads="1"/>
+          </p:cNvSpPr>
+          <p:nvPr/>
+        </p:nvSpPr>
+        <p:spPr bwMode="auto">
+          <a:xfrm>
+            <a:off x="5992426" y="4768899"/>
+            <a:ext cx="4891237" cy="432048"/>
+          </a:xfrm>
+          <a:prstGeom prst="homePlate">
+            <a:avLst>
+              <a:gd name="adj" fmla="val 31810"/>
+            </a:avLst>
+          </a:prstGeom>
+          <a:solidFill>
+            <a:srgbClr val="FFFFFF"/>
+          </a:solidFill>
+          <a:ln w="9525">
+            <a:solidFill>
+              <a:srgbClr val="000000"/>
+            </a:solidFill>
+            <a:miter lim="800000"/>
+            <a:headEnd/>
+            <a:tailEnd/>
+          </a:ln>
+          <a:effectLst/>
+        </p:spPr>
+        <p:txBody>
+          <a:bodyPr wrap="none" anchor="ctr"/>
+          <a:lstStyle/>
+          <a:p>
+            <a:pPr algn="ctr"/>
+            <a:r>
+              <a:rPr lang="en-US" altLang="ko-KR" sz="1200" b="1" dirty="0">
+                <a:latin typeface="+mn-ea"/>
+              </a:rPr>
+              <a:t>Integration Hub Lib.</a:t>
+            </a:r>
+            <a:r>
+              <a:rPr lang="ko-KR" altLang="en-US" sz="1200" b="1" dirty="0">
+                <a:latin typeface="+mn-ea"/>
+              </a:rPr>
+              <a:t> 개발 일정 상세화</a:t>
+            </a:r>
+            <a:endParaRPr lang="en-US" altLang="ko-KR" sz="1200" b="1" dirty="0">
+              <a:latin typeface="+mn-ea"/>
+            </a:endParaRPr>
+          </a:p>
+        </p:txBody>
+      </p:sp>
+      <p:sp>
+        <p:nvSpPr>
+          <p:cNvPr id="36" name="직사각형 35">
+            <a:extLst>
+              <a:ext uri="{FF2B5EF4-FFF2-40B4-BE49-F238E27FC236}">
+                <a16:creationId xmlns:a16="http://schemas.microsoft.com/office/drawing/2014/main" id="{60FF5B05-924E-81EB-81CA-A996B1E9FC5A}"/>
+              </a:ext>
+            </a:extLst>
+          </p:cNvPr>
+          <p:cNvSpPr/>
+          <p:nvPr/>
+        </p:nvSpPr>
+        <p:spPr>
+          <a:xfrm>
+            <a:off x="2872116" y="1590085"/>
+            <a:ext cx="8153951" cy="3884634"/>
+          </a:xfrm>
+          <a:prstGeom prst="rect">
+            <a:avLst/>
+          </a:prstGeom>
+          <a:noFill/>
+        </p:spPr>
+        <p:style>
+          <a:lnRef idx="2">
+            <a:schemeClr val="accent1">
+              <a:shade val="15000"/>
+            </a:schemeClr>
+          </a:lnRef>
+          <a:fillRef idx="1">
+            <a:schemeClr val="accent1"/>
+          </a:fillRef>
+          <a:effectRef idx="0">
+            <a:schemeClr val="accent1"/>
+          </a:effectRef>
+          <a:fontRef idx="minor">
+            <a:schemeClr val="lt1"/>
+          </a:fontRef>
+        </p:style>
+        <p:txBody>
+          <a:bodyPr rtlCol="0" anchor="ctr"/>
+          <a:lstStyle/>
+          <a:p>
+            <a:pPr algn="ctr"/>
+            <a:endParaRPr lang="ko-KR" altLang="en-US"/>
+          </a:p>
+        </p:txBody>
+      </p:sp>
+      <p:sp>
+        <p:nvSpPr>
+          <p:cNvPr id="37" name="Text Box 211">
+            <a:extLst>
+              <a:ext uri="{FF2B5EF4-FFF2-40B4-BE49-F238E27FC236}">
+                <a16:creationId xmlns:a16="http://schemas.microsoft.com/office/drawing/2014/main" id="{097C464B-3ABA-7F14-5BE7-9B243FEA0049}"/>
+              </a:ext>
+            </a:extLst>
+          </p:cNvPr>
+          <p:cNvSpPr txBox="1">
+            <a:spLocks noChangeArrowheads="1"/>
+          </p:cNvSpPr>
+          <p:nvPr/>
+        </p:nvSpPr>
+        <p:spPr bwMode="auto">
+          <a:xfrm>
+            <a:off x="6184743" y="3121941"/>
+            <a:ext cx="709303" cy="326195"/>
+          </a:xfrm>
+          <a:prstGeom prst="rect">
+            <a:avLst/>
+          </a:prstGeom>
+          <a:solidFill>
+            <a:schemeClr val="bg1"/>
+          </a:solidFill>
+          <a:ln w="9525">
+            <a:noFill/>
+            <a:miter lim="800000"/>
+            <a:headEnd/>
+            <a:tailEnd/>
+          </a:ln>
+          <a:effectLst/>
+        </p:spPr>
+        <p:txBody>
+          <a:bodyPr wrap="square" lIns="79200" tIns="39600" rIns="79200" bIns="39600">
+            <a:spAutoFit/>
+          </a:bodyPr>
+          <a:lstStyle>
+            <a:lvl1pPr defTabSz="785813" eaLnBrk="0" hangingPunct="0">
+              <a:defRPr kumimoji="1">
+                <a:solidFill>
+                  <a:schemeClr val="tx1"/>
+                </a:solidFill>
+                <a:latin typeface="굴림" pitchFamily="50" charset="-127"/>
+                <a:ea typeface="굴림" pitchFamily="50" charset="-127"/>
+              </a:defRPr>
+            </a:lvl1pPr>
+            <a:lvl2pPr marL="742950" indent="-285750" defTabSz="785813" eaLnBrk="0" hangingPunct="0">
+              <a:defRPr kumimoji="1">
+                <a:solidFill>
+                  <a:schemeClr val="tx1"/>
+                </a:solidFill>
+                <a:latin typeface="굴림" pitchFamily="50" charset="-127"/>
+                <a:ea typeface="굴림" pitchFamily="50" charset="-127"/>
+              </a:defRPr>
+            </a:lvl2pPr>
+            <a:lvl3pPr marL="1143000" indent="-228600" defTabSz="785813" eaLnBrk="0" hangingPunct="0">
+              <a:defRPr kumimoji="1">
+                <a:solidFill>
+                  <a:schemeClr val="tx1"/>
+                </a:solidFill>
+                <a:latin typeface="굴림" pitchFamily="50" charset="-127"/>
+                <a:ea typeface="굴림" pitchFamily="50" charset="-127"/>
+              </a:defRPr>
+            </a:lvl3pPr>
+            <a:lvl4pPr marL="1600200" indent="-228600" defTabSz="785813" eaLnBrk="0" hangingPunct="0">
+              <a:defRPr kumimoji="1">
+                <a:solidFill>
+                  <a:schemeClr val="tx1"/>
+                </a:solidFill>
+                <a:latin typeface="굴림" pitchFamily="50" charset="-127"/>
+                <a:ea typeface="굴림" pitchFamily="50" charset="-127"/>
+              </a:defRPr>
+            </a:lvl4pPr>
+            <a:lvl5pPr marL="2057400" indent="-228600" defTabSz="785813" eaLnBrk="0" hangingPunct="0">
+              <a:defRPr kumimoji="1">
+                <a:solidFill>
+                  <a:schemeClr val="tx1"/>
+                </a:solidFill>
+                <a:latin typeface="굴림" pitchFamily="50" charset="-127"/>
+                <a:ea typeface="굴림" pitchFamily="50" charset="-127"/>
+              </a:defRPr>
+            </a:lvl5pPr>
+            <a:lvl6pPr marL="2514600" indent="-228600" defTabSz="785813" eaLnBrk="0" fontAlgn="base" hangingPunct="0">
+              <a:spcBef>
+                <a:spcPct val="0"/>
+              </a:spcBef>
+              <a:spcAft>
+                <a:spcPct val="0"/>
+              </a:spcAft>
+              <a:defRPr kumimoji="1">
+                <a:solidFill>
+                  <a:schemeClr val="tx1"/>
+                </a:solidFill>
+                <a:latin typeface="굴림" pitchFamily="50" charset="-127"/>
+                <a:ea typeface="굴림" pitchFamily="50" charset="-127"/>
+              </a:defRPr>
+            </a:lvl6pPr>
+            <a:lvl7pPr marL="2971800" indent="-228600" defTabSz="785813" eaLnBrk="0" fontAlgn="base" hangingPunct="0">
+              <a:spcBef>
+                <a:spcPct val="0"/>
+              </a:spcBef>
+              <a:spcAft>
+                <a:spcPct val="0"/>
+              </a:spcAft>
+              <a:defRPr kumimoji="1">
+                <a:solidFill>
+                  <a:schemeClr val="tx1"/>
+                </a:solidFill>
+                <a:latin typeface="굴림" pitchFamily="50" charset="-127"/>
+                <a:ea typeface="굴림" pitchFamily="50" charset="-127"/>
+              </a:defRPr>
+            </a:lvl7pPr>
+            <a:lvl8pPr marL="3429000" indent="-228600" defTabSz="785813" eaLnBrk="0" fontAlgn="base" hangingPunct="0">
+              <a:spcBef>
+                <a:spcPct val="0"/>
+              </a:spcBef>
+              <a:spcAft>
+                <a:spcPct val="0"/>
+              </a:spcAft>
+              <a:defRPr kumimoji="1">
+                <a:solidFill>
+                  <a:schemeClr val="tx1"/>
+                </a:solidFill>
+                <a:latin typeface="굴림" pitchFamily="50" charset="-127"/>
+                <a:ea typeface="굴림" pitchFamily="50" charset="-127"/>
+              </a:defRPr>
+            </a:lvl8pPr>
+            <a:lvl9pPr marL="3886200" indent="-228600" defTabSz="785813" eaLnBrk="0" fontAlgn="base" hangingPunct="0">
+              <a:spcBef>
+                <a:spcPct val="0"/>
+              </a:spcBef>
+              <a:spcAft>
+                <a:spcPct val="0"/>
+              </a:spcAft>
+              <a:defRPr kumimoji="1">
+                <a:solidFill>
+                  <a:schemeClr val="tx1"/>
+                </a:solidFill>
+                <a:latin typeface="굴림" pitchFamily="50" charset="-127"/>
+                <a:ea typeface="굴림" pitchFamily="50" charset="-127"/>
+              </a:defRPr>
+            </a:lvl9pPr>
+          </a:lstStyle>
+          <a:p>
+            <a:pPr algn="ctr" eaLnBrk="1" latinLnBrk="0" hangingPunct="1"/>
+            <a:r>
+              <a:rPr kumimoji="0" lang="en-US" altLang="ko-KR" sz="800" dirty="0">
+                <a:solidFill>
+                  <a:srgbClr val="000000"/>
+                </a:solidFill>
+                <a:latin typeface="+mn-ea"/>
+                <a:ea typeface="+mn-ea"/>
+              </a:rPr>
+              <a:t>POC</a:t>
+            </a:r>
+          </a:p>
+          <a:p>
+            <a:pPr algn="ctr" eaLnBrk="1" latinLnBrk="0" hangingPunct="1"/>
+            <a:r>
+              <a:rPr kumimoji="0" lang="ko-KR" altLang="en-US" sz="800" dirty="0">
+                <a:solidFill>
+                  <a:srgbClr val="000000"/>
+                </a:solidFill>
+                <a:latin typeface="+mn-ea"/>
+                <a:ea typeface="+mn-ea"/>
+              </a:rPr>
+              <a:t> </a:t>
+            </a:r>
+            <a:r>
+              <a:rPr kumimoji="0" lang="en-US" altLang="ko-KR" sz="800" dirty="0">
+                <a:solidFill>
+                  <a:srgbClr val="000000"/>
+                </a:solidFill>
+                <a:latin typeface="+mn-ea"/>
+                <a:ea typeface="+mn-ea"/>
+              </a:rPr>
+              <a:t>Review</a:t>
+            </a:r>
+            <a:endParaRPr kumimoji="0" lang="ko-KR" altLang="en-US" sz="800" dirty="0">
+              <a:solidFill>
+                <a:srgbClr val="000000"/>
+              </a:solidFill>
+              <a:latin typeface="+mn-ea"/>
+              <a:ea typeface="+mn-ea"/>
+            </a:endParaRPr>
+          </a:p>
+        </p:txBody>
+      </p:sp>
+      <p:sp>
+        <p:nvSpPr>
+          <p:cNvPr id="38" name="AutoShape 175">
+            <a:extLst>
+              <a:ext uri="{FF2B5EF4-FFF2-40B4-BE49-F238E27FC236}">
+                <a16:creationId xmlns:a16="http://schemas.microsoft.com/office/drawing/2014/main" id="{0DC8F388-4406-535D-514F-D605C39685DC}"/>
+              </a:ext>
+            </a:extLst>
+          </p:cNvPr>
+          <p:cNvSpPr>
+            <a:spLocks noChangeArrowheads="1"/>
+          </p:cNvSpPr>
+          <p:nvPr/>
+        </p:nvSpPr>
+        <p:spPr bwMode="auto">
+          <a:xfrm>
+            <a:off x="6496664" y="3420697"/>
+            <a:ext cx="144000" cy="108000"/>
+          </a:xfrm>
+          <a:prstGeom prst="flowChartMerge">
+            <a:avLst/>
+          </a:prstGeom>
+          <a:solidFill>
+            <a:srgbClr val="333399"/>
+          </a:solidFill>
+          <a:ln w="9525" algn="ctr">
+            <a:noFill/>
+            <a:miter lim="800000"/>
+            <a:headEnd/>
+            <a:tailEnd/>
+          </a:ln>
+          <a:effectLst/>
+        </p:spPr>
+        <p:txBody>
+          <a:bodyPr wrap="none" anchor="ctr"/>
+          <a:lstStyle/>
+          <a:p>
+            <a:pPr algn="ctr" latinLnBrk="0"/>
+            <a:endParaRPr kumimoji="0" lang="ko-KR" altLang="en-US" sz="700">
+              <a:solidFill>
+                <a:srgbClr val="000000"/>
+              </a:solidFill>
+              <a:latin typeface="+mn-ea"/>
+            </a:endParaRPr>
+          </a:p>
+        </p:txBody>
+      </p:sp>
+      <p:sp>
+        <p:nvSpPr>
+          <p:cNvPr id="39" name="Text Box 211">
+            <a:extLst>
+              <a:ext uri="{FF2B5EF4-FFF2-40B4-BE49-F238E27FC236}">
+                <a16:creationId xmlns:a16="http://schemas.microsoft.com/office/drawing/2014/main" id="{367C1E55-B763-1433-1160-644034F655BA}"/>
+              </a:ext>
+            </a:extLst>
+          </p:cNvPr>
+          <p:cNvSpPr txBox="1">
+            <a:spLocks noChangeArrowheads="1"/>
+          </p:cNvSpPr>
+          <p:nvPr/>
+        </p:nvSpPr>
+        <p:spPr bwMode="auto">
+          <a:xfrm>
+            <a:off x="9382483" y="3745364"/>
+            <a:ext cx="709303" cy="326195"/>
+          </a:xfrm>
+          <a:prstGeom prst="rect">
+            <a:avLst/>
+          </a:prstGeom>
+          <a:solidFill>
+            <a:schemeClr val="bg1"/>
+          </a:solidFill>
+          <a:ln w="9525">
+            <a:noFill/>
+            <a:miter lim="800000"/>
+            <a:headEnd/>
+            <a:tailEnd/>
+          </a:ln>
+          <a:effectLst/>
+        </p:spPr>
+        <p:txBody>
+          <a:bodyPr wrap="square" lIns="79200" tIns="39600" rIns="79200" bIns="39600">
+            <a:spAutoFit/>
+          </a:bodyPr>
+          <a:lstStyle>
+            <a:lvl1pPr defTabSz="785813" eaLnBrk="0" hangingPunct="0">
+              <a:defRPr kumimoji="1">
+                <a:solidFill>
+                  <a:schemeClr val="tx1"/>
+                </a:solidFill>
+                <a:latin typeface="굴림" pitchFamily="50" charset="-127"/>
+                <a:ea typeface="굴림" pitchFamily="50" charset="-127"/>
+              </a:defRPr>
+            </a:lvl1pPr>
+            <a:lvl2pPr marL="742950" indent="-285750" defTabSz="785813" eaLnBrk="0" hangingPunct="0">
+              <a:defRPr kumimoji="1">
+                <a:solidFill>
+                  <a:schemeClr val="tx1"/>
+                </a:solidFill>
+                <a:latin typeface="굴림" pitchFamily="50" charset="-127"/>
+                <a:ea typeface="굴림" pitchFamily="50" charset="-127"/>
+              </a:defRPr>
+            </a:lvl2pPr>
+            <a:lvl3pPr marL="1143000" indent="-228600" defTabSz="785813" eaLnBrk="0" hangingPunct="0">
+              <a:defRPr kumimoji="1">
+                <a:solidFill>
+                  <a:schemeClr val="tx1"/>
+                </a:solidFill>
+                <a:latin typeface="굴림" pitchFamily="50" charset="-127"/>
+                <a:ea typeface="굴림" pitchFamily="50" charset="-127"/>
+              </a:defRPr>
+            </a:lvl3pPr>
+            <a:lvl4pPr marL="1600200" indent="-228600" defTabSz="785813" eaLnBrk="0" hangingPunct="0">
+              <a:defRPr kumimoji="1">
+                <a:solidFill>
+                  <a:schemeClr val="tx1"/>
+                </a:solidFill>
+                <a:latin typeface="굴림" pitchFamily="50" charset="-127"/>
+                <a:ea typeface="굴림" pitchFamily="50" charset="-127"/>
+              </a:defRPr>
+            </a:lvl4pPr>
+            <a:lvl5pPr marL="2057400" indent="-228600" defTabSz="785813" eaLnBrk="0" hangingPunct="0">
+              <a:defRPr kumimoji="1">
+                <a:solidFill>
+                  <a:schemeClr val="tx1"/>
+                </a:solidFill>
+                <a:latin typeface="굴림" pitchFamily="50" charset="-127"/>
+                <a:ea typeface="굴림" pitchFamily="50" charset="-127"/>
+              </a:defRPr>
+            </a:lvl5pPr>
+            <a:lvl6pPr marL="2514600" indent="-228600" defTabSz="785813" eaLnBrk="0" fontAlgn="base" hangingPunct="0">
+              <a:spcBef>
+                <a:spcPct val="0"/>
+              </a:spcBef>
+              <a:spcAft>
+                <a:spcPct val="0"/>
+              </a:spcAft>
+              <a:defRPr kumimoji="1">
+                <a:solidFill>
+                  <a:schemeClr val="tx1"/>
+                </a:solidFill>
+                <a:latin typeface="굴림" pitchFamily="50" charset="-127"/>
+                <a:ea typeface="굴림" pitchFamily="50" charset="-127"/>
+              </a:defRPr>
+            </a:lvl6pPr>
+            <a:lvl7pPr marL="2971800" indent="-228600" defTabSz="785813" eaLnBrk="0" fontAlgn="base" hangingPunct="0">
+              <a:spcBef>
+                <a:spcPct val="0"/>
+              </a:spcBef>
+              <a:spcAft>
+                <a:spcPct val="0"/>
+              </a:spcAft>
+              <a:defRPr kumimoji="1">
+                <a:solidFill>
+                  <a:schemeClr val="tx1"/>
+                </a:solidFill>
+                <a:latin typeface="굴림" pitchFamily="50" charset="-127"/>
+                <a:ea typeface="굴림" pitchFamily="50" charset="-127"/>
+              </a:defRPr>
+            </a:lvl7pPr>
+            <a:lvl8pPr marL="3429000" indent="-228600" defTabSz="785813" eaLnBrk="0" fontAlgn="base" hangingPunct="0">
+              <a:spcBef>
+                <a:spcPct val="0"/>
+              </a:spcBef>
+              <a:spcAft>
+                <a:spcPct val="0"/>
+              </a:spcAft>
+              <a:defRPr kumimoji="1">
+                <a:solidFill>
+                  <a:schemeClr val="tx1"/>
+                </a:solidFill>
+                <a:latin typeface="굴림" pitchFamily="50" charset="-127"/>
+                <a:ea typeface="굴림" pitchFamily="50" charset="-127"/>
+              </a:defRPr>
+            </a:lvl8pPr>
+            <a:lvl9pPr marL="3886200" indent="-228600" defTabSz="785813" eaLnBrk="0" fontAlgn="base" hangingPunct="0">
+              <a:spcBef>
+                <a:spcPct val="0"/>
+              </a:spcBef>
+              <a:spcAft>
+                <a:spcPct val="0"/>
+              </a:spcAft>
+              <a:defRPr kumimoji="1">
+                <a:solidFill>
+                  <a:schemeClr val="tx1"/>
+                </a:solidFill>
+                <a:latin typeface="굴림" pitchFamily="50" charset="-127"/>
+                <a:ea typeface="굴림" pitchFamily="50" charset="-127"/>
+              </a:defRPr>
+            </a:lvl9pPr>
+          </a:lstStyle>
+          <a:p>
+            <a:pPr algn="ctr" eaLnBrk="1" latinLnBrk="0" hangingPunct="1"/>
+            <a:r>
+              <a:rPr kumimoji="0" lang="ko-KR" altLang="en-US" sz="800" dirty="0">
+                <a:solidFill>
+                  <a:srgbClr val="000000"/>
+                </a:solidFill>
+                <a:latin typeface="+mn-ea"/>
+                <a:ea typeface="+mn-ea"/>
+              </a:rPr>
+              <a:t>프로그램 사양서</a:t>
+            </a:r>
+            <a:endParaRPr kumimoji="0" lang="en-US" altLang="ko-KR" sz="800" dirty="0">
+              <a:solidFill>
+                <a:srgbClr val="000000"/>
+              </a:solidFill>
+              <a:latin typeface="+mn-ea"/>
+              <a:ea typeface="+mn-ea"/>
+            </a:endParaRPr>
+          </a:p>
+        </p:txBody>
+      </p:sp>
+      <p:sp>
+        <p:nvSpPr>
+          <p:cNvPr id="40" name="AutoShape 175">
+            <a:extLst>
+              <a:ext uri="{FF2B5EF4-FFF2-40B4-BE49-F238E27FC236}">
+                <a16:creationId xmlns:a16="http://schemas.microsoft.com/office/drawing/2014/main" id="{3154DA32-C28A-4D8A-2A2B-FBB131A62F1E}"/>
+              </a:ext>
+            </a:extLst>
+          </p:cNvPr>
+          <p:cNvSpPr>
+            <a:spLocks noChangeArrowheads="1"/>
+          </p:cNvSpPr>
+          <p:nvPr/>
+        </p:nvSpPr>
+        <p:spPr bwMode="auto">
+          <a:xfrm>
+            <a:off x="9694404" y="4044120"/>
+            <a:ext cx="144000" cy="108000"/>
+          </a:xfrm>
+          <a:prstGeom prst="flowChartMerge">
+            <a:avLst/>
+          </a:prstGeom>
+          <a:solidFill>
+            <a:srgbClr val="333399"/>
+          </a:solidFill>
+          <a:ln w="9525" algn="ctr">
+            <a:noFill/>
+            <a:miter lim="800000"/>
+            <a:headEnd/>
+            <a:tailEnd/>
+          </a:ln>
+          <a:effectLst/>
+        </p:spPr>
+        <p:txBody>
+          <a:bodyPr wrap="none" anchor="ctr"/>
+          <a:lstStyle/>
+          <a:p>
+            <a:pPr algn="ctr" latinLnBrk="0"/>
+            <a:endParaRPr kumimoji="0" lang="ko-KR" altLang="en-US" sz="700">
+              <a:solidFill>
+                <a:srgbClr val="000000"/>
+              </a:solidFill>
+              <a:latin typeface="+mn-ea"/>
+            </a:endParaRPr>
+          </a:p>
+        </p:txBody>
+      </p:sp>
+      <p:sp>
+        <p:nvSpPr>
+          <p:cNvPr id="41" name="Text Box 211">
+            <a:extLst>
+              <a:ext uri="{FF2B5EF4-FFF2-40B4-BE49-F238E27FC236}">
+                <a16:creationId xmlns:a16="http://schemas.microsoft.com/office/drawing/2014/main" id="{51D31589-1BC3-B909-77C1-6607C771494F}"/>
+              </a:ext>
+            </a:extLst>
+          </p:cNvPr>
+          <p:cNvSpPr txBox="1">
+            <a:spLocks noChangeArrowheads="1"/>
+          </p:cNvSpPr>
+          <p:nvPr/>
+        </p:nvSpPr>
+        <p:spPr bwMode="auto">
+          <a:xfrm>
+            <a:off x="10634612" y="4505573"/>
+            <a:ext cx="709303" cy="326195"/>
+          </a:xfrm>
+          <a:prstGeom prst="rect">
+            <a:avLst/>
+          </a:prstGeom>
+          <a:solidFill>
+            <a:schemeClr val="bg1"/>
+          </a:solidFill>
+          <a:ln w="9525">
+            <a:noFill/>
+            <a:miter lim="800000"/>
+            <a:headEnd/>
+            <a:tailEnd/>
+          </a:ln>
+          <a:effectLst/>
+        </p:spPr>
+        <p:txBody>
+          <a:bodyPr wrap="square" lIns="79200" tIns="39600" rIns="79200" bIns="39600">
+            <a:spAutoFit/>
+          </a:bodyPr>
+          <a:lstStyle>
+            <a:lvl1pPr defTabSz="785813" eaLnBrk="0" hangingPunct="0">
+              <a:defRPr kumimoji="1">
+                <a:solidFill>
+                  <a:schemeClr val="tx1"/>
+                </a:solidFill>
+                <a:latin typeface="굴림" pitchFamily="50" charset="-127"/>
+                <a:ea typeface="굴림" pitchFamily="50" charset="-127"/>
+              </a:defRPr>
+            </a:lvl1pPr>
+            <a:lvl2pPr marL="742950" indent="-285750" defTabSz="785813" eaLnBrk="0" hangingPunct="0">
+              <a:defRPr kumimoji="1">
+                <a:solidFill>
+                  <a:schemeClr val="tx1"/>
+                </a:solidFill>
+                <a:latin typeface="굴림" pitchFamily="50" charset="-127"/>
+                <a:ea typeface="굴림" pitchFamily="50" charset="-127"/>
+              </a:defRPr>
+            </a:lvl2pPr>
+            <a:lvl3pPr marL="1143000" indent="-228600" defTabSz="785813" eaLnBrk="0" hangingPunct="0">
+              <a:defRPr kumimoji="1">
+                <a:solidFill>
+                  <a:schemeClr val="tx1"/>
+                </a:solidFill>
+                <a:latin typeface="굴림" pitchFamily="50" charset="-127"/>
+                <a:ea typeface="굴림" pitchFamily="50" charset="-127"/>
+              </a:defRPr>
+            </a:lvl3pPr>
+            <a:lvl4pPr marL="1600200" indent="-228600" defTabSz="785813" eaLnBrk="0" hangingPunct="0">
+              <a:defRPr kumimoji="1">
+                <a:solidFill>
+                  <a:schemeClr val="tx1"/>
+                </a:solidFill>
+                <a:latin typeface="굴림" pitchFamily="50" charset="-127"/>
+                <a:ea typeface="굴림" pitchFamily="50" charset="-127"/>
+              </a:defRPr>
+            </a:lvl4pPr>
+            <a:lvl5pPr marL="2057400" indent="-228600" defTabSz="785813" eaLnBrk="0" hangingPunct="0">
+              <a:defRPr kumimoji="1">
+                <a:solidFill>
+                  <a:schemeClr val="tx1"/>
+                </a:solidFill>
+                <a:latin typeface="굴림" pitchFamily="50" charset="-127"/>
+                <a:ea typeface="굴림" pitchFamily="50" charset="-127"/>
+              </a:defRPr>
+            </a:lvl5pPr>
+            <a:lvl6pPr marL="2514600" indent="-228600" defTabSz="785813" eaLnBrk="0" fontAlgn="base" hangingPunct="0">
+              <a:spcBef>
+                <a:spcPct val="0"/>
+              </a:spcBef>
+              <a:spcAft>
+                <a:spcPct val="0"/>
+              </a:spcAft>
+              <a:defRPr kumimoji="1">
+                <a:solidFill>
+                  <a:schemeClr val="tx1"/>
+                </a:solidFill>
+                <a:latin typeface="굴림" pitchFamily="50" charset="-127"/>
+                <a:ea typeface="굴림" pitchFamily="50" charset="-127"/>
+              </a:defRPr>
+            </a:lvl6pPr>
+            <a:lvl7pPr marL="2971800" indent="-228600" defTabSz="785813" eaLnBrk="0" fontAlgn="base" hangingPunct="0">
+              <a:spcBef>
+                <a:spcPct val="0"/>
+              </a:spcBef>
+              <a:spcAft>
+                <a:spcPct val="0"/>
+              </a:spcAft>
+              <a:defRPr kumimoji="1">
+                <a:solidFill>
+                  <a:schemeClr val="tx1"/>
+                </a:solidFill>
+                <a:latin typeface="굴림" pitchFamily="50" charset="-127"/>
+                <a:ea typeface="굴림" pitchFamily="50" charset="-127"/>
+              </a:defRPr>
+            </a:lvl7pPr>
+            <a:lvl8pPr marL="3429000" indent="-228600" defTabSz="785813" eaLnBrk="0" fontAlgn="base" hangingPunct="0">
+              <a:spcBef>
+                <a:spcPct val="0"/>
+              </a:spcBef>
+              <a:spcAft>
+                <a:spcPct val="0"/>
+              </a:spcAft>
+              <a:defRPr kumimoji="1">
+                <a:solidFill>
+                  <a:schemeClr val="tx1"/>
+                </a:solidFill>
+                <a:latin typeface="굴림" pitchFamily="50" charset="-127"/>
+                <a:ea typeface="굴림" pitchFamily="50" charset="-127"/>
+              </a:defRPr>
+            </a:lvl8pPr>
+            <a:lvl9pPr marL="3886200" indent="-228600" defTabSz="785813" eaLnBrk="0" fontAlgn="base" hangingPunct="0">
+              <a:spcBef>
+                <a:spcPct val="0"/>
+              </a:spcBef>
+              <a:spcAft>
+                <a:spcPct val="0"/>
+              </a:spcAft>
+              <a:defRPr kumimoji="1">
+                <a:solidFill>
+                  <a:schemeClr val="tx1"/>
+                </a:solidFill>
+                <a:latin typeface="굴림" pitchFamily="50" charset="-127"/>
+                <a:ea typeface="굴림" pitchFamily="50" charset="-127"/>
+              </a:defRPr>
+            </a:lvl9pPr>
+          </a:lstStyle>
+          <a:p>
+            <a:pPr algn="ctr" eaLnBrk="1" latinLnBrk="0" hangingPunct="1"/>
+            <a:r>
+              <a:rPr kumimoji="0" lang="en-US" altLang="ko-KR" sz="800" dirty="0">
+                <a:solidFill>
+                  <a:srgbClr val="000000"/>
+                </a:solidFill>
+                <a:latin typeface="+mn-ea"/>
+                <a:ea typeface="+mn-ea"/>
+              </a:rPr>
+              <a:t>WBS</a:t>
+            </a:r>
+          </a:p>
+          <a:p>
+            <a:pPr algn="ctr" eaLnBrk="1" latinLnBrk="0" hangingPunct="1"/>
+            <a:r>
+              <a:rPr kumimoji="0" lang="en-US" altLang="ko-KR" sz="800" dirty="0">
+                <a:solidFill>
+                  <a:srgbClr val="000000"/>
+                </a:solidFill>
+                <a:latin typeface="+mn-ea"/>
+                <a:ea typeface="+mn-ea"/>
+              </a:rPr>
+              <a:t>Update</a:t>
+            </a:r>
+          </a:p>
+        </p:txBody>
+      </p:sp>
+      <p:sp>
+        <p:nvSpPr>
+          <p:cNvPr id="42" name="AutoShape 175">
+            <a:extLst>
+              <a:ext uri="{FF2B5EF4-FFF2-40B4-BE49-F238E27FC236}">
+                <a16:creationId xmlns:a16="http://schemas.microsoft.com/office/drawing/2014/main" id="{870EE9AA-2115-7D2E-00CE-D882E0D340CE}"/>
+              </a:ext>
+            </a:extLst>
+          </p:cNvPr>
+          <p:cNvSpPr>
+            <a:spLocks noChangeArrowheads="1"/>
+          </p:cNvSpPr>
+          <p:nvPr/>
+        </p:nvSpPr>
+        <p:spPr bwMode="auto">
+          <a:xfrm>
+            <a:off x="10946533" y="4804329"/>
+            <a:ext cx="144000" cy="108000"/>
+          </a:xfrm>
+          <a:prstGeom prst="flowChartMerge">
+            <a:avLst/>
+          </a:prstGeom>
+          <a:solidFill>
+            <a:srgbClr val="333399"/>
+          </a:solidFill>
+          <a:ln w="9525" algn="ctr">
+            <a:noFill/>
+            <a:miter lim="800000"/>
+            <a:headEnd/>
+            <a:tailEnd/>
+          </a:ln>
+          <a:effectLst/>
+        </p:spPr>
+        <p:txBody>
+          <a:bodyPr wrap="none" anchor="ctr"/>
+          <a:lstStyle/>
+          <a:p>
+            <a:pPr algn="ctr" latinLnBrk="0"/>
+            <a:endParaRPr kumimoji="0" lang="ko-KR" altLang="en-US" sz="700">
+              <a:solidFill>
+                <a:srgbClr val="000000"/>
+              </a:solidFill>
+              <a:latin typeface="+mn-ea"/>
+            </a:endParaRPr>
+          </a:p>
+        </p:txBody>
+      </p:sp>
+      <p:sp>
+        <p:nvSpPr>
+          <p:cNvPr id="43" name="TextBox 42">
+            <a:extLst>
+              <a:ext uri="{FF2B5EF4-FFF2-40B4-BE49-F238E27FC236}">
+                <a16:creationId xmlns:a16="http://schemas.microsoft.com/office/drawing/2014/main" id="{F1E73380-46F5-226A-C27C-F96BEE593D8D}"/>
+              </a:ext>
+            </a:extLst>
+          </p:cNvPr>
+          <p:cNvSpPr txBox="1"/>
+          <p:nvPr/>
+        </p:nvSpPr>
+        <p:spPr>
+          <a:xfrm>
+            <a:off x="2099734" y="5663130"/>
+            <a:ext cx="8926334" cy="276999"/>
+          </a:xfrm>
+          <a:prstGeom prst="rect">
+            <a:avLst/>
+          </a:prstGeom>
+          <a:noFill/>
+          <a:ln>
+            <a:noFill/>
+          </a:ln>
+        </p:spPr>
+        <p:txBody>
+          <a:bodyPr wrap="square" rtlCol="0">
+            <a:spAutoFit/>
+          </a:bodyPr>
+          <a:lstStyle/>
+          <a:p>
+            <a:pPr algn="r"/>
+            <a:r>
+              <a:rPr lang="en-US" altLang="ko-KR" sz="1200" b="1" dirty="0"/>
+              <a:t>※ POC</a:t>
+            </a:r>
+            <a:r>
+              <a:rPr lang="ko-KR" altLang="en-US" sz="1200" b="1" dirty="0"/>
+              <a:t>는 </a:t>
+            </a:r>
+            <a:r>
+              <a:rPr lang="en-US" altLang="ko-KR" sz="1200" b="1" dirty="0"/>
+              <a:t>Local </a:t>
+            </a:r>
+            <a:r>
+              <a:rPr lang="ko-KR" altLang="en-US" sz="1200" b="1" dirty="0"/>
+              <a:t>환경에서 개발 이후 </a:t>
+            </a:r>
+            <a:r>
+              <a:rPr lang="en-US" altLang="ko-KR" sz="1200" b="1" dirty="0"/>
+              <a:t>SAP Commerce Cloud </a:t>
+            </a:r>
+            <a:r>
+              <a:rPr lang="ko-KR" altLang="en-US" sz="1200" b="1" dirty="0"/>
+              <a:t>개발 환경이 준비되면 개발 환경에서 </a:t>
+            </a:r>
+            <a:r>
+              <a:rPr lang="en-US" altLang="ko-KR" sz="1200" b="1" dirty="0"/>
+              <a:t>Library </a:t>
+            </a:r>
+            <a:r>
+              <a:rPr lang="ko-KR" altLang="en-US" sz="1200" b="1" dirty="0"/>
+              <a:t>배포 후 테스트 및 검증 시행</a:t>
+            </a:r>
+          </a:p>
+        </p:txBody>
+      </p:sp>
+    </p:spTree>
+    <p:extLst>
+      <p:ext uri="{BB962C8B-B14F-4D97-AF65-F5344CB8AC3E}">
+        <p14:creationId xmlns:p14="http://schemas.microsoft.com/office/powerpoint/2010/main" val="432500929"/>
+      </p:ext>
+    </p:extLst>
+  </p:cSld>
+  <p:clrMapOvr>
+    <a:masterClrMapping/>
+  </p:clrMapOvr>
+</p:sld>
+</file>
+
+<file path=ppt/slides/slide6.xml><?xml version="1.0" encoding="utf-8"?>
 <p:sld xmlns:a="http://schemas.openxmlformats.org/drawingml/2006/main" xmlns:r="http://schemas.openxmlformats.org/officeDocument/2006/relationships" xmlns:p="http://schemas.openxmlformats.org/presentationml/2006/main" show="0">
   <p:cSld>
     <p:spTree>
@@ -34966,7 +39657,7 @@
 </p:sld>
 </file>
 
-<file path=ppt/slides/slide6.xml><?xml version="1.0" encoding="utf-8"?>
+<file path=ppt/slides/slide7.xml><?xml version="1.0" encoding="utf-8"?>
 <p:sld xmlns:a="http://schemas.openxmlformats.org/drawingml/2006/main" xmlns:r="http://schemas.openxmlformats.org/officeDocument/2006/relationships" xmlns:p="http://schemas.openxmlformats.org/presentationml/2006/main" show="0">
   <p:cSld>
     <p:spTree>

--- a/_ss/Define_Integration_Hub_Lib_Concept_20231204.pptx
+++ b/_ss/Define_Integration_Hub_Lib_Concept_20231204.pptx
@@ -11759,7 +11759,7 @@
         </p:nvSpPr>
         <p:spPr>
           <a:xfrm>
-            <a:off x="1098809" y="1781945"/>
+            <a:off x="1010029" y="1781945"/>
             <a:ext cx="1321209" cy="371396"/>
           </a:xfrm>
           <a:prstGeom prst="rect">
@@ -11833,7 +11833,7 @@
         </p:nvSpPr>
         <p:spPr>
           <a:xfrm>
-            <a:off x="1098808" y="2151890"/>
+            <a:off x="1010028" y="2151890"/>
             <a:ext cx="1321210" cy="2319299"/>
           </a:xfrm>
           <a:prstGeom prst="rect">
@@ -11895,7 +11895,7 @@
         </p:nvSpPr>
         <p:spPr>
           <a:xfrm>
-            <a:off x="1233569" y="2305436"/>
+            <a:off x="1144789" y="2305436"/>
             <a:ext cx="1051687" cy="362963"/>
           </a:xfrm>
           <a:prstGeom prst="rect">
@@ -11963,7 +11963,7 @@
         </p:nvSpPr>
         <p:spPr>
           <a:xfrm>
-            <a:off x="1233568" y="2818857"/>
+            <a:off x="1144788" y="2818857"/>
             <a:ext cx="1051687" cy="362963"/>
           </a:xfrm>
           <a:prstGeom prst="rect">
@@ -12031,7 +12031,7 @@
         </p:nvSpPr>
         <p:spPr>
           <a:xfrm>
-            <a:off x="2618303" y="2157196"/>
+            <a:off x="2724839" y="2157196"/>
             <a:ext cx="439951" cy="2746499"/>
           </a:xfrm>
           <a:prstGeom prst="rect">
@@ -12416,8 +12416,8 @@
         </p:nvCxnSpPr>
         <p:spPr>
           <a:xfrm rot="10800000">
-            <a:off x="2420019" y="3311540"/>
-            <a:ext cx="198285" cy="218906"/>
+            <a:off x="2331239" y="3311540"/>
+            <a:ext cx="393601" cy="218906"/>
           </a:xfrm>
           <a:prstGeom prst="bentConnector3">
             <a:avLst>
@@ -12467,8 +12467,8 @@
         </p:nvCxnSpPr>
         <p:spPr>
           <a:xfrm flipH="1">
-            <a:off x="3058254" y="3530446"/>
-            <a:ext cx="542344" cy="0"/>
+            <a:off x="3164790" y="3530446"/>
+            <a:ext cx="435808" cy="0"/>
           </a:xfrm>
           <a:prstGeom prst="straightConnector1">
             <a:avLst/>
@@ -13933,7 +13933,7 @@
         </p:nvSpPr>
         <p:spPr>
           <a:xfrm rot="5400000">
-            <a:off x="1740833" y="3598669"/>
+            <a:off x="1652053" y="3598669"/>
             <a:ext cx="408537" cy="522265"/>
           </a:xfrm>
           <a:prstGeom prst="rect">
@@ -16473,7 +16473,7 @@
                 </a:solidFill>
                 <a:latin typeface="SamsungOneKorean 700"/>
               </a:rPr>
-              <a:t>                (Apache CAMEL </a:t>
+              <a:t>                          (EIP </a:t>
             </a:r>
             <a:r>
               <a:rPr lang="ko-KR" altLang="en-US" b="1" dirty="0">
@@ -16482,7 +16482,7 @@
                 </a:solidFill>
                 <a:latin typeface="SamsungOneKorean 700"/>
               </a:rPr>
-              <a:t>사용</a:t>
+              <a:t>기반</a:t>
             </a:r>
             <a:r>
               <a:rPr lang="en-US" altLang="ko-KR" b="1" dirty="0">
@@ -17407,31 +17407,55 @@
               <a:rPr lang="ko-KR" altLang="en-US" sz="1600" b="1" dirty="0">
                 <a:latin typeface="SamsungOneKorean 700"/>
               </a:rPr>
-              <a:t>타 업무 시스템과의 연동을 위해 </a:t>
+              <a:t>타 업무 시스템과의 연동 통합 관리를 위해 </a:t>
             </a:r>
             <a:r>
               <a:rPr lang="en-US" altLang="ko-KR" sz="1600" b="1" dirty="0">
                 <a:latin typeface="SamsungOneKorean 700"/>
               </a:rPr>
-              <a:t>Apache Camel </a:t>
+              <a:t>Enterprise</a:t>
             </a:r>
             <a:r>
               <a:rPr lang="ko-KR" altLang="en-US" sz="1600" b="1" dirty="0">
                 <a:latin typeface="SamsungOneKorean 700"/>
               </a:rPr>
-              <a:t>기반 </a:t>
+              <a:t> </a:t>
             </a:r>
             <a:r>
               <a:rPr lang="en-US" altLang="ko-KR" sz="1600" b="1" dirty="0">
                 <a:latin typeface="SamsungOneKorean 700"/>
               </a:rPr>
-              <a:t>Library </a:t>
+              <a:t>Integration</a:t>
             </a:r>
             <a:r>
               <a:rPr lang="ko-KR" altLang="en-US" sz="1600" b="1" dirty="0">
                 <a:latin typeface="SamsungOneKorean 700"/>
               </a:rPr>
-              <a:t>를 통해 제공하여 관리 포탈 형태의 </a:t>
+              <a:t> </a:t>
+            </a:r>
+            <a:r>
+              <a:rPr lang="en-US" altLang="ko-KR" sz="1600" b="1" dirty="0">
+                <a:latin typeface="SamsungOneKorean 700"/>
+              </a:rPr>
+              <a:t>Patterns </a:t>
+            </a:r>
+            <a:r>
+              <a:rPr lang="ko-KR" altLang="en-US" sz="1600" b="1" dirty="0">
+                <a:latin typeface="SamsungOneKorean 700"/>
+              </a:rPr>
+              <a:t>기반 </a:t>
+            </a:r>
+            <a:r>
+              <a:rPr lang="en-US" altLang="ko-KR" sz="1600" b="1" dirty="0">
+                <a:latin typeface="SamsungOneKorean 700"/>
+              </a:rPr>
+              <a:t>Library </a:t>
+            </a:r>
+            <a:r>
+              <a:rPr lang="ko-KR" altLang="en-US" sz="1600" b="1" dirty="0">
+                <a:latin typeface="SamsungOneKorean 700"/>
+              </a:rPr>
+              <a:t>형태의 </a:t>
             </a:r>
             <a:r>
               <a:rPr lang="en-US" altLang="ko-KR" sz="1600" b="1" dirty="0">
@@ -18519,7 +18543,7 @@
                   <a:srgbClr val="7F7F7F"/>
                 </a:solidFill>
               </a:rPr>
-              <a:t>– EIP</a:t>
+              <a:t>– Enterprise</a:t>
             </a:r>
             <a:r>
               <a:rPr lang="ko-KR" altLang="en-US" dirty="0">
@@ -18527,7 +18551,15 @@
                   <a:srgbClr val="7F7F7F"/>
                 </a:solidFill>
               </a:rPr>
-              <a:t>를 이용한 패턴화</a:t>
+              <a:t> </a:t>
+            </a:r>
+            <a:r>
+              <a:rPr lang="en-US" altLang="ko-KR" dirty="0">
+                <a:solidFill>
+                  <a:srgbClr val="7F7F7F"/>
+                </a:solidFill>
+              </a:rPr>
+              <a:t>Integration Patterns</a:t>
             </a:r>
             <a:endParaRPr lang="en-US" altLang="ko-KR" dirty="0">
               <a:solidFill>
@@ -32240,13 +32272,13 @@
           <p:nvPr>
             <p:extLst>
               <p:ext uri="{D42A27DB-BD31-4B8C-83A1-F6EECF244321}">
-                <p14:modId xmlns:p14="http://schemas.microsoft.com/office/powerpoint/2010/main" val="1958142731"/>
+                <p14:modId xmlns:p14="http://schemas.microsoft.com/office/powerpoint/2010/main" val="588610445"/>
               </p:ext>
             </p:extLst>
           </p:nvPr>
         </p:nvGraphicFramePr>
         <p:xfrm>
-          <a:off x="1082040" y="1912861"/>
+          <a:off x="1153064" y="1930617"/>
           <a:ext cx="9945624" cy="3561858"/>
         </p:xfrm>
         <a:graphic>
@@ -33227,13 +33259,13 @@
           <p:nvPr>
             <p:extLst>
               <p:ext uri="{D42A27DB-BD31-4B8C-83A1-F6EECF244321}">
-                <p14:modId xmlns:p14="http://schemas.microsoft.com/office/powerpoint/2010/main" val="3243577249"/>
+                <p14:modId xmlns:p14="http://schemas.microsoft.com/office/powerpoint/2010/main" val="4098031525"/>
               </p:ext>
             </p:extLst>
           </p:nvPr>
         </p:nvGraphicFramePr>
         <p:xfrm>
-          <a:off x="2872116" y="1912861"/>
+          <a:off x="2943140" y="1930617"/>
           <a:ext cx="8153952" cy="3561857"/>
         </p:xfrm>
         <a:graphic>
@@ -35031,13 +35063,13 @@
           <p:nvPr>
             <p:extLst>
               <p:ext uri="{D42A27DB-BD31-4B8C-83A1-F6EECF244321}">
-                <p14:modId xmlns:p14="http://schemas.microsoft.com/office/powerpoint/2010/main" val="1976316559"/>
+                <p14:modId xmlns:p14="http://schemas.microsoft.com/office/powerpoint/2010/main" val="2328747277"/>
               </p:ext>
             </p:extLst>
           </p:nvPr>
         </p:nvGraphicFramePr>
         <p:xfrm>
-          <a:off x="1082040" y="1607335"/>
+          <a:off x="1153064" y="1625091"/>
           <a:ext cx="9952904" cy="290286"/>
         </p:xfrm>
         <a:graphic>
@@ -35426,7 +35458,7 @@
         </p:nvSpPr>
         <p:spPr bwMode="auto">
           <a:xfrm>
-            <a:off x="2902597" y="2593291"/>
+            <a:off x="2973621" y="2611047"/>
             <a:ext cx="427343" cy="288000"/>
           </a:xfrm>
           <a:prstGeom prst="homePlate">
@@ -35480,7 +35512,7 @@
         </p:nvSpPr>
         <p:spPr bwMode="auto">
           <a:xfrm>
-            <a:off x="3435657" y="3285039"/>
+            <a:off x="3506681" y="3302795"/>
             <a:ext cx="2425885" cy="432048"/>
           </a:xfrm>
           <a:prstGeom prst="homePlate">
@@ -35540,7 +35572,7 @@
         </p:nvSpPr>
         <p:spPr bwMode="auto">
           <a:xfrm>
-            <a:off x="3623041" y="2370291"/>
+            <a:off x="3694065" y="2388047"/>
             <a:ext cx="709303" cy="326195"/>
           </a:xfrm>
           <a:prstGeom prst="rect">
@@ -35726,7 +35758,7 @@
         </p:nvSpPr>
         <p:spPr bwMode="auto">
           <a:xfrm>
-            <a:off x="3934962" y="2669047"/>
+            <a:off x="4005986" y="2686803"/>
             <a:ext cx="144000" cy="108000"/>
           </a:xfrm>
           <a:prstGeom prst="flowChartMerge">
@@ -35773,7 +35805,7 @@
         </p:nvSpPr>
         <p:spPr bwMode="auto">
           <a:xfrm>
-            <a:off x="5992425" y="4091747"/>
+            <a:off x="6063449" y="4109503"/>
             <a:ext cx="3444537" cy="432048"/>
           </a:xfrm>
           <a:prstGeom prst="homePlate">
@@ -35845,7 +35877,7 @@
         </p:nvSpPr>
         <p:spPr bwMode="auto">
           <a:xfrm>
-            <a:off x="5992426" y="4768899"/>
+            <a:off x="6063450" y="4786655"/>
             <a:ext cx="4891237" cy="432048"/>
           </a:xfrm>
           <a:prstGeom prst="homePlate">
@@ -35903,7 +35935,7 @@
         </p:nvSpPr>
         <p:spPr>
           <a:xfrm>
-            <a:off x="2872116" y="1590085"/>
+            <a:off x="2943140" y="1607841"/>
             <a:ext cx="8153951" cy="3884634"/>
           </a:xfrm>
           <a:prstGeom prst="rect">
@@ -35952,7 +35984,7 @@
         </p:nvSpPr>
         <p:spPr bwMode="auto">
           <a:xfrm>
-            <a:off x="6184743" y="3121941"/>
+            <a:off x="6255767" y="3139697"/>
             <a:ext cx="709303" cy="326195"/>
           </a:xfrm>
           <a:prstGeom prst="rect">
@@ -36141,7 +36173,7 @@
         </p:nvSpPr>
         <p:spPr bwMode="auto">
           <a:xfrm>
-            <a:off x="6496664" y="3420697"/>
+            <a:off x="6567688" y="3438453"/>
             <a:ext cx="144000" cy="108000"/>
           </a:xfrm>
           <a:prstGeom prst="flowChartMerge">
@@ -36188,7 +36220,7 @@
         </p:nvSpPr>
         <p:spPr bwMode="auto">
           <a:xfrm>
-            <a:off x="9382483" y="3745364"/>
+            <a:off x="9453507" y="3763120"/>
             <a:ext cx="709303" cy="326195"/>
           </a:xfrm>
           <a:prstGeom prst="rect">
@@ -36354,7 +36386,7 @@
         </p:nvSpPr>
         <p:spPr bwMode="auto">
           <a:xfrm>
-            <a:off x="9694404" y="4044120"/>
+            <a:off x="9765428" y="4061876"/>
             <a:ext cx="144000" cy="108000"/>
           </a:xfrm>
           <a:prstGeom prst="flowChartMerge">
@@ -36573,7 +36605,7 @@
         </p:nvSpPr>
         <p:spPr bwMode="auto">
           <a:xfrm>
-            <a:off x="10946533" y="4804329"/>
+            <a:off x="11017557" y="4822085"/>
             <a:ext cx="144000" cy="108000"/>
           </a:xfrm>
           <a:prstGeom prst="flowChartMerge">
@@ -36618,7 +36650,7 @@
         </p:nvSpPr>
         <p:spPr>
           <a:xfrm>
-            <a:off x="2099734" y="5663130"/>
+            <a:off x="2170758" y="5680886"/>
             <a:ext cx="8926334" cy="276999"/>
           </a:xfrm>
           <a:prstGeom prst="rect">
